--- a/mono/Defesa TCC - Gerador de Dashboards.pptx
+++ b/mono/Defesa TCC - Gerador de Dashboards.pptx
@@ -2,8 +2,20 @@
 <file path=ppt/presentation.xml><?xml version="1.0" encoding="utf-8"?>
 <p:presentation xmlns:a="http://schemas.openxmlformats.org/drawingml/2006/main" xmlns:r="http://schemas.openxmlformats.org/officeDocument/2006/relationships" xmlns:p="http://schemas.openxmlformats.org/presentationml/2006/main" saveSubsetFonts="1">
   <p:sldMasterIdLst>
-    <p:sldMasterId id="2147483648" r:id="rId1"/>
+    <p:sldMasterId id="2147483684" r:id="rId1"/>
   </p:sldMasterIdLst>
+  <p:sldIdLst>
+    <p:sldId id="256" r:id="rId2"/>
+    <p:sldId id="257" r:id="rId3"/>
+    <p:sldId id="258" r:id="rId4"/>
+    <p:sldId id="259" r:id="rId5"/>
+    <p:sldId id="260" r:id="rId6"/>
+    <p:sldId id="261" r:id="rId7"/>
+    <p:sldId id="262" r:id="rId8"/>
+    <p:sldId id="263" r:id="rId9"/>
+    <p:sldId id="264" r:id="rId10"/>
+    <p:sldId id="265" r:id="rId11"/>
+  </p:sldIdLst>
   <p:sldSz cx="9144000" cy="6858000" type="screen4x3"/>
   <p:notesSz cx="6858000" cy="9144000"/>
   <p:defaultTextStyle>
@@ -123,7 +135,7 @@
       </p:grpSpPr>
       <p:sp>
         <p:nvSpPr>
-          <p:cNvPr id="2" name="Título 1"/>
+          <p:cNvPr id="2" name="Title 1"/>
           <p:cNvSpPr>
             <a:spLocks noGrp="1"/>
           </p:cNvSpPr>
@@ -133,25 +145,31 @@
         </p:nvSpPr>
         <p:spPr>
           <a:xfrm>
-            <a:off x="685800" y="2130425"/>
-            <a:ext cx="7772400" cy="1470025"/>
+            <a:off x="685800" y="1371600"/>
+            <a:ext cx="7848600" cy="1927225"/>
           </a:xfrm>
         </p:spPr>
         <p:txBody>
-          <a:bodyPr/>
-          <a:lstStyle/>
-          <a:p>
-            <a:r>
-              <a:rPr lang="pt-BR" smtClean="0"/>
-              <a:t>Clique para editar o estilo do título mestre</a:t>
-            </a:r>
-            <a:endParaRPr lang="pt-BR"/>
-          </a:p>
-        </p:txBody>
-      </p:sp>
-      <p:sp>
-        <p:nvSpPr>
-          <p:cNvPr id="3" name="Subtítulo 2"/>
+          <a:bodyPr anchor="b">
+            <a:noAutofit/>
+          </a:bodyPr>
+          <a:lstStyle>
+            <a:lvl1pPr>
+              <a:defRPr sz="5400" cap="all" baseline="0"/>
+            </a:lvl1pPr>
+          </a:lstStyle>
+          <a:p>
+            <a:r>
+              <a:rPr lang="pt-BR" smtClean="0"/>
+              <a:t>Clique para editar o título mestre</a:t>
+            </a:r>
+            <a:endParaRPr lang="en-US" dirty="0"/>
+          </a:p>
+        </p:txBody>
+      </p:sp>
+      <p:sp>
+        <p:nvSpPr>
+          <p:cNvPr id="3" name="Subtitle 2"/>
           <p:cNvSpPr>
             <a:spLocks noGrp="1"/>
           </p:cNvSpPr>
@@ -161,19 +179,20 @@
         </p:nvSpPr>
         <p:spPr>
           <a:xfrm>
-            <a:off x="1371600" y="3886200"/>
+            <a:off x="685800" y="3505200"/>
             <a:ext cx="6400800" cy="1752600"/>
           </a:xfrm>
         </p:spPr>
         <p:txBody>
           <a:bodyPr/>
           <a:lstStyle>
-            <a:lvl1pPr marL="0" indent="0" algn="ctr">
+            <a:lvl1pPr marL="0" indent="0" algn="l">
               <a:buNone/>
               <a:defRPr>
                 <a:solidFill>
                   <a:schemeClr val="tx1">
-                    <a:tint val="75000"/>
+                    <a:lumMod val="75000"/>
+                    <a:lumOff val="25000"/>
                   </a:schemeClr>
                 </a:solidFill>
               </a:defRPr>
@@ -264,13 +283,13 @@
               <a:rPr lang="pt-BR" smtClean="0"/>
               <a:t>Clique para editar o estilo do subtítulo mestre</a:t>
             </a:r>
-            <a:endParaRPr lang="pt-BR"/>
-          </a:p>
-        </p:txBody>
-      </p:sp>
-      <p:sp>
-        <p:nvSpPr>
-          <p:cNvPr id="4" name="Espaço Reservado para Data 3"/>
+            <a:endParaRPr lang="en-US" dirty="0"/>
+          </a:p>
+        </p:txBody>
+      </p:sp>
+      <p:sp>
+        <p:nvSpPr>
+          <p:cNvPr id="4" name="Date Placeholder 3"/>
           <p:cNvSpPr>
             <a:spLocks noGrp="1"/>
           </p:cNvSpPr>
@@ -285,7 +304,7 @@
           <a:p>
             <a:fld id="{2E700DB3-DBF0-4086-B675-117E7A9610B8}" type="datetimeFigureOut">
               <a:rPr lang="pt-BR" smtClean="0"/>
-              <a:t>20/9/2006</a:t>
+              <a:t>25/02/2020</a:t>
             </a:fld>
             <a:endParaRPr lang="pt-BR"/>
           </a:p>
@@ -293,7 +312,7 @@
       </p:sp>
       <p:sp>
         <p:nvSpPr>
-          <p:cNvPr id="5" name="Espaço Reservado para Rodapé 4"/>
+          <p:cNvPr id="5" name="Footer Placeholder 4"/>
           <p:cNvSpPr>
             <a:spLocks noGrp="1"/>
           </p:cNvSpPr>
@@ -312,7 +331,7 @@
       </p:sp>
       <p:sp>
         <p:nvSpPr>
-          <p:cNvPr id="6" name="Espaço Reservado para Número de Slide 5"/>
+          <p:cNvPr id="6" name="Slide Number Placeholder 5"/>
           <p:cNvSpPr>
             <a:spLocks noGrp="1"/>
           </p:cNvSpPr>
@@ -333,6 +352,41 @@
           </a:p>
         </p:txBody>
       </p:sp>
+      <p:cxnSp>
+        <p:nvCxnSpPr>
+          <p:cNvPr id="8" name="Straight Connector 7"/>
+          <p:cNvCxnSpPr/>
+          <p:nvPr/>
+        </p:nvCxnSpPr>
+        <p:spPr>
+          <a:xfrm>
+            <a:off x="685800" y="3398520"/>
+            <a:ext cx="7848600" cy="1588"/>
+          </a:xfrm>
+          <a:prstGeom prst="line">
+            <a:avLst/>
+          </a:prstGeom>
+          <a:ln w="19050">
+            <a:solidFill>
+              <a:schemeClr val="tx2"/>
+            </a:solidFill>
+          </a:ln>
+        </p:spPr>
+        <p:style>
+          <a:lnRef idx="1">
+            <a:schemeClr val="accent1"/>
+          </a:lnRef>
+          <a:fillRef idx="0">
+            <a:schemeClr val="accent1"/>
+          </a:fillRef>
+          <a:effectRef idx="0">
+            <a:schemeClr val="accent1"/>
+          </a:effectRef>
+          <a:fontRef idx="minor">
+            <a:schemeClr val="tx1"/>
+          </a:fontRef>
+        </p:style>
+      </p:cxnSp>
     </p:spTree>
   </p:cSld>
   <p:clrMapOvr>
@@ -360,7 +414,7 @@
       </p:grpSpPr>
       <p:sp>
         <p:nvSpPr>
-          <p:cNvPr id="2" name="Título 1"/>
+          <p:cNvPr id="2" name="Title 1"/>
           <p:cNvSpPr>
             <a:spLocks noGrp="1"/>
           </p:cNvSpPr>
@@ -375,15 +429,15 @@
           <a:p>
             <a:r>
               <a:rPr lang="pt-BR" smtClean="0"/>
-              <a:t>Clique para editar o estilo do título mestre</a:t>
-            </a:r>
-            <a:endParaRPr lang="pt-BR"/>
-          </a:p>
-        </p:txBody>
-      </p:sp>
-      <p:sp>
-        <p:nvSpPr>
-          <p:cNvPr id="3" name="Espaço Reservado para Texto Vertical 2"/>
+              <a:t>Clique para editar o título mestre</a:t>
+            </a:r>
+            <a:endParaRPr lang="en-US"/>
+          </a:p>
+        </p:txBody>
+      </p:sp>
+      <p:sp>
+        <p:nvSpPr>
+          <p:cNvPr id="3" name="Vertical Text Placeholder 2"/>
           <p:cNvSpPr>
             <a:spLocks noGrp="1"/>
           </p:cNvSpPr>
@@ -399,7 +453,7 @@
             <a:pPr lvl="0"/>
             <a:r>
               <a:rPr lang="pt-BR" smtClean="0"/>
-              <a:t>Clique para editar os estilos do texto mestre</a:t>
+              <a:t>Clique para editar o texto mestre</a:t>
             </a:r>
           </a:p>
           <a:p>
@@ -429,13 +483,13 @@
               <a:rPr lang="pt-BR" smtClean="0"/>
               <a:t>Quinto nível</a:t>
             </a:r>
-            <a:endParaRPr lang="pt-BR"/>
-          </a:p>
-        </p:txBody>
-      </p:sp>
-      <p:sp>
-        <p:nvSpPr>
-          <p:cNvPr id="4" name="Espaço Reservado para Data 3"/>
+            <a:endParaRPr lang="en-US"/>
+          </a:p>
+        </p:txBody>
+      </p:sp>
+      <p:sp>
+        <p:nvSpPr>
+          <p:cNvPr id="4" name="Date Placeholder 3"/>
           <p:cNvSpPr>
             <a:spLocks noGrp="1"/>
           </p:cNvSpPr>
@@ -450,7 +504,7 @@
           <a:p>
             <a:fld id="{2E700DB3-DBF0-4086-B675-117E7A9610B8}" type="datetimeFigureOut">
               <a:rPr lang="pt-BR" smtClean="0"/>
-              <a:t>20/9/2006</a:t>
+              <a:t>25/02/2020</a:t>
             </a:fld>
             <a:endParaRPr lang="pt-BR"/>
           </a:p>
@@ -458,7 +512,7 @@
       </p:sp>
       <p:sp>
         <p:nvSpPr>
-          <p:cNvPr id="5" name="Espaço Reservado para Rodapé 4"/>
+          <p:cNvPr id="5" name="Footer Placeholder 4"/>
           <p:cNvSpPr>
             <a:spLocks noGrp="1"/>
           </p:cNvSpPr>
@@ -477,7 +531,7 @@
       </p:sp>
       <p:sp>
         <p:nvSpPr>
-          <p:cNvPr id="6" name="Espaço Reservado para Número de Slide 5"/>
+          <p:cNvPr id="6" name="Slide Number Placeholder 5"/>
           <p:cNvSpPr>
             <a:spLocks noGrp="1"/>
           </p:cNvSpPr>
@@ -525,7 +579,7 @@
       </p:grpSpPr>
       <p:sp>
         <p:nvSpPr>
-          <p:cNvPr id="2" name="Título Vertical 1"/>
+          <p:cNvPr id="2" name="Vertical Title 1"/>
           <p:cNvSpPr>
             <a:spLocks noGrp="1"/>
           </p:cNvSpPr>
@@ -535,46 +589,46 @@
         </p:nvSpPr>
         <p:spPr>
           <a:xfrm>
-            <a:off x="6629400" y="274638"/>
-            <a:ext cx="2057400" cy="5851525"/>
+            <a:off x="6629400" y="609600"/>
+            <a:ext cx="2057400" cy="5867400"/>
           </a:xfrm>
         </p:spPr>
         <p:txBody>
+          <a:bodyPr vert="eaVert" anchor="b"/>
+          <a:lstStyle/>
+          <a:p>
+            <a:r>
+              <a:rPr lang="pt-BR" smtClean="0"/>
+              <a:t>Clique para editar o título mestre</a:t>
+            </a:r>
+            <a:endParaRPr lang="en-US" dirty="0"/>
+          </a:p>
+        </p:txBody>
+      </p:sp>
+      <p:sp>
+        <p:nvSpPr>
+          <p:cNvPr id="3" name="Vertical Text Placeholder 2"/>
+          <p:cNvSpPr>
+            <a:spLocks noGrp="1"/>
+          </p:cNvSpPr>
+          <p:nvPr>
+            <p:ph type="body" orient="vert" idx="1"/>
+          </p:nvPr>
+        </p:nvSpPr>
+        <p:spPr>
+          <a:xfrm>
+            <a:off x="457200" y="609600"/>
+            <a:ext cx="6019800" cy="5867400"/>
+          </a:xfrm>
+        </p:spPr>
+        <p:txBody>
           <a:bodyPr vert="eaVert"/>
           <a:lstStyle/>
           <a:p>
-            <a:r>
-              <a:rPr lang="pt-BR" smtClean="0"/>
-              <a:t>Clique para editar o estilo do título mestre</a:t>
-            </a:r>
-            <a:endParaRPr lang="pt-BR"/>
-          </a:p>
-        </p:txBody>
-      </p:sp>
-      <p:sp>
-        <p:nvSpPr>
-          <p:cNvPr id="3" name="Espaço Reservado para Texto Vertical 2"/>
-          <p:cNvSpPr>
-            <a:spLocks noGrp="1"/>
-          </p:cNvSpPr>
-          <p:nvPr>
-            <p:ph type="body" orient="vert" idx="1"/>
-          </p:nvPr>
-        </p:nvSpPr>
-        <p:spPr>
-          <a:xfrm>
-            <a:off x="457200" y="274638"/>
-            <a:ext cx="6019800" cy="5851525"/>
-          </a:xfrm>
-        </p:spPr>
-        <p:txBody>
-          <a:bodyPr vert="eaVert"/>
-          <a:lstStyle/>
-          <a:p>
             <a:pPr lvl="0"/>
             <a:r>
               <a:rPr lang="pt-BR" smtClean="0"/>
-              <a:t>Clique para editar os estilos do texto mestre</a:t>
+              <a:t>Clique para editar o texto mestre</a:t>
             </a:r>
           </a:p>
           <a:p>
@@ -604,13 +658,13 @@
               <a:rPr lang="pt-BR" smtClean="0"/>
               <a:t>Quinto nível</a:t>
             </a:r>
-            <a:endParaRPr lang="pt-BR"/>
-          </a:p>
-        </p:txBody>
-      </p:sp>
-      <p:sp>
-        <p:nvSpPr>
-          <p:cNvPr id="4" name="Espaço Reservado para Data 3"/>
+            <a:endParaRPr lang="en-US" dirty="0"/>
+          </a:p>
+        </p:txBody>
+      </p:sp>
+      <p:sp>
+        <p:nvSpPr>
+          <p:cNvPr id="4" name="Date Placeholder 3"/>
           <p:cNvSpPr>
             <a:spLocks noGrp="1"/>
           </p:cNvSpPr>
@@ -625,7 +679,7 @@
           <a:p>
             <a:fld id="{2E700DB3-DBF0-4086-B675-117E7A9610B8}" type="datetimeFigureOut">
               <a:rPr lang="pt-BR" smtClean="0"/>
-              <a:t>20/9/2006</a:t>
+              <a:t>25/02/2020</a:t>
             </a:fld>
             <a:endParaRPr lang="pt-BR"/>
           </a:p>
@@ -633,7 +687,7 @@
       </p:sp>
       <p:sp>
         <p:nvSpPr>
-          <p:cNvPr id="5" name="Espaço Reservado para Rodapé 4"/>
+          <p:cNvPr id="5" name="Footer Placeholder 4"/>
           <p:cNvSpPr>
             <a:spLocks noGrp="1"/>
           </p:cNvSpPr>
@@ -652,7 +706,7 @@
       </p:sp>
       <p:sp>
         <p:nvSpPr>
-          <p:cNvPr id="6" name="Espaço Reservado para Número de Slide 5"/>
+          <p:cNvPr id="6" name="Slide Number Placeholder 5"/>
           <p:cNvSpPr>
             <a:spLocks noGrp="1"/>
           </p:cNvSpPr>
@@ -700,7 +754,7 @@
       </p:grpSpPr>
       <p:sp>
         <p:nvSpPr>
-          <p:cNvPr id="2" name="Título 1"/>
+          <p:cNvPr id="2" name="Title 1"/>
           <p:cNvSpPr>
             <a:spLocks noGrp="1"/>
           </p:cNvSpPr>
@@ -715,15 +769,15 @@
           <a:p>
             <a:r>
               <a:rPr lang="pt-BR" smtClean="0"/>
-              <a:t>Clique para editar o estilo do título mestre</a:t>
-            </a:r>
-            <a:endParaRPr lang="pt-BR"/>
-          </a:p>
-        </p:txBody>
-      </p:sp>
-      <p:sp>
-        <p:nvSpPr>
-          <p:cNvPr id="3" name="Espaço Reservado para Conteúdo 2"/>
+              <a:t>Clique para editar o título mestre</a:t>
+            </a:r>
+            <a:endParaRPr lang="en-US"/>
+          </a:p>
+        </p:txBody>
+      </p:sp>
+      <p:sp>
+        <p:nvSpPr>
+          <p:cNvPr id="3" name="Content Placeholder 2"/>
           <p:cNvSpPr>
             <a:spLocks noGrp="1"/>
           </p:cNvSpPr>
@@ -739,7 +793,7 @@
             <a:pPr lvl="0"/>
             <a:r>
               <a:rPr lang="pt-BR" smtClean="0"/>
-              <a:t>Clique para editar os estilos do texto mestre</a:t>
+              <a:t>Clique para editar o texto mestre</a:t>
             </a:r>
           </a:p>
           <a:p>
@@ -769,13 +823,13 @@
               <a:rPr lang="pt-BR" smtClean="0"/>
               <a:t>Quinto nível</a:t>
             </a:r>
-            <a:endParaRPr lang="pt-BR"/>
-          </a:p>
-        </p:txBody>
-      </p:sp>
-      <p:sp>
-        <p:nvSpPr>
-          <p:cNvPr id="4" name="Espaço Reservado para Data 3"/>
+            <a:endParaRPr lang="en-US"/>
+          </a:p>
+        </p:txBody>
+      </p:sp>
+      <p:sp>
+        <p:nvSpPr>
+          <p:cNvPr id="4" name="Date Placeholder 3"/>
           <p:cNvSpPr>
             <a:spLocks noGrp="1"/>
           </p:cNvSpPr>
@@ -790,7 +844,7 @@
           <a:p>
             <a:fld id="{2E700DB3-DBF0-4086-B675-117E7A9610B8}" type="datetimeFigureOut">
               <a:rPr lang="pt-BR" smtClean="0"/>
-              <a:t>20/9/2006</a:t>
+              <a:t>25/02/2020</a:t>
             </a:fld>
             <a:endParaRPr lang="pt-BR"/>
           </a:p>
@@ -798,7 +852,7 @@
       </p:sp>
       <p:sp>
         <p:nvSpPr>
-          <p:cNvPr id="5" name="Espaço Reservado para Rodapé 4"/>
+          <p:cNvPr id="5" name="Footer Placeholder 4"/>
           <p:cNvSpPr>
             <a:spLocks noGrp="1"/>
           </p:cNvSpPr>
@@ -817,7 +871,7 @@
       </p:sp>
       <p:sp>
         <p:nvSpPr>
-          <p:cNvPr id="6" name="Espaço Reservado para Número de Slide 5"/>
+          <p:cNvPr id="6" name="Slide Number Placeholder 5"/>
           <p:cNvSpPr>
             <a:spLocks noGrp="1"/>
           </p:cNvSpPr>
@@ -849,6 +903,11 @@
 <file path=ppt/slideLayouts/slideLayout3.xml><?xml version="1.0" encoding="utf-8"?>
 <p:sldLayout xmlns:a="http://schemas.openxmlformats.org/drawingml/2006/main" xmlns:r="http://schemas.openxmlformats.org/officeDocument/2006/relationships" xmlns:p="http://schemas.openxmlformats.org/presentationml/2006/main" type="secHead" preserve="1">
   <p:cSld name="Cabeçalho da Seção">
+    <p:bg>
+      <p:bgRef idx="1001">
+        <a:schemeClr val="bg2"/>
+      </p:bgRef>
+    </p:bg>
     <p:spTree>
       <p:nvGrpSpPr>
         <p:cNvPr id="1" name=""/>
@@ -865,7 +924,7 @@
       </p:grpSpPr>
       <p:sp>
         <p:nvSpPr>
-          <p:cNvPr id="2" name="Título 1"/>
+          <p:cNvPr id="2" name="Title 1"/>
           <p:cNvSpPr>
             <a:spLocks noGrp="1"/>
           </p:cNvSpPr>
@@ -875,29 +934,31 @@
         </p:nvSpPr>
         <p:spPr>
           <a:xfrm>
-            <a:off x="722313" y="4406900"/>
-            <a:ext cx="7772400" cy="1362075"/>
+            <a:off x="722313" y="2362200"/>
+            <a:ext cx="7772400" cy="2200275"/>
           </a:xfrm>
         </p:spPr>
         <p:txBody>
-          <a:bodyPr anchor="t"/>
+          <a:bodyPr anchor="b">
+            <a:normAutofit/>
+          </a:bodyPr>
           <a:lstStyle>
             <a:lvl1pPr algn="l">
-              <a:defRPr sz="4000" b="1" cap="all"/>
+              <a:defRPr sz="4800" b="0" cap="all"/>
             </a:lvl1pPr>
           </a:lstStyle>
           <a:p>
             <a:r>
               <a:rPr lang="pt-BR" smtClean="0"/>
-              <a:t>Clique para editar o estilo do título mestre</a:t>
-            </a:r>
-            <a:endParaRPr lang="pt-BR"/>
-          </a:p>
-        </p:txBody>
-      </p:sp>
-      <p:sp>
-        <p:nvSpPr>
-          <p:cNvPr id="3" name="Espaço Reservado para Texto 2"/>
+              <a:t>Clique para editar o título mestre</a:t>
+            </a:r>
+            <a:endParaRPr lang="en-US" dirty="0"/>
+          </a:p>
+        </p:txBody>
+      </p:sp>
+      <p:sp>
+        <p:nvSpPr>
+          <p:cNvPr id="3" name="Text Placeholder 2"/>
           <p:cNvSpPr>
             <a:spLocks noGrp="1"/>
           </p:cNvSpPr>
@@ -907,20 +968,20 @@
         </p:nvSpPr>
         <p:spPr>
           <a:xfrm>
-            <a:off x="722313" y="2906713"/>
+            <a:off x="722313" y="4626864"/>
             <a:ext cx="7772400" cy="1500187"/>
           </a:xfrm>
         </p:spPr>
         <p:txBody>
-          <a:bodyPr anchor="b"/>
+          <a:bodyPr anchor="t">
+            <a:normAutofit/>
+          </a:bodyPr>
           <a:lstStyle>
             <a:lvl1pPr marL="0" indent="0">
               <a:buNone/>
-              <a:defRPr sz="2000">
+              <a:defRPr sz="2400">
                 <a:solidFill>
-                  <a:schemeClr val="tx1">
-                    <a:tint val="75000"/>
-                  </a:schemeClr>
+                  <a:schemeClr val="tx2"/>
                 </a:solidFill>
               </a:defRPr>
             </a:lvl1pPr>
@@ -1009,14 +1070,14 @@
             <a:pPr lvl="0"/>
             <a:r>
               <a:rPr lang="pt-BR" smtClean="0"/>
-              <a:t>Clique para editar os estilos do texto mestre</a:t>
-            </a:r>
-          </a:p>
-        </p:txBody>
-      </p:sp>
-      <p:sp>
-        <p:nvSpPr>
-          <p:cNvPr id="4" name="Espaço Reservado para Data 3"/>
+              <a:t>Clique para editar o texto mestre</a:t>
+            </a:r>
+          </a:p>
+        </p:txBody>
+      </p:sp>
+      <p:sp>
+        <p:nvSpPr>
+          <p:cNvPr id="4" name="Date Placeholder 3"/>
           <p:cNvSpPr>
             <a:spLocks noGrp="1"/>
           </p:cNvSpPr>
@@ -1031,7 +1092,7 @@
           <a:p>
             <a:fld id="{2E700DB3-DBF0-4086-B675-117E7A9610B8}" type="datetimeFigureOut">
               <a:rPr lang="pt-BR" smtClean="0"/>
-              <a:t>20/9/2006</a:t>
+              <a:t>25/02/2020</a:t>
             </a:fld>
             <a:endParaRPr lang="pt-BR"/>
           </a:p>
@@ -1039,7 +1100,7 @@
       </p:sp>
       <p:sp>
         <p:nvSpPr>
-          <p:cNvPr id="5" name="Espaço Reservado para Rodapé 4"/>
+          <p:cNvPr id="5" name="Footer Placeholder 4"/>
           <p:cNvSpPr>
             <a:spLocks noGrp="1"/>
           </p:cNvSpPr>
@@ -1058,7 +1119,7 @@
       </p:sp>
       <p:sp>
         <p:nvSpPr>
-          <p:cNvPr id="6" name="Espaço Reservado para Número de Slide 5"/>
+          <p:cNvPr id="6" name="Slide Number Placeholder 5"/>
           <p:cNvSpPr>
             <a:spLocks noGrp="1"/>
           </p:cNvSpPr>
@@ -1079,10 +1140,45 @@
           </a:p>
         </p:txBody>
       </p:sp>
+      <p:cxnSp>
+        <p:nvCxnSpPr>
+          <p:cNvPr id="7" name="Straight Connector 6"/>
+          <p:cNvCxnSpPr/>
+          <p:nvPr/>
+        </p:nvCxnSpPr>
+        <p:spPr>
+          <a:xfrm>
+            <a:off x="731520" y="4599432"/>
+            <a:ext cx="7848600" cy="1588"/>
+          </a:xfrm>
+          <a:prstGeom prst="line">
+            <a:avLst/>
+          </a:prstGeom>
+          <a:ln w="19050">
+            <a:solidFill>
+              <a:schemeClr val="tx2"/>
+            </a:solidFill>
+          </a:ln>
+        </p:spPr>
+        <p:style>
+          <a:lnRef idx="1">
+            <a:schemeClr val="accent1"/>
+          </a:lnRef>
+          <a:fillRef idx="0">
+            <a:schemeClr val="accent1"/>
+          </a:fillRef>
+          <a:effectRef idx="0">
+            <a:schemeClr val="accent1"/>
+          </a:effectRef>
+          <a:fontRef idx="minor">
+            <a:schemeClr val="tx1"/>
+          </a:fontRef>
+        </p:style>
+      </p:cxnSp>
     </p:spTree>
   </p:cSld>
   <p:clrMapOvr>
-    <a:masterClrMapping/>
+    <a:overrideClrMapping bg1="dk1" tx1="lt1" bg2="dk2" tx2="lt2" accent1="accent1" accent2="accent2" accent3="accent3" accent4="accent4" accent5="accent5" accent6="accent6" hlink="hlink" folHlink="folHlink"/>
   </p:clrMapOvr>
 </p:sldLayout>
 </file>
@@ -1106,7 +1202,7 @@
       </p:grpSpPr>
       <p:sp>
         <p:nvSpPr>
-          <p:cNvPr id="2" name="Título 1"/>
+          <p:cNvPr id="2" name="Title 1"/>
           <p:cNvSpPr>
             <a:spLocks noGrp="1"/>
           </p:cNvSpPr>
@@ -1121,15 +1217,15 @@
           <a:p>
             <a:r>
               <a:rPr lang="pt-BR" smtClean="0"/>
-              <a:t>Clique para editar o estilo do título mestre</a:t>
-            </a:r>
-            <a:endParaRPr lang="pt-BR"/>
-          </a:p>
-        </p:txBody>
-      </p:sp>
-      <p:sp>
-        <p:nvSpPr>
-          <p:cNvPr id="3" name="Espaço Reservado para Conteúdo 2"/>
+              <a:t>Clique para editar o título mestre</a:t>
+            </a:r>
+            <a:endParaRPr lang="en-US"/>
+          </a:p>
+        </p:txBody>
+      </p:sp>
+      <p:sp>
+        <p:nvSpPr>
+          <p:cNvPr id="3" name="Content Placeholder 2"/>
           <p:cNvSpPr>
             <a:spLocks noGrp="1"/>
           </p:cNvSpPr>
@@ -1139,8 +1235,8 @@
         </p:nvSpPr>
         <p:spPr>
           <a:xfrm>
-            <a:off x="457200" y="1600200"/>
-            <a:ext cx="4038600" cy="4525963"/>
+            <a:off x="457200" y="1673352"/>
+            <a:ext cx="4038600" cy="4718304"/>
           </a:xfrm>
         </p:spPr>
         <p:txBody>
@@ -1178,7 +1274,7 @@
             <a:pPr lvl="0"/>
             <a:r>
               <a:rPr lang="pt-BR" smtClean="0"/>
-              <a:t>Clique para editar os estilos do texto mestre</a:t>
+              <a:t>Clique para editar o texto mestre</a:t>
             </a:r>
           </a:p>
           <a:p>
@@ -1208,13 +1304,13 @@
               <a:rPr lang="pt-BR" smtClean="0"/>
               <a:t>Quinto nível</a:t>
             </a:r>
-            <a:endParaRPr lang="pt-BR"/>
-          </a:p>
-        </p:txBody>
-      </p:sp>
-      <p:sp>
-        <p:nvSpPr>
-          <p:cNvPr id="4" name="Espaço Reservado para Conteúdo 3"/>
+            <a:endParaRPr lang="en-US" dirty="0"/>
+          </a:p>
+        </p:txBody>
+      </p:sp>
+      <p:sp>
+        <p:nvSpPr>
+          <p:cNvPr id="4" name="Content Placeholder 3"/>
           <p:cNvSpPr>
             <a:spLocks noGrp="1"/>
           </p:cNvSpPr>
@@ -1224,8 +1320,8 @@
         </p:nvSpPr>
         <p:spPr>
           <a:xfrm>
-            <a:off x="4648200" y="1600200"/>
-            <a:ext cx="4038600" cy="4525963"/>
+            <a:off x="4648200" y="1673352"/>
+            <a:ext cx="4038600" cy="4718304"/>
           </a:xfrm>
         </p:spPr>
         <p:txBody>
@@ -1263,7 +1359,7 @@
             <a:pPr lvl="0"/>
             <a:r>
               <a:rPr lang="pt-BR" smtClean="0"/>
-              <a:t>Clique para editar os estilos do texto mestre</a:t>
+              <a:t>Clique para editar o texto mestre</a:t>
             </a:r>
           </a:p>
           <a:p>
@@ -1293,13 +1389,13 @@
               <a:rPr lang="pt-BR" smtClean="0"/>
               <a:t>Quinto nível</a:t>
             </a:r>
-            <a:endParaRPr lang="pt-BR"/>
-          </a:p>
-        </p:txBody>
-      </p:sp>
-      <p:sp>
-        <p:nvSpPr>
-          <p:cNvPr id="5" name="Espaço Reservado para Data 4"/>
+            <a:endParaRPr lang="en-US" dirty="0"/>
+          </a:p>
+        </p:txBody>
+      </p:sp>
+      <p:sp>
+        <p:nvSpPr>
+          <p:cNvPr id="5" name="Date Placeholder 4"/>
           <p:cNvSpPr>
             <a:spLocks noGrp="1"/>
           </p:cNvSpPr>
@@ -1314,7 +1410,7 @@
           <a:p>
             <a:fld id="{2E700DB3-DBF0-4086-B675-117E7A9610B8}" type="datetimeFigureOut">
               <a:rPr lang="pt-BR" smtClean="0"/>
-              <a:t>20/9/2006</a:t>
+              <a:t>25/02/2020</a:t>
             </a:fld>
             <a:endParaRPr lang="pt-BR"/>
           </a:p>
@@ -1322,7 +1418,7 @@
       </p:sp>
       <p:sp>
         <p:nvSpPr>
-          <p:cNvPr id="6" name="Espaço Reservado para Rodapé 5"/>
+          <p:cNvPr id="6" name="Footer Placeholder 5"/>
           <p:cNvSpPr>
             <a:spLocks noGrp="1"/>
           </p:cNvSpPr>
@@ -1341,7 +1437,7 @@
       </p:sp>
       <p:sp>
         <p:nvSpPr>
-          <p:cNvPr id="7" name="Espaço Reservado para Número de Slide 6"/>
+          <p:cNvPr id="7" name="Slide Number Placeholder 6"/>
           <p:cNvSpPr>
             <a:spLocks noGrp="1"/>
           </p:cNvSpPr>
@@ -1389,7 +1485,7 @@
       </p:grpSpPr>
       <p:sp>
         <p:nvSpPr>
-          <p:cNvPr id="2" name="Título 1"/>
+          <p:cNvPr id="2" name="Title 1"/>
           <p:cNvSpPr>
             <a:spLocks noGrp="1"/>
           </p:cNvSpPr>
@@ -1408,15 +1504,15 @@
           <a:p>
             <a:r>
               <a:rPr lang="pt-BR" smtClean="0"/>
-              <a:t>Clique para editar o estilo do título mestre</a:t>
-            </a:r>
-            <a:endParaRPr lang="pt-BR"/>
-          </a:p>
-        </p:txBody>
-      </p:sp>
-      <p:sp>
-        <p:nvSpPr>
-          <p:cNvPr id="3" name="Espaço Reservado para Texto 2"/>
+              <a:t>Clique para editar o título mestre</a:t>
+            </a:r>
+            <a:endParaRPr lang="en-US" dirty="0"/>
+          </a:p>
+        </p:txBody>
+      </p:sp>
+      <p:sp>
+        <p:nvSpPr>
+          <p:cNvPr id="3" name="Text Placeholder 2"/>
           <p:cNvSpPr>
             <a:spLocks noGrp="1"/>
           </p:cNvSpPr>
@@ -1426,16 +1522,39 @@
         </p:nvSpPr>
         <p:spPr>
           <a:xfrm>
-            <a:off x="457200" y="1535113"/>
-            <a:ext cx="4040188" cy="639762"/>
+            <a:off x="457200" y="1676400"/>
+            <a:ext cx="3931920" cy="639762"/>
           </a:xfrm>
+          <a:noFill/>
+          <a:ln>
+            <a:noFill/>
+          </a:ln>
+          <a:effectLst/>
         </p:spPr>
-        <p:txBody>
-          <a:bodyPr anchor="b"/>
+        <p:style>
+          <a:lnRef idx="3">
+            <a:schemeClr val="lt1"/>
+          </a:lnRef>
+          <a:fillRef idx="1">
+            <a:schemeClr val="accent2"/>
+          </a:fillRef>
+          <a:effectRef idx="1">
+            <a:schemeClr val="accent2"/>
+          </a:effectRef>
+          <a:fontRef idx="none"/>
+        </p:style>
+        <p:txBody>
+          <a:bodyPr anchor="ctr">
+            <a:normAutofit/>
+          </a:bodyPr>
           <a:lstStyle>
-            <a:lvl1pPr marL="0" indent="0">
-              <a:buNone/>
-              <a:defRPr sz="2400" b="1"/>
+            <a:lvl1pPr marL="0" indent="0" algn="ctr">
+              <a:buNone/>
+              <a:defRPr sz="2000" b="0">
+                <a:solidFill>
+                  <a:schemeClr val="tx2"/>
+                </a:solidFill>
+              </a:defRPr>
             </a:lvl1pPr>
             <a:lvl2pPr marL="457200" indent="0">
               <a:buNone/>
@@ -1474,14 +1593,14 @@
             <a:pPr lvl="0"/>
             <a:r>
               <a:rPr lang="pt-BR" smtClean="0"/>
-              <a:t>Clique para editar os estilos do texto mestre</a:t>
-            </a:r>
-          </a:p>
-        </p:txBody>
-      </p:sp>
-      <p:sp>
-        <p:nvSpPr>
-          <p:cNvPr id="4" name="Espaço Reservado para Conteúdo 3"/>
+              <a:t>Clique para editar o texto mestre</a:t>
+            </a:r>
+          </a:p>
+        </p:txBody>
+      </p:sp>
+      <p:sp>
+        <p:nvSpPr>
+          <p:cNvPr id="4" name="Content Placeholder 3"/>
           <p:cNvSpPr>
             <a:spLocks noGrp="1"/>
           </p:cNvSpPr>
@@ -1491,8 +1610,8 @@
         </p:nvSpPr>
         <p:spPr>
           <a:xfrm>
-            <a:off x="457200" y="2174875"/>
-            <a:ext cx="4040188" cy="3951288"/>
+            <a:off x="457200" y="2438400"/>
+            <a:ext cx="3931920" cy="3951288"/>
           </a:xfrm>
         </p:spPr>
         <p:txBody>
@@ -1530,7 +1649,7 @@
             <a:pPr lvl="0"/>
             <a:r>
               <a:rPr lang="pt-BR" smtClean="0"/>
-              <a:t>Clique para editar os estilos do texto mestre</a:t>
+              <a:t>Clique para editar o texto mestre</a:t>
             </a:r>
           </a:p>
           <a:p>
@@ -1560,13 +1679,13 @@
               <a:rPr lang="pt-BR" smtClean="0"/>
               <a:t>Quinto nível</a:t>
             </a:r>
-            <a:endParaRPr lang="pt-BR"/>
-          </a:p>
-        </p:txBody>
-      </p:sp>
-      <p:sp>
-        <p:nvSpPr>
-          <p:cNvPr id="5" name="Espaço Reservado para Texto 4"/>
+            <a:endParaRPr lang="en-US" dirty="0"/>
+          </a:p>
+        </p:txBody>
+      </p:sp>
+      <p:sp>
+        <p:nvSpPr>
+          <p:cNvPr id="5" name="Text Placeholder 4"/>
           <p:cNvSpPr>
             <a:spLocks noGrp="1"/>
           </p:cNvSpPr>
@@ -1576,16 +1695,42 @@
         </p:nvSpPr>
         <p:spPr>
           <a:xfrm>
-            <a:off x="4645025" y="1535113"/>
-            <a:ext cx="4041775" cy="639762"/>
+            <a:off x="4754880" y="1676400"/>
+            <a:ext cx="3931920" cy="639762"/>
           </a:xfrm>
+          <a:noFill/>
+          <a:ln>
+            <a:noFill/>
+          </a:ln>
+          <a:effectLst/>
         </p:spPr>
-        <p:txBody>
-          <a:bodyPr anchor="b"/>
+        <p:style>
+          <a:lnRef idx="3">
+            <a:schemeClr val="lt1"/>
+          </a:lnRef>
+          <a:fillRef idx="1">
+            <a:schemeClr val="accent2"/>
+          </a:fillRef>
+          <a:effectRef idx="1">
+            <a:schemeClr val="accent2"/>
+          </a:effectRef>
+          <a:fontRef idx="none"/>
+        </p:style>
+        <p:txBody>
+          <a:bodyPr anchor="ctr">
+            <a:normAutofit/>
+          </a:bodyPr>
           <a:lstStyle>
-            <a:lvl1pPr marL="0" indent="0">
-              <a:buNone/>
-              <a:defRPr sz="2400" b="1"/>
+            <a:lvl1pPr marL="0" indent="0" algn="ctr">
+              <a:buNone/>
+              <a:defRPr lang="en-US" sz="2000" b="0" kern="1200" dirty="0" smtClean="0">
+                <a:solidFill>
+                  <a:schemeClr val="tx2"/>
+                </a:solidFill>
+                <a:latin typeface="+mn-lt"/>
+                <a:ea typeface="+mn-ea"/>
+                <a:cs typeface="+mn-cs"/>
+              </a:defRPr>
             </a:lvl1pPr>
             <a:lvl2pPr marL="457200" indent="0">
               <a:buNone/>
@@ -1624,14 +1769,14 @@
             <a:pPr lvl="0"/>
             <a:r>
               <a:rPr lang="pt-BR" smtClean="0"/>
-              <a:t>Clique para editar os estilos do texto mestre</a:t>
-            </a:r>
-          </a:p>
-        </p:txBody>
-      </p:sp>
-      <p:sp>
-        <p:nvSpPr>
-          <p:cNvPr id="6" name="Espaço Reservado para Conteúdo 5"/>
+              <a:t>Clique para editar o texto mestre</a:t>
+            </a:r>
+          </a:p>
+        </p:txBody>
+      </p:sp>
+      <p:sp>
+        <p:nvSpPr>
+          <p:cNvPr id="6" name="Content Placeholder 5"/>
           <p:cNvSpPr>
             <a:spLocks noGrp="1"/>
           </p:cNvSpPr>
@@ -1641,8 +1786,8 @@
         </p:nvSpPr>
         <p:spPr>
           <a:xfrm>
-            <a:off x="4645025" y="2174875"/>
-            <a:ext cx="4041775" cy="3951288"/>
+            <a:off x="4754880" y="2438400"/>
+            <a:ext cx="3931920" cy="3951288"/>
           </a:xfrm>
         </p:spPr>
         <p:txBody>
@@ -1680,7 +1825,7 @@
             <a:pPr lvl="0"/>
             <a:r>
               <a:rPr lang="pt-BR" smtClean="0"/>
-              <a:t>Clique para editar os estilos do texto mestre</a:t>
+              <a:t>Clique para editar o texto mestre</a:t>
             </a:r>
           </a:p>
           <a:p>
@@ -1710,13 +1855,13 @@
               <a:rPr lang="pt-BR" smtClean="0"/>
               <a:t>Quinto nível</a:t>
             </a:r>
-            <a:endParaRPr lang="pt-BR"/>
-          </a:p>
-        </p:txBody>
-      </p:sp>
-      <p:sp>
-        <p:nvSpPr>
-          <p:cNvPr id="7" name="Espaço Reservado para Data 6"/>
+            <a:endParaRPr lang="en-US" dirty="0"/>
+          </a:p>
+        </p:txBody>
+      </p:sp>
+      <p:sp>
+        <p:nvSpPr>
+          <p:cNvPr id="7" name="Date Placeholder 6"/>
           <p:cNvSpPr>
             <a:spLocks noGrp="1"/>
           </p:cNvSpPr>
@@ -1731,7 +1876,7 @@
           <a:p>
             <a:fld id="{2E700DB3-DBF0-4086-B675-117E7A9610B8}" type="datetimeFigureOut">
               <a:rPr lang="pt-BR" smtClean="0"/>
-              <a:t>20/9/2006</a:t>
+              <a:t>25/02/2020</a:t>
             </a:fld>
             <a:endParaRPr lang="pt-BR"/>
           </a:p>
@@ -1739,7 +1884,7 @@
       </p:sp>
       <p:sp>
         <p:nvSpPr>
-          <p:cNvPr id="8" name="Espaço Reservado para Rodapé 7"/>
+          <p:cNvPr id="8" name="Footer Placeholder 7"/>
           <p:cNvSpPr>
             <a:spLocks noGrp="1"/>
           </p:cNvSpPr>
@@ -1758,7 +1903,7 @@
       </p:sp>
       <p:sp>
         <p:nvSpPr>
-          <p:cNvPr id="9" name="Espaço Reservado para Número de Slide 8"/>
+          <p:cNvPr id="9" name="Slide Number Placeholder 8"/>
           <p:cNvSpPr>
             <a:spLocks noGrp="1"/>
           </p:cNvSpPr>
@@ -1779,6 +1924,41 @@
           </a:p>
         </p:txBody>
       </p:sp>
+      <p:cxnSp>
+        <p:nvCxnSpPr>
+          <p:cNvPr id="11" name="Straight Connector 10"/>
+          <p:cNvCxnSpPr/>
+          <p:nvPr/>
+        </p:nvCxnSpPr>
+        <p:spPr>
+          <a:xfrm rot="5400000">
+            <a:off x="2217817" y="4045823"/>
+            <a:ext cx="4709160" cy="794"/>
+          </a:xfrm>
+          <a:prstGeom prst="line">
+            <a:avLst/>
+          </a:prstGeom>
+          <a:ln w="19050">
+            <a:solidFill>
+              <a:schemeClr val="tx2"/>
+            </a:solidFill>
+          </a:ln>
+        </p:spPr>
+        <p:style>
+          <a:lnRef idx="1">
+            <a:schemeClr val="accent1"/>
+          </a:lnRef>
+          <a:fillRef idx="0">
+            <a:schemeClr val="accent1"/>
+          </a:fillRef>
+          <a:effectRef idx="0">
+            <a:schemeClr val="accent1"/>
+          </a:effectRef>
+          <a:fontRef idx="minor">
+            <a:schemeClr val="tx1"/>
+          </a:fontRef>
+        </p:style>
+      </p:cxnSp>
     </p:spTree>
   </p:cSld>
   <p:clrMapOvr>
@@ -1806,7 +1986,7 @@
       </p:grpSpPr>
       <p:sp>
         <p:nvSpPr>
-          <p:cNvPr id="2" name="Título 1"/>
+          <p:cNvPr id="2" name="Title 1"/>
           <p:cNvSpPr>
             <a:spLocks noGrp="1"/>
           </p:cNvSpPr>
@@ -1821,15 +2001,15 @@
           <a:p>
             <a:r>
               <a:rPr lang="pt-BR" smtClean="0"/>
-              <a:t>Clique para editar o estilo do título mestre</a:t>
-            </a:r>
-            <a:endParaRPr lang="pt-BR"/>
-          </a:p>
-        </p:txBody>
-      </p:sp>
-      <p:sp>
-        <p:nvSpPr>
-          <p:cNvPr id="3" name="Espaço Reservado para Data 2"/>
+              <a:t>Clique para editar o título mestre</a:t>
+            </a:r>
+            <a:endParaRPr lang="en-US"/>
+          </a:p>
+        </p:txBody>
+      </p:sp>
+      <p:sp>
+        <p:nvSpPr>
+          <p:cNvPr id="3" name="Date Placeholder 2"/>
           <p:cNvSpPr>
             <a:spLocks noGrp="1"/>
           </p:cNvSpPr>
@@ -1844,7 +2024,7 @@
           <a:p>
             <a:fld id="{2E700DB3-DBF0-4086-B675-117E7A9610B8}" type="datetimeFigureOut">
               <a:rPr lang="pt-BR" smtClean="0"/>
-              <a:t>20/9/2006</a:t>
+              <a:t>25/02/2020</a:t>
             </a:fld>
             <a:endParaRPr lang="pt-BR"/>
           </a:p>
@@ -1852,7 +2032,7 @@
       </p:sp>
       <p:sp>
         <p:nvSpPr>
-          <p:cNvPr id="4" name="Espaço Reservado para Rodapé 3"/>
+          <p:cNvPr id="4" name="Footer Placeholder 3"/>
           <p:cNvSpPr>
             <a:spLocks noGrp="1"/>
           </p:cNvSpPr>
@@ -1871,7 +2051,7 @@
       </p:sp>
       <p:sp>
         <p:nvSpPr>
-          <p:cNvPr id="5" name="Espaço Reservado para Número de Slide 4"/>
+          <p:cNvPr id="5" name="Slide Number Placeholder 4"/>
           <p:cNvSpPr>
             <a:spLocks noGrp="1"/>
           </p:cNvSpPr>
@@ -1919,7 +2099,7 @@
       </p:grpSpPr>
       <p:sp>
         <p:nvSpPr>
-          <p:cNvPr id="2" name="Espaço Reservado para Data 1"/>
+          <p:cNvPr id="2" name="Date Placeholder 1"/>
           <p:cNvSpPr>
             <a:spLocks noGrp="1"/>
           </p:cNvSpPr>
@@ -1934,7 +2114,7 @@
           <a:p>
             <a:fld id="{2E700DB3-DBF0-4086-B675-117E7A9610B8}" type="datetimeFigureOut">
               <a:rPr lang="pt-BR" smtClean="0"/>
-              <a:t>20/9/2006</a:t>
+              <a:t>25/02/2020</a:t>
             </a:fld>
             <a:endParaRPr lang="pt-BR"/>
           </a:p>
@@ -1942,7 +2122,7 @@
       </p:sp>
       <p:sp>
         <p:nvSpPr>
-          <p:cNvPr id="3" name="Espaço Reservado para Rodapé 2"/>
+          <p:cNvPr id="3" name="Footer Placeholder 2"/>
           <p:cNvSpPr>
             <a:spLocks noGrp="1"/>
           </p:cNvSpPr>
@@ -1961,7 +2141,7 @@
       </p:sp>
       <p:sp>
         <p:nvSpPr>
-          <p:cNvPr id="4" name="Espaço Reservado para Número de Slide 3"/>
+          <p:cNvPr id="4" name="Slide Number Placeholder 3"/>
           <p:cNvSpPr>
             <a:spLocks noGrp="1"/>
           </p:cNvSpPr>
@@ -2009,7 +2189,7 @@
       </p:grpSpPr>
       <p:sp>
         <p:nvSpPr>
-          <p:cNvPr id="2" name="Título 1"/>
+          <p:cNvPr id="2" name="Title 1"/>
           <p:cNvSpPr>
             <a:spLocks noGrp="1"/>
           </p:cNvSpPr>
@@ -2019,29 +2199,31 @@
         </p:nvSpPr>
         <p:spPr>
           <a:xfrm>
-            <a:off x="457200" y="273050"/>
-            <a:ext cx="3008313" cy="1162050"/>
+            <a:off x="457200" y="792080"/>
+            <a:ext cx="2139696" cy="1261872"/>
           </a:xfrm>
         </p:spPr>
         <p:txBody>
-          <a:bodyPr anchor="b"/>
+          <a:bodyPr anchor="b">
+            <a:noAutofit/>
+          </a:bodyPr>
           <a:lstStyle>
             <a:lvl1pPr algn="l">
-              <a:defRPr sz="2000" b="1"/>
+              <a:defRPr sz="2400" b="0"/>
             </a:lvl1pPr>
           </a:lstStyle>
           <a:p>
             <a:r>
               <a:rPr lang="pt-BR" smtClean="0"/>
-              <a:t>Clique para editar o estilo do título mestre</a:t>
-            </a:r>
-            <a:endParaRPr lang="pt-BR"/>
-          </a:p>
-        </p:txBody>
-      </p:sp>
-      <p:sp>
-        <p:nvSpPr>
-          <p:cNvPr id="3" name="Espaço Reservado para Conteúdo 2"/>
+              <a:t>Clique para editar o título mestre</a:t>
+            </a:r>
+            <a:endParaRPr lang="en-US" dirty="0"/>
+          </a:p>
+        </p:txBody>
+      </p:sp>
+      <p:sp>
+        <p:nvSpPr>
+          <p:cNvPr id="3" name="Content Placeholder 2"/>
           <p:cNvSpPr>
             <a:spLocks noGrp="1"/>
           </p:cNvSpPr>
@@ -2051,8 +2233,8 @@
         </p:nvSpPr>
         <p:spPr>
           <a:xfrm>
-            <a:off x="3575050" y="273050"/>
-            <a:ext cx="5111750" cy="5853113"/>
+            <a:off x="2971800" y="792080"/>
+            <a:ext cx="5715000" cy="5577840"/>
           </a:xfrm>
         </p:spPr>
         <p:txBody>
@@ -2090,7 +2272,7 @@
             <a:pPr lvl="0"/>
             <a:r>
               <a:rPr lang="pt-BR" smtClean="0"/>
-              <a:t>Clique para editar os estilos do texto mestre</a:t>
+              <a:t>Clique para editar o texto mestre</a:t>
             </a:r>
           </a:p>
           <a:p>
@@ -2120,13 +2302,13 @@
               <a:rPr lang="pt-BR" smtClean="0"/>
               <a:t>Quinto nível</a:t>
             </a:r>
-            <a:endParaRPr lang="pt-BR"/>
-          </a:p>
-        </p:txBody>
-      </p:sp>
-      <p:sp>
-        <p:nvSpPr>
-          <p:cNvPr id="4" name="Espaço Reservado para Texto 3"/>
+            <a:endParaRPr lang="en-US" dirty="0"/>
+          </a:p>
+        </p:txBody>
+      </p:sp>
+      <p:sp>
+        <p:nvSpPr>
+          <p:cNvPr id="4" name="Text Placeholder 3"/>
           <p:cNvSpPr>
             <a:spLocks noGrp="1"/>
           </p:cNvSpPr>
@@ -2136,8 +2318,8 @@
         </p:nvSpPr>
         <p:spPr>
           <a:xfrm>
-            <a:off x="457200" y="1435100"/>
-            <a:ext cx="3008313" cy="4691063"/>
+            <a:off x="457201" y="2130552"/>
+            <a:ext cx="2139696" cy="4243615"/>
           </a:xfrm>
         </p:spPr>
         <p:txBody>
@@ -2184,14 +2366,14 @@
             <a:pPr lvl="0"/>
             <a:r>
               <a:rPr lang="pt-BR" smtClean="0"/>
-              <a:t>Clique para editar os estilos do texto mestre</a:t>
-            </a:r>
-          </a:p>
-        </p:txBody>
-      </p:sp>
-      <p:sp>
-        <p:nvSpPr>
-          <p:cNvPr id="5" name="Espaço Reservado para Data 4"/>
+              <a:t>Clique para editar o texto mestre</a:t>
+            </a:r>
+          </a:p>
+        </p:txBody>
+      </p:sp>
+      <p:sp>
+        <p:nvSpPr>
+          <p:cNvPr id="5" name="Date Placeholder 4"/>
           <p:cNvSpPr>
             <a:spLocks noGrp="1"/>
           </p:cNvSpPr>
@@ -2206,7 +2388,7 @@
           <a:p>
             <a:fld id="{2E700DB3-DBF0-4086-B675-117E7A9610B8}" type="datetimeFigureOut">
               <a:rPr lang="pt-BR" smtClean="0"/>
-              <a:t>20/9/2006</a:t>
+              <a:t>25/02/2020</a:t>
             </a:fld>
             <a:endParaRPr lang="pt-BR"/>
           </a:p>
@@ -2214,7 +2396,7 @@
       </p:sp>
       <p:sp>
         <p:nvSpPr>
-          <p:cNvPr id="6" name="Espaço Reservado para Rodapé 5"/>
+          <p:cNvPr id="6" name="Footer Placeholder 5"/>
           <p:cNvSpPr>
             <a:spLocks noGrp="1"/>
           </p:cNvSpPr>
@@ -2233,7 +2415,7 @@
       </p:sp>
       <p:sp>
         <p:nvSpPr>
-          <p:cNvPr id="7" name="Espaço Reservado para Número de Slide 6"/>
+          <p:cNvPr id="7" name="Slide Number Placeholder 6"/>
           <p:cNvSpPr>
             <a:spLocks noGrp="1"/>
           </p:cNvSpPr>
@@ -2254,6 +2436,41 @@
           </a:p>
         </p:txBody>
       </p:sp>
+      <p:cxnSp>
+        <p:nvCxnSpPr>
+          <p:cNvPr id="9" name="Straight Connector 8"/>
+          <p:cNvCxnSpPr/>
+          <p:nvPr/>
+        </p:nvCxnSpPr>
+        <p:spPr>
+          <a:xfrm rot="5400000">
+            <a:off x="-13116" y="3580206"/>
+            <a:ext cx="5577840" cy="1588"/>
+          </a:xfrm>
+          <a:prstGeom prst="line">
+            <a:avLst/>
+          </a:prstGeom>
+          <a:ln w="19050">
+            <a:solidFill>
+              <a:schemeClr val="tx2"/>
+            </a:solidFill>
+          </a:ln>
+        </p:spPr>
+        <p:style>
+          <a:lnRef idx="1">
+            <a:schemeClr val="accent1"/>
+          </a:lnRef>
+          <a:fillRef idx="0">
+            <a:schemeClr val="accent1"/>
+          </a:fillRef>
+          <a:effectRef idx="0">
+            <a:schemeClr val="accent1"/>
+          </a:effectRef>
+          <a:fontRef idx="minor">
+            <a:schemeClr val="tx1"/>
+          </a:fontRef>
+        </p:style>
+      </p:cxnSp>
     </p:spTree>
   </p:cSld>
   <p:clrMapOvr>
@@ -2281,7 +2498,7 @@
       </p:grpSpPr>
       <p:sp>
         <p:nvSpPr>
-          <p:cNvPr id="2" name="Título 1"/>
+          <p:cNvPr id="2" name="Title 1"/>
           <p:cNvSpPr>
             <a:spLocks noGrp="1"/>
           </p:cNvSpPr>
@@ -2291,29 +2508,31 @@
         </p:nvSpPr>
         <p:spPr>
           <a:xfrm>
-            <a:off x="1792288" y="4800600"/>
-            <a:ext cx="5486400" cy="566738"/>
+            <a:off x="457200" y="792480"/>
+            <a:ext cx="2142680" cy="1264920"/>
           </a:xfrm>
         </p:spPr>
         <p:txBody>
-          <a:bodyPr anchor="b"/>
+          <a:bodyPr anchor="b">
+            <a:normAutofit/>
+          </a:bodyPr>
           <a:lstStyle>
             <a:lvl1pPr algn="l">
-              <a:defRPr sz="2000" b="1"/>
+              <a:defRPr sz="2400" b="0"/>
             </a:lvl1pPr>
           </a:lstStyle>
           <a:p>
             <a:r>
               <a:rPr lang="pt-BR" smtClean="0"/>
-              <a:t>Clique para editar o estilo do título mestre</a:t>
-            </a:r>
-            <a:endParaRPr lang="pt-BR"/>
-          </a:p>
-        </p:txBody>
-      </p:sp>
-      <p:sp>
-        <p:nvSpPr>
-          <p:cNvPr id="3" name="Espaço Reservado para Imagem 2"/>
+              <a:t>Clique para editar o título mestre</a:t>
+            </a:r>
+            <a:endParaRPr lang="en-US" dirty="0"/>
+          </a:p>
+        </p:txBody>
+      </p:sp>
+      <p:sp>
+        <p:nvSpPr>
+          <p:cNvPr id="3" name="Picture Placeholder 2"/>
           <p:cNvSpPr>
             <a:spLocks noGrp="1"/>
           </p:cNvSpPr>
@@ -2323,9 +2542,25 @@
         </p:nvSpPr>
         <p:spPr>
           <a:xfrm>
-            <a:off x="1792288" y="612775"/>
-            <a:ext cx="5486400" cy="4114800"/>
+            <a:off x="2858610" y="838201"/>
+            <a:ext cx="5904390" cy="5500456"/>
           </a:xfrm>
+          <a:solidFill>
+            <a:schemeClr val="bg2"/>
+          </a:solidFill>
+          <a:ln w="76200">
+            <a:solidFill>
+              <a:srgbClr val="FFFFFF"/>
+            </a:solidFill>
+            <a:miter lim="800000"/>
+          </a:ln>
+          <a:effectLst>
+            <a:outerShdw blurRad="50800" dist="12700" dir="5400000" algn="t" rotWithShape="0">
+              <a:prstClr val="black">
+                <a:alpha val="59000"/>
+              </a:prstClr>
+            </a:outerShdw>
+          </a:effectLst>
         </p:spPr>
         <p:txBody>
           <a:bodyPr/>
@@ -2368,13 +2603,17 @@
             </a:lvl9pPr>
           </a:lstStyle>
           <a:p>
-            <a:endParaRPr lang="pt-BR"/>
-          </a:p>
-        </p:txBody>
-      </p:sp>
-      <p:sp>
-        <p:nvSpPr>
-          <p:cNvPr id="4" name="Espaço Reservado para Texto 3"/>
+            <a:r>
+              <a:rPr lang="pt-BR" smtClean="0"/>
+              <a:t>Clique no ícone para adicionar uma imagem</a:t>
+            </a:r>
+            <a:endParaRPr lang="en-US" dirty="0"/>
+          </a:p>
+        </p:txBody>
+      </p:sp>
+      <p:sp>
+        <p:nvSpPr>
+          <p:cNvPr id="4" name="Text Placeholder 3"/>
           <p:cNvSpPr>
             <a:spLocks noGrp="1"/>
           </p:cNvSpPr>
@@ -2384,8 +2623,8 @@
         </p:nvSpPr>
         <p:spPr>
           <a:xfrm>
-            <a:off x="1792288" y="5367338"/>
-            <a:ext cx="5486400" cy="804862"/>
+            <a:off x="457200" y="2133600"/>
+            <a:ext cx="2139696" cy="4242816"/>
           </a:xfrm>
         </p:spPr>
         <p:txBody>
@@ -2432,14 +2671,14 @@
             <a:pPr lvl="0"/>
             <a:r>
               <a:rPr lang="pt-BR" smtClean="0"/>
-              <a:t>Clique para editar os estilos do texto mestre</a:t>
-            </a:r>
-          </a:p>
-        </p:txBody>
-      </p:sp>
-      <p:sp>
-        <p:nvSpPr>
-          <p:cNvPr id="5" name="Espaço Reservado para Data 4"/>
+              <a:t>Clique para editar o texto mestre</a:t>
+            </a:r>
+          </a:p>
+        </p:txBody>
+      </p:sp>
+      <p:sp>
+        <p:nvSpPr>
+          <p:cNvPr id="5" name="Date Placeholder 4"/>
           <p:cNvSpPr>
             <a:spLocks noGrp="1"/>
           </p:cNvSpPr>
@@ -2454,7 +2693,7 @@
           <a:p>
             <a:fld id="{2E700DB3-DBF0-4086-B675-117E7A9610B8}" type="datetimeFigureOut">
               <a:rPr lang="pt-BR" smtClean="0"/>
-              <a:t>20/9/2006</a:t>
+              <a:t>25/02/2020</a:t>
             </a:fld>
             <a:endParaRPr lang="pt-BR"/>
           </a:p>
@@ -2462,7 +2701,7 @@
       </p:sp>
       <p:sp>
         <p:nvSpPr>
-          <p:cNvPr id="6" name="Espaço Reservado para Rodapé 5"/>
+          <p:cNvPr id="6" name="Footer Placeholder 5"/>
           <p:cNvSpPr>
             <a:spLocks noGrp="1"/>
           </p:cNvSpPr>
@@ -2481,7 +2720,7 @@
       </p:sp>
       <p:sp>
         <p:nvSpPr>
-          <p:cNvPr id="7" name="Espaço Reservado para Número de Slide 6"/>
+          <p:cNvPr id="7" name="Slide Number Placeholder 6"/>
           <p:cNvSpPr>
             <a:spLocks noGrp="1"/>
           </p:cNvSpPr>
@@ -2534,18 +2773,64 @@
       </p:grpSpPr>
       <p:sp>
         <p:nvSpPr>
-          <p:cNvPr id="2" name="Espaço Reservado para Título 1"/>
-          <p:cNvSpPr>
-            <a:spLocks noGrp="1"/>
-          </p:cNvSpPr>
-          <p:nvPr>
-            <p:ph type="title"/>
-          </p:nvPr>
+          <p:cNvPr id="10" name="Rectangle 9"/>
+          <p:cNvSpPr/>
+          <p:nvPr/>
         </p:nvSpPr>
         <p:spPr>
           <a:xfrm>
-            <a:off x="457200" y="274638"/>
-            <a:ext cx="8229600" cy="1143000"/>
+            <a:off x="0" y="220786"/>
+            <a:ext cx="9144000" cy="228600"/>
+          </a:xfrm>
+          <a:prstGeom prst="rect">
+            <a:avLst/>
+          </a:prstGeom>
+          <a:solidFill>
+            <a:srgbClr val="FFFFFF"/>
+          </a:solidFill>
+          <a:ln>
+            <a:noFill/>
+          </a:ln>
+        </p:spPr>
+        <p:style>
+          <a:lnRef idx="2">
+            <a:schemeClr val="accent1">
+              <a:shade val="50000"/>
+            </a:schemeClr>
+          </a:lnRef>
+          <a:fillRef idx="1">
+            <a:schemeClr val="accent1"/>
+          </a:fillRef>
+          <a:effectRef idx="0">
+            <a:schemeClr val="accent1"/>
+          </a:effectRef>
+          <a:fontRef idx="minor">
+            <a:schemeClr val="lt1"/>
+          </a:fontRef>
+        </p:style>
+        <p:txBody>
+          <a:bodyPr rtlCol="0" anchor="ctr"/>
+          <a:lstStyle/>
+          <a:p>
+            <a:pPr algn="ctr"/>
+            <a:endParaRPr lang="en-US"/>
+          </a:p>
+        </p:txBody>
+      </p:sp>
+      <p:sp>
+        <p:nvSpPr>
+          <p:cNvPr id="2" name="Title Placeholder 1"/>
+          <p:cNvSpPr>
+            <a:spLocks noGrp="1"/>
+          </p:cNvSpPr>
+          <p:nvPr>
+            <p:ph type="title"/>
+          </p:nvPr>
+        </p:nvSpPr>
+        <p:spPr>
+          <a:xfrm>
+            <a:off x="457200" y="533400"/>
+            <a:ext cx="8229600" cy="990600"/>
           </a:xfrm>
           <a:prstGeom prst="rect">
             <a:avLst/>
@@ -2559,15 +2844,15 @@
           <a:p>
             <a:r>
               <a:rPr lang="pt-BR" smtClean="0"/>
-              <a:t>Clique para editar o estilo do título mestre</a:t>
-            </a:r>
-            <a:endParaRPr lang="pt-BR"/>
-          </a:p>
-        </p:txBody>
-      </p:sp>
-      <p:sp>
-        <p:nvSpPr>
-          <p:cNvPr id="3" name="Espaço Reservado para Texto 2"/>
+              <a:t>Clique para editar o título mestre</a:t>
+            </a:r>
+            <a:endParaRPr lang="en-US" dirty="0"/>
+          </a:p>
+        </p:txBody>
+      </p:sp>
+      <p:sp>
+        <p:nvSpPr>
+          <p:cNvPr id="3" name="Text Placeholder 2"/>
           <p:cNvSpPr>
             <a:spLocks noGrp="1"/>
           </p:cNvSpPr>
@@ -2578,7 +2863,7 @@
         <p:spPr>
           <a:xfrm>
             <a:off x="457200" y="1600200"/>
-            <a:ext cx="8229600" cy="4525963"/>
+            <a:ext cx="8229600" cy="4876800"/>
           </a:xfrm>
           <a:prstGeom prst="rect">
             <a:avLst/>
@@ -2593,7 +2878,7 @@
             <a:pPr lvl="0"/>
             <a:r>
               <a:rPr lang="pt-BR" smtClean="0"/>
-              <a:t>Clique para editar os estilos do texto mestre</a:t>
+              <a:t>Clique para editar o texto mestre</a:t>
             </a:r>
           </a:p>
           <a:p>
@@ -2623,24 +2908,70 @@
               <a:rPr lang="pt-BR" smtClean="0"/>
               <a:t>Quinto nível</a:t>
             </a:r>
-            <a:endParaRPr lang="pt-BR"/>
-          </a:p>
-        </p:txBody>
-      </p:sp>
-      <p:sp>
-        <p:nvSpPr>
-          <p:cNvPr id="4" name="Espaço Reservado para Data 3"/>
-          <p:cNvSpPr>
-            <a:spLocks noGrp="1"/>
-          </p:cNvSpPr>
-          <p:nvPr>
-            <p:ph type="dt" sz="half" idx="2"/>
-          </p:nvPr>
+            <a:endParaRPr lang="en-US" dirty="0"/>
+          </a:p>
+        </p:txBody>
+      </p:sp>
+      <p:sp>
+        <p:nvSpPr>
+          <p:cNvPr id="7" name="Rectangle 6"/>
+          <p:cNvSpPr/>
+          <p:nvPr/>
         </p:nvSpPr>
         <p:spPr>
           <a:xfrm>
-            <a:off x="457200" y="6356350"/>
-            <a:ext cx="2133600" cy="365125"/>
+            <a:off x="0" y="0"/>
+            <a:ext cx="9144000" cy="365760"/>
+          </a:xfrm>
+          <a:prstGeom prst="rect">
+            <a:avLst/>
+          </a:prstGeom>
+          <a:solidFill>
+            <a:schemeClr val="accent1"/>
+          </a:solidFill>
+          <a:ln>
+            <a:noFill/>
+          </a:ln>
+        </p:spPr>
+        <p:style>
+          <a:lnRef idx="2">
+            <a:schemeClr val="accent1">
+              <a:shade val="50000"/>
+            </a:schemeClr>
+          </a:lnRef>
+          <a:fillRef idx="1">
+            <a:schemeClr val="accent1"/>
+          </a:fillRef>
+          <a:effectRef idx="0">
+            <a:schemeClr val="accent1"/>
+          </a:effectRef>
+          <a:fontRef idx="minor">
+            <a:schemeClr val="lt1"/>
+          </a:fontRef>
+        </p:style>
+        <p:txBody>
+          <a:bodyPr rtlCol="0" anchor="ctr"/>
+          <a:lstStyle/>
+          <a:p>
+            <a:pPr algn="ctr"/>
+            <a:endParaRPr lang="en-US"/>
+          </a:p>
+        </p:txBody>
+      </p:sp>
+      <p:sp>
+        <p:nvSpPr>
+          <p:cNvPr id="4" name="Date Placeholder 3"/>
+          <p:cNvSpPr>
+            <a:spLocks noGrp="1"/>
+          </p:cNvSpPr>
+          <p:nvPr>
+            <p:ph type="dt" sz="half" idx="2"/>
+          </p:nvPr>
+        </p:nvSpPr>
+        <p:spPr>
+          <a:xfrm>
+            <a:off x="457200" y="18288"/>
+            <a:ext cx="2895600" cy="329184"/>
           </a:xfrm>
           <a:prstGeom prst="rect">
             <a:avLst/>
@@ -2652,9 +2983,7 @@
             <a:lvl1pPr algn="l">
               <a:defRPr sz="1200">
                 <a:solidFill>
-                  <a:schemeClr val="tx1">
-                    <a:tint val="75000"/>
-                  </a:schemeClr>
+                  <a:srgbClr val="FFFFFF"/>
                 </a:solidFill>
               </a:defRPr>
             </a:lvl1pPr>
@@ -2662,7 +2991,7 @@
           <a:p>
             <a:fld id="{2E700DB3-DBF0-4086-B675-117E7A9610B8}" type="datetimeFigureOut">
               <a:rPr lang="pt-BR" smtClean="0"/>
-              <a:t>20/9/2006</a:t>
+              <a:t>25/02/2020</a:t>
             </a:fld>
             <a:endParaRPr lang="pt-BR"/>
           </a:p>
@@ -2670,7 +2999,7 @@
       </p:sp>
       <p:sp>
         <p:nvSpPr>
-          <p:cNvPr id="5" name="Espaço Reservado para Rodapé 4"/>
+          <p:cNvPr id="5" name="Footer Placeholder 4"/>
           <p:cNvSpPr>
             <a:spLocks noGrp="1"/>
           </p:cNvSpPr>
@@ -2680,8 +3009,8 @@
         </p:nvSpPr>
         <p:spPr>
           <a:xfrm>
-            <a:off x="3124200" y="6356350"/>
-            <a:ext cx="2895600" cy="365125"/>
+            <a:off x="3429000" y="18288"/>
+            <a:ext cx="4114800" cy="329184"/>
           </a:xfrm>
           <a:prstGeom prst="rect">
             <a:avLst/>
@@ -2693,9 +3022,7 @@
             <a:lvl1pPr algn="ctr">
               <a:defRPr sz="1200">
                 <a:solidFill>
-                  <a:schemeClr val="tx1">
-                    <a:tint val="75000"/>
-                  </a:schemeClr>
+                  <a:srgbClr val="FFFFFF"/>
                 </a:solidFill>
               </a:defRPr>
             </a:lvl1pPr>
@@ -2707,7 +3034,7 @@
       </p:sp>
       <p:sp>
         <p:nvSpPr>
-          <p:cNvPr id="6" name="Espaço Reservado para Número de Slide 5"/>
+          <p:cNvPr id="6" name="Slide Number Placeholder 5"/>
           <p:cNvSpPr>
             <a:spLocks noGrp="1"/>
           </p:cNvSpPr>
@@ -2717,8 +3044,8 @@
         </p:nvSpPr>
         <p:spPr>
           <a:xfrm>
-            <a:off x="6553200" y="6356350"/>
-            <a:ext cx="2133600" cy="365125"/>
+            <a:off x="7620000" y="18288"/>
+            <a:ext cx="1066800" cy="329184"/>
           </a:xfrm>
           <a:prstGeom prst="rect">
             <a:avLst/>
@@ -2727,12 +3054,10 @@
         <p:txBody>
           <a:bodyPr vert="horz" lIns="91440" tIns="45720" rIns="91440" bIns="45720" rtlCol="0" anchor="ctr"/>
           <a:lstStyle>
-            <a:lvl1pPr algn="r">
-              <a:defRPr sz="1200">
+            <a:lvl1pPr algn="l">
+              <a:defRPr sz="1400" b="1">
                 <a:solidFill>
-                  <a:schemeClr val="tx1">
-                    <a:tint val="75000"/>
-                  </a:schemeClr>
+                  <a:srgbClr val="FFFFFF"/>
                 </a:solidFill>
               </a:defRPr>
             </a:lvl1pPr>
@@ -2750,28 +3075,28 @@
   </p:cSld>
   <p:clrMap bg1="lt1" tx1="dk1" bg2="lt2" tx2="dk2" accent1="accent1" accent2="accent2" accent3="accent3" accent4="accent4" accent5="accent5" accent6="accent6" hlink="hlink" folHlink="folHlink"/>
   <p:sldLayoutIdLst>
-    <p:sldLayoutId id="2147483649" r:id="rId1"/>
-    <p:sldLayoutId id="2147483650" r:id="rId2"/>
-    <p:sldLayoutId id="2147483651" r:id="rId3"/>
-    <p:sldLayoutId id="2147483652" r:id="rId4"/>
-    <p:sldLayoutId id="2147483653" r:id="rId5"/>
-    <p:sldLayoutId id="2147483654" r:id="rId6"/>
-    <p:sldLayoutId id="2147483655" r:id="rId7"/>
-    <p:sldLayoutId id="2147483656" r:id="rId8"/>
-    <p:sldLayoutId id="2147483657" r:id="rId9"/>
-    <p:sldLayoutId id="2147483658" r:id="rId10"/>
-    <p:sldLayoutId id="2147483659" r:id="rId11"/>
+    <p:sldLayoutId id="2147483685" r:id="rId1"/>
+    <p:sldLayoutId id="2147483686" r:id="rId2"/>
+    <p:sldLayoutId id="2147483687" r:id="rId3"/>
+    <p:sldLayoutId id="2147483688" r:id="rId4"/>
+    <p:sldLayoutId id="2147483689" r:id="rId5"/>
+    <p:sldLayoutId id="2147483690" r:id="rId6"/>
+    <p:sldLayoutId id="2147483691" r:id="rId7"/>
+    <p:sldLayoutId id="2147483692" r:id="rId8"/>
+    <p:sldLayoutId id="2147483693" r:id="rId9"/>
+    <p:sldLayoutId id="2147483694" r:id="rId10"/>
+    <p:sldLayoutId id="2147483695" r:id="rId11"/>
   </p:sldLayoutIdLst>
   <p:txStyles>
     <p:titleStyle>
-      <a:lvl1pPr algn="ctr" defTabSz="914400" rtl="0" eaLnBrk="1" latinLnBrk="0" hangingPunct="1">
+      <a:lvl1pPr algn="l" defTabSz="914400" rtl="0" eaLnBrk="1" latinLnBrk="0" hangingPunct="1">
         <a:spcBef>
           <a:spcPct val="0"/>
         </a:spcBef>
         <a:buNone/>
-        <a:defRPr sz="4400" kern="1200">
+        <a:defRPr sz="4000" kern="1200" spc="-100" baseline="0">
           <a:solidFill>
-            <a:schemeClr val="tx1"/>
+            <a:schemeClr val="tx2"/>
           </a:solidFill>
           <a:latin typeface="+mj-lt"/>
           <a:ea typeface="+mj-ea"/>
@@ -2780,40 +3105,14 @@
       </a:lvl1pPr>
     </p:titleStyle>
     <p:bodyStyle>
-      <a:lvl1pPr marL="342900" indent="-342900" algn="l" defTabSz="914400" rtl="0" eaLnBrk="1" latinLnBrk="0" hangingPunct="1">
+      <a:lvl1pPr marL="182880" indent="-182880" algn="l" defTabSz="914400" rtl="0" eaLnBrk="1" latinLnBrk="0" hangingPunct="1">
         <a:spcBef>
           <a:spcPct val="20000"/>
         </a:spcBef>
-        <a:buFont typeface="Arial" pitchFamily="34" charset="0"/>
-        <a:buChar char="•"/>
-        <a:defRPr sz="3200" kern="1200">
-          <a:solidFill>
-            <a:schemeClr val="tx1"/>
-          </a:solidFill>
-          <a:latin typeface="+mn-lt"/>
-          <a:ea typeface="+mn-ea"/>
-          <a:cs typeface="+mn-cs"/>
-        </a:defRPr>
-      </a:lvl1pPr>
-      <a:lvl2pPr marL="742950" indent="-285750" algn="l" defTabSz="914400" rtl="0" eaLnBrk="1" latinLnBrk="0" hangingPunct="1">
-        <a:spcBef>
-          <a:spcPct val="20000"/>
-        </a:spcBef>
-        <a:buFont typeface="Arial" pitchFamily="34" charset="0"/>
-        <a:buChar char="–"/>
-        <a:defRPr sz="2800" kern="1200">
-          <a:solidFill>
-            <a:schemeClr val="tx1"/>
-          </a:solidFill>
-          <a:latin typeface="+mn-lt"/>
-          <a:ea typeface="+mn-ea"/>
-          <a:cs typeface="+mn-cs"/>
-        </a:defRPr>
-      </a:lvl2pPr>
-      <a:lvl3pPr marL="1143000" indent="-228600" algn="l" defTabSz="914400" rtl="0" eaLnBrk="1" latinLnBrk="0" hangingPunct="1">
-        <a:spcBef>
-          <a:spcPct val="20000"/>
-        </a:spcBef>
+        <a:buClr>
+          <a:schemeClr val="accent1"/>
+        </a:buClr>
+        <a:buSzPct val="85000"/>
         <a:buFont typeface="Arial" pitchFamily="34" charset="0"/>
         <a:buChar char="•"/>
         <a:defRPr sz="2400" kern="1200">
@@ -2824,41 +3123,15 @@
           <a:ea typeface="+mn-ea"/>
           <a:cs typeface="+mn-cs"/>
         </a:defRPr>
-      </a:lvl3pPr>
-      <a:lvl4pPr marL="1600200" indent="-228600" algn="l" defTabSz="914400" rtl="0" eaLnBrk="1" latinLnBrk="0" hangingPunct="1">
+      </a:lvl1pPr>
+      <a:lvl2pPr marL="457200" indent="-182880" algn="l" defTabSz="914400" rtl="0" eaLnBrk="1" latinLnBrk="0" hangingPunct="1">
         <a:spcBef>
           <a:spcPct val="20000"/>
         </a:spcBef>
-        <a:buFont typeface="Arial" pitchFamily="34" charset="0"/>
-        <a:buChar char="–"/>
-        <a:defRPr sz="2000" kern="1200">
-          <a:solidFill>
-            <a:schemeClr val="tx1"/>
-          </a:solidFill>
-          <a:latin typeface="+mn-lt"/>
-          <a:ea typeface="+mn-ea"/>
-          <a:cs typeface="+mn-cs"/>
-        </a:defRPr>
-      </a:lvl4pPr>
-      <a:lvl5pPr marL="2057400" indent="-228600" algn="l" defTabSz="914400" rtl="0" eaLnBrk="1" latinLnBrk="0" hangingPunct="1">
-        <a:spcBef>
-          <a:spcPct val="20000"/>
-        </a:spcBef>
-        <a:buFont typeface="Arial" pitchFamily="34" charset="0"/>
-        <a:buChar char="»"/>
-        <a:defRPr sz="2000" kern="1200">
-          <a:solidFill>
-            <a:schemeClr val="tx1"/>
-          </a:solidFill>
-          <a:latin typeface="+mn-lt"/>
-          <a:ea typeface="+mn-ea"/>
-          <a:cs typeface="+mn-cs"/>
-        </a:defRPr>
-      </a:lvl5pPr>
-      <a:lvl6pPr marL="2514600" indent="-228600" algn="l" defTabSz="914400" rtl="0" eaLnBrk="1" latinLnBrk="0" hangingPunct="1">
-        <a:spcBef>
-          <a:spcPct val="20000"/>
-        </a:spcBef>
+        <a:buClr>
+          <a:schemeClr val="accent1"/>
+        </a:buClr>
+        <a:buSzPct val="85000"/>
         <a:buFont typeface="Arial" pitchFamily="34" charset="0"/>
         <a:buChar char="•"/>
         <a:defRPr sz="2000" kern="1200">
@@ -2869,14 +3142,91 @@
           <a:ea typeface="+mn-ea"/>
           <a:cs typeface="+mn-cs"/>
         </a:defRPr>
-      </a:lvl6pPr>
-      <a:lvl7pPr marL="2971800" indent="-228600" algn="l" defTabSz="914400" rtl="0" eaLnBrk="1" latinLnBrk="0" hangingPunct="1">
+      </a:lvl2pPr>
+      <a:lvl3pPr marL="731520" indent="-182880" algn="l" defTabSz="914400" rtl="0" eaLnBrk="1" latinLnBrk="0" hangingPunct="1">
         <a:spcBef>
           <a:spcPct val="20000"/>
         </a:spcBef>
+        <a:buClr>
+          <a:schemeClr val="accent1"/>
+        </a:buClr>
+        <a:buSzPct val="90000"/>
         <a:buFont typeface="Arial" pitchFamily="34" charset="0"/>
         <a:buChar char="•"/>
-        <a:defRPr sz="2000" kern="1200">
+        <a:defRPr sz="1800" kern="1200">
+          <a:solidFill>
+            <a:schemeClr val="tx1"/>
+          </a:solidFill>
+          <a:latin typeface="+mn-lt"/>
+          <a:ea typeface="+mn-ea"/>
+          <a:cs typeface="+mn-cs"/>
+        </a:defRPr>
+      </a:lvl3pPr>
+      <a:lvl4pPr marL="1005840" indent="-182880" algn="l" defTabSz="914400" rtl="0" eaLnBrk="1" latinLnBrk="0" hangingPunct="1">
+        <a:spcBef>
+          <a:spcPct val="20000"/>
+        </a:spcBef>
+        <a:buClr>
+          <a:schemeClr val="accent1"/>
+        </a:buClr>
+        <a:buFont typeface="Arial" pitchFamily="34" charset="0"/>
+        <a:buChar char="•"/>
+        <a:defRPr sz="1600" kern="1200">
+          <a:solidFill>
+            <a:schemeClr val="tx1"/>
+          </a:solidFill>
+          <a:latin typeface="+mn-lt"/>
+          <a:ea typeface="+mn-ea"/>
+          <a:cs typeface="+mn-cs"/>
+        </a:defRPr>
+      </a:lvl4pPr>
+      <a:lvl5pPr marL="1188720" indent="-137160" algn="l" defTabSz="914400" rtl="0" eaLnBrk="1" latinLnBrk="0" hangingPunct="1">
+        <a:spcBef>
+          <a:spcPct val="20000"/>
+        </a:spcBef>
+        <a:buClr>
+          <a:schemeClr val="accent1"/>
+        </a:buClr>
+        <a:buSzPct val="100000"/>
+        <a:buFont typeface="Arial" pitchFamily="34" charset="0"/>
+        <a:buChar char="•"/>
+        <a:defRPr sz="1400" kern="1200" baseline="0">
+          <a:solidFill>
+            <a:schemeClr val="tx1"/>
+          </a:solidFill>
+          <a:latin typeface="+mn-lt"/>
+          <a:ea typeface="+mn-ea"/>
+          <a:cs typeface="+mn-cs"/>
+        </a:defRPr>
+      </a:lvl5pPr>
+      <a:lvl6pPr marL="1371600" indent="-182880" algn="l" defTabSz="914400" rtl="0" eaLnBrk="1" latinLnBrk="0" hangingPunct="1">
+        <a:spcBef>
+          <a:spcPct val="20000"/>
+        </a:spcBef>
+        <a:buClr>
+          <a:schemeClr val="accent1"/>
+        </a:buClr>
+        <a:buFont typeface="Arial" pitchFamily="34" charset="0"/>
+        <a:buChar char="•"/>
+        <a:defRPr sz="1300" kern="1200">
+          <a:solidFill>
+            <a:schemeClr val="tx1"/>
+          </a:solidFill>
+          <a:latin typeface="+mn-lt"/>
+          <a:ea typeface="+mn-ea"/>
+          <a:cs typeface="+mn-cs"/>
+        </a:defRPr>
+      </a:lvl6pPr>
+      <a:lvl7pPr marL="1554480" indent="-182880" algn="l" defTabSz="914400" rtl="0" eaLnBrk="1" latinLnBrk="0" hangingPunct="1">
+        <a:spcBef>
+          <a:spcPct val="20000"/>
+        </a:spcBef>
+        <a:buClr>
+          <a:schemeClr val="accent1"/>
+        </a:buClr>
+        <a:buFont typeface="Arial" pitchFamily="34" charset="0"/>
+        <a:buChar char="•"/>
+        <a:defRPr sz="1300" kern="1200">
           <a:solidFill>
             <a:schemeClr val="tx1"/>
           </a:solidFill>
@@ -2885,13 +3235,16 @@
           <a:cs typeface="+mn-cs"/>
         </a:defRPr>
       </a:lvl7pPr>
-      <a:lvl8pPr marL="3429000" indent="-228600" algn="l" defTabSz="914400" rtl="0" eaLnBrk="1" latinLnBrk="0" hangingPunct="1">
+      <a:lvl8pPr marL="1737360" indent="-182880" algn="l" defTabSz="914400" rtl="0" eaLnBrk="1" latinLnBrk="0" hangingPunct="1">
         <a:spcBef>
           <a:spcPct val="20000"/>
         </a:spcBef>
+        <a:buClr>
+          <a:schemeClr val="accent1"/>
+        </a:buClr>
         <a:buFont typeface="Arial" pitchFamily="34" charset="0"/>
         <a:buChar char="•"/>
-        <a:defRPr sz="2000" kern="1200">
+        <a:defRPr sz="1300" kern="1200">
           <a:solidFill>
             <a:schemeClr val="tx1"/>
           </a:solidFill>
@@ -2900,13 +3253,16 @@
           <a:cs typeface="+mn-cs"/>
         </a:defRPr>
       </a:lvl8pPr>
-      <a:lvl9pPr marL="3886200" indent="-228600" algn="l" defTabSz="914400" rtl="0" eaLnBrk="1" latinLnBrk="0" hangingPunct="1">
+      <a:lvl9pPr marL="1920240" indent="-182880" algn="l" defTabSz="914400" rtl="0" eaLnBrk="1" latinLnBrk="0" hangingPunct="1">
         <a:spcBef>
           <a:spcPct val="20000"/>
         </a:spcBef>
+        <a:buClr>
+          <a:schemeClr val="accent1"/>
+        </a:buClr>
         <a:buFont typeface="Arial" pitchFamily="34" charset="0"/>
         <a:buChar char="•"/>
-        <a:defRPr sz="2000" kern="1200">
+        <a:defRPr sz="1300" kern="1200">
           <a:solidFill>
             <a:schemeClr val="tx1"/>
           </a:solidFill>
@@ -2918,7 +3274,7 @@
     </p:bodyStyle>
     <p:otherStyle>
       <a:defPPr>
-        <a:defRPr lang="pt-BR"/>
+        <a:defRPr lang="en-US"/>
       </a:defPPr>
       <a:lvl1pPr marL="0" algn="l" defTabSz="914400" rtl="0" eaLnBrk="1" latinLnBrk="0" hangingPunct="1">
         <a:defRPr sz="1800" kern="1200">
@@ -3015,39 +3371,4003 @@
 </p:sldMaster>
 </file>
 
+<file path=ppt/slides/slide1.xml><?xml version="1.0" encoding="utf-8"?>
+<p:sld xmlns:a="http://schemas.openxmlformats.org/drawingml/2006/main" xmlns:r="http://schemas.openxmlformats.org/officeDocument/2006/relationships" xmlns:p="http://schemas.openxmlformats.org/presentationml/2006/main">
+  <p:cSld>
+    <p:spTree>
+      <p:nvGrpSpPr>
+        <p:cNvPr id="1" name=""/>
+        <p:cNvGrpSpPr/>
+        <p:nvPr/>
+      </p:nvGrpSpPr>
+      <p:grpSpPr>
+        <a:xfrm>
+          <a:off x="0" y="0"/>
+          <a:ext cx="0" cy="0"/>
+          <a:chOff x="0" y="0"/>
+          <a:chExt cx="0" cy="0"/>
+        </a:xfrm>
+      </p:grpSpPr>
+      <p:sp>
+        <p:nvSpPr>
+          <p:cNvPr id="2" name="Título 1"/>
+          <p:cNvSpPr>
+            <a:spLocks noGrp="1"/>
+          </p:cNvSpPr>
+          <p:nvPr>
+            <p:ph type="ctrTitle"/>
+          </p:nvPr>
+        </p:nvSpPr>
+        <p:spPr>
+          <a:xfrm>
+            <a:off x="683568" y="692696"/>
+            <a:ext cx="7848600" cy="761256"/>
+          </a:xfrm>
+        </p:spPr>
+        <p:txBody>
+          <a:bodyPr/>
+          <a:lstStyle/>
+          <a:p>
+            <a:r>
+              <a:rPr lang="pt-BR" dirty="0" smtClean="0"/>
+              <a:t>Defesa </a:t>
+            </a:r>
+            <a:r>
+              <a:rPr lang="pt-BR" dirty="0" err="1" smtClean="0"/>
+              <a:t>tcc</a:t>
+            </a:r>
+            <a:endParaRPr lang="pt-BR" dirty="0"/>
+          </a:p>
+        </p:txBody>
+      </p:sp>
+      <p:sp>
+        <p:nvSpPr>
+          <p:cNvPr id="3" name="Subtítulo 2"/>
+          <p:cNvSpPr>
+            <a:spLocks noGrp="1"/>
+          </p:cNvSpPr>
+          <p:nvPr>
+            <p:ph type="subTitle" idx="1"/>
+          </p:nvPr>
+        </p:nvSpPr>
+        <p:spPr>
+          <a:xfrm>
+            <a:off x="755576" y="1484784"/>
+            <a:ext cx="6400800" cy="931912"/>
+          </a:xfrm>
+        </p:spPr>
+        <p:txBody>
+          <a:bodyPr/>
+          <a:lstStyle/>
+          <a:p>
+            <a:r>
+              <a:rPr lang="pt-BR" b="1" dirty="0"/>
+              <a:t>Gerador de quadros de apresentação de dados em formato de Dashboards</a:t>
+            </a:r>
+            <a:endParaRPr lang="pt-BR" dirty="0"/>
+          </a:p>
+        </p:txBody>
+      </p:sp>
+      <p:sp>
+        <p:nvSpPr>
+          <p:cNvPr id="5" name="Subtítulo 2"/>
+          <p:cNvSpPr txBox="1">
+            <a:spLocks/>
+          </p:cNvSpPr>
+          <p:nvPr/>
+        </p:nvSpPr>
+        <p:spPr>
+          <a:xfrm>
+            <a:off x="657766" y="5512505"/>
+            <a:ext cx="7912968" cy="936104"/>
+          </a:xfrm>
+          <a:prstGeom prst="rect">
+            <a:avLst/>
+          </a:prstGeom>
+        </p:spPr>
+        <p:txBody>
+          <a:bodyPr vert="horz" lIns="91440" tIns="45720" rIns="91440" bIns="45720" rtlCol="0">
+            <a:normAutofit/>
+          </a:bodyPr>
+          <a:lstStyle>
+            <a:lvl1pPr marL="0" indent="0" algn="l" defTabSz="914400" rtl="0" eaLnBrk="1" latinLnBrk="0" hangingPunct="1">
+              <a:spcBef>
+                <a:spcPct val="20000"/>
+              </a:spcBef>
+              <a:buClr>
+                <a:schemeClr val="accent1"/>
+              </a:buClr>
+              <a:buSzPct val="85000"/>
+              <a:buFont typeface="Arial" pitchFamily="34" charset="0"/>
+              <a:buNone/>
+              <a:defRPr sz="2400" kern="1200">
+                <a:solidFill>
+                  <a:schemeClr val="tx1">
+                    <a:lumMod val="75000"/>
+                    <a:lumOff val="25000"/>
+                  </a:schemeClr>
+                </a:solidFill>
+                <a:latin typeface="+mn-lt"/>
+                <a:ea typeface="+mn-ea"/>
+                <a:cs typeface="+mn-cs"/>
+              </a:defRPr>
+            </a:lvl1pPr>
+            <a:lvl2pPr marL="457200" indent="0" algn="ctr" defTabSz="914400" rtl="0" eaLnBrk="1" latinLnBrk="0" hangingPunct="1">
+              <a:spcBef>
+                <a:spcPct val="20000"/>
+              </a:spcBef>
+              <a:buClr>
+                <a:schemeClr val="accent1"/>
+              </a:buClr>
+              <a:buSzPct val="85000"/>
+              <a:buFont typeface="Arial" pitchFamily="34" charset="0"/>
+              <a:buNone/>
+              <a:defRPr sz="2000" kern="1200">
+                <a:solidFill>
+                  <a:schemeClr val="tx1">
+                    <a:tint val="75000"/>
+                  </a:schemeClr>
+                </a:solidFill>
+                <a:latin typeface="+mn-lt"/>
+                <a:ea typeface="+mn-ea"/>
+                <a:cs typeface="+mn-cs"/>
+              </a:defRPr>
+            </a:lvl2pPr>
+            <a:lvl3pPr marL="914400" indent="0" algn="ctr" defTabSz="914400" rtl="0" eaLnBrk="1" latinLnBrk="0" hangingPunct="1">
+              <a:spcBef>
+                <a:spcPct val="20000"/>
+              </a:spcBef>
+              <a:buClr>
+                <a:schemeClr val="accent1"/>
+              </a:buClr>
+              <a:buSzPct val="90000"/>
+              <a:buFont typeface="Arial" pitchFamily="34" charset="0"/>
+              <a:buNone/>
+              <a:defRPr sz="1800" kern="1200">
+                <a:solidFill>
+                  <a:schemeClr val="tx1">
+                    <a:tint val="75000"/>
+                  </a:schemeClr>
+                </a:solidFill>
+                <a:latin typeface="+mn-lt"/>
+                <a:ea typeface="+mn-ea"/>
+                <a:cs typeface="+mn-cs"/>
+              </a:defRPr>
+            </a:lvl3pPr>
+            <a:lvl4pPr marL="1371600" indent="0" algn="ctr" defTabSz="914400" rtl="0" eaLnBrk="1" latinLnBrk="0" hangingPunct="1">
+              <a:spcBef>
+                <a:spcPct val="20000"/>
+              </a:spcBef>
+              <a:buClr>
+                <a:schemeClr val="accent1"/>
+              </a:buClr>
+              <a:buFont typeface="Arial" pitchFamily="34" charset="0"/>
+              <a:buNone/>
+              <a:defRPr sz="1600" kern="1200">
+                <a:solidFill>
+                  <a:schemeClr val="tx1">
+                    <a:tint val="75000"/>
+                  </a:schemeClr>
+                </a:solidFill>
+                <a:latin typeface="+mn-lt"/>
+                <a:ea typeface="+mn-ea"/>
+                <a:cs typeface="+mn-cs"/>
+              </a:defRPr>
+            </a:lvl4pPr>
+            <a:lvl5pPr marL="1828800" indent="0" algn="ctr" defTabSz="914400" rtl="0" eaLnBrk="1" latinLnBrk="0" hangingPunct="1">
+              <a:spcBef>
+                <a:spcPct val="20000"/>
+              </a:spcBef>
+              <a:buClr>
+                <a:schemeClr val="accent1"/>
+              </a:buClr>
+              <a:buSzPct val="100000"/>
+              <a:buFont typeface="Arial" pitchFamily="34" charset="0"/>
+              <a:buNone/>
+              <a:defRPr sz="1400" kern="1200" baseline="0">
+                <a:solidFill>
+                  <a:schemeClr val="tx1">
+                    <a:tint val="75000"/>
+                  </a:schemeClr>
+                </a:solidFill>
+                <a:latin typeface="+mn-lt"/>
+                <a:ea typeface="+mn-ea"/>
+                <a:cs typeface="+mn-cs"/>
+              </a:defRPr>
+            </a:lvl5pPr>
+            <a:lvl6pPr marL="2286000" indent="0" algn="ctr" defTabSz="914400" rtl="0" eaLnBrk="1" latinLnBrk="0" hangingPunct="1">
+              <a:spcBef>
+                <a:spcPct val="20000"/>
+              </a:spcBef>
+              <a:buClr>
+                <a:schemeClr val="accent1"/>
+              </a:buClr>
+              <a:buFont typeface="Arial" pitchFamily="34" charset="0"/>
+              <a:buNone/>
+              <a:defRPr sz="1300" kern="1200">
+                <a:solidFill>
+                  <a:schemeClr val="tx1">
+                    <a:tint val="75000"/>
+                  </a:schemeClr>
+                </a:solidFill>
+                <a:latin typeface="+mn-lt"/>
+                <a:ea typeface="+mn-ea"/>
+                <a:cs typeface="+mn-cs"/>
+              </a:defRPr>
+            </a:lvl6pPr>
+            <a:lvl7pPr marL="2743200" indent="0" algn="ctr" defTabSz="914400" rtl="0" eaLnBrk="1" latinLnBrk="0" hangingPunct="1">
+              <a:spcBef>
+                <a:spcPct val="20000"/>
+              </a:spcBef>
+              <a:buClr>
+                <a:schemeClr val="accent1"/>
+              </a:buClr>
+              <a:buFont typeface="Arial" pitchFamily="34" charset="0"/>
+              <a:buNone/>
+              <a:defRPr sz="1300" kern="1200">
+                <a:solidFill>
+                  <a:schemeClr val="tx1">
+                    <a:tint val="75000"/>
+                  </a:schemeClr>
+                </a:solidFill>
+                <a:latin typeface="+mn-lt"/>
+                <a:ea typeface="+mn-ea"/>
+                <a:cs typeface="+mn-cs"/>
+              </a:defRPr>
+            </a:lvl7pPr>
+            <a:lvl8pPr marL="3200400" indent="0" algn="ctr" defTabSz="914400" rtl="0" eaLnBrk="1" latinLnBrk="0" hangingPunct="1">
+              <a:spcBef>
+                <a:spcPct val="20000"/>
+              </a:spcBef>
+              <a:buClr>
+                <a:schemeClr val="accent1"/>
+              </a:buClr>
+              <a:buFont typeface="Arial" pitchFamily="34" charset="0"/>
+              <a:buNone/>
+              <a:defRPr sz="1300" kern="1200">
+                <a:solidFill>
+                  <a:schemeClr val="tx1">
+                    <a:tint val="75000"/>
+                  </a:schemeClr>
+                </a:solidFill>
+                <a:latin typeface="+mn-lt"/>
+                <a:ea typeface="+mn-ea"/>
+                <a:cs typeface="+mn-cs"/>
+              </a:defRPr>
+            </a:lvl8pPr>
+            <a:lvl9pPr marL="3657600" indent="0" algn="ctr" defTabSz="914400" rtl="0" eaLnBrk="1" latinLnBrk="0" hangingPunct="1">
+              <a:spcBef>
+                <a:spcPct val="20000"/>
+              </a:spcBef>
+              <a:buClr>
+                <a:schemeClr val="accent1"/>
+              </a:buClr>
+              <a:buFont typeface="Arial" pitchFamily="34" charset="0"/>
+              <a:buNone/>
+              <a:defRPr sz="1300" kern="1200">
+                <a:solidFill>
+                  <a:schemeClr val="tx1">
+                    <a:tint val="75000"/>
+                  </a:schemeClr>
+                </a:solidFill>
+                <a:latin typeface="+mn-lt"/>
+                <a:ea typeface="+mn-ea"/>
+                <a:cs typeface="+mn-cs"/>
+              </a:defRPr>
+            </a:lvl9pPr>
+          </a:lstStyle>
+          <a:p>
+            <a:pPr algn="r"/>
+            <a:r>
+              <a:rPr lang="pt-BR" sz="2000" b="1" dirty="0" smtClean="0"/>
+              <a:t>Aluno: Glauber </a:t>
+            </a:r>
+            <a:r>
+              <a:rPr lang="pt-BR" sz="2000" b="1" dirty="0" err="1" smtClean="0"/>
+              <a:t>Matteis</a:t>
+            </a:r>
+            <a:r>
+              <a:rPr lang="pt-BR" sz="2000" b="1" dirty="0" smtClean="0"/>
+              <a:t> Gadelha</a:t>
+            </a:r>
+          </a:p>
+          <a:p>
+            <a:pPr algn="r"/>
+            <a:r>
+              <a:rPr lang="pt-BR" sz="2000" b="1" dirty="0" err="1" smtClean="0"/>
+              <a:t>Orientador:</a:t>
+            </a:r>
+            <a:r>
+              <a:rPr lang="pt-BR" sz="2000" dirty="0" err="1"/>
+              <a:t>Prof</a:t>
+            </a:r>
+            <a:r>
+              <a:rPr lang="pt-BR" sz="2000" dirty="0"/>
+              <a:t>. Me. Claudio Roberto de Lima Martins</a:t>
+            </a:r>
+            <a:r>
+              <a:rPr lang="pt-BR" sz="2000" b="1" dirty="0" smtClean="0"/>
+              <a:t> </a:t>
+            </a:r>
+            <a:endParaRPr lang="pt-BR" sz="2000" dirty="0"/>
+          </a:p>
+        </p:txBody>
+      </p:sp>
+      <p:pic>
+        <p:nvPicPr>
+          <p:cNvPr id="1026" name="Picture 2" descr="Resultado de imagem para logo ifpa campus belem"/>
+          <p:cNvPicPr>
+            <a:picLocks noChangeAspect="1" noChangeArrowheads="1"/>
+          </p:cNvPicPr>
+          <p:nvPr/>
+        </p:nvPicPr>
+        <p:blipFill>
+          <a:blip r:embed="rId2" cstate="print">
+            <a:extLst>
+              <a:ext uri="{28A0092B-C50C-407E-A947-70E740481C1C}">
+                <a14:useLocalDpi xmlns:a14="http://schemas.microsoft.com/office/drawing/2010/main" val="0"/>
+              </a:ext>
+            </a:extLst>
+          </a:blip>
+          <a:srcRect/>
+          <a:stretch>
+            <a:fillRect/>
+          </a:stretch>
+        </p:blipFill>
+        <p:spPr bwMode="auto">
+          <a:xfrm>
+            <a:off x="6769510" y="980728"/>
+            <a:ext cx="1834938" cy="2299972"/>
+          </a:xfrm>
+          <a:prstGeom prst="rect">
+            <a:avLst/>
+          </a:prstGeom>
+          <a:noFill/>
+          <a:extLst>
+            <a:ext uri="{909E8E84-426E-40DD-AFC4-6F175D3DCCD1}">
+              <a14:hiddenFill xmlns:a14="http://schemas.microsoft.com/office/drawing/2010/main">
+                <a:solidFill>
+                  <a:srgbClr val="FFFFFF"/>
+                </a:solidFill>
+              </a14:hiddenFill>
+            </a:ext>
+          </a:extLst>
+        </p:spPr>
+      </p:pic>
+      <p:sp>
+        <p:nvSpPr>
+          <p:cNvPr id="7" name="Subtítulo 2"/>
+          <p:cNvSpPr txBox="1">
+            <a:spLocks/>
+          </p:cNvSpPr>
+          <p:nvPr/>
+        </p:nvSpPr>
+        <p:spPr>
+          <a:xfrm>
+            <a:off x="509794" y="3429000"/>
+            <a:ext cx="8208912" cy="504056"/>
+          </a:xfrm>
+          <a:prstGeom prst="rect">
+            <a:avLst/>
+          </a:prstGeom>
+        </p:spPr>
+        <p:txBody>
+          <a:bodyPr vert="horz" lIns="91440" tIns="45720" rIns="91440" bIns="45720" rtlCol="0">
+            <a:noAutofit/>
+          </a:bodyPr>
+          <a:lstStyle>
+            <a:lvl1pPr marL="0" indent="0" algn="l" defTabSz="914400" rtl="0" eaLnBrk="1" latinLnBrk="0" hangingPunct="1">
+              <a:spcBef>
+                <a:spcPct val="20000"/>
+              </a:spcBef>
+              <a:buClr>
+                <a:schemeClr val="accent1"/>
+              </a:buClr>
+              <a:buSzPct val="85000"/>
+              <a:buFont typeface="Arial" pitchFamily="34" charset="0"/>
+              <a:buNone/>
+              <a:defRPr sz="2400" kern="1200">
+                <a:solidFill>
+                  <a:schemeClr val="tx1">
+                    <a:lumMod val="75000"/>
+                    <a:lumOff val="25000"/>
+                  </a:schemeClr>
+                </a:solidFill>
+                <a:latin typeface="+mn-lt"/>
+                <a:ea typeface="+mn-ea"/>
+                <a:cs typeface="+mn-cs"/>
+              </a:defRPr>
+            </a:lvl1pPr>
+            <a:lvl2pPr marL="457200" indent="0" algn="ctr" defTabSz="914400" rtl="0" eaLnBrk="1" latinLnBrk="0" hangingPunct="1">
+              <a:spcBef>
+                <a:spcPct val="20000"/>
+              </a:spcBef>
+              <a:buClr>
+                <a:schemeClr val="accent1"/>
+              </a:buClr>
+              <a:buSzPct val="85000"/>
+              <a:buFont typeface="Arial" pitchFamily="34" charset="0"/>
+              <a:buNone/>
+              <a:defRPr sz="2000" kern="1200">
+                <a:solidFill>
+                  <a:schemeClr val="tx1">
+                    <a:tint val="75000"/>
+                  </a:schemeClr>
+                </a:solidFill>
+                <a:latin typeface="+mn-lt"/>
+                <a:ea typeface="+mn-ea"/>
+                <a:cs typeface="+mn-cs"/>
+              </a:defRPr>
+            </a:lvl2pPr>
+            <a:lvl3pPr marL="914400" indent="0" algn="ctr" defTabSz="914400" rtl="0" eaLnBrk="1" latinLnBrk="0" hangingPunct="1">
+              <a:spcBef>
+                <a:spcPct val="20000"/>
+              </a:spcBef>
+              <a:buClr>
+                <a:schemeClr val="accent1"/>
+              </a:buClr>
+              <a:buSzPct val="90000"/>
+              <a:buFont typeface="Arial" pitchFamily="34" charset="0"/>
+              <a:buNone/>
+              <a:defRPr sz="1800" kern="1200">
+                <a:solidFill>
+                  <a:schemeClr val="tx1">
+                    <a:tint val="75000"/>
+                  </a:schemeClr>
+                </a:solidFill>
+                <a:latin typeface="+mn-lt"/>
+                <a:ea typeface="+mn-ea"/>
+                <a:cs typeface="+mn-cs"/>
+              </a:defRPr>
+            </a:lvl3pPr>
+            <a:lvl4pPr marL="1371600" indent="0" algn="ctr" defTabSz="914400" rtl="0" eaLnBrk="1" latinLnBrk="0" hangingPunct="1">
+              <a:spcBef>
+                <a:spcPct val="20000"/>
+              </a:spcBef>
+              <a:buClr>
+                <a:schemeClr val="accent1"/>
+              </a:buClr>
+              <a:buFont typeface="Arial" pitchFamily="34" charset="0"/>
+              <a:buNone/>
+              <a:defRPr sz="1600" kern="1200">
+                <a:solidFill>
+                  <a:schemeClr val="tx1">
+                    <a:tint val="75000"/>
+                  </a:schemeClr>
+                </a:solidFill>
+                <a:latin typeface="+mn-lt"/>
+                <a:ea typeface="+mn-ea"/>
+                <a:cs typeface="+mn-cs"/>
+              </a:defRPr>
+            </a:lvl4pPr>
+            <a:lvl5pPr marL="1828800" indent="0" algn="ctr" defTabSz="914400" rtl="0" eaLnBrk="1" latinLnBrk="0" hangingPunct="1">
+              <a:spcBef>
+                <a:spcPct val="20000"/>
+              </a:spcBef>
+              <a:buClr>
+                <a:schemeClr val="accent1"/>
+              </a:buClr>
+              <a:buSzPct val="100000"/>
+              <a:buFont typeface="Arial" pitchFamily="34" charset="0"/>
+              <a:buNone/>
+              <a:defRPr sz="1400" kern="1200" baseline="0">
+                <a:solidFill>
+                  <a:schemeClr val="tx1">
+                    <a:tint val="75000"/>
+                  </a:schemeClr>
+                </a:solidFill>
+                <a:latin typeface="+mn-lt"/>
+                <a:ea typeface="+mn-ea"/>
+                <a:cs typeface="+mn-cs"/>
+              </a:defRPr>
+            </a:lvl5pPr>
+            <a:lvl6pPr marL="2286000" indent="0" algn="ctr" defTabSz="914400" rtl="0" eaLnBrk="1" latinLnBrk="0" hangingPunct="1">
+              <a:spcBef>
+                <a:spcPct val="20000"/>
+              </a:spcBef>
+              <a:buClr>
+                <a:schemeClr val="accent1"/>
+              </a:buClr>
+              <a:buFont typeface="Arial" pitchFamily="34" charset="0"/>
+              <a:buNone/>
+              <a:defRPr sz="1300" kern="1200">
+                <a:solidFill>
+                  <a:schemeClr val="tx1">
+                    <a:tint val="75000"/>
+                  </a:schemeClr>
+                </a:solidFill>
+                <a:latin typeface="+mn-lt"/>
+                <a:ea typeface="+mn-ea"/>
+                <a:cs typeface="+mn-cs"/>
+              </a:defRPr>
+            </a:lvl6pPr>
+            <a:lvl7pPr marL="2743200" indent="0" algn="ctr" defTabSz="914400" rtl="0" eaLnBrk="1" latinLnBrk="0" hangingPunct="1">
+              <a:spcBef>
+                <a:spcPct val="20000"/>
+              </a:spcBef>
+              <a:buClr>
+                <a:schemeClr val="accent1"/>
+              </a:buClr>
+              <a:buFont typeface="Arial" pitchFamily="34" charset="0"/>
+              <a:buNone/>
+              <a:defRPr sz="1300" kern="1200">
+                <a:solidFill>
+                  <a:schemeClr val="tx1">
+                    <a:tint val="75000"/>
+                  </a:schemeClr>
+                </a:solidFill>
+                <a:latin typeface="+mn-lt"/>
+                <a:ea typeface="+mn-ea"/>
+                <a:cs typeface="+mn-cs"/>
+              </a:defRPr>
+            </a:lvl7pPr>
+            <a:lvl8pPr marL="3200400" indent="0" algn="ctr" defTabSz="914400" rtl="0" eaLnBrk="1" latinLnBrk="0" hangingPunct="1">
+              <a:spcBef>
+                <a:spcPct val="20000"/>
+              </a:spcBef>
+              <a:buClr>
+                <a:schemeClr val="accent1"/>
+              </a:buClr>
+              <a:buFont typeface="Arial" pitchFamily="34" charset="0"/>
+              <a:buNone/>
+              <a:defRPr sz="1300" kern="1200">
+                <a:solidFill>
+                  <a:schemeClr val="tx1">
+                    <a:tint val="75000"/>
+                  </a:schemeClr>
+                </a:solidFill>
+                <a:latin typeface="+mn-lt"/>
+                <a:ea typeface="+mn-ea"/>
+                <a:cs typeface="+mn-cs"/>
+              </a:defRPr>
+            </a:lvl8pPr>
+            <a:lvl9pPr marL="3657600" indent="0" algn="ctr" defTabSz="914400" rtl="0" eaLnBrk="1" latinLnBrk="0" hangingPunct="1">
+              <a:spcBef>
+                <a:spcPct val="20000"/>
+              </a:spcBef>
+              <a:buClr>
+                <a:schemeClr val="accent1"/>
+              </a:buClr>
+              <a:buFont typeface="Arial" pitchFamily="34" charset="0"/>
+              <a:buNone/>
+              <a:defRPr sz="1300" kern="1200">
+                <a:solidFill>
+                  <a:schemeClr val="tx1">
+                    <a:tint val="75000"/>
+                  </a:schemeClr>
+                </a:solidFill>
+                <a:latin typeface="+mn-lt"/>
+                <a:ea typeface="+mn-ea"/>
+                <a:cs typeface="+mn-cs"/>
+              </a:defRPr>
+            </a:lvl9pPr>
+          </a:lstStyle>
+          <a:p>
+            <a:r>
+              <a:rPr lang="pt-BR" sz="2000" b="1" dirty="0" smtClean="0"/>
+              <a:t>TECNOLOGIA EM ANÁLISE E DESENVOLVIMENTO DE SISTEMAS</a:t>
+            </a:r>
+            <a:endParaRPr lang="pt-BR" sz="2000" dirty="0"/>
+          </a:p>
+        </p:txBody>
+      </p:sp>
+    </p:spTree>
+    <p:extLst>
+      <p:ext uri="{BB962C8B-B14F-4D97-AF65-F5344CB8AC3E}">
+        <p14:creationId xmlns:p14="http://schemas.microsoft.com/office/powerpoint/2010/main" val="3203044337"/>
+      </p:ext>
+    </p:extLst>
+  </p:cSld>
+  <p:clrMapOvr>
+    <a:masterClrMapping/>
+  </p:clrMapOvr>
+  <p:timing>
+    <p:tnLst>
+      <p:par>
+        <p:cTn id="1" dur="indefinite" restart="never" nodeType="tmRoot"/>
+      </p:par>
+    </p:tnLst>
+  </p:timing>
+</p:sld>
+</file>
+
+<file path=ppt/slides/slide10.xml><?xml version="1.0" encoding="utf-8"?>
+<p:sld xmlns:a="http://schemas.openxmlformats.org/drawingml/2006/main" xmlns:r="http://schemas.openxmlformats.org/officeDocument/2006/relationships" xmlns:p="http://schemas.openxmlformats.org/presentationml/2006/main">
+  <p:cSld>
+    <p:spTree>
+      <p:nvGrpSpPr>
+        <p:cNvPr id="1" name=""/>
+        <p:cNvGrpSpPr/>
+        <p:nvPr/>
+      </p:nvGrpSpPr>
+      <p:grpSpPr>
+        <a:xfrm>
+          <a:off x="0" y="0"/>
+          <a:ext cx="0" cy="0"/>
+          <a:chOff x="0" y="0"/>
+          <a:chExt cx="0" cy="0"/>
+        </a:xfrm>
+      </p:grpSpPr>
+      <p:sp>
+        <p:nvSpPr>
+          <p:cNvPr id="2" name="Título 1"/>
+          <p:cNvSpPr>
+            <a:spLocks noGrp="1"/>
+          </p:cNvSpPr>
+          <p:nvPr>
+            <p:ph type="title"/>
+          </p:nvPr>
+        </p:nvSpPr>
+        <p:spPr/>
+        <p:txBody>
+          <a:bodyPr>
+            <a:normAutofit fontScale="90000"/>
+          </a:bodyPr>
+          <a:lstStyle/>
+          <a:p>
+            <a:r>
+              <a:rPr lang="pt-BR" dirty="0" smtClean="0"/>
+              <a:t>Fundamentação Teórica</a:t>
+            </a:r>
+            <a:br>
+              <a:rPr lang="pt-BR" dirty="0" smtClean="0"/>
+            </a:br>
+            <a:r>
+              <a:rPr lang="pt-BR" sz="3600" dirty="0" smtClean="0"/>
+              <a:t>Reúso de Software – Geradores de Programas</a:t>
+            </a:r>
+            <a:endParaRPr lang="pt-BR" dirty="0"/>
+          </a:p>
+        </p:txBody>
+      </p:sp>
+      <p:sp>
+        <p:nvSpPr>
+          <p:cNvPr id="3" name="Espaço Reservado para Conteúdo 2"/>
+          <p:cNvSpPr>
+            <a:spLocks noGrp="1"/>
+          </p:cNvSpPr>
+          <p:nvPr>
+            <p:ph idx="1"/>
+          </p:nvPr>
+        </p:nvSpPr>
+        <p:spPr>
+          <a:xfrm>
+            <a:off x="457200" y="2132856"/>
+            <a:ext cx="8229600" cy="4344144"/>
+          </a:xfrm>
+        </p:spPr>
+        <p:txBody>
+          <a:bodyPr>
+            <a:normAutofit fontScale="85000" lnSpcReduction="10000"/>
+          </a:bodyPr>
+          <a:lstStyle/>
+          <a:p>
+            <a:pPr>
+              <a:lnSpc>
+                <a:spcPct val="150000"/>
+              </a:lnSpc>
+            </a:pPr>
+            <a:r>
+              <a:rPr lang="pt-BR" sz="2800" dirty="0" smtClean="0"/>
+              <a:t>(</a:t>
+            </a:r>
+            <a:r>
+              <a:rPr lang="pt-BR" sz="2800" dirty="0"/>
+              <a:t>SOMMERVILLE, </a:t>
+            </a:r>
+            <a:r>
+              <a:rPr lang="pt-BR" sz="2800" dirty="0" smtClean="0"/>
+              <a:t>2013) Softwares que geram outros softwares a partir de especificações de alto nível;</a:t>
+            </a:r>
+          </a:p>
+          <a:p>
+            <a:pPr>
+              <a:lnSpc>
+                <a:spcPct val="150000"/>
+              </a:lnSpc>
+            </a:pPr>
+            <a:r>
+              <a:rPr lang="pt-BR" sz="2800" dirty="0"/>
+              <a:t>(LUCRÉDIO, 2009</a:t>
+            </a:r>
+            <a:r>
+              <a:rPr lang="pt-BR" sz="2800" dirty="0" smtClean="0"/>
+              <a:t>) Traz redução de tempo, redução de possibilidade erro humano;</a:t>
+            </a:r>
+            <a:endParaRPr lang="pt-BR" sz="2800" b="1" dirty="0" smtClean="0"/>
+          </a:p>
+          <a:p>
+            <a:pPr>
+              <a:lnSpc>
+                <a:spcPct val="150000"/>
+              </a:lnSpc>
+            </a:pPr>
+            <a:r>
+              <a:rPr lang="pt-BR" sz="2800" dirty="0"/>
+              <a:t>(SYRIANI; LUHUNU; SAHRAOUI, 2018</a:t>
+            </a:r>
+            <a:r>
+              <a:rPr lang="pt-BR" sz="2800" dirty="0" smtClean="0"/>
+              <a:t>) </a:t>
+            </a:r>
+            <a:r>
+              <a:rPr lang="pt-BR" sz="2800" dirty="0"/>
+              <a:t>garantir que o usuário especifique o que espera de um programa e que um software gere automaticamente o programa sem nenhuma assistência do usuário </a:t>
+            </a:r>
+            <a:endParaRPr lang="pt-BR" sz="2800" dirty="0" smtClean="0"/>
+          </a:p>
+          <a:p>
+            <a:endParaRPr lang="pt-BR" dirty="0"/>
+          </a:p>
+        </p:txBody>
+      </p:sp>
+    </p:spTree>
+    <p:extLst>
+      <p:ext uri="{BB962C8B-B14F-4D97-AF65-F5344CB8AC3E}">
+        <p14:creationId xmlns:p14="http://schemas.microsoft.com/office/powerpoint/2010/main" val="35182471"/>
+      </p:ext>
+    </p:extLst>
+  </p:cSld>
+  <p:clrMapOvr>
+    <a:masterClrMapping/>
+  </p:clrMapOvr>
+  <p:timing>
+    <p:tnLst>
+      <p:par>
+        <p:cTn id="1" dur="indefinite" restart="never" nodeType="tmRoot">
+          <p:childTnLst>
+            <p:seq concurrent="1" nextAc="seek">
+              <p:cTn id="2" dur="indefinite" nodeType="mainSeq">
+                <p:childTnLst>
+                  <p:par>
+                    <p:cTn id="3" fill="hold">
+                      <p:stCondLst>
+                        <p:cond delay="indefinite"/>
+                      </p:stCondLst>
+                      <p:childTnLst>
+                        <p:par>
+                          <p:cTn id="4" fill="hold">
+                            <p:stCondLst>
+                              <p:cond delay="0"/>
+                            </p:stCondLst>
+                            <p:childTnLst>
+                              <p:par>
+                                <p:cTn id="5" presetID="10" presetClass="entr" presetSubtype="0" fill="hold" grpId="0" nodeType="clickEffect">
+                                  <p:stCondLst>
+                                    <p:cond delay="0"/>
+                                  </p:stCondLst>
+                                  <p:childTnLst>
+                                    <p:set>
+                                      <p:cBhvr>
+                                        <p:cTn id="6" dur="1" fill="hold">
+                                          <p:stCondLst>
+                                            <p:cond delay="0"/>
+                                          </p:stCondLst>
+                                        </p:cTn>
+                                        <p:tgtEl>
+                                          <p:spTgt spid="3">
+                                            <p:txEl>
+                                              <p:pRg st="0" end="0"/>
+                                            </p:txEl>
+                                          </p:spTgt>
+                                        </p:tgtEl>
+                                        <p:attrNameLst>
+                                          <p:attrName>style.visibility</p:attrName>
+                                        </p:attrNameLst>
+                                      </p:cBhvr>
+                                      <p:to>
+                                        <p:strVal val="visible"/>
+                                      </p:to>
+                                    </p:set>
+                                    <p:animEffect transition="in" filter="fade">
+                                      <p:cBhvr>
+                                        <p:cTn id="7" dur="500"/>
+                                        <p:tgtEl>
+                                          <p:spTgt spid="3">
+                                            <p:txEl>
+                                              <p:pRg st="0" end="0"/>
+                                            </p:txEl>
+                                          </p:spTgt>
+                                        </p:tgtEl>
+                                      </p:cBhvr>
+                                    </p:animEffect>
+                                  </p:childTnLst>
+                                </p:cTn>
+                              </p:par>
+                            </p:childTnLst>
+                          </p:cTn>
+                        </p:par>
+                      </p:childTnLst>
+                    </p:cTn>
+                  </p:par>
+                  <p:par>
+                    <p:cTn id="8" fill="hold">
+                      <p:stCondLst>
+                        <p:cond delay="indefinite"/>
+                      </p:stCondLst>
+                      <p:childTnLst>
+                        <p:par>
+                          <p:cTn id="9" fill="hold">
+                            <p:stCondLst>
+                              <p:cond delay="0"/>
+                            </p:stCondLst>
+                            <p:childTnLst>
+                              <p:par>
+                                <p:cTn id="10" presetID="10" presetClass="entr" presetSubtype="0" fill="hold" grpId="0" nodeType="clickEffect">
+                                  <p:stCondLst>
+                                    <p:cond delay="0"/>
+                                  </p:stCondLst>
+                                  <p:childTnLst>
+                                    <p:set>
+                                      <p:cBhvr>
+                                        <p:cTn id="11" dur="1" fill="hold">
+                                          <p:stCondLst>
+                                            <p:cond delay="0"/>
+                                          </p:stCondLst>
+                                        </p:cTn>
+                                        <p:tgtEl>
+                                          <p:spTgt spid="3">
+                                            <p:txEl>
+                                              <p:pRg st="1" end="1"/>
+                                            </p:txEl>
+                                          </p:spTgt>
+                                        </p:tgtEl>
+                                        <p:attrNameLst>
+                                          <p:attrName>style.visibility</p:attrName>
+                                        </p:attrNameLst>
+                                      </p:cBhvr>
+                                      <p:to>
+                                        <p:strVal val="visible"/>
+                                      </p:to>
+                                    </p:set>
+                                    <p:animEffect transition="in" filter="fade">
+                                      <p:cBhvr>
+                                        <p:cTn id="12" dur="500"/>
+                                        <p:tgtEl>
+                                          <p:spTgt spid="3">
+                                            <p:txEl>
+                                              <p:pRg st="1" end="1"/>
+                                            </p:txEl>
+                                          </p:spTgt>
+                                        </p:tgtEl>
+                                      </p:cBhvr>
+                                    </p:animEffect>
+                                  </p:childTnLst>
+                                </p:cTn>
+                              </p:par>
+                            </p:childTnLst>
+                          </p:cTn>
+                        </p:par>
+                      </p:childTnLst>
+                    </p:cTn>
+                  </p:par>
+                  <p:par>
+                    <p:cTn id="13" fill="hold">
+                      <p:stCondLst>
+                        <p:cond delay="indefinite"/>
+                      </p:stCondLst>
+                      <p:childTnLst>
+                        <p:par>
+                          <p:cTn id="14" fill="hold">
+                            <p:stCondLst>
+                              <p:cond delay="0"/>
+                            </p:stCondLst>
+                            <p:childTnLst>
+                              <p:par>
+                                <p:cTn id="15" presetID="10" presetClass="entr" presetSubtype="0" fill="hold" grpId="0" nodeType="clickEffect">
+                                  <p:stCondLst>
+                                    <p:cond delay="0"/>
+                                  </p:stCondLst>
+                                  <p:childTnLst>
+                                    <p:set>
+                                      <p:cBhvr>
+                                        <p:cTn id="16" dur="1" fill="hold">
+                                          <p:stCondLst>
+                                            <p:cond delay="0"/>
+                                          </p:stCondLst>
+                                        </p:cTn>
+                                        <p:tgtEl>
+                                          <p:spTgt spid="3">
+                                            <p:txEl>
+                                              <p:pRg st="2" end="2"/>
+                                            </p:txEl>
+                                          </p:spTgt>
+                                        </p:tgtEl>
+                                        <p:attrNameLst>
+                                          <p:attrName>style.visibility</p:attrName>
+                                        </p:attrNameLst>
+                                      </p:cBhvr>
+                                      <p:to>
+                                        <p:strVal val="visible"/>
+                                      </p:to>
+                                    </p:set>
+                                    <p:animEffect transition="in" filter="fade">
+                                      <p:cBhvr>
+                                        <p:cTn id="17" dur="500"/>
+                                        <p:tgtEl>
+                                          <p:spTgt spid="3">
+                                            <p:txEl>
+                                              <p:pRg st="2" end="2"/>
+                                            </p:txEl>
+                                          </p:spTgt>
+                                        </p:tgtEl>
+                                      </p:cBhvr>
+                                    </p:animEffect>
+                                  </p:childTnLst>
+                                </p:cTn>
+                              </p:par>
+                            </p:childTnLst>
+                          </p:cTn>
+                        </p:par>
+                      </p:childTnLst>
+                    </p:cTn>
+                  </p:par>
+                </p:childTnLst>
+              </p:cTn>
+              <p:prevCondLst>
+                <p:cond evt="onPrev" delay="0">
+                  <p:tgtEl>
+                    <p:sldTgt/>
+                  </p:tgtEl>
+                </p:cond>
+              </p:prevCondLst>
+              <p:nextCondLst>
+                <p:cond evt="onNext" delay="0">
+                  <p:tgtEl>
+                    <p:sldTgt/>
+                  </p:tgtEl>
+                </p:cond>
+              </p:nextCondLst>
+            </p:seq>
+          </p:childTnLst>
+        </p:cTn>
+      </p:par>
+    </p:tnLst>
+    <p:bldLst>
+      <p:bldP spid="3" grpId="0" build="p"/>
+    </p:bldLst>
+  </p:timing>
+</p:sld>
+</file>
+
+<file path=ppt/slides/slide2.xml><?xml version="1.0" encoding="utf-8"?>
+<p:sld xmlns:a="http://schemas.openxmlformats.org/drawingml/2006/main" xmlns:r="http://schemas.openxmlformats.org/officeDocument/2006/relationships" xmlns:p="http://schemas.openxmlformats.org/presentationml/2006/main">
+  <p:cSld>
+    <p:spTree>
+      <p:nvGrpSpPr>
+        <p:cNvPr id="1" name=""/>
+        <p:cNvGrpSpPr/>
+        <p:nvPr/>
+      </p:nvGrpSpPr>
+      <p:grpSpPr>
+        <a:xfrm>
+          <a:off x="0" y="0"/>
+          <a:ext cx="0" cy="0"/>
+          <a:chOff x="0" y="0"/>
+          <a:chExt cx="0" cy="0"/>
+        </a:xfrm>
+      </p:grpSpPr>
+      <p:sp>
+        <p:nvSpPr>
+          <p:cNvPr id="2" name="Título 1"/>
+          <p:cNvSpPr>
+            <a:spLocks noGrp="1"/>
+          </p:cNvSpPr>
+          <p:nvPr>
+            <p:ph type="title"/>
+          </p:nvPr>
+        </p:nvSpPr>
+        <p:spPr/>
+        <p:txBody>
+          <a:bodyPr/>
+          <a:lstStyle/>
+          <a:p>
+            <a:r>
+              <a:rPr lang="pt-BR" dirty="0" smtClean="0"/>
+              <a:t>Introdução</a:t>
+            </a:r>
+            <a:endParaRPr lang="pt-BR" dirty="0"/>
+          </a:p>
+        </p:txBody>
+      </p:sp>
+      <p:sp>
+        <p:nvSpPr>
+          <p:cNvPr id="3" name="Espaço Reservado para Conteúdo 2"/>
+          <p:cNvSpPr>
+            <a:spLocks noGrp="1"/>
+          </p:cNvSpPr>
+          <p:nvPr>
+            <p:ph idx="1"/>
+          </p:nvPr>
+        </p:nvSpPr>
+        <p:spPr/>
+        <p:txBody>
+          <a:bodyPr/>
+          <a:lstStyle/>
+          <a:p>
+            <a:r>
+              <a:rPr lang="pt-BR" dirty="0" smtClean="0"/>
+              <a:t>Evolução tecnológica trouxe acesso a um volume de dados massivo;</a:t>
+            </a:r>
+          </a:p>
+          <a:p>
+            <a:r>
+              <a:rPr lang="pt-BR" dirty="0" smtClean="0"/>
+              <a:t>Soluções de visualização de dados através de quadros gráficos facilitam o entendimento e a análise;</a:t>
+            </a:r>
+          </a:p>
+          <a:p>
+            <a:r>
+              <a:rPr lang="pt-BR" dirty="0" smtClean="0"/>
+              <a:t>Mesmo com a evolução das linguagens de programação é trabalhoso gerar esses gráficos;</a:t>
+            </a:r>
+          </a:p>
+          <a:p>
+            <a:r>
+              <a:rPr lang="pt-BR" sz="2800" dirty="0" smtClean="0"/>
+              <a:t>Motivação da pesquisa: </a:t>
+            </a:r>
+            <a:r>
+              <a:rPr lang="pt-BR" sz="2800" b="1" dirty="0" smtClean="0"/>
+              <a:t>Podem a engenharia de software baseada em reuso e a programação generativa ajudar a diminuir o esforço repetitivo de gerar esses quadros?</a:t>
+            </a:r>
+            <a:endParaRPr lang="pt-BR" sz="2800" b="1" dirty="0"/>
+          </a:p>
+        </p:txBody>
+      </p:sp>
+    </p:spTree>
+    <p:extLst>
+      <p:ext uri="{BB962C8B-B14F-4D97-AF65-F5344CB8AC3E}">
+        <p14:creationId xmlns:p14="http://schemas.microsoft.com/office/powerpoint/2010/main" val="3742307202"/>
+      </p:ext>
+    </p:extLst>
+  </p:cSld>
+  <p:clrMapOvr>
+    <a:masterClrMapping/>
+  </p:clrMapOvr>
+  <p:timing>
+    <p:tnLst>
+      <p:par>
+        <p:cTn id="1" dur="indefinite" restart="never" nodeType="tmRoot">
+          <p:childTnLst>
+            <p:seq concurrent="1" nextAc="seek">
+              <p:cTn id="2" dur="indefinite" nodeType="mainSeq">
+                <p:childTnLst>
+                  <p:par>
+                    <p:cTn id="3" fill="hold">
+                      <p:stCondLst>
+                        <p:cond delay="indefinite"/>
+                      </p:stCondLst>
+                      <p:childTnLst>
+                        <p:par>
+                          <p:cTn id="4" fill="hold">
+                            <p:stCondLst>
+                              <p:cond delay="0"/>
+                            </p:stCondLst>
+                            <p:childTnLst>
+                              <p:par>
+                                <p:cTn id="5" presetID="10" presetClass="entr" presetSubtype="0" fill="hold" grpId="0" nodeType="clickEffect">
+                                  <p:stCondLst>
+                                    <p:cond delay="0"/>
+                                  </p:stCondLst>
+                                  <p:childTnLst>
+                                    <p:set>
+                                      <p:cBhvr>
+                                        <p:cTn id="6" dur="1" fill="hold">
+                                          <p:stCondLst>
+                                            <p:cond delay="0"/>
+                                          </p:stCondLst>
+                                        </p:cTn>
+                                        <p:tgtEl>
+                                          <p:spTgt spid="3">
+                                            <p:txEl>
+                                              <p:pRg st="0" end="0"/>
+                                            </p:txEl>
+                                          </p:spTgt>
+                                        </p:tgtEl>
+                                        <p:attrNameLst>
+                                          <p:attrName>style.visibility</p:attrName>
+                                        </p:attrNameLst>
+                                      </p:cBhvr>
+                                      <p:to>
+                                        <p:strVal val="visible"/>
+                                      </p:to>
+                                    </p:set>
+                                    <p:animEffect transition="in" filter="fade">
+                                      <p:cBhvr>
+                                        <p:cTn id="7" dur="500"/>
+                                        <p:tgtEl>
+                                          <p:spTgt spid="3">
+                                            <p:txEl>
+                                              <p:pRg st="0" end="0"/>
+                                            </p:txEl>
+                                          </p:spTgt>
+                                        </p:tgtEl>
+                                      </p:cBhvr>
+                                    </p:animEffect>
+                                  </p:childTnLst>
+                                </p:cTn>
+                              </p:par>
+                            </p:childTnLst>
+                          </p:cTn>
+                        </p:par>
+                      </p:childTnLst>
+                    </p:cTn>
+                  </p:par>
+                  <p:par>
+                    <p:cTn id="8" fill="hold">
+                      <p:stCondLst>
+                        <p:cond delay="indefinite"/>
+                      </p:stCondLst>
+                      <p:childTnLst>
+                        <p:par>
+                          <p:cTn id="9" fill="hold">
+                            <p:stCondLst>
+                              <p:cond delay="0"/>
+                            </p:stCondLst>
+                            <p:childTnLst>
+                              <p:par>
+                                <p:cTn id="10" presetID="10" presetClass="entr" presetSubtype="0" fill="hold" grpId="0" nodeType="clickEffect">
+                                  <p:stCondLst>
+                                    <p:cond delay="0"/>
+                                  </p:stCondLst>
+                                  <p:childTnLst>
+                                    <p:set>
+                                      <p:cBhvr>
+                                        <p:cTn id="11" dur="1" fill="hold">
+                                          <p:stCondLst>
+                                            <p:cond delay="0"/>
+                                          </p:stCondLst>
+                                        </p:cTn>
+                                        <p:tgtEl>
+                                          <p:spTgt spid="3">
+                                            <p:txEl>
+                                              <p:pRg st="1" end="1"/>
+                                            </p:txEl>
+                                          </p:spTgt>
+                                        </p:tgtEl>
+                                        <p:attrNameLst>
+                                          <p:attrName>style.visibility</p:attrName>
+                                        </p:attrNameLst>
+                                      </p:cBhvr>
+                                      <p:to>
+                                        <p:strVal val="visible"/>
+                                      </p:to>
+                                    </p:set>
+                                    <p:animEffect transition="in" filter="fade">
+                                      <p:cBhvr>
+                                        <p:cTn id="12" dur="500"/>
+                                        <p:tgtEl>
+                                          <p:spTgt spid="3">
+                                            <p:txEl>
+                                              <p:pRg st="1" end="1"/>
+                                            </p:txEl>
+                                          </p:spTgt>
+                                        </p:tgtEl>
+                                      </p:cBhvr>
+                                    </p:animEffect>
+                                  </p:childTnLst>
+                                </p:cTn>
+                              </p:par>
+                            </p:childTnLst>
+                          </p:cTn>
+                        </p:par>
+                      </p:childTnLst>
+                    </p:cTn>
+                  </p:par>
+                  <p:par>
+                    <p:cTn id="13" fill="hold">
+                      <p:stCondLst>
+                        <p:cond delay="indefinite"/>
+                      </p:stCondLst>
+                      <p:childTnLst>
+                        <p:par>
+                          <p:cTn id="14" fill="hold">
+                            <p:stCondLst>
+                              <p:cond delay="0"/>
+                            </p:stCondLst>
+                            <p:childTnLst>
+                              <p:par>
+                                <p:cTn id="15" presetID="10" presetClass="entr" presetSubtype="0" fill="hold" grpId="0" nodeType="clickEffect">
+                                  <p:stCondLst>
+                                    <p:cond delay="0"/>
+                                  </p:stCondLst>
+                                  <p:childTnLst>
+                                    <p:set>
+                                      <p:cBhvr>
+                                        <p:cTn id="16" dur="1" fill="hold">
+                                          <p:stCondLst>
+                                            <p:cond delay="0"/>
+                                          </p:stCondLst>
+                                        </p:cTn>
+                                        <p:tgtEl>
+                                          <p:spTgt spid="3">
+                                            <p:txEl>
+                                              <p:pRg st="2" end="2"/>
+                                            </p:txEl>
+                                          </p:spTgt>
+                                        </p:tgtEl>
+                                        <p:attrNameLst>
+                                          <p:attrName>style.visibility</p:attrName>
+                                        </p:attrNameLst>
+                                      </p:cBhvr>
+                                      <p:to>
+                                        <p:strVal val="visible"/>
+                                      </p:to>
+                                    </p:set>
+                                    <p:animEffect transition="in" filter="fade">
+                                      <p:cBhvr>
+                                        <p:cTn id="17" dur="500"/>
+                                        <p:tgtEl>
+                                          <p:spTgt spid="3">
+                                            <p:txEl>
+                                              <p:pRg st="2" end="2"/>
+                                            </p:txEl>
+                                          </p:spTgt>
+                                        </p:tgtEl>
+                                      </p:cBhvr>
+                                    </p:animEffect>
+                                  </p:childTnLst>
+                                </p:cTn>
+                              </p:par>
+                            </p:childTnLst>
+                          </p:cTn>
+                        </p:par>
+                      </p:childTnLst>
+                    </p:cTn>
+                  </p:par>
+                  <p:par>
+                    <p:cTn id="18" fill="hold">
+                      <p:stCondLst>
+                        <p:cond delay="indefinite"/>
+                      </p:stCondLst>
+                      <p:childTnLst>
+                        <p:par>
+                          <p:cTn id="19" fill="hold">
+                            <p:stCondLst>
+                              <p:cond delay="0"/>
+                            </p:stCondLst>
+                            <p:childTnLst>
+                              <p:par>
+                                <p:cTn id="20" presetID="10" presetClass="entr" presetSubtype="0" fill="hold" grpId="0" nodeType="clickEffect">
+                                  <p:stCondLst>
+                                    <p:cond delay="0"/>
+                                  </p:stCondLst>
+                                  <p:childTnLst>
+                                    <p:set>
+                                      <p:cBhvr>
+                                        <p:cTn id="21" dur="1" fill="hold">
+                                          <p:stCondLst>
+                                            <p:cond delay="0"/>
+                                          </p:stCondLst>
+                                        </p:cTn>
+                                        <p:tgtEl>
+                                          <p:spTgt spid="3">
+                                            <p:txEl>
+                                              <p:pRg st="3" end="3"/>
+                                            </p:txEl>
+                                          </p:spTgt>
+                                        </p:tgtEl>
+                                        <p:attrNameLst>
+                                          <p:attrName>style.visibility</p:attrName>
+                                        </p:attrNameLst>
+                                      </p:cBhvr>
+                                      <p:to>
+                                        <p:strVal val="visible"/>
+                                      </p:to>
+                                    </p:set>
+                                    <p:animEffect transition="in" filter="fade">
+                                      <p:cBhvr>
+                                        <p:cTn id="22" dur="500"/>
+                                        <p:tgtEl>
+                                          <p:spTgt spid="3">
+                                            <p:txEl>
+                                              <p:pRg st="3" end="3"/>
+                                            </p:txEl>
+                                          </p:spTgt>
+                                        </p:tgtEl>
+                                      </p:cBhvr>
+                                    </p:animEffect>
+                                  </p:childTnLst>
+                                </p:cTn>
+                              </p:par>
+                            </p:childTnLst>
+                          </p:cTn>
+                        </p:par>
+                      </p:childTnLst>
+                    </p:cTn>
+                  </p:par>
+                </p:childTnLst>
+              </p:cTn>
+              <p:prevCondLst>
+                <p:cond evt="onPrev" delay="0">
+                  <p:tgtEl>
+                    <p:sldTgt/>
+                  </p:tgtEl>
+                </p:cond>
+              </p:prevCondLst>
+              <p:nextCondLst>
+                <p:cond evt="onNext" delay="0">
+                  <p:tgtEl>
+                    <p:sldTgt/>
+                  </p:tgtEl>
+                </p:cond>
+              </p:nextCondLst>
+            </p:seq>
+          </p:childTnLst>
+        </p:cTn>
+      </p:par>
+    </p:tnLst>
+    <p:bldLst>
+      <p:bldP spid="3" grpId="0" build="p"/>
+    </p:bldLst>
+  </p:timing>
+</p:sld>
+</file>
+
+<file path=ppt/slides/slide3.xml><?xml version="1.0" encoding="utf-8"?>
+<p:sld xmlns:a="http://schemas.openxmlformats.org/drawingml/2006/main" xmlns:r="http://schemas.openxmlformats.org/officeDocument/2006/relationships" xmlns:p="http://schemas.openxmlformats.org/presentationml/2006/main">
+  <p:cSld>
+    <p:spTree>
+      <p:nvGrpSpPr>
+        <p:cNvPr id="1" name=""/>
+        <p:cNvGrpSpPr/>
+        <p:nvPr/>
+      </p:nvGrpSpPr>
+      <p:grpSpPr>
+        <a:xfrm>
+          <a:off x="0" y="0"/>
+          <a:ext cx="0" cy="0"/>
+          <a:chOff x="0" y="0"/>
+          <a:chExt cx="0" cy="0"/>
+        </a:xfrm>
+      </p:grpSpPr>
+      <p:sp>
+        <p:nvSpPr>
+          <p:cNvPr id="2" name="Título 1"/>
+          <p:cNvSpPr>
+            <a:spLocks noGrp="1"/>
+          </p:cNvSpPr>
+          <p:nvPr>
+            <p:ph type="title"/>
+          </p:nvPr>
+        </p:nvSpPr>
+        <p:spPr/>
+        <p:txBody>
+          <a:bodyPr/>
+          <a:lstStyle/>
+          <a:p>
+            <a:r>
+              <a:rPr lang="pt-BR" dirty="0" smtClean="0"/>
+              <a:t>Objetivo do Trabalho</a:t>
+            </a:r>
+            <a:endParaRPr lang="pt-BR" dirty="0"/>
+          </a:p>
+        </p:txBody>
+      </p:sp>
+      <p:sp>
+        <p:nvSpPr>
+          <p:cNvPr id="3" name="Espaço Reservado para Conteúdo 2"/>
+          <p:cNvSpPr>
+            <a:spLocks noGrp="1"/>
+          </p:cNvSpPr>
+          <p:nvPr>
+            <p:ph idx="1"/>
+          </p:nvPr>
+        </p:nvSpPr>
+        <p:spPr/>
+        <p:txBody>
+          <a:bodyPr>
+            <a:normAutofit/>
+          </a:bodyPr>
+          <a:lstStyle/>
+          <a:p>
+            <a:r>
+              <a:rPr lang="pt-BR" sz="2800" dirty="0" smtClean="0"/>
+              <a:t>Desenvolver aplicação em Java 8 SE que:</a:t>
+            </a:r>
+          </a:p>
+          <a:p>
+            <a:r>
+              <a:rPr lang="pt-BR" sz="2800" dirty="0" smtClean="0"/>
+              <a:t>Permita selecionar um arquivo CSV;</a:t>
+            </a:r>
+          </a:p>
+          <a:p>
+            <a:r>
+              <a:rPr lang="pt-BR" sz="2800" dirty="0" smtClean="0"/>
+              <a:t>Possibilite escolher entre tipos diversos de gráficos e associá-los aos atributos do arquivo;</a:t>
+            </a:r>
+          </a:p>
+          <a:p>
+            <a:pPr lvl="1"/>
+            <a:r>
+              <a:rPr lang="pt-BR" dirty="0" smtClean="0"/>
+              <a:t>Aplicação permite seleção entre Gráfico Pizza, Linhas e Barras Horizontais</a:t>
+            </a:r>
+          </a:p>
+          <a:p>
+            <a:r>
+              <a:rPr lang="pt-BR" sz="2800" dirty="0" smtClean="0"/>
+              <a:t>Com base em um  gabarito estático e uma coleção de dependências, gere um Dashboard HTML5 que permita  aplicação de filtros dinâmicos para análise.</a:t>
+            </a:r>
+          </a:p>
+        </p:txBody>
+      </p:sp>
+    </p:spTree>
+    <p:extLst>
+      <p:ext uri="{BB962C8B-B14F-4D97-AF65-F5344CB8AC3E}">
+        <p14:creationId xmlns:p14="http://schemas.microsoft.com/office/powerpoint/2010/main" val="3796481092"/>
+      </p:ext>
+    </p:extLst>
+  </p:cSld>
+  <p:clrMapOvr>
+    <a:masterClrMapping/>
+  </p:clrMapOvr>
+  <p:timing>
+    <p:tnLst>
+      <p:par>
+        <p:cTn id="1" dur="indefinite" restart="never" nodeType="tmRoot">
+          <p:childTnLst>
+            <p:seq concurrent="1" nextAc="seek">
+              <p:cTn id="2" dur="indefinite" nodeType="mainSeq">
+                <p:childTnLst>
+                  <p:par>
+                    <p:cTn id="3" fill="hold">
+                      <p:stCondLst>
+                        <p:cond delay="indefinite"/>
+                      </p:stCondLst>
+                      <p:childTnLst>
+                        <p:par>
+                          <p:cTn id="4" fill="hold">
+                            <p:stCondLst>
+                              <p:cond delay="0"/>
+                            </p:stCondLst>
+                            <p:childTnLst>
+                              <p:par>
+                                <p:cTn id="5" presetID="10" presetClass="entr" presetSubtype="0" fill="hold" grpId="0" nodeType="clickEffect">
+                                  <p:stCondLst>
+                                    <p:cond delay="0"/>
+                                  </p:stCondLst>
+                                  <p:childTnLst>
+                                    <p:set>
+                                      <p:cBhvr>
+                                        <p:cTn id="6" dur="1" fill="hold">
+                                          <p:stCondLst>
+                                            <p:cond delay="0"/>
+                                          </p:stCondLst>
+                                        </p:cTn>
+                                        <p:tgtEl>
+                                          <p:spTgt spid="3">
+                                            <p:txEl>
+                                              <p:pRg st="0" end="0"/>
+                                            </p:txEl>
+                                          </p:spTgt>
+                                        </p:tgtEl>
+                                        <p:attrNameLst>
+                                          <p:attrName>style.visibility</p:attrName>
+                                        </p:attrNameLst>
+                                      </p:cBhvr>
+                                      <p:to>
+                                        <p:strVal val="visible"/>
+                                      </p:to>
+                                    </p:set>
+                                    <p:animEffect transition="in" filter="fade">
+                                      <p:cBhvr>
+                                        <p:cTn id="7" dur="500"/>
+                                        <p:tgtEl>
+                                          <p:spTgt spid="3">
+                                            <p:txEl>
+                                              <p:pRg st="0" end="0"/>
+                                            </p:txEl>
+                                          </p:spTgt>
+                                        </p:tgtEl>
+                                      </p:cBhvr>
+                                    </p:animEffect>
+                                  </p:childTnLst>
+                                </p:cTn>
+                              </p:par>
+                            </p:childTnLst>
+                          </p:cTn>
+                        </p:par>
+                      </p:childTnLst>
+                    </p:cTn>
+                  </p:par>
+                  <p:par>
+                    <p:cTn id="8" fill="hold">
+                      <p:stCondLst>
+                        <p:cond delay="indefinite"/>
+                      </p:stCondLst>
+                      <p:childTnLst>
+                        <p:par>
+                          <p:cTn id="9" fill="hold">
+                            <p:stCondLst>
+                              <p:cond delay="0"/>
+                            </p:stCondLst>
+                            <p:childTnLst>
+                              <p:par>
+                                <p:cTn id="10" presetID="10" presetClass="entr" presetSubtype="0" fill="hold" grpId="0" nodeType="clickEffect">
+                                  <p:stCondLst>
+                                    <p:cond delay="0"/>
+                                  </p:stCondLst>
+                                  <p:childTnLst>
+                                    <p:set>
+                                      <p:cBhvr>
+                                        <p:cTn id="11" dur="1" fill="hold">
+                                          <p:stCondLst>
+                                            <p:cond delay="0"/>
+                                          </p:stCondLst>
+                                        </p:cTn>
+                                        <p:tgtEl>
+                                          <p:spTgt spid="3">
+                                            <p:txEl>
+                                              <p:pRg st="1" end="1"/>
+                                            </p:txEl>
+                                          </p:spTgt>
+                                        </p:tgtEl>
+                                        <p:attrNameLst>
+                                          <p:attrName>style.visibility</p:attrName>
+                                        </p:attrNameLst>
+                                      </p:cBhvr>
+                                      <p:to>
+                                        <p:strVal val="visible"/>
+                                      </p:to>
+                                    </p:set>
+                                    <p:animEffect transition="in" filter="fade">
+                                      <p:cBhvr>
+                                        <p:cTn id="12" dur="500"/>
+                                        <p:tgtEl>
+                                          <p:spTgt spid="3">
+                                            <p:txEl>
+                                              <p:pRg st="1" end="1"/>
+                                            </p:txEl>
+                                          </p:spTgt>
+                                        </p:tgtEl>
+                                      </p:cBhvr>
+                                    </p:animEffect>
+                                  </p:childTnLst>
+                                </p:cTn>
+                              </p:par>
+                            </p:childTnLst>
+                          </p:cTn>
+                        </p:par>
+                      </p:childTnLst>
+                    </p:cTn>
+                  </p:par>
+                  <p:par>
+                    <p:cTn id="13" fill="hold">
+                      <p:stCondLst>
+                        <p:cond delay="indefinite"/>
+                      </p:stCondLst>
+                      <p:childTnLst>
+                        <p:par>
+                          <p:cTn id="14" fill="hold">
+                            <p:stCondLst>
+                              <p:cond delay="0"/>
+                            </p:stCondLst>
+                            <p:childTnLst>
+                              <p:par>
+                                <p:cTn id="15" presetID="10" presetClass="entr" presetSubtype="0" fill="hold" grpId="0" nodeType="clickEffect">
+                                  <p:stCondLst>
+                                    <p:cond delay="0"/>
+                                  </p:stCondLst>
+                                  <p:childTnLst>
+                                    <p:set>
+                                      <p:cBhvr>
+                                        <p:cTn id="16" dur="1" fill="hold">
+                                          <p:stCondLst>
+                                            <p:cond delay="0"/>
+                                          </p:stCondLst>
+                                        </p:cTn>
+                                        <p:tgtEl>
+                                          <p:spTgt spid="3">
+                                            <p:txEl>
+                                              <p:pRg st="2" end="2"/>
+                                            </p:txEl>
+                                          </p:spTgt>
+                                        </p:tgtEl>
+                                        <p:attrNameLst>
+                                          <p:attrName>style.visibility</p:attrName>
+                                        </p:attrNameLst>
+                                      </p:cBhvr>
+                                      <p:to>
+                                        <p:strVal val="visible"/>
+                                      </p:to>
+                                    </p:set>
+                                    <p:animEffect transition="in" filter="fade">
+                                      <p:cBhvr>
+                                        <p:cTn id="17" dur="500"/>
+                                        <p:tgtEl>
+                                          <p:spTgt spid="3">
+                                            <p:txEl>
+                                              <p:pRg st="2" end="2"/>
+                                            </p:txEl>
+                                          </p:spTgt>
+                                        </p:tgtEl>
+                                      </p:cBhvr>
+                                    </p:animEffect>
+                                  </p:childTnLst>
+                                </p:cTn>
+                              </p:par>
+                            </p:childTnLst>
+                          </p:cTn>
+                        </p:par>
+                      </p:childTnLst>
+                    </p:cTn>
+                  </p:par>
+                  <p:par>
+                    <p:cTn id="18" fill="hold">
+                      <p:stCondLst>
+                        <p:cond delay="indefinite"/>
+                      </p:stCondLst>
+                      <p:childTnLst>
+                        <p:par>
+                          <p:cTn id="19" fill="hold">
+                            <p:stCondLst>
+                              <p:cond delay="0"/>
+                            </p:stCondLst>
+                            <p:childTnLst>
+                              <p:par>
+                                <p:cTn id="20" presetID="10" presetClass="entr" presetSubtype="0" fill="hold" grpId="0" nodeType="clickEffect">
+                                  <p:stCondLst>
+                                    <p:cond delay="0"/>
+                                  </p:stCondLst>
+                                  <p:childTnLst>
+                                    <p:set>
+                                      <p:cBhvr>
+                                        <p:cTn id="21" dur="1" fill="hold">
+                                          <p:stCondLst>
+                                            <p:cond delay="0"/>
+                                          </p:stCondLst>
+                                        </p:cTn>
+                                        <p:tgtEl>
+                                          <p:spTgt spid="3">
+                                            <p:txEl>
+                                              <p:pRg st="3" end="3"/>
+                                            </p:txEl>
+                                          </p:spTgt>
+                                        </p:tgtEl>
+                                        <p:attrNameLst>
+                                          <p:attrName>style.visibility</p:attrName>
+                                        </p:attrNameLst>
+                                      </p:cBhvr>
+                                      <p:to>
+                                        <p:strVal val="visible"/>
+                                      </p:to>
+                                    </p:set>
+                                    <p:animEffect transition="in" filter="fade">
+                                      <p:cBhvr>
+                                        <p:cTn id="22" dur="500"/>
+                                        <p:tgtEl>
+                                          <p:spTgt spid="3">
+                                            <p:txEl>
+                                              <p:pRg st="3" end="3"/>
+                                            </p:txEl>
+                                          </p:spTgt>
+                                        </p:tgtEl>
+                                      </p:cBhvr>
+                                    </p:animEffect>
+                                  </p:childTnLst>
+                                </p:cTn>
+                              </p:par>
+                            </p:childTnLst>
+                          </p:cTn>
+                        </p:par>
+                      </p:childTnLst>
+                    </p:cTn>
+                  </p:par>
+                  <p:par>
+                    <p:cTn id="23" fill="hold">
+                      <p:stCondLst>
+                        <p:cond delay="indefinite"/>
+                      </p:stCondLst>
+                      <p:childTnLst>
+                        <p:par>
+                          <p:cTn id="24" fill="hold">
+                            <p:stCondLst>
+                              <p:cond delay="0"/>
+                            </p:stCondLst>
+                            <p:childTnLst>
+                              <p:par>
+                                <p:cTn id="25" presetID="10" presetClass="entr" presetSubtype="0" fill="hold" grpId="0" nodeType="clickEffect">
+                                  <p:stCondLst>
+                                    <p:cond delay="0"/>
+                                  </p:stCondLst>
+                                  <p:childTnLst>
+                                    <p:set>
+                                      <p:cBhvr>
+                                        <p:cTn id="26" dur="1" fill="hold">
+                                          <p:stCondLst>
+                                            <p:cond delay="0"/>
+                                          </p:stCondLst>
+                                        </p:cTn>
+                                        <p:tgtEl>
+                                          <p:spTgt spid="3">
+                                            <p:txEl>
+                                              <p:pRg st="4" end="4"/>
+                                            </p:txEl>
+                                          </p:spTgt>
+                                        </p:tgtEl>
+                                        <p:attrNameLst>
+                                          <p:attrName>style.visibility</p:attrName>
+                                        </p:attrNameLst>
+                                      </p:cBhvr>
+                                      <p:to>
+                                        <p:strVal val="visible"/>
+                                      </p:to>
+                                    </p:set>
+                                    <p:animEffect transition="in" filter="fade">
+                                      <p:cBhvr>
+                                        <p:cTn id="27" dur="500"/>
+                                        <p:tgtEl>
+                                          <p:spTgt spid="3">
+                                            <p:txEl>
+                                              <p:pRg st="4" end="4"/>
+                                            </p:txEl>
+                                          </p:spTgt>
+                                        </p:tgtEl>
+                                      </p:cBhvr>
+                                    </p:animEffect>
+                                  </p:childTnLst>
+                                </p:cTn>
+                              </p:par>
+                            </p:childTnLst>
+                          </p:cTn>
+                        </p:par>
+                      </p:childTnLst>
+                    </p:cTn>
+                  </p:par>
+                </p:childTnLst>
+              </p:cTn>
+              <p:prevCondLst>
+                <p:cond evt="onPrev" delay="0">
+                  <p:tgtEl>
+                    <p:sldTgt/>
+                  </p:tgtEl>
+                </p:cond>
+              </p:prevCondLst>
+              <p:nextCondLst>
+                <p:cond evt="onNext" delay="0">
+                  <p:tgtEl>
+                    <p:sldTgt/>
+                  </p:tgtEl>
+                </p:cond>
+              </p:nextCondLst>
+            </p:seq>
+          </p:childTnLst>
+        </p:cTn>
+      </p:par>
+    </p:tnLst>
+    <p:bldLst>
+      <p:bldP spid="3" grpId="0" uiExpand="1" build="p"/>
+    </p:bldLst>
+  </p:timing>
+</p:sld>
+</file>
+
+<file path=ppt/slides/slide4.xml><?xml version="1.0" encoding="utf-8"?>
+<p:sld xmlns:a="http://schemas.openxmlformats.org/drawingml/2006/main" xmlns:r="http://schemas.openxmlformats.org/officeDocument/2006/relationships" xmlns:p="http://schemas.openxmlformats.org/presentationml/2006/main">
+  <p:cSld>
+    <p:spTree>
+      <p:nvGrpSpPr>
+        <p:cNvPr id="1" name=""/>
+        <p:cNvGrpSpPr/>
+        <p:nvPr/>
+      </p:nvGrpSpPr>
+      <p:grpSpPr>
+        <a:xfrm>
+          <a:off x="0" y="0"/>
+          <a:ext cx="0" cy="0"/>
+          <a:chOff x="0" y="0"/>
+          <a:chExt cx="0" cy="0"/>
+        </a:xfrm>
+      </p:grpSpPr>
+      <p:sp>
+        <p:nvSpPr>
+          <p:cNvPr id="2" name="Título 1"/>
+          <p:cNvSpPr>
+            <a:spLocks noGrp="1"/>
+          </p:cNvSpPr>
+          <p:nvPr>
+            <p:ph type="title"/>
+          </p:nvPr>
+        </p:nvSpPr>
+        <p:spPr/>
+        <p:txBody>
+          <a:bodyPr/>
+          <a:lstStyle/>
+          <a:p>
+            <a:r>
+              <a:rPr lang="pt-BR" dirty="0" smtClean="0"/>
+              <a:t>Como a aplicação deve funcionar?</a:t>
+            </a:r>
+            <a:endParaRPr lang="pt-BR" dirty="0"/>
+          </a:p>
+        </p:txBody>
+      </p:sp>
+      <p:pic>
+        <p:nvPicPr>
+          <p:cNvPr id="4" name="Imagem 3"/>
+          <p:cNvPicPr/>
+          <p:nvPr/>
+        </p:nvPicPr>
+        <p:blipFill>
+          <a:blip r:embed="rId2">
+            <a:extLst>
+              <a:ext uri="{28A0092B-C50C-407E-A947-70E740481C1C}">
+                <a14:useLocalDpi xmlns:a14="http://schemas.microsoft.com/office/drawing/2010/main" val="0"/>
+              </a:ext>
+            </a:extLst>
+          </a:blip>
+          <a:stretch>
+            <a:fillRect/>
+          </a:stretch>
+        </p:blipFill>
+        <p:spPr>
+          <a:xfrm>
+            <a:off x="323528" y="1844824"/>
+            <a:ext cx="8352928" cy="3744416"/>
+          </a:xfrm>
+          <a:prstGeom prst="rect">
+            <a:avLst/>
+          </a:prstGeom>
+        </p:spPr>
+      </p:pic>
+    </p:spTree>
+    <p:extLst>
+      <p:ext uri="{BB962C8B-B14F-4D97-AF65-F5344CB8AC3E}">
+        <p14:creationId xmlns:p14="http://schemas.microsoft.com/office/powerpoint/2010/main" val="2611497450"/>
+      </p:ext>
+    </p:extLst>
+  </p:cSld>
+  <p:clrMapOvr>
+    <a:masterClrMapping/>
+  </p:clrMapOvr>
+  <p:timing>
+    <p:tnLst>
+      <p:par>
+        <p:cTn id="1" dur="indefinite" restart="never" nodeType="tmRoot">
+          <p:childTnLst>
+            <p:seq concurrent="1" nextAc="seek">
+              <p:cTn id="2" dur="indefinite" nodeType="mainSeq">
+                <p:childTnLst>
+                  <p:par>
+                    <p:cTn id="3" fill="hold">
+                      <p:stCondLst>
+                        <p:cond delay="indefinite"/>
+                      </p:stCondLst>
+                      <p:childTnLst>
+                        <p:par>
+                          <p:cTn id="4" fill="hold">
+                            <p:stCondLst>
+                              <p:cond delay="0"/>
+                            </p:stCondLst>
+                            <p:childTnLst>
+                              <p:par>
+                                <p:cTn id="5" presetID="53" presetClass="entr" presetSubtype="16" fill="hold" nodeType="clickEffect">
+                                  <p:stCondLst>
+                                    <p:cond delay="0"/>
+                                  </p:stCondLst>
+                                  <p:childTnLst>
+                                    <p:set>
+                                      <p:cBhvr>
+                                        <p:cTn id="6" dur="1" fill="hold">
+                                          <p:stCondLst>
+                                            <p:cond delay="0"/>
+                                          </p:stCondLst>
+                                        </p:cTn>
+                                        <p:tgtEl>
+                                          <p:spTgt spid="4"/>
+                                        </p:tgtEl>
+                                        <p:attrNameLst>
+                                          <p:attrName>style.visibility</p:attrName>
+                                        </p:attrNameLst>
+                                      </p:cBhvr>
+                                      <p:to>
+                                        <p:strVal val="visible"/>
+                                      </p:to>
+                                    </p:set>
+                                    <p:anim calcmode="lin" valueType="num">
+                                      <p:cBhvr>
+                                        <p:cTn id="7" dur="500" fill="hold"/>
+                                        <p:tgtEl>
+                                          <p:spTgt spid="4"/>
+                                        </p:tgtEl>
+                                        <p:attrNameLst>
+                                          <p:attrName>ppt_w</p:attrName>
+                                        </p:attrNameLst>
+                                      </p:cBhvr>
+                                      <p:tavLst>
+                                        <p:tav tm="0">
+                                          <p:val>
+                                            <p:fltVal val="0"/>
+                                          </p:val>
+                                        </p:tav>
+                                        <p:tav tm="100000">
+                                          <p:val>
+                                            <p:strVal val="#ppt_w"/>
+                                          </p:val>
+                                        </p:tav>
+                                      </p:tavLst>
+                                    </p:anim>
+                                    <p:anim calcmode="lin" valueType="num">
+                                      <p:cBhvr>
+                                        <p:cTn id="8" dur="500" fill="hold"/>
+                                        <p:tgtEl>
+                                          <p:spTgt spid="4"/>
+                                        </p:tgtEl>
+                                        <p:attrNameLst>
+                                          <p:attrName>ppt_h</p:attrName>
+                                        </p:attrNameLst>
+                                      </p:cBhvr>
+                                      <p:tavLst>
+                                        <p:tav tm="0">
+                                          <p:val>
+                                            <p:fltVal val="0"/>
+                                          </p:val>
+                                        </p:tav>
+                                        <p:tav tm="100000">
+                                          <p:val>
+                                            <p:strVal val="#ppt_h"/>
+                                          </p:val>
+                                        </p:tav>
+                                      </p:tavLst>
+                                    </p:anim>
+                                    <p:animEffect transition="in" filter="fade">
+                                      <p:cBhvr>
+                                        <p:cTn id="9" dur="500"/>
+                                        <p:tgtEl>
+                                          <p:spTgt spid="4"/>
+                                        </p:tgtEl>
+                                      </p:cBhvr>
+                                    </p:animEffect>
+                                  </p:childTnLst>
+                                </p:cTn>
+                              </p:par>
+                            </p:childTnLst>
+                          </p:cTn>
+                        </p:par>
+                      </p:childTnLst>
+                    </p:cTn>
+                  </p:par>
+                </p:childTnLst>
+              </p:cTn>
+              <p:prevCondLst>
+                <p:cond evt="onPrev" delay="0">
+                  <p:tgtEl>
+                    <p:sldTgt/>
+                  </p:tgtEl>
+                </p:cond>
+              </p:prevCondLst>
+              <p:nextCondLst>
+                <p:cond evt="onNext" delay="0">
+                  <p:tgtEl>
+                    <p:sldTgt/>
+                  </p:tgtEl>
+                </p:cond>
+              </p:nextCondLst>
+            </p:seq>
+          </p:childTnLst>
+        </p:cTn>
+      </p:par>
+    </p:tnLst>
+  </p:timing>
+</p:sld>
+</file>
+
+<file path=ppt/slides/slide5.xml><?xml version="1.0" encoding="utf-8"?>
+<p:sld xmlns:a="http://schemas.openxmlformats.org/drawingml/2006/main" xmlns:r="http://schemas.openxmlformats.org/officeDocument/2006/relationships" xmlns:p="http://schemas.openxmlformats.org/presentationml/2006/main">
+  <p:cSld>
+    <p:spTree>
+      <p:nvGrpSpPr>
+        <p:cNvPr id="1" name=""/>
+        <p:cNvGrpSpPr/>
+        <p:nvPr/>
+      </p:nvGrpSpPr>
+      <p:grpSpPr>
+        <a:xfrm>
+          <a:off x="0" y="0"/>
+          <a:ext cx="0" cy="0"/>
+          <a:chOff x="0" y="0"/>
+          <a:chExt cx="0" cy="0"/>
+        </a:xfrm>
+      </p:grpSpPr>
+      <p:sp>
+        <p:nvSpPr>
+          <p:cNvPr id="2" name="Título 1"/>
+          <p:cNvSpPr>
+            <a:spLocks noGrp="1"/>
+          </p:cNvSpPr>
+          <p:nvPr>
+            <p:ph type="title"/>
+          </p:nvPr>
+        </p:nvSpPr>
+        <p:spPr/>
+        <p:txBody>
+          <a:bodyPr/>
+          <a:lstStyle/>
+          <a:p>
+            <a:r>
+              <a:rPr lang="pt-BR" dirty="0" smtClean="0"/>
+              <a:t>Metodologia</a:t>
+            </a:r>
+            <a:endParaRPr lang="pt-BR" dirty="0"/>
+          </a:p>
+        </p:txBody>
+      </p:sp>
+      <p:sp>
+        <p:nvSpPr>
+          <p:cNvPr id="3" name="Espaço Reservado para Conteúdo 2"/>
+          <p:cNvSpPr>
+            <a:spLocks noGrp="1"/>
+          </p:cNvSpPr>
+          <p:nvPr>
+            <p:ph idx="1"/>
+          </p:nvPr>
+        </p:nvSpPr>
+        <p:spPr/>
+        <p:txBody>
+          <a:bodyPr/>
+          <a:lstStyle/>
+          <a:p>
+            <a:r>
+              <a:rPr lang="pt-BR" dirty="0" smtClean="0"/>
+              <a:t>Pesquisa em artigos, teses e trabalhos científicos a respeito de reuso de software e geração de código fonte, além de bibliotecas gratuitas para geração de gráficos em páginas HTML5;</a:t>
+            </a:r>
+          </a:p>
+          <a:p>
+            <a:r>
+              <a:rPr lang="pt-BR" dirty="0" smtClean="0"/>
+              <a:t>Análise e modelagem do protótipo</a:t>
+            </a:r>
+          </a:p>
+          <a:p>
+            <a:r>
+              <a:rPr lang="pt-BR" dirty="0" smtClean="0"/>
+              <a:t>Desenvolvimento da aplicação e validação do Dashboard de saída</a:t>
+            </a:r>
+            <a:endParaRPr lang="pt-BR" dirty="0"/>
+          </a:p>
+        </p:txBody>
+      </p:sp>
+    </p:spTree>
+    <p:extLst>
+      <p:ext uri="{BB962C8B-B14F-4D97-AF65-F5344CB8AC3E}">
+        <p14:creationId xmlns:p14="http://schemas.microsoft.com/office/powerpoint/2010/main" val="775567503"/>
+      </p:ext>
+    </p:extLst>
+  </p:cSld>
+  <p:clrMapOvr>
+    <a:masterClrMapping/>
+  </p:clrMapOvr>
+  <p:timing>
+    <p:tnLst>
+      <p:par>
+        <p:cTn id="1" dur="indefinite" restart="never" nodeType="tmRoot">
+          <p:childTnLst>
+            <p:seq concurrent="1" nextAc="seek">
+              <p:cTn id="2" dur="indefinite" nodeType="mainSeq">
+                <p:childTnLst>
+                  <p:par>
+                    <p:cTn id="3" fill="hold">
+                      <p:stCondLst>
+                        <p:cond delay="indefinite"/>
+                      </p:stCondLst>
+                      <p:childTnLst>
+                        <p:par>
+                          <p:cTn id="4" fill="hold">
+                            <p:stCondLst>
+                              <p:cond delay="0"/>
+                            </p:stCondLst>
+                            <p:childTnLst>
+                              <p:par>
+                                <p:cTn id="5" presetID="10" presetClass="entr" presetSubtype="0" fill="hold" grpId="0" nodeType="clickEffect">
+                                  <p:stCondLst>
+                                    <p:cond delay="0"/>
+                                  </p:stCondLst>
+                                  <p:childTnLst>
+                                    <p:set>
+                                      <p:cBhvr>
+                                        <p:cTn id="6" dur="1" fill="hold">
+                                          <p:stCondLst>
+                                            <p:cond delay="0"/>
+                                          </p:stCondLst>
+                                        </p:cTn>
+                                        <p:tgtEl>
+                                          <p:spTgt spid="3">
+                                            <p:txEl>
+                                              <p:pRg st="0" end="0"/>
+                                            </p:txEl>
+                                          </p:spTgt>
+                                        </p:tgtEl>
+                                        <p:attrNameLst>
+                                          <p:attrName>style.visibility</p:attrName>
+                                        </p:attrNameLst>
+                                      </p:cBhvr>
+                                      <p:to>
+                                        <p:strVal val="visible"/>
+                                      </p:to>
+                                    </p:set>
+                                    <p:animEffect transition="in" filter="fade">
+                                      <p:cBhvr>
+                                        <p:cTn id="7" dur="500"/>
+                                        <p:tgtEl>
+                                          <p:spTgt spid="3">
+                                            <p:txEl>
+                                              <p:pRg st="0" end="0"/>
+                                            </p:txEl>
+                                          </p:spTgt>
+                                        </p:tgtEl>
+                                      </p:cBhvr>
+                                    </p:animEffect>
+                                  </p:childTnLst>
+                                </p:cTn>
+                              </p:par>
+                            </p:childTnLst>
+                          </p:cTn>
+                        </p:par>
+                      </p:childTnLst>
+                    </p:cTn>
+                  </p:par>
+                  <p:par>
+                    <p:cTn id="8" fill="hold">
+                      <p:stCondLst>
+                        <p:cond delay="indefinite"/>
+                      </p:stCondLst>
+                      <p:childTnLst>
+                        <p:par>
+                          <p:cTn id="9" fill="hold">
+                            <p:stCondLst>
+                              <p:cond delay="0"/>
+                            </p:stCondLst>
+                            <p:childTnLst>
+                              <p:par>
+                                <p:cTn id="10" presetID="10" presetClass="entr" presetSubtype="0" fill="hold" grpId="0" nodeType="clickEffect">
+                                  <p:stCondLst>
+                                    <p:cond delay="0"/>
+                                  </p:stCondLst>
+                                  <p:childTnLst>
+                                    <p:set>
+                                      <p:cBhvr>
+                                        <p:cTn id="11" dur="1" fill="hold">
+                                          <p:stCondLst>
+                                            <p:cond delay="0"/>
+                                          </p:stCondLst>
+                                        </p:cTn>
+                                        <p:tgtEl>
+                                          <p:spTgt spid="3">
+                                            <p:txEl>
+                                              <p:pRg st="1" end="1"/>
+                                            </p:txEl>
+                                          </p:spTgt>
+                                        </p:tgtEl>
+                                        <p:attrNameLst>
+                                          <p:attrName>style.visibility</p:attrName>
+                                        </p:attrNameLst>
+                                      </p:cBhvr>
+                                      <p:to>
+                                        <p:strVal val="visible"/>
+                                      </p:to>
+                                    </p:set>
+                                    <p:animEffect transition="in" filter="fade">
+                                      <p:cBhvr>
+                                        <p:cTn id="12" dur="500"/>
+                                        <p:tgtEl>
+                                          <p:spTgt spid="3">
+                                            <p:txEl>
+                                              <p:pRg st="1" end="1"/>
+                                            </p:txEl>
+                                          </p:spTgt>
+                                        </p:tgtEl>
+                                      </p:cBhvr>
+                                    </p:animEffect>
+                                  </p:childTnLst>
+                                </p:cTn>
+                              </p:par>
+                            </p:childTnLst>
+                          </p:cTn>
+                        </p:par>
+                      </p:childTnLst>
+                    </p:cTn>
+                  </p:par>
+                  <p:par>
+                    <p:cTn id="13" fill="hold">
+                      <p:stCondLst>
+                        <p:cond delay="indefinite"/>
+                      </p:stCondLst>
+                      <p:childTnLst>
+                        <p:par>
+                          <p:cTn id="14" fill="hold">
+                            <p:stCondLst>
+                              <p:cond delay="0"/>
+                            </p:stCondLst>
+                            <p:childTnLst>
+                              <p:par>
+                                <p:cTn id="15" presetID="10" presetClass="entr" presetSubtype="0" fill="hold" grpId="0" nodeType="clickEffect">
+                                  <p:stCondLst>
+                                    <p:cond delay="0"/>
+                                  </p:stCondLst>
+                                  <p:childTnLst>
+                                    <p:set>
+                                      <p:cBhvr>
+                                        <p:cTn id="16" dur="1" fill="hold">
+                                          <p:stCondLst>
+                                            <p:cond delay="0"/>
+                                          </p:stCondLst>
+                                        </p:cTn>
+                                        <p:tgtEl>
+                                          <p:spTgt spid="3">
+                                            <p:txEl>
+                                              <p:pRg st="2" end="2"/>
+                                            </p:txEl>
+                                          </p:spTgt>
+                                        </p:tgtEl>
+                                        <p:attrNameLst>
+                                          <p:attrName>style.visibility</p:attrName>
+                                        </p:attrNameLst>
+                                      </p:cBhvr>
+                                      <p:to>
+                                        <p:strVal val="visible"/>
+                                      </p:to>
+                                    </p:set>
+                                    <p:animEffect transition="in" filter="fade">
+                                      <p:cBhvr>
+                                        <p:cTn id="17" dur="500"/>
+                                        <p:tgtEl>
+                                          <p:spTgt spid="3">
+                                            <p:txEl>
+                                              <p:pRg st="2" end="2"/>
+                                            </p:txEl>
+                                          </p:spTgt>
+                                        </p:tgtEl>
+                                      </p:cBhvr>
+                                    </p:animEffect>
+                                  </p:childTnLst>
+                                </p:cTn>
+                              </p:par>
+                            </p:childTnLst>
+                          </p:cTn>
+                        </p:par>
+                      </p:childTnLst>
+                    </p:cTn>
+                  </p:par>
+                </p:childTnLst>
+              </p:cTn>
+              <p:prevCondLst>
+                <p:cond evt="onPrev" delay="0">
+                  <p:tgtEl>
+                    <p:sldTgt/>
+                  </p:tgtEl>
+                </p:cond>
+              </p:prevCondLst>
+              <p:nextCondLst>
+                <p:cond evt="onNext" delay="0">
+                  <p:tgtEl>
+                    <p:sldTgt/>
+                  </p:tgtEl>
+                </p:cond>
+              </p:nextCondLst>
+            </p:seq>
+          </p:childTnLst>
+        </p:cTn>
+      </p:par>
+    </p:tnLst>
+    <p:bldLst>
+      <p:bldP spid="3" grpId="0" build="p"/>
+    </p:bldLst>
+  </p:timing>
+</p:sld>
+</file>
+
+<file path=ppt/slides/slide6.xml><?xml version="1.0" encoding="utf-8"?>
+<p:sld xmlns:a="http://schemas.openxmlformats.org/drawingml/2006/main" xmlns:r="http://schemas.openxmlformats.org/officeDocument/2006/relationships" xmlns:p="http://schemas.openxmlformats.org/presentationml/2006/main">
+  <p:cSld>
+    <p:spTree>
+      <p:nvGrpSpPr>
+        <p:cNvPr id="1" name=""/>
+        <p:cNvGrpSpPr/>
+        <p:nvPr/>
+      </p:nvGrpSpPr>
+      <p:grpSpPr>
+        <a:xfrm>
+          <a:off x="0" y="0"/>
+          <a:ext cx="0" cy="0"/>
+          <a:chOff x="0" y="0"/>
+          <a:chExt cx="0" cy="0"/>
+        </a:xfrm>
+      </p:grpSpPr>
+      <p:sp>
+        <p:nvSpPr>
+          <p:cNvPr id="2" name="Título 1"/>
+          <p:cNvSpPr>
+            <a:spLocks noGrp="1"/>
+          </p:cNvSpPr>
+          <p:nvPr>
+            <p:ph type="title"/>
+          </p:nvPr>
+        </p:nvSpPr>
+        <p:spPr/>
+        <p:txBody>
+          <a:bodyPr>
+            <a:normAutofit fontScale="90000"/>
+          </a:bodyPr>
+          <a:lstStyle/>
+          <a:p>
+            <a:r>
+              <a:rPr lang="pt-BR" dirty="0" smtClean="0"/>
+              <a:t>Fundamentação Teórica</a:t>
+            </a:r>
+            <a:br>
+              <a:rPr lang="pt-BR" dirty="0" smtClean="0"/>
+            </a:br>
+            <a:r>
+              <a:rPr lang="pt-BR" dirty="0" smtClean="0"/>
+              <a:t>Reúso de Software</a:t>
+            </a:r>
+            <a:endParaRPr lang="pt-BR" dirty="0"/>
+          </a:p>
+        </p:txBody>
+      </p:sp>
+      <p:sp>
+        <p:nvSpPr>
+          <p:cNvPr id="3" name="Espaço Reservado para Conteúdo 2"/>
+          <p:cNvSpPr>
+            <a:spLocks noGrp="1"/>
+          </p:cNvSpPr>
+          <p:nvPr>
+            <p:ph idx="1"/>
+          </p:nvPr>
+        </p:nvSpPr>
+        <p:spPr>
+          <a:xfrm>
+            <a:off x="467544" y="1916832"/>
+            <a:ext cx="8229600" cy="4344144"/>
+          </a:xfrm>
+        </p:spPr>
+        <p:txBody>
+          <a:bodyPr>
+            <a:normAutofit lnSpcReduction="10000"/>
+          </a:bodyPr>
+          <a:lstStyle/>
+          <a:p>
+            <a:pPr algn="just">
+              <a:lnSpc>
+                <a:spcPct val="150000"/>
+              </a:lnSpc>
+            </a:pPr>
+            <a:r>
+              <a:rPr lang="pt-BR" dirty="0" smtClean="0"/>
+              <a:t>(KRUEGGER,1992) Reuso de software é o processo de se criar software a partir de software existente;</a:t>
+            </a:r>
+          </a:p>
+          <a:p>
+            <a:pPr algn="just">
+              <a:lnSpc>
+                <a:spcPct val="150000"/>
+              </a:lnSpc>
+            </a:pPr>
+            <a:r>
+              <a:rPr lang="pt-BR" dirty="0"/>
+              <a:t>(SHIMABUKURO JUNIOR, 2006</a:t>
+            </a:r>
+            <a:r>
+              <a:rPr lang="pt-BR" dirty="0" smtClean="0"/>
+              <a:t>) Código fonte, diagramas, documentação e qualquer outro artefato pode e deve ser utilizado para acelerar o processo de desenvolvimento de novas soluções;</a:t>
+            </a:r>
+          </a:p>
+          <a:p>
+            <a:pPr algn="just">
+              <a:lnSpc>
+                <a:spcPct val="150000"/>
+              </a:lnSpc>
+            </a:pPr>
+            <a:r>
+              <a:rPr lang="pt-BR" dirty="0"/>
+              <a:t>(SOMMERVILLE, 2013</a:t>
+            </a:r>
+            <a:r>
+              <a:rPr lang="pt-BR" dirty="0" smtClean="0"/>
+              <a:t>) O movimento de software livre tem impulsionado o reuso;</a:t>
+            </a:r>
+          </a:p>
+          <a:p>
+            <a:endParaRPr lang="pt-BR" dirty="0"/>
+          </a:p>
+        </p:txBody>
+      </p:sp>
+    </p:spTree>
+    <p:extLst>
+      <p:ext uri="{BB962C8B-B14F-4D97-AF65-F5344CB8AC3E}">
+        <p14:creationId xmlns:p14="http://schemas.microsoft.com/office/powerpoint/2010/main" val="1579538806"/>
+      </p:ext>
+    </p:extLst>
+  </p:cSld>
+  <p:clrMapOvr>
+    <a:masterClrMapping/>
+  </p:clrMapOvr>
+  <p:timing>
+    <p:tnLst>
+      <p:par>
+        <p:cTn id="1" dur="indefinite" restart="never" nodeType="tmRoot">
+          <p:childTnLst>
+            <p:seq concurrent="1" nextAc="seek">
+              <p:cTn id="2" dur="indefinite" nodeType="mainSeq">
+                <p:childTnLst>
+                  <p:par>
+                    <p:cTn id="3" fill="hold">
+                      <p:stCondLst>
+                        <p:cond delay="indefinite"/>
+                      </p:stCondLst>
+                      <p:childTnLst>
+                        <p:par>
+                          <p:cTn id="4" fill="hold">
+                            <p:stCondLst>
+                              <p:cond delay="0"/>
+                            </p:stCondLst>
+                            <p:childTnLst>
+                              <p:par>
+                                <p:cTn id="5" presetID="10" presetClass="entr" presetSubtype="0" fill="hold" grpId="0" nodeType="clickEffect">
+                                  <p:stCondLst>
+                                    <p:cond delay="0"/>
+                                  </p:stCondLst>
+                                  <p:childTnLst>
+                                    <p:set>
+                                      <p:cBhvr>
+                                        <p:cTn id="6" dur="1" fill="hold">
+                                          <p:stCondLst>
+                                            <p:cond delay="0"/>
+                                          </p:stCondLst>
+                                        </p:cTn>
+                                        <p:tgtEl>
+                                          <p:spTgt spid="3">
+                                            <p:txEl>
+                                              <p:pRg st="0" end="0"/>
+                                            </p:txEl>
+                                          </p:spTgt>
+                                        </p:tgtEl>
+                                        <p:attrNameLst>
+                                          <p:attrName>style.visibility</p:attrName>
+                                        </p:attrNameLst>
+                                      </p:cBhvr>
+                                      <p:to>
+                                        <p:strVal val="visible"/>
+                                      </p:to>
+                                    </p:set>
+                                    <p:animEffect transition="in" filter="fade">
+                                      <p:cBhvr>
+                                        <p:cTn id="7" dur="500"/>
+                                        <p:tgtEl>
+                                          <p:spTgt spid="3">
+                                            <p:txEl>
+                                              <p:pRg st="0" end="0"/>
+                                            </p:txEl>
+                                          </p:spTgt>
+                                        </p:tgtEl>
+                                      </p:cBhvr>
+                                    </p:animEffect>
+                                  </p:childTnLst>
+                                </p:cTn>
+                              </p:par>
+                            </p:childTnLst>
+                          </p:cTn>
+                        </p:par>
+                      </p:childTnLst>
+                    </p:cTn>
+                  </p:par>
+                  <p:par>
+                    <p:cTn id="8" fill="hold">
+                      <p:stCondLst>
+                        <p:cond delay="indefinite"/>
+                      </p:stCondLst>
+                      <p:childTnLst>
+                        <p:par>
+                          <p:cTn id="9" fill="hold">
+                            <p:stCondLst>
+                              <p:cond delay="0"/>
+                            </p:stCondLst>
+                            <p:childTnLst>
+                              <p:par>
+                                <p:cTn id="10" presetID="10" presetClass="entr" presetSubtype="0" fill="hold" grpId="0" nodeType="clickEffect">
+                                  <p:stCondLst>
+                                    <p:cond delay="0"/>
+                                  </p:stCondLst>
+                                  <p:childTnLst>
+                                    <p:set>
+                                      <p:cBhvr>
+                                        <p:cTn id="11" dur="1" fill="hold">
+                                          <p:stCondLst>
+                                            <p:cond delay="0"/>
+                                          </p:stCondLst>
+                                        </p:cTn>
+                                        <p:tgtEl>
+                                          <p:spTgt spid="3">
+                                            <p:txEl>
+                                              <p:pRg st="1" end="1"/>
+                                            </p:txEl>
+                                          </p:spTgt>
+                                        </p:tgtEl>
+                                        <p:attrNameLst>
+                                          <p:attrName>style.visibility</p:attrName>
+                                        </p:attrNameLst>
+                                      </p:cBhvr>
+                                      <p:to>
+                                        <p:strVal val="visible"/>
+                                      </p:to>
+                                    </p:set>
+                                    <p:animEffect transition="in" filter="fade">
+                                      <p:cBhvr>
+                                        <p:cTn id="12" dur="500"/>
+                                        <p:tgtEl>
+                                          <p:spTgt spid="3">
+                                            <p:txEl>
+                                              <p:pRg st="1" end="1"/>
+                                            </p:txEl>
+                                          </p:spTgt>
+                                        </p:tgtEl>
+                                      </p:cBhvr>
+                                    </p:animEffect>
+                                  </p:childTnLst>
+                                </p:cTn>
+                              </p:par>
+                            </p:childTnLst>
+                          </p:cTn>
+                        </p:par>
+                      </p:childTnLst>
+                    </p:cTn>
+                  </p:par>
+                  <p:par>
+                    <p:cTn id="13" fill="hold">
+                      <p:stCondLst>
+                        <p:cond delay="indefinite"/>
+                      </p:stCondLst>
+                      <p:childTnLst>
+                        <p:par>
+                          <p:cTn id="14" fill="hold">
+                            <p:stCondLst>
+                              <p:cond delay="0"/>
+                            </p:stCondLst>
+                            <p:childTnLst>
+                              <p:par>
+                                <p:cTn id="15" presetID="10" presetClass="entr" presetSubtype="0" fill="hold" grpId="0" nodeType="clickEffect">
+                                  <p:stCondLst>
+                                    <p:cond delay="0"/>
+                                  </p:stCondLst>
+                                  <p:childTnLst>
+                                    <p:set>
+                                      <p:cBhvr>
+                                        <p:cTn id="16" dur="1" fill="hold">
+                                          <p:stCondLst>
+                                            <p:cond delay="0"/>
+                                          </p:stCondLst>
+                                        </p:cTn>
+                                        <p:tgtEl>
+                                          <p:spTgt spid="3">
+                                            <p:txEl>
+                                              <p:pRg st="2" end="2"/>
+                                            </p:txEl>
+                                          </p:spTgt>
+                                        </p:tgtEl>
+                                        <p:attrNameLst>
+                                          <p:attrName>style.visibility</p:attrName>
+                                        </p:attrNameLst>
+                                      </p:cBhvr>
+                                      <p:to>
+                                        <p:strVal val="visible"/>
+                                      </p:to>
+                                    </p:set>
+                                    <p:animEffect transition="in" filter="fade">
+                                      <p:cBhvr>
+                                        <p:cTn id="17" dur="500"/>
+                                        <p:tgtEl>
+                                          <p:spTgt spid="3">
+                                            <p:txEl>
+                                              <p:pRg st="2" end="2"/>
+                                            </p:txEl>
+                                          </p:spTgt>
+                                        </p:tgtEl>
+                                      </p:cBhvr>
+                                    </p:animEffect>
+                                  </p:childTnLst>
+                                </p:cTn>
+                              </p:par>
+                            </p:childTnLst>
+                          </p:cTn>
+                        </p:par>
+                      </p:childTnLst>
+                    </p:cTn>
+                  </p:par>
+                </p:childTnLst>
+              </p:cTn>
+              <p:prevCondLst>
+                <p:cond evt="onPrev" delay="0">
+                  <p:tgtEl>
+                    <p:sldTgt/>
+                  </p:tgtEl>
+                </p:cond>
+              </p:prevCondLst>
+              <p:nextCondLst>
+                <p:cond evt="onNext" delay="0">
+                  <p:tgtEl>
+                    <p:sldTgt/>
+                  </p:tgtEl>
+                </p:cond>
+              </p:nextCondLst>
+            </p:seq>
+          </p:childTnLst>
+        </p:cTn>
+      </p:par>
+    </p:tnLst>
+    <p:bldLst>
+      <p:bldP spid="3" grpId="0" build="p"/>
+    </p:bldLst>
+  </p:timing>
+</p:sld>
+</file>
+
+<file path=ppt/slides/slide7.xml><?xml version="1.0" encoding="utf-8"?>
+<p:sld xmlns:a="http://schemas.openxmlformats.org/drawingml/2006/main" xmlns:r="http://schemas.openxmlformats.org/officeDocument/2006/relationships" xmlns:p="http://schemas.openxmlformats.org/presentationml/2006/main">
+  <p:cSld>
+    <p:spTree>
+      <p:nvGrpSpPr>
+        <p:cNvPr id="1" name=""/>
+        <p:cNvGrpSpPr/>
+        <p:nvPr/>
+      </p:nvGrpSpPr>
+      <p:grpSpPr>
+        <a:xfrm>
+          <a:off x="0" y="0"/>
+          <a:ext cx="0" cy="0"/>
+          <a:chOff x="0" y="0"/>
+          <a:chExt cx="0" cy="0"/>
+        </a:xfrm>
+      </p:grpSpPr>
+      <p:sp>
+        <p:nvSpPr>
+          <p:cNvPr id="2" name="Título 1"/>
+          <p:cNvSpPr>
+            <a:spLocks noGrp="1"/>
+          </p:cNvSpPr>
+          <p:nvPr>
+            <p:ph type="title"/>
+          </p:nvPr>
+        </p:nvSpPr>
+        <p:spPr/>
+        <p:txBody>
+          <a:bodyPr>
+            <a:normAutofit fontScale="90000"/>
+          </a:bodyPr>
+          <a:lstStyle/>
+          <a:p>
+            <a:r>
+              <a:rPr lang="pt-BR" dirty="0" smtClean="0"/>
+              <a:t>Fundamentação Teórica</a:t>
+            </a:r>
+            <a:br>
+              <a:rPr lang="pt-BR" dirty="0" smtClean="0"/>
+            </a:br>
+            <a:r>
+              <a:rPr lang="pt-BR" dirty="0" smtClean="0"/>
+              <a:t>Reúso de Software - Vantagens</a:t>
+            </a:r>
+            <a:endParaRPr lang="pt-BR" dirty="0"/>
+          </a:p>
+        </p:txBody>
+      </p:sp>
+      <p:sp>
+        <p:nvSpPr>
+          <p:cNvPr id="3" name="Espaço Reservado para Conteúdo 2"/>
+          <p:cNvSpPr>
+            <a:spLocks noGrp="1"/>
+          </p:cNvSpPr>
+          <p:nvPr>
+            <p:ph idx="1"/>
+          </p:nvPr>
+        </p:nvSpPr>
+        <p:spPr>
+          <a:xfrm>
+            <a:off x="457200" y="2132856"/>
+            <a:ext cx="8229600" cy="4344144"/>
+          </a:xfrm>
+        </p:spPr>
+        <p:txBody>
+          <a:bodyPr>
+            <a:normAutofit/>
+          </a:bodyPr>
+          <a:lstStyle/>
+          <a:p>
+            <a:pPr marL="0" indent="0" algn="just">
+              <a:buNone/>
+            </a:pPr>
+            <a:r>
+              <a:rPr lang="pt-BR" dirty="0" smtClean="0"/>
+              <a:t>(</a:t>
+            </a:r>
+            <a:r>
+              <a:rPr lang="pt-BR" dirty="0"/>
+              <a:t>SOMMERVILLE, 2013</a:t>
+            </a:r>
+            <a:r>
+              <a:rPr lang="pt-BR" dirty="0" smtClean="0"/>
+              <a:t>)</a:t>
+            </a:r>
+          </a:p>
+          <a:p>
+            <a:pPr lvl="0">
+              <a:lnSpc>
+                <a:spcPct val="150000"/>
+              </a:lnSpc>
+            </a:pPr>
+            <a:r>
+              <a:rPr lang="pt-BR" sz="3200" dirty="0"/>
+              <a:t>Redução do tempo de </a:t>
+            </a:r>
+            <a:r>
+              <a:rPr lang="pt-BR" sz="3200" dirty="0" smtClean="0"/>
+              <a:t>desenvolvimento;</a:t>
+            </a:r>
+          </a:p>
+          <a:p>
+            <a:pPr lvl="0">
+              <a:lnSpc>
+                <a:spcPct val="150000"/>
+              </a:lnSpc>
+            </a:pPr>
+            <a:r>
+              <a:rPr lang="pt-BR" sz="3200" dirty="0" smtClean="0"/>
+              <a:t>Aumento </a:t>
+            </a:r>
+            <a:r>
+              <a:rPr lang="pt-BR" sz="3200" dirty="0"/>
+              <a:t>da </a:t>
+            </a:r>
+            <a:r>
+              <a:rPr lang="pt-BR" sz="3200" dirty="0" smtClean="0"/>
+              <a:t>confiança</a:t>
+            </a:r>
+            <a:endParaRPr lang="pt-BR" sz="3200" dirty="0"/>
+          </a:p>
+          <a:p>
+            <a:pPr lvl="0">
+              <a:lnSpc>
+                <a:spcPct val="150000"/>
+              </a:lnSpc>
+            </a:pPr>
+            <a:r>
+              <a:rPr lang="pt-BR" sz="3200" dirty="0"/>
+              <a:t>Melhor uso da </a:t>
+            </a:r>
+            <a:r>
+              <a:rPr lang="pt-BR" sz="3200" dirty="0" smtClean="0"/>
+              <a:t>mão-de-obra</a:t>
+            </a:r>
+            <a:endParaRPr lang="pt-BR" sz="3200" dirty="0"/>
+          </a:p>
+          <a:p>
+            <a:pPr marL="0" indent="0" algn="just">
+              <a:buNone/>
+            </a:pPr>
+            <a:endParaRPr lang="pt-BR" dirty="0" smtClean="0"/>
+          </a:p>
+          <a:p>
+            <a:endParaRPr lang="pt-BR" dirty="0"/>
+          </a:p>
+        </p:txBody>
+      </p:sp>
+    </p:spTree>
+    <p:extLst>
+      <p:ext uri="{BB962C8B-B14F-4D97-AF65-F5344CB8AC3E}">
+        <p14:creationId xmlns:p14="http://schemas.microsoft.com/office/powerpoint/2010/main" val="1790935279"/>
+      </p:ext>
+    </p:extLst>
+  </p:cSld>
+  <p:clrMapOvr>
+    <a:masterClrMapping/>
+  </p:clrMapOvr>
+  <p:timing>
+    <p:tnLst>
+      <p:par>
+        <p:cTn id="1" dur="indefinite" restart="never" nodeType="tmRoot">
+          <p:childTnLst>
+            <p:seq concurrent="1" nextAc="seek">
+              <p:cTn id="2" dur="indefinite" nodeType="mainSeq">
+                <p:childTnLst>
+                  <p:par>
+                    <p:cTn id="3" fill="hold">
+                      <p:stCondLst>
+                        <p:cond delay="indefinite"/>
+                      </p:stCondLst>
+                      <p:childTnLst>
+                        <p:par>
+                          <p:cTn id="4" fill="hold">
+                            <p:stCondLst>
+                              <p:cond delay="0"/>
+                            </p:stCondLst>
+                            <p:childTnLst>
+                              <p:par>
+                                <p:cTn id="5" presetID="10" presetClass="entr" presetSubtype="0" fill="hold" grpId="0" nodeType="clickEffect">
+                                  <p:stCondLst>
+                                    <p:cond delay="0"/>
+                                  </p:stCondLst>
+                                  <p:childTnLst>
+                                    <p:set>
+                                      <p:cBhvr>
+                                        <p:cTn id="6" dur="1" fill="hold">
+                                          <p:stCondLst>
+                                            <p:cond delay="0"/>
+                                          </p:stCondLst>
+                                        </p:cTn>
+                                        <p:tgtEl>
+                                          <p:spTgt spid="3">
+                                            <p:txEl>
+                                              <p:pRg st="0" end="0"/>
+                                            </p:txEl>
+                                          </p:spTgt>
+                                        </p:tgtEl>
+                                        <p:attrNameLst>
+                                          <p:attrName>style.visibility</p:attrName>
+                                        </p:attrNameLst>
+                                      </p:cBhvr>
+                                      <p:to>
+                                        <p:strVal val="visible"/>
+                                      </p:to>
+                                    </p:set>
+                                    <p:animEffect transition="in" filter="fade">
+                                      <p:cBhvr>
+                                        <p:cTn id="7" dur="500"/>
+                                        <p:tgtEl>
+                                          <p:spTgt spid="3">
+                                            <p:txEl>
+                                              <p:pRg st="0" end="0"/>
+                                            </p:txEl>
+                                          </p:spTgt>
+                                        </p:tgtEl>
+                                      </p:cBhvr>
+                                    </p:animEffect>
+                                  </p:childTnLst>
+                                </p:cTn>
+                              </p:par>
+                            </p:childTnLst>
+                          </p:cTn>
+                        </p:par>
+                      </p:childTnLst>
+                    </p:cTn>
+                  </p:par>
+                  <p:par>
+                    <p:cTn id="8" fill="hold">
+                      <p:stCondLst>
+                        <p:cond delay="indefinite"/>
+                      </p:stCondLst>
+                      <p:childTnLst>
+                        <p:par>
+                          <p:cTn id="9" fill="hold">
+                            <p:stCondLst>
+                              <p:cond delay="0"/>
+                            </p:stCondLst>
+                            <p:childTnLst>
+                              <p:par>
+                                <p:cTn id="10" presetID="10" presetClass="entr" presetSubtype="0" fill="hold" grpId="0" nodeType="clickEffect">
+                                  <p:stCondLst>
+                                    <p:cond delay="0"/>
+                                  </p:stCondLst>
+                                  <p:childTnLst>
+                                    <p:set>
+                                      <p:cBhvr>
+                                        <p:cTn id="11" dur="1" fill="hold">
+                                          <p:stCondLst>
+                                            <p:cond delay="0"/>
+                                          </p:stCondLst>
+                                        </p:cTn>
+                                        <p:tgtEl>
+                                          <p:spTgt spid="3">
+                                            <p:txEl>
+                                              <p:pRg st="1" end="1"/>
+                                            </p:txEl>
+                                          </p:spTgt>
+                                        </p:tgtEl>
+                                        <p:attrNameLst>
+                                          <p:attrName>style.visibility</p:attrName>
+                                        </p:attrNameLst>
+                                      </p:cBhvr>
+                                      <p:to>
+                                        <p:strVal val="visible"/>
+                                      </p:to>
+                                    </p:set>
+                                    <p:animEffect transition="in" filter="fade">
+                                      <p:cBhvr>
+                                        <p:cTn id="12" dur="500"/>
+                                        <p:tgtEl>
+                                          <p:spTgt spid="3">
+                                            <p:txEl>
+                                              <p:pRg st="1" end="1"/>
+                                            </p:txEl>
+                                          </p:spTgt>
+                                        </p:tgtEl>
+                                      </p:cBhvr>
+                                    </p:animEffect>
+                                  </p:childTnLst>
+                                </p:cTn>
+                              </p:par>
+                            </p:childTnLst>
+                          </p:cTn>
+                        </p:par>
+                      </p:childTnLst>
+                    </p:cTn>
+                  </p:par>
+                  <p:par>
+                    <p:cTn id="13" fill="hold">
+                      <p:stCondLst>
+                        <p:cond delay="indefinite"/>
+                      </p:stCondLst>
+                      <p:childTnLst>
+                        <p:par>
+                          <p:cTn id="14" fill="hold">
+                            <p:stCondLst>
+                              <p:cond delay="0"/>
+                            </p:stCondLst>
+                            <p:childTnLst>
+                              <p:par>
+                                <p:cTn id="15" presetID="10" presetClass="entr" presetSubtype="0" fill="hold" grpId="0" nodeType="clickEffect">
+                                  <p:stCondLst>
+                                    <p:cond delay="0"/>
+                                  </p:stCondLst>
+                                  <p:childTnLst>
+                                    <p:set>
+                                      <p:cBhvr>
+                                        <p:cTn id="16" dur="1" fill="hold">
+                                          <p:stCondLst>
+                                            <p:cond delay="0"/>
+                                          </p:stCondLst>
+                                        </p:cTn>
+                                        <p:tgtEl>
+                                          <p:spTgt spid="3">
+                                            <p:txEl>
+                                              <p:pRg st="2" end="2"/>
+                                            </p:txEl>
+                                          </p:spTgt>
+                                        </p:tgtEl>
+                                        <p:attrNameLst>
+                                          <p:attrName>style.visibility</p:attrName>
+                                        </p:attrNameLst>
+                                      </p:cBhvr>
+                                      <p:to>
+                                        <p:strVal val="visible"/>
+                                      </p:to>
+                                    </p:set>
+                                    <p:animEffect transition="in" filter="fade">
+                                      <p:cBhvr>
+                                        <p:cTn id="17" dur="500"/>
+                                        <p:tgtEl>
+                                          <p:spTgt spid="3">
+                                            <p:txEl>
+                                              <p:pRg st="2" end="2"/>
+                                            </p:txEl>
+                                          </p:spTgt>
+                                        </p:tgtEl>
+                                      </p:cBhvr>
+                                    </p:animEffect>
+                                  </p:childTnLst>
+                                </p:cTn>
+                              </p:par>
+                            </p:childTnLst>
+                          </p:cTn>
+                        </p:par>
+                      </p:childTnLst>
+                    </p:cTn>
+                  </p:par>
+                  <p:par>
+                    <p:cTn id="18" fill="hold">
+                      <p:stCondLst>
+                        <p:cond delay="indefinite"/>
+                      </p:stCondLst>
+                      <p:childTnLst>
+                        <p:par>
+                          <p:cTn id="19" fill="hold">
+                            <p:stCondLst>
+                              <p:cond delay="0"/>
+                            </p:stCondLst>
+                            <p:childTnLst>
+                              <p:par>
+                                <p:cTn id="20" presetID="10" presetClass="entr" presetSubtype="0" fill="hold" grpId="0" nodeType="clickEffect">
+                                  <p:stCondLst>
+                                    <p:cond delay="0"/>
+                                  </p:stCondLst>
+                                  <p:childTnLst>
+                                    <p:set>
+                                      <p:cBhvr>
+                                        <p:cTn id="21" dur="1" fill="hold">
+                                          <p:stCondLst>
+                                            <p:cond delay="0"/>
+                                          </p:stCondLst>
+                                        </p:cTn>
+                                        <p:tgtEl>
+                                          <p:spTgt spid="3">
+                                            <p:txEl>
+                                              <p:pRg st="3" end="3"/>
+                                            </p:txEl>
+                                          </p:spTgt>
+                                        </p:tgtEl>
+                                        <p:attrNameLst>
+                                          <p:attrName>style.visibility</p:attrName>
+                                        </p:attrNameLst>
+                                      </p:cBhvr>
+                                      <p:to>
+                                        <p:strVal val="visible"/>
+                                      </p:to>
+                                    </p:set>
+                                    <p:animEffect transition="in" filter="fade">
+                                      <p:cBhvr>
+                                        <p:cTn id="22" dur="500"/>
+                                        <p:tgtEl>
+                                          <p:spTgt spid="3">
+                                            <p:txEl>
+                                              <p:pRg st="3" end="3"/>
+                                            </p:txEl>
+                                          </p:spTgt>
+                                        </p:tgtEl>
+                                      </p:cBhvr>
+                                    </p:animEffect>
+                                  </p:childTnLst>
+                                </p:cTn>
+                              </p:par>
+                            </p:childTnLst>
+                          </p:cTn>
+                        </p:par>
+                      </p:childTnLst>
+                    </p:cTn>
+                  </p:par>
+                </p:childTnLst>
+              </p:cTn>
+              <p:prevCondLst>
+                <p:cond evt="onPrev" delay="0">
+                  <p:tgtEl>
+                    <p:sldTgt/>
+                  </p:tgtEl>
+                </p:cond>
+              </p:prevCondLst>
+              <p:nextCondLst>
+                <p:cond evt="onNext" delay="0">
+                  <p:tgtEl>
+                    <p:sldTgt/>
+                  </p:tgtEl>
+                </p:cond>
+              </p:nextCondLst>
+            </p:seq>
+          </p:childTnLst>
+        </p:cTn>
+      </p:par>
+    </p:tnLst>
+    <p:bldLst>
+      <p:bldP spid="3" grpId="0" build="p"/>
+    </p:bldLst>
+  </p:timing>
+</p:sld>
+</file>
+
+<file path=ppt/slides/slide8.xml><?xml version="1.0" encoding="utf-8"?>
+<p:sld xmlns:a="http://schemas.openxmlformats.org/drawingml/2006/main" xmlns:r="http://schemas.openxmlformats.org/officeDocument/2006/relationships" xmlns:p="http://schemas.openxmlformats.org/presentationml/2006/main">
+  <p:cSld>
+    <p:spTree>
+      <p:nvGrpSpPr>
+        <p:cNvPr id="1" name=""/>
+        <p:cNvGrpSpPr/>
+        <p:nvPr/>
+      </p:nvGrpSpPr>
+      <p:grpSpPr>
+        <a:xfrm>
+          <a:off x="0" y="0"/>
+          <a:ext cx="0" cy="0"/>
+          <a:chOff x="0" y="0"/>
+          <a:chExt cx="0" cy="0"/>
+        </a:xfrm>
+      </p:grpSpPr>
+      <p:sp>
+        <p:nvSpPr>
+          <p:cNvPr id="2" name="Título 1"/>
+          <p:cNvSpPr>
+            <a:spLocks noGrp="1"/>
+          </p:cNvSpPr>
+          <p:nvPr>
+            <p:ph type="title"/>
+          </p:nvPr>
+        </p:nvSpPr>
+        <p:spPr/>
+        <p:txBody>
+          <a:bodyPr>
+            <a:normAutofit fontScale="90000"/>
+          </a:bodyPr>
+          <a:lstStyle/>
+          <a:p>
+            <a:r>
+              <a:rPr lang="pt-BR" dirty="0" smtClean="0"/>
+              <a:t>Fundamentação Teórica</a:t>
+            </a:r>
+            <a:br>
+              <a:rPr lang="pt-BR" dirty="0" smtClean="0"/>
+            </a:br>
+            <a:r>
+              <a:rPr lang="pt-BR" dirty="0" smtClean="0"/>
+              <a:t>Reúso de Software - Desvantagens</a:t>
+            </a:r>
+            <a:endParaRPr lang="pt-BR" dirty="0"/>
+          </a:p>
+        </p:txBody>
+      </p:sp>
+      <p:sp>
+        <p:nvSpPr>
+          <p:cNvPr id="3" name="Espaço Reservado para Conteúdo 2"/>
+          <p:cNvSpPr>
+            <a:spLocks noGrp="1"/>
+          </p:cNvSpPr>
+          <p:nvPr>
+            <p:ph idx="1"/>
+          </p:nvPr>
+        </p:nvSpPr>
+        <p:spPr>
+          <a:xfrm>
+            <a:off x="457200" y="2132856"/>
+            <a:ext cx="8229600" cy="4344144"/>
+          </a:xfrm>
+        </p:spPr>
+        <p:txBody>
+          <a:bodyPr>
+            <a:normAutofit/>
+          </a:bodyPr>
+          <a:lstStyle/>
+          <a:p>
+            <a:pPr marL="0" indent="0" algn="just">
+              <a:buNone/>
+            </a:pPr>
+            <a:r>
+              <a:rPr lang="pt-BR" dirty="0" smtClean="0"/>
+              <a:t>(</a:t>
+            </a:r>
+            <a:r>
+              <a:rPr lang="pt-BR" dirty="0"/>
+              <a:t>SOMMERVILLE, 2013</a:t>
+            </a:r>
+            <a:r>
+              <a:rPr lang="pt-BR" dirty="0" smtClean="0"/>
+              <a:t>)</a:t>
+            </a:r>
+          </a:p>
+          <a:p>
+            <a:pPr lvl="0">
+              <a:lnSpc>
+                <a:spcPct val="150000"/>
+              </a:lnSpc>
+            </a:pPr>
+            <a:r>
+              <a:rPr lang="pt-BR" sz="3600" dirty="0"/>
+              <a:t>Ausência de ferramentas de </a:t>
+            </a:r>
+            <a:r>
+              <a:rPr lang="pt-BR" sz="3600" dirty="0" smtClean="0"/>
+              <a:t>suporte;</a:t>
+            </a:r>
+            <a:endParaRPr lang="pt-BR" sz="3600" dirty="0"/>
+          </a:p>
+          <a:p>
+            <a:pPr lvl="0">
+              <a:lnSpc>
+                <a:spcPct val="150000"/>
+              </a:lnSpc>
+            </a:pPr>
+            <a:r>
+              <a:rPr lang="pt-BR" sz="3600" dirty="0"/>
+              <a:t>Síndrome do “não inventado </a:t>
+            </a:r>
+            <a:r>
+              <a:rPr lang="pt-BR" sz="3600" dirty="0" smtClean="0"/>
+              <a:t>aqui”;</a:t>
+            </a:r>
+            <a:endParaRPr lang="pt-BR" sz="3600" dirty="0"/>
+          </a:p>
+          <a:p>
+            <a:pPr lvl="0">
+              <a:lnSpc>
+                <a:spcPct val="150000"/>
+              </a:lnSpc>
+            </a:pPr>
+            <a:r>
+              <a:rPr lang="pt-BR" sz="3600" dirty="0"/>
+              <a:t>Aumento do custo de </a:t>
+            </a:r>
+            <a:r>
+              <a:rPr lang="pt-BR" sz="3600" dirty="0" smtClean="0"/>
+              <a:t>manutenção.</a:t>
+            </a:r>
+            <a:endParaRPr lang="pt-BR" sz="2800" dirty="0" smtClean="0"/>
+          </a:p>
+          <a:p>
+            <a:endParaRPr lang="pt-BR" dirty="0"/>
+          </a:p>
+        </p:txBody>
+      </p:sp>
+    </p:spTree>
+    <p:extLst>
+      <p:ext uri="{BB962C8B-B14F-4D97-AF65-F5344CB8AC3E}">
+        <p14:creationId xmlns:p14="http://schemas.microsoft.com/office/powerpoint/2010/main" val="838592829"/>
+      </p:ext>
+    </p:extLst>
+  </p:cSld>
+  <p:clrMapOvr>
+    <a:masterClrMapping/>
+  </p:clrMapOvr>
+  <p:timing>
+    <p:tnLst>
+      <p:par>
+        <p:cTn id="1" dur="indefinite" restart="never" nodeType="tmRoot">
+          <p:childTnLst>
+            <p:seq concurrent="1" nextAc="seek">
+              <p:cTn id="2" dur="indefinite" nodeType="mainSeq">
+                <p:childTnLst>
+                  <p:par>
+                    <p:cTn id="3" fill="hold">
+                      <p:stCondLst>
+                        <p:cond delay="indefinite"/>
+                      </p:stCondLst>
+                      <p:childTnLst>
+                        <p:par>
+                          <p:cTn id="4" fill="hold">
+                            <p:stCondLst>
+                              <p:cond delay="0"/>
+                            </p:stCondLst>
+                            <p:childTnLst>
+                              <p:par>
+                                <p:cTn id="5" presetID="10" presetClass="entr" presetSubtype="0" fill="hold" grpId="0" nodeType="clickEffect">
+                                  <p:stCondLst>
+                                    <p:cond delay="0"/>
+                                  </p:stCondLst>
+                                  <p:childTnLst>
+                                    <p:set>
+                                      <p:cBhvr>
+                                        <p:cTn id="6" dur="1" fill="hold">
+                                          <p:stCondLst>
+                                            <p:cond delay="0"/>
+                                          </p:stCondLst>
+                                        </p:cTn>
+                                        <p:tgtEl>
+                                          <p:spTgt spid="3">
+                                            <p:txEl>
+                                              <p:pRg st="0" end="0"/>
+                                            </p:txEl>
+                                          </p:spTgt>
+                                        </p:tgtEl>
+                                        <p:attrNameLst>
+                                          <p:attrName>style.visibility</p:attrName>
+                                        </p:attrNameLst>
+                                      </p:cBhvr>
+                                      <p:to>
+                                        <p:strVal val="visible"/>
+                                      </p:to>
+                                    </p:set>
+                                    <p:animEffect transition="in" filter="fade">
+                                      <p:cBhvr>
+                                        <p:cTn id="7" dur="500"/>
+                                        <p:tgtEl>
+                                          <p:spTgt spid="3">
+                                            <p:txEl>
+                                              <p:pRg st="0" end="0"/>
+                                            </p:txEl>
+                                          </p:spTgt>
+                                        </p:tgtEl>
+                                      </p:cBhvr>
+                                    </p:animEffect>
+                                  </p:childTnLst>
+                                </p:cTn>
+                              </p:par>
+                            </p:childTnLst>
+                          </p:cTn>
+                        </p:par>
+                      </p:childTnLst>
+                    </p:cTn>
+                  </p:par>
+                  <p:par>
+                    <p:cTn id="8" fill="hold">
+                      <p:stCondLst>
+                        <p:cond delay="indefinite"/>
+                      </p:stCondLst>
+                      <p:childTnLst>
+                        <p:par>
+                          <p:cTn id="9" fill="hold">
+                            <p:stCondLst>
+                              <p:cond delay="0"/>
+                            </p:stCondLst>
+                            <p:childTnLst>
+                              <p:par>
+                                <p:cTn id="10" presetID="10" presetClass="entr" presetSubtype="0" fill="hold" nodeType="clickEffect">
+                                  <p:stCondLst>
+                                    <p:cond delay="0"/>
+                                  </p:stCondLst>
+                                  <p:childTnLst>
+                                    <p:set>
+                                      <p:cBhvr>
+                                        <p:cTn id="11" dur="1" fill="hold">
+                                          <p:stCondLst>
+                                            <p:cond delay="0"/>
+                                          </p:stCondLst>
+                                        </p:cTn>
+                                        <p:tgtEl>
+                                          <p:spTgt spid="3">
+                                            <p:txEl>
+                                              <p:pRg st="1" end="1"/>
+                                            </p:txEl>
+                                          </p:spTgt>
+                                        </p:tgtEl>
+                                        <p:attrNameLst>
+                                          <p:attrName>style.visibility</p:attrName>
+                                        </p:attrNameLst>
+                                      </p:cBhvr>
+                                      <p:to>
+                                        <p:strVal val="visible"/>
+                                      </p:to>
+                                    </p:set>
+                                    <p:animEffect transition="in" filter="fade">
+                                      <p:cBhvr>
+                                        <p:cTn id="12" dur="500"/>
+                                        <p:tgtEl>
+                                          <p:spTgt spid="3">
+                                            <p:txEl>
+                                              <p:pRg st="1" end="1"/>
+                                            </p:txEl>
+                                          </p:spTgt>
+                                        </p:tgtEl>
+                                      </p:cBhvr>
+                                    </p:animEffect>
+                                  </p:childTnLst>
+                                </p:cTn>
+                              </p:par>
+                              <p:par>
+                                <p:cTn id="13" presetID="10" presetClass="entr" presetSubtype="0" fill="hold" nodeType="withEffect">
+                                  <p:stCondLst>
+                                    <p:cond delay="0"/>
+                                  </p:stCondLst>
+                                  <p:childTnLst>
+                                    <p:set>
+                                      <p:cBhvr>
+                                        <p:cTn id="14" dur="1" fill="hold">
+                                          <p:stCondLst>
+                                            <p:cond delay="0"/>
+                                          </p:stCondLst>
+                                        </p:cTn>
+                                        <p:tgtEl>
+                                          <p:spTgt spid="3">
+                                            <p:txEl>
+                                              <p:pRg st="2" end="2"/>
+                                            </p:txEl>
+                                          </p:spTgt>
+                                        </p:tgtEl>
+                                        <p:attrNameLst>
+                                          <p:attrName>style.visibility</p:attrName>
+                                        </p:attrNameLst>
+                                      </p:cBhvr>
+                                      <p:to>
+                                        <p:strVal val="visible"/>
+                                      </p:to>
+                                    </p:set>
+                                    <p:animEffect transition="in" filter="fade">
+                                      <p:cBhvr>
+                                        <p:cTn id="15" dur="500"/>
+                                        <p:tgtEl>
+                                          <p:spTgt spid="3">
+                                            <p:txEl>
+                                              <p:pRg st="2" end="2"/>
+                                            </p:txEl>
+                                          </p:spTgt>
+                                        </p:tgtEl>
+                                      </p:cBhvr>
+                                    </p:animEffect>
+                                  </p:childTnLst>
+                                </p:cTn>
+                              </p:par>
+                              <p:par>
+                                <p:cTn id="16" presetID="10" presetClass="entr" presetSubtype="0" fill="hold" nodeType="withEffect">
+                                  <p:stCondLst>
+                                    <p:cond delay="0"/>
+                                  </p:stCondLst>
+                                  <p:childTnLst>
+                                    <p:set>
+                                      <p:cBhvr>
+                                        <p:cTn id="17" dur="1" fill="hold">
+                                          <p:stCondLst>
+                                            <p:cond delay="0"/>
+                                          </p:stCondLst>
+                                        </p:cTn>
+                                        <p:tgtEl>
+                                          <p:spTgt spid="3">
+                                            <p:txEl>
+                                              <p:pRg st="3" end="3"/>
+                                            </p:txEl>
+                                          </p:spTgt>
+                                        </p:tgtEl>
+                                        <p:attrNameLst>
+                                          <p:attrName>style.visibility</p:attrName>
+                                        </p:attrNameLst>
+                                      </p:cBhvr>
+                                      <p:to>
+                                        <p:strVal val="visible"/>
+                                      </p:to>
+                                    </p:set>
+                                    <p:animEffect transition="in" filter="fade">
+                                      <p:cBhvr>
+                                        <p:cTn id="18" dur="500"/>
+                                        <p:tgtEl>
+                                          <p:spTgt spid="3">
+                                            <p:txEl>
+                                              <p:pRg st="3" end="3"/>
+                                            </p:txEl>
+                                          </p:spTgt>
+                                        </p:tgtEl>
+                                      </p:cBhvr>
+                                    </p:animEffect>
+                                  </p:childTnLst>
+                                </p:cTn>
+                              </p:par>
+                            </p:childTnLst>
+                          </p:cTn>
+                        </p:par>
+                      </p:childTnLst>
+                    </p:cTn>
+                  </p:par>
+                </p:childTnLst>
+              </p:cTn>
+              <p:prevCondLst>
+                <p:cond evt="onPrev" delay="0">
+                  <p:tgtEl>
+                    <p:sldTgt/>
+                  </p:tgtEl>
+                </p:cond>
+              </p:prevCondLst>
+              <p:nextCondLst>
+                <p:cond evt="onNext" delay="0">
+                  <p:tgtEl>
+                    <p:sldTgt/>
+                  </p:tgtEl>
+                </p:cond>
+              </p:nextCondLst>
+            </p:seq>
+          </p:childTnLst>
+        </p:cTn>
+      </p:par>
+    </p:tnLst>
+    <p:bldLst>
+      <p:bldP spid="3" grpId="0" build="p"/>
+    </p:bldLst>
+  </p:timing>
+</p:sld>
+</file>
+
+<file path=ppt/slides/slide9.xml><?xml version="1.0" encoding="utf-8"?>
+<p:sld xmlns:a="http://schemas.openxmlformats.org/drawingml/2006/main" xmlns:r="http://schemas.openxmlformats.org/officeDocument/2006/relationships" xmlns:p="http://schemas.openxmlformats.org/presentationml/2006/main">
+  <p:cSld>
+    <p:spTree>
+      <p:nvGrpSpPr>
+        <p:cNvPr id="1" name=""/>
+        <p:cNvGrpSpPr/>
+        <p:nvPr/>
+      </p:nvGrpSpPr>
+      <p:grpSpPr>
+        <a:xfrm>
+          <a:off x="0" y="0"/>
+          <a:ext cx="0" cy="0"/>
+          <a:chOff x="0" y="0"/>
+          <a:chExt cx="0" cy="0"/>
+        </a:xfrm>
+      </p:grpSpPr>
+      <p:sp>
+        <p:nvSpPr>
+          <p:cNvPr id="2" name="Título 1"/>
+          <p:cNvSpPr>
+            <a:spLocks noGrp="1"/>
+          </p:cNvSpPr>
+          <p:nvPr>
+            <p:ph type="title"/>
+          </p:nvPr>
+        </p:nvSpPr>
+        <p:spPr/>
+        <p:txBody>
+          <a:bodyPr>
+            <a:normAutofit fontScale="90000"/>
+          </a:bodyPr>
+          <a:lstStyle/>
+          <a:p>
+            <a:r>
+              <a:rPr lang="pt-BR" dirty="0" smtClean="0"/>
+              <a:t>Fundamentação Teórica</a:t>
+            </a:r>
+            <a:br>
+              <a:rPr lang="pt-BR" dirty="0" smtClean="0"/>
+            </a:br>
+            <a:r>
+              <a:rPr lang="pt-BR" dirty="0" smtClean="0"/>
+              <a:t>Reúso de Software - Abordagens</a:t>
+            </a:r>
+            <a:endParaRPr lang="pt-BR" dirty="0"/>
+          </a:p>
+        </p:txBody>
+      </p:sp>
+      <p:sp>
+        <p:nvSpPr>
+          <p:cNvPr id="3" name="Espaço Reservado para Conteúdo 2"/>
+          <p:cNvSpPr>
+            <a:spLocks noGrp="1"/>
+          </p:cNvSpPr>
+          <p:nvPr>
+            <p:ph idx="1"/>
+          </p:nvPr>
+        </p:nvSpPr>
+        <p:spPr>
+          <a:xfrm>
+            <a:off x="457200" y="2132856"/>
+            <a:ext cx="8229600" cy="4344144"/>
+          </a:xfrm>
+        </p:spPr>
+        <p:txBody>
+          <a:bodyPr>
+            <a:normAutofit/>
+          </a:bodyPr>
+          <a:lstStyle/>
+          <a:p>
+            <a:pPr marL="0" indent="0" algn="just">
+              <a:buNone/>
+            </a:pPr>
+            <a:r>
+              <a:rPr lang="pt-BR" dirty="0" smtClean="0"/>
+              <a:t>(</a:t>
+            </a:r>
+            <a:r>
+              <a:rPr lang="pt-BR" dirty="0"/>
+              <a:t>SOMMERVILLE, 2013</a:t>
+            </a:r>
+            <a:r>
+              <a:rPr lang="pt-BR" dirty="0" smtClean="0"/>
+              <a:t>)</a:t>
+            </a:r>
+          </a:p>
+          <a:p>
+            <a:pPr lvl="0">
+              <a:lnSpc>
+                <a:spcPct val="150000"/>
+              </a:lnSpc>
+            </a:pPr>
+            <a:r>
+              <a:rPr lang="pt-BR" sz="3600" dirty="0" smtClean="0"/>
+              <a:t>Padrões Arquiteturais;</a:t>
+            </a:r>
+            <a:endParaRPr lang="pt-BR" sz="3600" dirty="0"/>
+          </a:p>
+          <a:p>
+            <a:pPr lvl="0">
+              <a:lnSpc>
+                <a:spcPct val="150000"/>
+              </a:lnSpc>
+            </a:pPr>
+            <a:r>
+              <a:rPr lang="pt-BR" sz="3600" dirty="0" smtClean="0"/>
+              <a:t>Padrões de Projeto;</a:t>
+            </a:r>
+            <a:endParaRPr lang="pt-BR" sz="3600" dirty="0"/>
+          </a:p>
+          <a:p>
+            <a:pPr lvl="0">
+              <a:lnSpc>
+                <a:spcPct val="150000"/>
+              </a:lnSpc>
+            </a:pPr>
+            <a:r>
+              <a:rPr lang="pt-BR" sz="3600" dirty="0" smtClean="0"/>
+              <a:t>Sistemas ERP;</a:t>
+            </a:r>
+          </a:p>
+          <a:p>
+            <a:pPr lvl="0">
+              <a:lnSpc>
+                <a:spcPct val="150000"/>
+              </a:lnSpc>
+            </a:pPr>
+            <a:r>
+              <a:rPr lang="pt-BR" sz="4000" b="1" dirty="0" smtClean="0"/>
+              <a:t>Geradores de Programas;</a:t>
+            </a:r>
+            <a:endParaRPr lang="pt-BR" sz="3600" b="1" dirty="0" smtClean="0"/>
+          </a:p>
+          <a:p>
+            <a:pPr lvl="0">
+              <a:lnSpc>
+                <a:spcPct val="150000"/>
+              </a:lnSpc>
+            </a:pPr>
+            <a:endParaRPr lang="pt-BR" sz="2800" dirty="0" smtClean="0"/>
+          </a:p>
+          <a:p>
+            <a:endParaRPr lang="pt-BR" dirty="0"/>
+          </a:p>
+        </p:txBody>
+      </p:sp>
+    </p:spTree>
+    <p:extLst>
+      <p:ext uri="{BB962C8B-B14F-4D97-AF65-F5344CB8AC3E}">
+        <p14:creationId xmlns:p14="http://schemas.microsoft.com/office/powerpoint/2010/main" val="1534748799"/>
+      </p:ext>
+    </p:extLst>
+  </p:cSld>
+  <p:clrMapOvr>
+    <a:masterClrMapping/>
+  </p:clrMapOvr>
+  <p:timing>
+    <p:tnLst>
+      <p:par>
+        <p:cTn id="1" dur="indefinite" restart="never" nodeType="tmRoot">
+          <p:childTnLst>
+            <p:seq concurrent="1" nextAc="seek">
+              <p:cTn id="2" dur="indefinite" nodeType="mainSeq">
+                <p:childTnLst>
+                  <p:par>
+                    <p:cTn id="3" fill="hold">
+                      <p:stCondLst>
+                        <p:cond delay="indefinite"/>
+                      </p:stCondLst>
+                      <p:childTnLst>
+                        <p:par>
+                          <p:cTn id="4" fill="hold">
+                            <p:stCondLst>
+                              <p:cond delay="0"/>
+                            </p:stCondLst>
+                            <p:childTnLst>
+                              <p:par>
+                                <p:cTn id="5" presetID="10" presetClass="entr" presetSubtype="0" fill="hold" grpId="0" nodeType="clickEffect">
+                                  <p:stCondLst>
+                                    <p:cond delay="0"/>
+                                  </p:stCondLst>
+                                  <p:childTnLst>
+                                    <p:set>
+                                      <p:cBhvr>
+                                        <p:cTn id="6" dur="1" fill="hold">
+                                          <p:stCondLst>
+                                            <p:cond delay="0"/>
+                                          </p:stCondLst>
+                                        </p:cTn>
+                                        <p:tgtEl>
+                                          <p:spTgt spid="3">
+                                            <p:txEl>
+                                              <p:pRg st="0" end="0"/>
+                                            </p:txEl>
+                                          </p:spTgt>
+                                        </p:tgtEl>
+                                        <p:attrNameLst>
+                                          <p:attrName>style.visibility</p:attrName>
+                                        </p:attrNameLst>
+                                      </p:cBhvr>
+                                      <p:to>
+                                        <p:strVal val="visible"/>
+                                      </p:to>
+                                    </p:set>
+                                    <p:animEffect transition="in" filter="fade">
+                                      <p:cBhvr>
+                                        <p:cTn id="7" dur="500"/>
+                                        <p:tgtEl>
+                                          <p:spTgt spid="3">
+                                            <p:txEl>
+                                              <p:pRg st="0" end="0"/>
+                                            </p:txEl>
+                                          </p:spTgt>
+                                        </p:tgtEl>
+                                      </p:cBhvr>
+                                    </p:animEffect>
+                                  </p:childTnLst>
+                                </p:cTn>
+                              </p:par>
+                            </p:childTnLst>
+                          </p:cTn>
+                        </p:par>
+                      </p:childTnLst>
+                    </p:cTn>
+                  </p:par>
+                  <p:par>
+                    <p:cTn id="8" fill="hold">
+                      <p:stCondLst>
+                        <p:cond delay="indefinite"/>
+                      </p:stCondLst>
+                      <p:childTnLst>
+                        <p:par>
+                          <p:cTn id="9" fill="hold">
+                            <p:stCondLst>
+                              <p:cond delay="0"/>
+                            </p:stCondLst>
+                            <p:childTnLst>
+                              <p:par>
+                                <p:cTn id="10" presetID="10" presetClass="entr" presetSubtype="0" fill="hold" grpId="0" nodeType="clickEffect">
+                                  <p:stCondLst>
+                                    <p:cond delay="0"/>
+                                  </p:stCondLst>
+                                  <p:childTnLst>
+                                    <p:set>
+                                      <p:cBhvr>
+                                        <p:cTn id="11" dur="1" fill="hold">
+                                          <p:stCondLst>
+                                            <p:cond delay="0"/>
+                                          </p:stCondLst>
+                                        </p:cTn>
+                                        <p:tgtEl>
+                                          <p:spTgt spid="3">
+                                            <p:txEl>
+                                              <p:pRg st="1" end="1"/>
+                                            </p:txEl>
+                                          </p:spTgt>
+                                        </p:tgtEl>
+                                        <p:attrNameLst>
+                                          <p:attrName>style.visibility</p:attrName>
+                                        </p:attrNameLst>
+                                      </p:cBhvr>
+                                      <p:to>
+                                        <p:strVal val="visible"/>
+                                      </p:to>
+                                    </p:set>
+                                    <p:animEffect transition="in" filter="fade">
+                                      <p:cBhvr>
+                                        <p:cTn id="12" dur="500"/>
+                                        <p:tgtEl>
+                                          <p:spTgt spid="3">
+                                            <p:txEl>
+                                              <p:pRg st="1" end="1"/>
+                                            </p:txEl>
+                                          </p:spTgt>
+                                        </p:tgtEl>
+                                      </p:cBhvr>
+                                    </p:animEffect>
+                                  </p:childTnLst>
+                                </p:cTn>
+                              </p:par>
+                            </p:childTnLst>
+                          </p:cTn>
+                        </p:par>
+                      </p:childTnLst>
+                    </p:cTn>
+                  </p:par>
+                  <p:par>
+                    <p:cTn id="13" fill="hold">
+                      <p:stCondLst>
+                        <p:cond delay="indefinite"/>
+                      </p:stCondLst>
+                      <p:childTnLst>
+                        <p:par>
+                          <p:cTn id="14" fill="hold">
+                            <p:stCondLst>
+                              <p:cond delay="0"/>
+                            </p:stCondLst>
+                            <p:childTnLst>
+                              <p:par>
+                                <p:cTn id="15" presetID="10" presetClass="entr" presetSubtype="0" fill="hold" grpId="0" nodeType="clickEffect">
+                                  <p:stCondLst>
+                                    <p:cond delay="0"/>
+                                  </p:stCondLst>
+                                  <p:childTnLst>
+                                    <p:set>
+                                      <p:cBhvr>
+                                        <p:cTn id="16" dur="1" fill="hold">
+                                          <p:stCondLst>
+                                            <p:cond delay="0"/>
+                                          </p:stCondLst>
+                                        </p:cTn>
+                                        <p:tgtEl>
+                                          <p:spTgt spid="3">
+                                            <p:txEl>
+                                              <p:pRg st="2" end="2"/>
+                                            </p:txEl>
+                                          </p:spTgt>
+                                        </p:tgtEl>
+                                        <p:attrNameLst>
+                                          <p:attrName>style.visibility</p:attrName>
+                                        </p:attrNameLst>
+                                      </p:cBhvr>
+                                      <p:to>
+                                        <p:strVal val="visible"/>
+                                      </p:to>
+                                    </p:set>
+                                    <p:animEffect transition="in" filter="fade">
+                                      <p:cBhvr>
+                                        <p:cTn id="17" dur="500"/>
+                                        <p:tgtEl>
+                                          <p:spTgt spid="3">
+                                            <p:txEl>
+                                              <p:pRg st="2" end="2"/>
+                                            </p:txEl>
+                                          </p:spTgt>
+                                        </p:tgtEl>
+                                      </p:cBhvr>
+                                    </p:animEffect>
+                                  </p:childTnLst>
+                                </p:cTn>
+                              </p:par>
+                            </p:childTnLst>
+                          </p:cTn>
+                        </p:par>
+                      </p:childTnLst>
+                    </p:cTn>
+                  </p:par>
+                  <p:par>
+                    <p:cTn id="18" fill="hold">
+                      <p:stCondLst>
+                        <p:cond delay="indefinite"/>
+                      </p:stCondLst>
+                      <p:childTnLst>
+                        <p:par>
+                          <p:cTn id="19" fill="hold">
+                            <p:stCondLst>
+                              <p:cond delay="0"/>
+                            </p:stCondLst>
+                            <p:childTnLst>
+                              <p:par>
+                                <p:cTn id="20" presetID="10" presetClass="entr" presetSubtype="0" fill="hold" grpId="0" nodeType="clickEffect">
+                                  <p:stCondLst>
+                                    <p:cond delay="0"/>
+                                  </p:stCondLst>
+                                  <p:childTnLst>
+                                    <p:set>
+                                      <p:cBhvr>
+                                        <p:cTn id="21" dur="1" fill="hold">
+                                          <p:stCondLst>
+                                            <p:cond delay="0"/>
+                                          </p:stCondLst>
+                                        </p:cTn>
+                                        <p:tgtEl>
+                                          <p:spTgt spid="3">
+                                            <p:txEl>
+                                              <p:pRg st="3" end="3"/>
+                                            </p:txEl>
+                                          </p:spTgt>
+                                        </p:tgtEl>
+                                        <p:attrNameLst>
+                                          <p:attrName>style.visibility</p:attrName>
+                                        </p:attrNameLst>
+                                      </p:cBhvr>
+                                      <p:to>
+                                        <p:strVal val="visible"/>
+                                      </p:to>
+                                    </p:set>
+                                    <p:animEffect transition="in" filter="fade">
+                                      <p:cBhvr>
+                                        <p:cTn id="22" dur="500"/>
+                                        <p:tgtEl>
+                                          <p:spTgt spid="3">
+                                            <p:txEl>
+                                              <p:pRg st="3" end="3"/>
+                                            </p:txEl>
+                                          </p:spTgt>
+                                        </p:tgtEl>
+                                      </p:cBhvr>
+                                    </p:animEffect>
+                                  </p:childTnLst>
+                                </p:cTn>
+                              </p:par>
+                            </p:childTnLst>
+                          </p:cTn>
+                        </p:par>
+                      </p:childTnLst>
+                    </p:cTn>
+                  </p:par>
+                  <p:par>
+                    <p:cTn id="23" fill="hold">
+                      <p:stCondLst>
+                        <p:cond delay="indefinite"/>
+                      </p:stCondLst>
+                      <p:childTnLst>
+                        <p:par>
+                          <p:cTn id="24" fill="hold">
+                            <p:stCondLst>
+                              <p:cond delay="0"/>
+                            </p:stCondLst>
+                            <p:childTnLst>
+                              <p:par>
+                                <p:cTn id="25" presetID="10" presetClass="entr" presetSubtype="0" fill="hold" grpId="0" nodeType="clickEffect">
+                                  <p:stCondLst>
+                                    <p:cond delay="0"/>
+                                  </p:stCondLst>
+                                  <p:childTnLst>
+                                    <p:set>
+                                      <p:cBhvr>
+                                        <p:cTn id="26" dur="1" fill="hold">
+                                          <p:stCondLst>
+                                            <p:cond delay="0"/>
+                                          </p:stCondLst>
+                                        </p:cTn>
+                                        <p:tgtEl>
+                                          <p:spTgt spid="3">
+                                            <p:txEl>
+                                              <p:pRg st="4" end="4"/>
+                                            </p:txEl>
+                                          </p:spTgt>
+                                        </p:tgtEl>
+                                        <p:attrNameLst>
+                                          <p:attrName>style.visibility</p:attrName>
+                                        </p:attrNameLst>
+                                      </p:cBhvr>
+                                      <p:to>
+                                        <p:strVal val="visible"/>
+                                      </p:to>
+                                    </p:set>
+                                    <p:animEffect transition="in" filter="fade">
+                                      <p:cBhvr>
+                                        <p:cTn id="27" dur="500"/>
+                                        <p:tgtEl>
+                                          <p:spTgt spid="3">
+                                            <p:txEl>
+                                              <p:pRg st="4" end="4"/>
+                                            </p:txEl>
+                                          </p:spTgt>
+                                        </p:tgtEl>
+                                      </p:cBhvr>
+                                    </p:animEffect>
+                                  </p:childTnLst>
+                                </p:cTn>
+                              </p:par>
+                            </p:childTnLst>
+                          </p:cTn>
+                        </p:par>
+                      </p:childTnLst>
+                    </p:cTn>
+                  </p:par>
+                </p:childTnLst>
+              </p:cTn>
+              <p:prevCondLst>
+                <p:cond evt="onPrev" delay="0">
+                  <p:tgtEl>
+                    <p:sldTgt/>
+                  </p:tgtEl>
+                </p:cond>
+              </p:prevCondLst>
+              <p:nextCondLst>
+                <p:cond evt="onNext" delay="0">
+                  <p:tgtEl>
+                    <p:sldTgt/>
+                  </p:tgtEl>
+                </p:cond>
+              </p:nextCondLst>
+            </p:seq>
+          </p:childTnLst>
+        </p:cTn>
+      </p:par>
+    </p:tnLst>
+    <p:bldLst>
+      <p:bldP spid="3" grpId="0" build="p"/>
+    </p:bldLst>
+  </p:timing>
+</p:sld>
+</file>
+
 <file path=ppt/theme/theme1.xml><?xml version="1.0" encoding="utf-8"?>
-<a:theme xmlns:a="http://schemas.openxmlformats.org/drawingml/2006/main" name="Tema do Office">
+<a:theme xmlns:a="http://schemas.openxmlformats.org/drawingml/2006/main" name="Brilho">
   <a:themeElements>
-    <a:clrScheme name="Escritório">
+    <a:clrScheme name="Brilho">
       <a:dk1>
-        <a:sysClr val="windowText" lastClr="000000"/>
+        <a:srgbClr val="292934"/>
       </a:dk1>
       <a:lt1>
-        <a:sysClr val="window" lastClr="FFFFFF"/>
+        <a:srgbClr val="FFFFFF"/>
       </a:lt1>
       <a:dk2>
-        <a:srgbClr val="1F497D"/>
+        <a:srgbClr val="D2533C"/>
       </a:dk2>
       <a:lt2>
-        <a:srgbClr val="EEECE1"/>
+        <a:srgbClr val="F3F2DC"/>
       </a:lt2>
       <a:accent1>
-        <a:srgbClr val="4F81BD"/>
+        <a:srgbClr val="93A299"/>
       </a:accent1>
       <a:accent2>
-        <a:srgbClr val="C0504D"/>
+        <a:srgbClr val="AD8F67"/>
       </a:accent2>
       <a:accent3>
-        <a:srgbClr val="9BBB59"/>
+        <a:srgbClr val="726056"/>
       </a:accent3>
       <a:accent4>
-        <a:srgbClr val="8064A2"/>
+        <a:srgbClr val="4C5A6A"/>
       </a:accent4>
       <a:accent5>
-        <a:srgbClr val="4BACC6"/>
+        <a:srgbClr val="808DA0"/>
       </a:accent5>
       <a:accent6>
-        <a:srgbClr val="F79646"/>
+        <a:srgbClr val="79463D"/>
       </a:accent6>
       <a:hlink>
         <a:srgbClr val="0000FF"/>
@@ -3056,49 +7376,15 @@
         <a:srgbClr val="800080"/>
       </a:folHlink>
     </a:clrScheme>
-    <a:fontScheme name="Escritório">
+    <a:fontScheme name="Escritório Clássico2">
       <a:majorFont>
-        <a:latin typeface="Calibri"/>
+        <a:latin typeface="Arial"/>
         <a:ea typeface=""/>
         <a:cs typeface=""/>
         <a:font script="Jpan" typeface="ＭＳ Ｐゴシック"/>
-        <a:font script="Hang" typeface="맑은 고딕"/>
-        <a:font script="Hans" typeface="宋体"/>
-        <a:font script="Hant" typeface="新細明體"/>
-        <a:font script="Arab" typeface="Times New Roman"/>
-        <a:font script="Hebr" typeface="Times New Roman"/>
-        <a:font script="Thai" typeface="Angsana New"/>
-        <a:font script="Ethi" typeface="Nyala"/>
-        <a:font script="Beng" typeface="Vrinda"/>
-        <a:font script="Gujr" typeface="Shruti"/>
-        <a:font script="Khmr" typeface="MoolBoran"/>
-        <a:font script="Knda" typeface="Tunga"/>
-        <a:font script="Guru" typeface="Raavi"/>
-        <a:font script="Cans" typeface="Euphemia"/>
-        <a:font script="Cher" typeface="Plantagenet Cherokee"/>
-        <a:font script="Yiii" typeface="Microsoft Yi Baiti"/>
-        <a:font script="Tibt" typeface="Microsoft Himalaya"/>
-        <a:font script="Thaa" typeface="MV Boli"/>
-        <a:font script="Deva" typeface="Mangal"/>
-        <a:font script="Telu" typeface="Gautami"/>
-        <a:font script="Taml" typeface="Latha"/>
-        <a:font script="Syrc" typeface="Estrangelo Edessa"/>
-        <a:font script="Orya" typeface="Kalinga"/>
-        <a:font script="Mlym" typeface="Kartika"/>
-        <a:font script="Laoo" typeface="DokChampa"/>
-        <a:font script="Sinh" typeface="Iskoola Pota"/>
-        <a:font script="Mong" typeface="Mongolian Baiti"/>
-        <a:font script="Viet" typeface="Times New Roman"/>
-        <a:font script="Uigh" typeface="Microsoft Uighur"/>
-      </a:majorFont>
-      <a:minorFont>
-        <a:latin typeface="Calibri"/>
-        <a:ea typeface=""/>
-        <a:cs typeface=""/>
-        <a:font script="Jpan" typeface="ＭＳ Ｐゴシック"/>
-        <a:font script="Hang" typeface="맑은 고딕"/>
-        <a:font script="Hans" typeface="宋体"/>
-        <a:font script="Hant" typeface="新細明體"/>
+        <a:font script="Hang" typeface="돋움"/>
+        <a:font script="Hans" typeface="方正舒体"/>
+        <a:font script="Hant" typeface="微軟正黑體"/>
         <a:font script="Arab" typeface="Arial"/>
         <a:font script="Hebr" typeface="Arial"/>
         <a:font script="Thai" typeface="Cordia New"/>
@@ -3124,9 +7410,45 @@
         <a:font script="Mong" typeface="Mongolian Baiti"/>
         <a:font script="Viet" typeface="Arial"/>
         <a:font script="Uigh" typeface="Microsoft Uighur"/>
+        <a:font script="Geor" typeface="Sylfaen"/>
+      </a:majorFont>
+      <a:minorFont>
+        <a:latin typeface="Arial"/>
+        <a:ea typeface=""/>
+        <a:cs typeface=""/>
+        <a:font script="Jpan" typeface="ＭＳ Ｐゴシック"/>
+        <a:font script="Hang" typeface="돋움"/>
+        <a:font script="Hans" typeface="方正舒体"/>
+        <a:font script="Hant" typeface="微軟正黑體"/>
+        <a:font script="Arab" typeface="Arial"/>
+        <a:font script="Hebr" typeface="Arial"/>
+        <a:font script="Thai" typeface="Cordia New"/>
+        <a:font script="Ethi" typeface="Nyala"/>
+        <a:font script="Beng" typeface="Vrinda"/>
+        <a:font script="Gujr" typeface="Shruti"/>
+        <a:font script="Khmr" typeface="DaunPenh"/>
+        <a:font script="Knda" typeface="Tunga"/>
+        <a:font script="Guru" typeface="Raavi"/>
+        <a:font script="Cans" typeface="Euphemia"/>
+        <a:font script="Cher" typeface="Plantagenet Cherokee"/>
+        <a:font script="Yiii" typeface="Microsoft Yi Baiti"/>
+        <a:font script="Tibt" typeface="Microsoft Himalaya"/>
+        <a:font script="Thaa" typeface="MV Boli"/>
+        <a:font script="Deva" typeface="Mangal"/>
+        <a:font script="Telu" typeface="Gautami"/>
+        <a:font script="Taml" typeface="Latha"/>
+        <a:font script="Syrc" typeface="Estrangelo Edessa"/>
+        <a:font script="Orya" typeface="Kalinga"/>
+        <a:font script="Mlym" typeface="Kartika"/>
+        <a:font script="Laoo" typeface="DokChampa"/>
+        <a:font script="Sinh" typeface="Iskoola Pota"/>
+        <a:font script="Mong" typeface="Mongolian Baiti"/>
+        <a:font script="Viet" typeface="Arial"/>
+        <a:font script="Uigh" typeface="Microsoft Uighur"/>
+        <a:font script="Geor" typeface="Sylfaen"/>
       </a:minorFont>
     </a:fontScheme>
-    <a:fmtScheme name="Escritório">
+    <a:fmtScheme name="Brilho">
       <a:fillStyleLst>
         <a:solidFill>
           <a:schemeClr val="phClr"/>
@@ -3136,65 +7458,75 @@
             <a:gs pos="0">
               <a:schemeClr val="phClr">
                 <a:tint val="50000"/>
-                <a:satMod val="300000"/>
+                <a:shade val="86000"/>
+                <a:satMod val="140000"/>
               </a:schemeClr>
             </a:gs>
-            <a:gs pos="35000">
+            <a:gs pos="45000">
               <a:schemeClr val="phClr">
-                <a:tint val="37000"/>
-                <a:satMod val="300000"/>
+                <a:tint val="48000"/>
+                <a:satMod val="150000"/>
               </a:schemeClr>
             </a:gs>
             <a:gs pos="100000">
               <a:schemeClr val="phClr">
-                <a:tint val="15000"/>
-                <a:satMod val="350000"/>
+                <a:tint val="28000"/>
+                <a:satMod val="160000"/>
               </a:schemeClr>
             </a:gs>
           </a:gsLst>
-          <a:lin ang="16200000" scaled="1"/>
+          <a:path path="circle">
+            <a:fillToRect l="100000" t="100000" r="100000" b="100000"/>
+          </a:path>
         </a:gradFill>
         <a:gradFill rotWithShape="1">
           <a:gsLst>
             <a:gs pos="0">
               <a:schemeClr val="phClr">
-                <a:shade val="51000"/>
-                <a:satMod val="130000"/>
+                <a:shade val="70000"/>
+                <a:satMod val="150000"/>
               </a:schemeClr>
             </a:gs>
-            <a:gs pos="80000">
+            <a:gs pos="34000">
               <a:schemeClr val="phClr">
-                <a:shade val="93000"/>
-                <a:satMod val="130000"/>
+                <a:shade val="70000"/>
+                <a:satMod val="140000"/>
+              </a:schemeClr>
+            </a:gs>
+            <a:gs pos="70000">
+              <a:schemeClr val="phClr">
+                <a:tint val="100000"/>
+                <a:shade val="90000"/>
+                <a:satMod val="140000"/>
               </a:schemeClr>
             </a:gs>
             <a:gs pos="100000">
               <a:schemeClr val="phClr">
-                <a:shade val="94000"/>
-                <a:satMod val="135000"/>
+                <a:tint val="100000"/>
+                <a:shade val="100000"/>
+                <a:satMod val="100000"/>
               </a:schemeClr>
             </a:gs>
           </a:gsLst>
-          <a:lin ang="16200000" scaled="0"/>
+          <a:path path="circle">
+            <a:fillToRect l="100000" t="100000" r="100000" b="100000"/>
+          </a:path>
         </a:gradFill>
       </a:fillStyleLst>
       <a:lnStyleLst>
         <a:ln w="9525" cap="flat" cmpd="sng" algn="ctr">
           <a:solidFill>
-            <a:schemeClr val="phClr">
-              <a:shade val="95000"/>
-              <a:satMod val="105000"/>
-            </a:schemeClr>
+            <a:schemeClr val="phClr"/>
           </a:solidFill>
           <a:prstDash val="solid"/>
         </a:ln>
-        <a:ln w="25400" cap="flat" cmpd="sng" algn="ctr">
+        <a:ln w="26425" cap="flat" cmpd="sng" algn="ctr">
           <a:solidFill>
             <a:schemeClr val="phClr"/>
           </a:solidFill>
           <a:prstDash val="solid"/>
         </a:ln>
-        <a:ln w="38100" cap="flat" cmpd="sng" algn="ctr">
+        <a:ln w="44450" cap="flat" cmpd="sng" algn="ctr">
           <a:solidFill>
             <a:schemeClr val="phClr"/>
           </a:solidFill>
@@ -3203,28 +7535,22 @@
       </a:lnStyleLst>
       <a:effectStyleLst>
         <a:effectStyle>
+          <a:effectLst/>
+        </a:effectStyle>
+        <a:effectStyle>
           <a:effectLst>
-            <a:outerShdw blurRad="40000" dist="20000" dir="5400000" rotWithShape="0">
+            <a:outerShdw blurRad="38100" dist="25400" dir="2700000" algn="br" rotWithShape="0">
               <a:srgbClr val="000000">
-                <a:alpha val="38000"/>
+                <a:alpha val="60000"/>
               </a:srgbClr>
             </a:outerShdw>
           </a:effectLst>
         </a:effectStyle>
         <a:effectStyle>
           <a:effectLst>
-            <a:outerShdw blurRad="40000" dist="23000" dir="5400000" rotWithShape="0">
+            <a:outerShdw blurRad="38100" dist="25400" dir="2700000" algn="br" rotWithShape="0">
               <a:srgbClr val="000000">
-                <a:alpha val="35000"/>
-              </a:srgbClr>
-            </a:outerShdw>
-          </a:effectLst>
-        </a:effectStyle>
-        <a:effectStyle>
-          <a:effectLst>
-            <a:outerShdw blurRad="40000" dist="23000" dir="5400000" rotWithShape="0">
-              <a:srgbClr val="000000">
-                <a:alpha val="35000"/>
+                <a:alpha val="60000"/>
               </a:srgbClr>
             </a:outerShdw>
           </a:effectLst>
@@ -3232,12 +7558,18 @@
             <a:camera prst="orthographicFront">
               <a:rot lat="0" lon="0" rev="0"/>
             </a:camera>
-            <a:lightRig rig="threePt" dir="t">
-              <a:rot lat="0" lon="0" rev="1200000"/>
+            <a:lightRig rig="balanced" dir="t">
+              <a:rot lat="0" lon="0" rev="5100000"/>
             </a:lightRig>
           </a:scene3d>
-          <a:sp3d>
-            <a:bevelT w="63500" h="25400"/>
+          <a:sp3d contourW="6350">
+            <a:bevelT w="29210" h="12700"/>
+            <a:contourClr>
+              <a:schemeClr val="phClr">
+                <a:shade val="30000"/>
+                <a:satMod val="130000"/>
+              </a:schemeClr>
+            </a:contourClr>
           </a:sp3d>
         </a:effectStyle>
       </a:effectStyleLst>
@@ -3249,47 +7581,40 @@
           <a:gsLst>
             <a:gs pos="0">
               <a:schemeClr val="phClr">
-                <a:tint val="40000"/>
-                <a:satMod val="350000"/>
+                <a:tint val="85000"/>
+                <a:satMod val="180000"/>
               </a:schemeClr>
             </a:gs>
             <a:gs pos="40000">
               <a:schemeClr val="phClr">
-                <a:tint val="45000"/>
-                <a:shade val="99000"/>
-                <a:satMod val="350000"/>
+                <a:tint val="95000"/>
+                <a:shade val="85000"/>
+                <a:satMod val="150000"/>
               </a:schemeClr>
             </a:gs>
             <a:gs pos="100000">
               <a:schemeClr val="phClr">
-                <a:shade val="20000"/>
-                <a:satMod val="255000"/>
-              </a:schemeClr>
-            </a:gs>
-          </a:gsLst>
-          <a:path path="circle">
-            <a:fillToRect l="50000" t="-80000" r="50000" b="180000"/>
-          </a:path>
-        </a:gradFill>
-        <a:gradFill rotWithShape="1">
-          <a:gsLst>
-            <a:gs pos="0">
-              <a:schemeClr val="phClr">
-                <a:tint val="80000"/>
-                <a:satMod val="300000"/>
-              </a:schemeClr>
-            </a:gs>
-            <a:gs pos="100000">
-              <a:schemeClr val="phClr">
-                <a:shade val="30000"/>
+                <a:shade val="45000"/>
                 <a:satMod val="200000"/>
               </a:schemeClr>
             </a:gs>
           </a:gsLst>
-          <a:path path="circle">
-            <a:fillToRect l="50000" t="50000" r="50000" b="50000"/>
-          </a:path>
+          <a:lin ang="5400000" scaled="0"/>
         </a:gradFill>
+        <a:blipFill rotWithShape="1">
+          <a:blip xmlns:r="http://schemas.openxmlformats.org/officeDocument/2006/relationships" r:embed="rId1">
+            <a:duotone>
+              <a:schemeClr val="phClr">
+                <a:shade val="55000"/>
+              </a:schemeClr>
+              <a:schemeClr val="phClr">
+                <a:tint val="97000"/>
+                <a:satMod val="95000"/>
+              </a:schemeClr>
+            </a:duotone>
+          </a:blip>
+          <a:tile tx="0" ty="0" sx="70000" sy="70000" flip="none" algn="tl"/>
+        </a:blipFill>
       </a:bgFillStyleLst>
     </a:fmtScheme>
   </a:themeElements>

--- a/mono/Defesa TCC - Gerador de Dashboards.pptx
+++ b/mono/Defesa TCC - Gerador de Dashboards.pptx
@@ -15,6 +15,15 @@
     <p:sldId id="263" r:id="rId9"/>
     <p:sldId id="264" r:id="rId10"/>
     <p:sldId id="265" r:id="rId11"/>
+    <p:sldId id="266" r:id="rId12"/>
+    <p:sldId id="267" r:id="rId13"/>
+    <p:sldId id="271" r:id="rId14"/>
+    <p:sldId id="272" r:id="rId15"/>
+    <p:sldId id="268" r:id="rId16"/>
+    <p:sldId id="270" r:id="rId17"/>
+    <p:sldId id="269" r:id="rId18"/>
+    <p:sldId id="273" r:id="rId19"/>
+    <p:sldId id="274" r:id="rId20"/>
   </p:sldIdLst>
   <p:sldSz cx="9144000" cy="6858000" type="screen4x3"/>
   <p:notesSz cx="6858000" cy="9144000"/>
@@ -304,7 +313,7 @@
           <a:p>
             <a:fld id="{2E700DB3-DBF0-4086-B675-117E7A9610B8}" type="datetimeFigureOut">
               <a:rPr lang="pt-BR" smtClean="0"/>
-              <a:t>25/02/2020</a:t>
+              <a:t>26/02/2020</a:t>
             </a:fld>
             <a:endParaRPr lang="pt-BR"/>
           </a:p>
@@ -504,7 +513,7 @@
           <a:p>
             <a:fld id="{2E700DB3-DBF0-4086-B675-117E7A9610B8}" type="datetimeFigureOut">
               <a:rPr lang="pt-BR" smtClean="0"/>
-              <a:t>25/02/2020</a:t>
+              <a:t>26/02/2020</a:t>
             </a:fld>
             <a:endParaRPr lang="pt-BR"/>
           </a:p>
@@ -679,7 +688,7 @@
           <a:p>
             <a:fld id="{2E700DB3-DBF0-4086-B675-117E7A9610B8}" type="datetimeFigureOut">
               <a:rPr lang="pt-BR" smtClean="0"/>
-              <a:t>25/02/2020</a:t>
+              <a:t>26/02/2020</a:t>
             </a:fld>
             <a:endParaRPr lang="pt-BR"/>
           </a:p>
@@ -844,7 +853,7 @@
           <a:p>
             <a:fld id="{2E700DB3-DBF0-4086-B675-117E7A9610B8}" type="datetimeFigureOut">
               <a:rPr lang="pt-BR" smtClean="0"/>
-              <a:t>25/02/2020</a:t>
+              <a:t>26/02/2020</a:t>
             </a:fld>
             <a:endParaRPr lang="pt-BR"/>
           </a:p>
@@ -1092,7 +1101,7 @@
           <a:p>
             <a:fld id="{2E700DB3-DBF0-4086-B675-117E7A9610B8}" type="datetimeFigureOut">
               <a:rPr lang="pt-BR" smtClean="0"/>
-              <a:t>25/02/2020</a:t>
+              <a:t>26/02/2020</a:t>
             </a:fld>
             <a:endParaRPr lang="pt-BR"/>
           </a:p>
@@ -1410,7 +1419,7 @@
           <a:p>
             <a:fld id="{2E700DB3-DBF0-4086-B675-117E7A9610B8}" type="datetimeFigureOut">
               <a:rPr lang="pt-BR" smtClean="0"/>
-              <a:t>25/02/2020</a:t>
+              <a:t>26/02/2020</a:t>
             </a:fld>
             <a:endParaRPr lang="pt-BR"/>
           </a:p>
@@ -1876,7 +1885,7 @@
           <a:p>
             <a:fld id="{2E700DB3-DBF0-4086-B675-117E7A9610B8}" type="datetimeFigureOut">
               <a:rPr lang="pt-BR" smtClean="0"/>
-              <a:t>25/02/2020</a:t>
+              <a:t>26/02/2020</a:t>
             </a:fld>
             <a:endParaRPr lang="pt-BR"/>
           </a:p>
@@ -2024,7 +2033,7 @@
           <a:p>
             <a:fld id="{2E700DB3-DBF0-4086-B675-117E7A9610B8}" type="datetimeFigureOut">
               <a:rPr lang="pt-BR" smtClean="0"/>
-              <a:t>25/02/2020</a:t>
+              <a:t>26/02/2020</a:t>
             </a:fld>
             <a:endParaRPr lang="pt-BR"/>
           </a:p>
@@ -2114,7 +2123,7 @@
           <a:p>
             <a:fld id="{2E700DB3-DBF0-4086-B675-117E7A9610B8}" type="datetimeFigureOut">
               <a:rPr lang="pt-BR" smtClean="0"/>
-              <a:t>25/02/2020</a:t>
+              <a:t>26/02/2020</a:t>
             </a:fld>
             <a:endParaRPr lang="pt-BR"/>
           </a:p>
@@ -2388,7 +2397,7 @@
           <a:p>
             <a:fld id="{2E700DB3-DBF0-4086-B675-117E7A9610B8}" type="datetimeFigureOut">
               <a:rPr lang="pt-BR" smtClean="0"/>
-              <a:t>25/02/2020</a:t>
+              <a:t>26/02/2020</a:t>
             </a:fld>
             <a:endParaRPr lang="pt-BR"/>
           </a:p>
@@ -2693,7 +2702,7 @@
           <a:p>
             <a:fld id="{2E700DB3-DBF0-4086-B675-117E7A9610B8}" type="datetimeFigureOut">
               <a:rPr lang="pt-BR" smtClean="0"/>
-              <a:t>25/02/2020</a:t>
+              <a:t>26/02/2020</a:t>
             </a:fld>
             <a:endParaRPr lang="pt-BR"/>
           </a:p>
@@ -2991,7 +3000,7 @@
           <a:p>
             <a:fld id="{2E700DB3-DBF0-4086-B675-117E7A9610B8}" type="datetimeFigureOut">
               <a:rPr lang="pt-BR" smtClean="0"/>
-              <a:t>25/02/2020</a:t>
+              <a:t>26/02/2020</a:t>
             </a:fld>
             <a:endParaRPr lang="pt-BR"/>
           </a:p>
@@ -4105,6 +4114,4058 @@
     <p:extLst>
       <p:ext uri="{BB962C8B-B14F-4D97-AF65-F5344CB8AC3E}">
         <p14:creationId xmlns:p14="http://schemas.microsoft.com/office/powerpoint/2010/main" val="35182471"/>
+      </p:ext>
+    </p:extLst>
+  </p:cSld>
+  <p:clrMapOvr>
+    <a:masterClrMapping/>
+  </p:clrMapOvr>
+  <p:timing>
+    <p:tnLst>
+      <p:par>
+        <p:cTn id="1" dur="indefinite" restart="never" nodeType="tmRoot">
+          <p:childTnLst>
+            <p:seq concurrent="1" nextAc="seek">
+              <p:cTn id="2" dur="indefinite" nodeType="mainSeq">
+                <p:childTnLst>
+                  <p:par>
+                    <p:cTn id="3" fill="hold">
+                      <p:stCondLst>
+                        <p:cond delay="indefinite"/>
+                      </p:stCondLst>
+                      <p:childTnLst>
+                        <p:par>
+                          <p:cTn id="4" fill="hold">
+                            <p:stCondLst>
+                              <p:cond delay="0"/>
+                            </p:stCondLst>
+                            <p:childTnLst>
+                              <p:par>
+                                <p:cTn id="5" presetID="10" presetClass="entr" presetSubtype="0" fill="hold" grpId="0" nodeType="clickEffect">
+                                  <p:stCondLst>
+                                    <p:cond delay="0"/>
+                                  </p:stCondLst>
+                                  <p:childTnLst>
+                                    <p:set>
+                                      <p:cBhvr>
+                                        <p:cTn id="6" dur="1" fill="hold">
+                                          <p:stCondLst>
+                                            <p:cond delay="0"/>
+                                          </p:stCondLst>
+                                        </p:cTn>
+                                        <p:tgtEl>
+                                          <p:spTgt spid="3">
+                                            <p:txEl>
+                                              <p:pRg st="0" end="0"/>
+                                            </p:txEl>
+                                          </p:spTgt>
+                                        </p:tgtEl>
+                                        <p:attrNameLst>
+                                          <p:attrName>style.visibility</p:attrName>
+                                        </p:attrNameLst>
+                                      </p:cBhvr>
+                                      <p:to>
+                                        <p:strVal val="visible"/>
+                                      </p:to>
+                                    </p:set>
+                                    <p:animEffect transition="in" filter="fade">
+                                      <p:cBhvr>
+                                        <p:cTn id="7" dur="500"/>
+                                        <p:tgtEl>
+                                          <p:spTgt spid="3">
+                                            <p:txEl>
+                                              <p:pRg st="0" end="0"/>
+                                            </p:txEl>
+                                          </p:spTgt>
+                                        </p:tgtEl>
+                                      </p:cBhvr>
+                                    </p:animEffect>
+                                  </p:childTnLst>
+                                </p:cTn>
+                              </p:par>
+                            </p:childTnLst>
+                          </p:cTn>
+                        </p:par>
+                      </p:childTnLst>
+                    </p:cTn>
+                  </p:par>
+                  <p:par>
+                    <p:cTn id="8" fill="hold">
+                      <p:stCondLst>
+                        <p:cond delay="indefinite"/>
+                      </p:stCondLst>
+                      <p:childTnLst>
+                        <p:par>
+                          <p:cTn id="9" fill="hold">
+                            <p:stCondLst>
+                              <p:cond delay="0"/>
+                            </p:stCondLst>
+                            <p:childTnLst>
+                              <p:par>
+                                <p:cTn id="10" presetID="10" presetClass="entr" presetSubtype="0" fill="hold" grpId="0" nodeType="clickEffect">
+                                  <p:stCondLst>
+                                    <p:cond delay="0"/>
+                                  </p:stCondLst>
+                                  <p:childTnLst>
+                                    <p:set>
+                                      <p:cBhvr>
+                                        <p:cTn id="11" dur="1" fill="hold">
+                                          <p:stCondLst>
+                                            <p:cond delay="0"/>
+                                          </p:stCondLst>
+                                        </p:cTn>
+                                        <p:tgtEl>
+                                          <p:spTgt spid="3">
+                                            <p:txEl>
+                                              <p:pRg st="1" end="1"/>
+                                            </p:txEl>
+                                          </p:spTgt>
+                                        </p:tgtEl>
+                                        <p:attrNameLst>
+                                          <p:attrName>style.visibility</p:attrName>
+                                        </p:attrNameLst>
+                                      </p:cBhvr>
+                                      <p:to>
+                                        <p:strVal val="visible"/>
+                                      </p:to>
+                                    </p:set>
+                                    <p:animEffect transition="in" filter="fade">
+                                      <p:cBhvr>
+                                        <p:cTn id="12" dur="500"/>
+                                        <p:tgtEl>
+                                          <p:spTgt spid="3">
+                                            <p:txEl>
+                                              <p:pRg st="1" end="1"/>
+                                            </p:txEl>
+                                          </p:spTgt>
+                                        </p:tgtEl>
+                                      </p:cBhvr>
+                                    </p:animEffect>
+                                  </p:childTnLst>
+                                </p:cTn>
+                              </p:par>
+                            </p:childTnLst>
+                          </p:cTn>
+                        </p:par>
+                      </p:childTnLst>
+                    </p:cTn>
+                  </p:par>
+                  <p:par>
+                    <p:cTn id="13" fill="hold">
+                      <p:stCondLst>
+                        <p:cond delay="indefinite"/>
+                      </p:stCondLst>
+                      <p:childTnLst>
+                        <p:par>
+                          <p:cTn id="14" fill="hold">
+                            <p:stCondLst>
+                              <p:cond delay="0"/>
+                            </p:stCondLst>
+                            <p:childTnLst>
+                              <p:par>
+                                <p:cTn id="15" presetID="10" presetClass="entr" presetSubtype="0" fill="hold" grpId="0" nodeType="clickEffect">
+                                  <p:stCondLst>
+                                    <p:cond delay="0"/>
+                                  </p:stCondLst>
+                                  <p:childTnLst>
+                                    <p:set>
+                                      <p:cBhvr>
+                                        <p:cTn id="16" dur="1" fill="hold">
+                                          <p:stCondLst>
+                                            <p:cond delay="0"/>
+                                          </p:stCondLst>
+                                        </p:cTn>
+                                        <p:tgtEl>
+                                          <p:spTgt spid="3">
+                                            <p:txEl>
+                                              <p:pRg st="2" end="2"/>
+                                            </p:txEl>
+                                          </p:spTgt>
+                                        </p:tgtEl>
+                                        <p:attrNameLst>
+                                          <p:attrName>style.visibility</p:attrName>
+                                        </p:attrNameLst>
+                                      </p:cBhvr>
+                                      <p:to>
+                                        <p:strVal val="visible"/>
+                                      </p:to>
+                                    </p:set>
+                                    <p:animEffect transition="in" filter="fade">
+                                      <p:cBhvr>
+                                        <p:cTn id="17" dur="500"/>
+                                        <p:tgtEl>
+                                          <p:spTgt spid="3">
+                                            <p:txEl>
+                                              <p:pRg st="2" end="2"/>
+                                            </p:txEl>
+                                          </p:spTgt>
+                                        </p:tgtEl>
+                                      </p:cBhvr>
+                                    </p:animEffect>
+                                  </p:childTnLst>
+                                </p:cTn>
+                              </p:par>
+                            </p:childTnLst>
+                          </p:cTn>
+                        </p:par>
+                      </p:childTnLst>
+                    </p:cTn>
+                  </p:par>
+                </p:childTnLst>
+              </p:cTn>
+              <p:prevCondLst>
+                <p:cond evt="onPrev" delay="0">
+                  <p:tgtEl>
+                    <p:sldTgt/>
+                  </p:tgtEl>
+                </p:cond>
+              </p:prevCondLst>
+              <p:nextCondLst>
+                <p:cond evt="onNext" delay="0">
+                  <p:tgtEl>
+                    <p:sldTgt/>
+                  </p:tgtEl>
+                </p:cond>
+              </p:nextCondLst>
+            </p:seq>
+          </p:childTnLst>
+        </p:cTn>
+      </p:par>
+    </p:tnLst>
+    <p:bldLst>
+      <p:bldP spid="3" grpId="0" build="p"/>
+    </p:bldLst>
+  </p:timing>
+</p:sld>
+</file>
+
+<file path=ppt/slides/slide11.xml><?xml version="1.0" encoding="utf-8"?>
+<p:sld xmlns:a="http://schemas.openxmlformats.org/drawingml/2006/main" xmlns:r="http://schemas.openxmlformats.org/officeDocument/2006/relationships" xmlns:p="http://schemas.openxmlformats.org/presentationml/2006/main">
+  <p:cSld>
+    <p:spTree>
+      <p:nvGrpSpPr>
+        <p:cNvPr id="1" name=""/>
+        <p:cNvGrpSpPr/>
+        <p:nvPr/>
+      </p:nvGrpSpPr>
+      <p:grpSpPr>
+        <a:xfrm>
+          <a:off x="0" y="0"/>
+          <a:ext cx="0" cy="0"/>
+          <a:chOff x="0" y="0"/>
+          <a:chExt cx="0" cy="0"/>
+        </a:xfrm>
+      </p:grpSpPr>
+      <p:sp>
+        <p:nvSpPr>
+          <p:cNvPr id="2" name="Título 1"/>
+          <p:cNvSpPr>
+            <a:spLocks noGrp="1"/>
+          </p:cNvSpPr>
+          <p:nvPr>
+            <p:ph type="title"/>
+          </p:nvPr>
+        </p:nvSpPr>
+        <p:spPr/>
+        <p:txBody>
+          <a:bodyPr>
+            <a:normAutofit fontScale="90000"/>
+          </a:bodyPr>
+          <a:lstStyle/>
+          <a:p>
+            <a:r>
+              <a:rPr lang="pt-BR" dirty="0" smtClean="0"/>
+              <a:t>Fundamentação Teórica</a:t>
+            </a:r>
+            <a:br>
+              <a:rPr lang="pt-BR" dirty="0" smtClean="0"/>
+            </a:br>
+            <a:r>
+              <a:rPr lang="pt-BR" sz="3600" dirty="0" smtClean="0"/>
+              <a:t>Reúso de Software – Geradores de Programas</a:t>
+            </a:r>
+            <a:endParaRPr lang="pt-BR" dirty="0"/>
+          </a:p>
+        </p:txBody>
+      </p:sp>
+      <p:sp>
+        <p:nvSpPr>
+          <p:cNvPr id="3" name="Espaço Reservado para Conteúdo 2"/>
+          <p:cNvSpPr>
+            <a:spLocks noGrp="1"/>
+          </p:cNvSpPr>
+          <p:nvPr>
+            <p:ph idx="1"/>
+          </p:nvPr>
+        </p:nvSpPr>
+        <p:spPr>
+          <a:xfrm>
+            <a:off x="457200" y="2132856"/>
+            <a:ext cx="8229600" cy="4344144"/>
+          </a:xfrm>
+        </p:spPr>
+        <p:txBody>
+          <a:bodyPr>
+            <a:normAutofit/>
+          </a:bodyPr>
+          <a:lstStyle/>
+          <a:p>
+            <a:pPr marL="0" indent="0">
+              <a:lnSpc>
+                <a:spcPct val="150000"/>
+              </a:lnSpc>
+              <a:buNone/>
+            </a:pPr>
+            <a:r>
+              <a:rPr lang="pt-BR" sz="2800" dirty="0" smtClean="0"/>
+              <a:t>Abordagem escolhida para geração do Dashboard</a:t>
+            </a:r>
+          </a:p>
+          <a:p>
+            <a:pPr>
+              <a:lnSpc>
+                <a:spcPct val="150000"/>
+              </a:lnSpc>
+            </a:pPr>
+            <a:r>
+              <a:rPr lang="pt-BR" sz="3200" b="1" dirty="0" smtClean="0"/>
+              <a:t>Programação generativa baseada em gabaritos</a:t>
+            </a:r>
+            <a:endParaRPr lang="pt-BR" sz="2800" b="1" dirty="0" smtClean="0"/>
+          </a:p>
+          <a:p>
+            <a:endParaRPr lang="pt-BR" dirty="0"/>
+          </a:p>
+        </p:txBody>
+      </p:sp>
+    </p:spTree>
+    <p:extLst>
+      <p:ext uri="{BB962C8B-B14F-4D97-AF65-F5344CB8AC3E}">
+        <p14:creationId xmlns:p14="http://schemas.microsoft.com/office/powerpoint/2010/main" val="3009619785"/>
+      </p:ext>
+    </p:extLst>
+  </p:cSld>
+  <p:clrMapOvr>
+    <a:masterClrMapping/>
+  </p:clrMapOvr>
+  <p:timing>
+    <p:tnLst>
+      <p:par>
+        <p:cTn id="1" dur="indefinite" restart="never" nodeType="tmRoot">
+          <p:childTnLst>
+            <p:seq concurrent="1" nextAc="seek">
+              <p:cTn id="2" dur="indefinite" nodeType="mainSeq">
+                <p:childTnLst>
+                  <p:par>
+                    <p:cTn id="3" fill="hold">
+                      <p:stCondLst>
+                        <p:cond delay="indefinite"/>
+                      </p:stCondLst>
+                      <p:childTnLst>
+                        <p:par>
+                          <p:cTn id="4" fill="hold">
+                            <p:stCondLst>
+                              <p:cond delay="0"/>
+                            </p:stCondLst>
+                            <p:childTnLst>
+                              <p:par>
+                                <p:cTn id="5" presetID="10" presetClass="entr" presetSubtype="0" fill="hold" grpId="0" nodeType="clickEffect">
+                                  <p:stCondLst>
+                                    <p:cond delay="0"/>
+                                  </p:stCondLst>
+                                  <p:childTnLst>
+                                    <p:set>
+                                      <p:cBhvr>
+                                        <p:cTn id="6" dur="1" fill="hold">
+                                          <p:stCondLst>
+                                            <p:cond delay="0"/>
+                                          </p:stCondLst>
+                                        </p:cTn>
+                                        <p:tgtEl>
+                                          <p:spTgt spid="3">
+                                            <p:txEl>
+                                              <p:pRg st="0" end="0"/>
+                                            </p:txEl>
+                                          </p:spTgt>
+                                        </p:tgtEl>
+                                        <p:attrNameLst>
+                                          <p:attrName>style.visibility</p:attrName>
+                                        </p:attrNameLst>
+                                      </p:cBhvr>
+                                      <p:to>
+                                        <p:strVal val="visible"/>
+                                      </p:to>
+                                    </p:set>
+                                    <p:animEffect transition="in" filter="fade">
+                                      <p:cBhvr>
+                                        <p:cTn id="7" dur="500"/>
+                                        <p:tgtEl>
+                                          <p:spTgt spid="3">
+                                            <p:txEl>
+                                              <p:pRg st="0" end="0"/>
+                                            </p:txEl>
+                                          </p:spTgt>
+                                        </p:tgtEl>
+                                      </p:cBhvr>
+                                    </p:animEffect>
+                                  </p:childTnLst>
+                                </p:cTn>
+                              </p:par>
+                            </p:childTnLst>
+                          </p:cTn>
+                        </p:par>
+                      </p:childTnLst>
+                    </p:cTn>
+                  </p:par>
+                  <p:par>
+                    <p:cTn id="8" fill="hold">
+                      <p:stCondLst>
+                        <p:cond delay="indefinite"/>
+                      </p:stCondLst>
+                      <p:childTnLst>
+                        <p:par>
+                          <p:cTn id="9" fill="hold">
+                            <p:stCondLst>
+                              <p:cond delay="0"/>
+                            </p:stCondLst>
+                            <p:childTnLst>
+                              <p:par>
+                                <p:cTn id="10" presetID="10" presetClass="entr" presetSubtype="0" fill="hold" grpId="0" nodeType="clickEffect">
+                                  <p:stCondLst>
+                                    <p:cond delay="0"/>
+                                  </p:stCondLst>
+                                  <p:childTnLst>
+                                    <p:set>
+                                      <p:cBhvr>
+                                        <p:cTn id="11" dur="1" fill="hold">
+                                          <p:stCondLst>
+                                            <p:cond delay="0"/>
+                                          </p:stCondLst>
+                                        </p:cTn>
+                                        <p:tgtEl>
+                                          <p:spTgt spid="3">
+                                            <p:txEl>
+                                              <p:pRg st="1" end="1"/>
+                                            </p:txEl>
+                                          </p:spTgt>
+                                        </p:tgtEl>
+                                        <p:attrNameLst>
+                                          <p:attrName>style.visibility</p:attrName>
+                                        </p:attrNameLst>
+                                      </p:cBhvr>
+                                      <p:to>
+                                        <p:strVal val="visible"/>
+                                      </p:to>
+                                    </p:set>
+                                    <p:animEffect transition="in" filter="fade">
+                                      <p:cBhvr>
+                                        <p:cTn id="12" dur="500"/>
+                                        <p:tgtEl>
+                                          <p:spTgt spid="3">
+                                            <p:txEl>
+                                              <p:pRg st="1" end="1"/>
+                                            </p:txEl>
+                                          </p:spTgt>
+                                        </p:tgtEl>
+                                      </p:cBhvr>
+                                    </p:animEffect>
+                                  </p:childTnLst>
+                                </p:cTn>
+                              </p:par>
+                            </p:childTnLst>
+                          </p:cTn>
+                        </p:par>
+                      </p:childTnLst>
+                    </p:cTn>
+                  </p:par>
+                </p:childTnLst>
+              </p:cTn>
+              <p:prevCondLst>
+                <p:cond evt="onPrev" delay="0">
+                  <p:tgtEl>
+                    <p:sldTgt/>
+                  </p:tgtEl>
+                </p:cond>
+              </p:prevCondLst>
+              <p:nextCondLst>
+                <p:cond evt="onNext" delay="0">
+                  <p:tgtEl>
+                    <p:sldTgt/>
+                  </p:tgtEl>
+                </p:cond>
+              </p:nextCondLst>
+            </p:seq>
+          </p:childTnLst>
+        </p:cTn>
+      </p:par>
+    </p:tnLst>
+    <p:bldLst>
+      <p:bldP spid="3" grpId="0" build="p"/>
+    </p:bldLst>
+  </p:timing>
+</p:sld>
+</file>
+
+<file path=ppt/slides/slide12.xml><?xml version="1.0" encoding="utf-8"?>
+<p:sld xmlns:a="http://schemas.openxmlformats.org/drawingml/2006/main" xmlns:r="http://schemas.openxmlformats.org/officeDocument/2006/relationships" xmlns:p="http://schemas.openxmlformats.org/presentationml/2006/main">
+  <p:cSld>
+    <p:spTree>
+      <p:nvGrpSpPr>
+        <p:cNvPr id="1" name=""/>
+        <p:cNvGrpSpPr/>
+        <p:nvPr/>
+      </p:nvGrpSpPr>
+      <p:grpSpPr>
+        <a:xfrm>
+          <a:off x="0" y="0"/>
+          <a:ext cx="0" cy="0"/>
+          <a:chOff x="0" y="0"/>
+          <a:chExt cx="0" cy="0"/>
+        </a:xfrm>
+      </p:grpSpPr>
+      <p:sp>
+        <p:nvSpPr>
+          <p:cNvPr id="2" name="Título 1"/>
+          <p:cNvSpPr>
+            <a:spLocks noGrp="1"/>
+          </p:cNvSpPr>
+          <p:nvPr>
+            <p:ph type="title"/>
+          </p:nvPr>
+        </p:nvSpPr>
+        <p:spPr/>
+        <p:txBody>
+          <a:bodyPr>
+            <a:normAutofit fontScale="90000"/>
+          </a:bodyPr>
+          <a:lstStyle/>
+          <a:p>
+            <a:r>
+              <a:rPr lang="pt-BR" dirty="0" smtClean="0"/>
+              <a:t>Fundamentação Teórica</a:t>
+            </a:r>
+            <a:br>
+              <a:rPr lang="pt-BR" dirty="0" smtClean="0"/>
+            </a:br>
+            <a:r>
+              <a:rPr lang="pt-BR" sz="3100" dirty="0" smtClean="0"/>
+              <a:t>Programação Generativa Baseada em Gabaritos</a:t>
+            </a:r>
+            <a:endParaRPr lang="pt-BR" dirty="0"/>
+          </a:p>
+        </p:txBody>
+      </p:sp>
+      <p:sp>
+        <p:nvSpPr>
+          <p:cNvPr id="3" name="Espaço Reservado para Conteúdo 2"/>
+          <p:cNvSpPr>
+            <a:spLocks noGrp="1"/>
+          </p:cNvSpPr>
+          <p:nvPr>
+            <p:ph idx="1"/>
+          </p:nvPr>
+        </p:nvSpPr>
+        <p:spPr>
+          <a:xfrm>
+            <a:off x="457200" y="2132856"/>
+            <a:ext cx="8229600" cy="4248472"/>
+          </a:xfrm>
+        </p:spPr>
+        <p:txBody>
+          <a:bodyPr>
+            <a:normAutofit/>
+          </a:bodyPr>
+          <a:lstStyle/>
+          <a:p>
+            <a:r>
+              <a:rPr lang="pt-BR" dirty="0"/>
+              <a:t>Gabaritos consistem em partes parcialmente prontas do produto, com marcações que são substituídas por parâmetros fornecidos ao gerador, que faz a composição, gerando o produto final concluído (LUCRÉDIO, 2009).</a:t>
+            </a:r>
+          </a:p>
+          <a:p>
+            <a:pPr marL="0" indent="0">
+              <a:buNone/>
+            </a:pPr>
+            <a:endParaRPr lang="pt-BR" dirty="0" smtClean="0"/>
+          </a:p>
+          <a:p>
+            <a:pPr marL="0" indent="0">
+              <a:buNone/>
+            </a:pPr>
+            <a:r>
+              <a:rPr lang="pt-BR" dirty="0" smtClean="0"/>
+              <a:t>Para aplicar a geração de código baseada em gabaritos, utilizamos </a:t>
+            </a:r>
+          </a:p>
+          <a:p>
+            <a:pPr marL="0" indent="0" algn="ctr">
+              <a:buNone/>
+            </a:pPr>
+            <a:r>
+              <a:rPr lang="pt-BR" sz="4000" dirty="0" smtClean="0"/>
+              <a:t>MOTORES DE GABARITOS (TEMPLATE ENGINES)</a:t>
+            </a:r>
+            <a:r>
+              <a:rPr lang="pt-BR" dirty="0" smtClean="0"/>
+              <a:t> </a:t>
+            </a:r>
+            <a:endParaRPr lang="pt-BR" dirty="0"/>
+          </a:p>
+        </p:txBody>
+      </p:sp>
+    </p:spTree>
+    <p:extLst>
+      <p:ext uri="{BB962C8B-B14F-4D97-AF65-F5344CB8AC3E}">
+        <p14:creationId xmlns:p14="http://schemas.microsoft.com/office/powerpoint/2010/main" val="3675531021"/>
+      </p:ext>
+    </p:extLst>
+  </p:cSld>
+  <p:clrMapOvr>
+    <a:masterClrMapping/>
+  </p:clrMapOvr>
+  <p:timing>
+    <p:tnLst>
+      <p:par>
+        <p:cTn id="1" dur="indefinite" restart="never" nodeType="tmRoot">
+          <p:childTnLst>
+            <p:seq concurrent="1" nextAc="seek">
+              <p:cTn id="2" dur="indefinite" nodeType="mainSeq">
+                <p:childTnLst>
+                  <p:par>
+                    <p:cTn id="3" fill="hold">
+                      <p:stCondLst>
+                        <p:cond delay="indefinite"/>
+                      </p:stCondLst>
+                      <p:childTnLst>
+                        <p:par>
+                          <p:cTn id="4" fill="hold">
+                            <p:stCondLst>
+                              <p:cond delay="0"/>
+                            </p:stCondLst>
+                            <p:childTnLst>
+                              <p:par>
+                                <p:cTn id="5" presetID="10" presetClass="entr" presetSubtype="0" fill="hold" grpId="0" nodeType="clickEffect">
+                                  <p:stCondLst>
+                                    <p:cond delay="0"/>
+                                  </p:stCondLst>
+                                  <p:childTnLst>
+                                    <p:set>
+                                      <p:cBhvr>
+                                        <p:cTn id="6" dur="1" fill="hold">
+                                          <p:stCondLst>
+                                            <p:cond delay="0"/>
+                                          </p:stCondLst>
+                                        </p:cTn>
+                                        <p:tgtEl>
+                                          <p:spTgt spid="3">
+                                            <p:txEl>
+                                              <p:pRg st="0" end="0"/>
+                                            </p:txEl>
+                                          </p:spTgt>
+                                        </p:tgtEl>
+                                        <p:attrNameLst>
+                                          <p:attrName>style.visibility</p:attrName>
+                                        </p:attrNameLst>
+                                      </p:cBhvr>
+                                      <p:to>
+                                        <p:strVal val="visible"/>
+                                      </p:to>
+                                    </p:set>
+                                    <p:animEffect transition="in" filter="fade">
+                                      <p:cBhvr>
+                                        <p:cTn id="7" dur="500"/>
+                                        <p:tgtEl>
+                                          <p:spTgt spid="3">
+                                            <p:txEl>
+                                              <p:pRg st="0" end="0"/>
+                                            </p:txEl>
+                                          </p:spTgt>
+                                        </p:tgtEl>
+                                      </p:cBhvr>
+                                    </p:animEffect>
+                                  </p:childTnLst>
+                                </p:cTn>
+                              </p:par>
+                            </p:childTnLst>
+                          </p:cTn>
+                        </p:par>
+                      </p:childTnLst>
+                    </p:cTn>
+                  </p:par>
+                  <p:par>
+                    <p:cTn id="8" fill="hold">
+                      <p:stCondLst>
+                        <p:cond delay="indefinite"/>
+                      </p:stCondLst>
+                      <p:childTnLst>
+                        <p:par>
+                          <p:cTn id="9" fill="hold">
+                            <p:stCondLst>
+                              <p:cond delay="0"/>
+                            </p:stCondLst>
+                            <p:childTnLst>
+                              <p:par>
+                                <p:cTn id="10" presetID="10" presetClass="entr" presetSubtype="0" fill="hold" grpId="0" nodeType="clickEffect">
+                                  <p:stCondLst>
+                                    <p:cond delay="0"/>
+                                  </p:stCondLst>
+                                  <p:childTnLst>
+                                    <p:set>
+                                      <p:cBhvr>
+                                        <p:cTn id="11" dur="1" fill="hold">
+                                          <p:stCondLst>
+                                            <p:cond delay="0"/>
+                                          </p:stCondLst>
+                                        </p:cTn>
+                                        <p:tgtEl>
+                                          <p:spTgt spid="3">
+                                            <p:txEl>
+                                              <p:pRg st="2" end="2"/>
+                                            </p:txEl>
+                                          </p:spTgt>
+                                        </p:tgtEl>
+                                        <p:attrNameLst>
+                                          <p:attrName>style.visibility</p:attrName>
+                                        </p:attrNameLst>
+                                      </p:cBhvr>
+                                      <p:to>
+                                        <p:strVal val="visible"/>
+                                      </p:to>
+                                    </p:set>
+                                    <p:animEffect transition="in" filter="fade">
+                                      <p:cBhvr>
+                                        <p:cTn id="12" dur="500"/>
+                                        <p:tgtEl>
+                                          <p:spTgt spid="3">
+                                            <p:txEl>
+                                              <p:pRg st="2" end="2"/>
+                                            </p:txEl>
+                                          </p:spTgt>
+                                        </p:tgtEl>
+                                      </p:cBhvr>
+                                    </p:animEffect>
+                                  </p:childTnLst>
+                                </p:cTn>
+                              </p:par>
+                            </p:childTnLst>
+                          </p:cTn>
+                        </p:par>
+                      </p:childTnLst>
+                    </p:cTn>
+                  </p:par>
+                  <p:par>
+                    <p:cTn id="13" fill="hold">
+                      <p:stCondLst>
+                        <p:cond delay="indefinite"/>
+                      </p:stCondLst>
+                      <p:childTnLst>
+                        <p:par>
+                          <p:cTn id="14" fill="hold">
+                            <p:stCondLst>
+                              <p:cond delay="0"/>
+                            </p:stCondLst>
+                            <p:childTnLst>
+                              <p:par>
+                                <p:cTn id="15" presetID="10" presetClass="entr" presetSubtype="0" fill="hold" grpId="0" nodeType="clickEffect">
+                                  <p:stCondLst>
+                                    <p:cond delay="0"/>
+                                  </p:stCondLst>
+                                  <p:childTnLst>
+                                    <p:set>
+                                      <p:cBhvr>
+                                        <p:cTn id="16" dur="1" fill="hold">
+                                          <p:stCondLst>
+                                            <p:cond delay="0"/>
+                                          </p:stCondLst>
+                                        </p:cTn>
+                                        <p:tgtEl>
+                                          <p:spTgt spid="3">
+                                            <p:txEl>
+                                              <p:pRg st="3" end="3"/>
+                                            </p:txEl>
+                                          </p:spTgt>
+                                        </p:tgtEl>
+                                        <p:attrNameLst>
+                                          <p:attrName>style.visibility</p:attrName>
+                                        </p:attrNameLst>
+                                      </p:cBhvr>
+                                      <p:to>
+                                        <p:strVal val="visible"/>
+                                      </p:to>
+                                    </p:set>
+                                    <p:animEffect transition="in" filter="fade">
+                                      <p:cBhvr>
+                                        <p:cTn id="17" dur="500"/>
+                                        <p:tgtEl>
+                                          <p:spTgt spid="3">
+                                            <p:txEl>
+                                              <p:pRg st="3" end="3"/>
+                                            </p:txEl>
+                                          </p:spTgt>
+                                        </p:tgtEl>
+                                      </p:cBhvr>
+                                    </p:animEffect>
+                                  </p:childTnLst>
+                                </p:cTn>
+                              </p:par>
+                            </p:childTnLst>
+                          </p:cTn>
+                        </p:par>
+                      </p:childTnLst>
+                    </p:cTn>
+                  </p:par>
+                </p:childTnLst>
+              </p:cTn>
+              <p:prevCondLst>
+                <p:cond evt="onPrev" delay="0">
+                  <p:tgtEl>
+                    <p:sldTgt/>
+                  </p:tgtEl>
+                </p:cond>
+              </p:prevCondLst>
+              <p:nextCondLst>
+                <p:cond evt="onNext" delay="0">
+                  <p:tgtEl>
+                    <p:sldTgt/>
+                  </p:tgtEl>
+                </p:cond>
+              </p:nextCondLst>
+            </p:seq>
+          </p:childTnLst>
+        </p:cTn>
+      </p:par>
+    </p:tnLst>
+    <p:bldLst>
+      <p:bldP spid="3" grpId="0" build="p"/>
+    </p:bldLst>
+  </p:timing>
+</p:sld>
+</file>
+
+<file path=ppt/slides/slide13.xml><?xml version="1.0" encoding="utf-8"?>
+<p:sld xmlns:a="http://schemas.openxmlformats.org/drawingml/2006/main" xmlns:r="http://schemas.openxmlformats.org/officeDocument/2006/relationships" xmlns:p="http://schemas.openxmlformats.org/presentationml/2006/main">
+  <p:cSld>
+    <p:spTree>
+      <p:nvGrpSpPr>
+        <p:cNvPr id="1" name=""/>
+        <p:cNvGrpSpPr/>
+        <p:nvPr/>
+      </p:nvGrpSpPr>
+      <p:grpSpPr>
+        <a:xfrm>
+          <a:off x="0" y="0"/>
+          <a:ext cx="0" cy="0"/>
+          <a:chOff x="0" y="0"/>
+          <a:chExt cx="0" cy="0"/>
+        </a:xfrm>
+      </p:grpSpPr>
+      <p:sp>
+        <p:nvSpPr>
+          <p:cNvPr id="2" name="Título 1"/>
+          <p:cNvSpPr>
+            <a:spLocks noGrp="1"/>
+          </p:cNvSpPr>
+          <p:nvPr>
+            <p:ph type="title"/>
+          </p:nvPr>
+        </p:nvSpPr>
+        <p:spPr/>
+        <p:txBody>
+          <a:bodyPr>
+            <a:normAutofit fontScale="90000"/>
+          </a:bodyPr>
+          <a:lstStyle/>
+          <a:p>
+            <a:r>
+              <a:rPr lang="pt-BR" dirty="0" smtClean="0"/>
+              <a:t>Fundamentação Teórica</a:t>
+            </a:r>
+            <a:br>
+              <a:rPr lang="pt-BR" dirty="0" smtClean="0"/>
+            </a:br>
+            <a:r>
+              <a:rPr lang="pt-BR" sz="3100" dirty="0" smtClean="0"/>
+              <a:t>Motores de Gabaritos</a:t>
+            </a:r>
+            <a:endParaRPr lang="pt-BR" dirty="0"/>
+          </a:p>
+        </p:txBody>
+      </p:sp>
+      <p:sp>
+        <p:nvSpPr>
+          <p:cNvPr id="3" name="Espaço Reservado para Conteúdo 2"/>
+          <p:cNvSpPr>
+            <a:spLocks noGrp="1"/>
+          </p:cNvSpPr>
+          <p:nvPr>
+            <p:ph idx="1"/>
+          </p:nvPr>
+        </p:nvSpPr>
+        <p:spPr>
+          <a:xfrm>
+            <a:off x="457200" y="2132856"/>
+            <a:ext cx="8229600" cy="2952328"/>
+          </a:xfrm>
+        </p:spPr>
+        <p:txBody>
+          <a:bodyPr>
+            <a:noAutofit/>
+          </a:bodyPr>
+          <a:lstStyle/>
+          <a:p>
+            <a:r>
+              <a:rPr lang="pt-BR" sz="3200" dirty="0"/>
+              <a:t>partes ou componentes de software que têm a função de combinar um ou mais gabaritos com um dado modelo de dados, gerando um ou mais artefatos de saída como resultado de seu processamento(WIKIPEDIA.ORG, 2020). </a:t>
+            </a:r>
+            <a:endParaRPr lang="pt-BR" sz="3200" dirty="0"/>
+          </a:p>
+        </p:txBody>
+      </p:sp>
+    </p:spTree>
+    <p:extLst>
+      <p:ext uri="{BB962C8B-B14F-4D97-AF65-F5344CB8AC3E}">
+        <p14:creationId xmlns:p14="http://schemas.microsoft.com/office/powerpoint/2010/main" val="1865845751"/>
+      </p:ext>
+    </p:extLst>
+  </p:cSld>
+  <p:clrMapOvr>
+    <a:masterClrMapping/>
+  </p:clrMapOvr>
+  <p:timing>
+    <p:tnLst>
+      <p:par>
+        <p:cTn id="1" dur="indefinite" restart="never" nodeType="tmRoot">
+          <p:childTnLst>
+            <p:seq concurrent="1" nextAc="seek">
+              <p:cTn id="2" dur="indefinite" nodeType="mainSeq">
+                <p:childTnLst>
+                  <p:par>
+                    <p:cTn id="3" fill="hold">
+                      <p:stCondLst>
+                        <p:cond delay="indefinite"/>
+                      </p:stCondLst>
+                      <p:childTnLst>
+                        <p:par>
+                          <p:cTn id="4" fill="hold">
+                            <p:stCondLst>
+                              <p:cond delay="0"/>
+                            </p:stCondLst>
+                            <p:childTnLst>
+                              <p:par>
+                                <p:cTn id="5" presetID="10" presetClass="entr" presetSubtype="0" fill="hold" grpId="0" nodeType="clickEffect">
+                                  <p:stCondLst>
+                                    <p:cond delay="0"/>
+                                  </p:stCondLst>
+                                  <p:childTnLst>
+                                    <p:set>
+                                      <p:cBhvr>
+                                        <p:cTn id="6" dur="1" fill="hold">
+                                          <p:stCondLst>
+                                            <p:cond delay="0"/>
+                                          </p:stCondLst>
+                                        </p:cTn>
+                                        <p:tgtEl>
+                                          <p:spTgt spid="3">
+                                            <p:txEl>
+                                              <p:pRg st="0" end="0"/>
+                                            </p:txEl>
+                                          </p:spTgt>
+                                        </p:tgtEl>
+                                        <p:attrNameLst>
+                                          <p:attrName>style.visibility</p:attrName>
+                                        </p:attrNameLst>
+                                      </p:cBhvr>
+                                      <p:to>
+                                        <p:strVal val="visible"/>
+                                      </p:to>
+                                    </p:set>
+                                    <p:animEffect transition="in" filter="fade">
+                                      <p:cBhvr>
+                                        <p:cTn id="7" dur="500"/>
+                                        <p:tgtEl>
+                                          <p:spTgt spid="3">
+                                            <p:txEl>
+                                              <p:pRg st="0" end="0"/>
+                                            </p:txEl>
+                                          </p:spTgt>
+                                        </p:tgtEl>
+                                      </p:cBhvr>
+                                    </p:animEffect>
+                                  </p:childTnLst>
+                                </p:cTn>
+                              </p:par>
+                            </p:childTnLst>
+                          </p:cTn>
+                        </p:par>
+                      </p:childTnLst>
+                    </p:cTn>
+                  </p:par>
+                </p:childTnLst>
+              </p:cTn>
+              <p:prevCondLst>
+                <p:cond evt="onPrev" delay="0">
+                  <p:tgtEl>
+                    <p:sldTgt/>
+                  </p:tgtEl>
+                </p:cond>
+              </p:prevCondLst>
+              <p:nextCondLst>
+                <p:cond evt="onNext" delay="0">
+                  <p:tgtEl>
+                    <p:sldTgt/>
+                  </p:tgtEl>
+                </p:cond>
+              </p:nextCondLst>
+            </p:seq>
+          </p:childTnLst>
+        </p:cTn>
+      </p:par>
+    </p:tnLst>
+    <p:bldLst>
+      <p:bldP spid="3" grpId="0" build="p"/>
+    </p:bldLst>
+  </p:timing>
+</p:sld>
+</file>
+
+<file path=ppt/slides/slide14.xml><?xml version="1.0" encoding="utf-8"?>
+<p:sld xmlns:a="http://schemas.openxmlformats.org/drawingml/2006/main" xmlns:r="http://schemas.openxmlformats.org/officeDocument/2006/relationships" xmlns:p="http://schemas.openxmlformats.org/presentationml/2006/main">
+  <p:cSld>
+    <p:spTree>
+      <p:nvGrpSpPr>
+        <p:cNvPr id="1" name=""/>
+        <p:cNvGrpSpPr/>
+        <p:nvPr/>
+      </p:nvGrpSpPr>
+      <p:grpSpPr>
+        <a:xfrm>
+          <a:off x="0" y="0"/>
+          <a:ext cx="0" cy="0"/>
+          <a:chOff x="0" y="0"/>
+          <a:chExt cx="0" cy="0"/>
+        </a:xfrm>
+      </p:grpSpPr>
+      <p:sp>
+        <p:nvSpPr>
+          <p:cNvPr id="2" name="Título 1"/>
+          <p:cNvSpPr>
+            <a:spLocks noGrp="1"/>
+          </p:cNvSpPr>
+          <p:nvPr>
+            <p:ph type="title"/>
+          </p:nvPr>
+        </p:nvSpPr>
+        <p:spPr/>
+        <p:txBody>
+          <a:bodyPr>
+            <a:normAutofit fontScale="90000"/>
+          </a:bodyPr>
+          <a:lstStyle/>
+          <a:p>
+            <a:r>
+              <a:rPr lang="pt-BR" dirty="0" smtClean="0"/>
+              <a:t>Fundamentação Teórica</a:t>
+            </a:r>
+            <a:br>
+              <a:rPr lang="pt-BR" dirty="0" smtClean="0"/>
+            </a:br>
+            <a:r>
+              <a:rPr lang="pt-BR" sz="3100" dirty="0" smtClean="0"/>
+              <a:t>Motores de Gabaritos</a:t>
+            </a:r>
+            <a:endParaRPr lang="pt-BR" dirty="0"/>
+          </a:p>
+        </p:txBody>
+      </p:sp>
+      <p:sp>
+        <p:nvSpPr>
+          <p:cNvPr id="3" name="Espaço Reservado para Conteúdo 2"/>
+          <p:cNvSpPr>
+            <a:spLocks noGrp="1"/>
+          </p:cNvSpPr>
+          <p:nvPr>
+            <p:ph idx="1"/>
+          </p:nvPr>
+        </p:nvSpPr>
+        <p:spPr>
+          <a:xfrm>
+            <a:off x="457200" y="2636912"/>
+            <a:ext cx="8229600" cy="2448272"/>
+          </a:xfrm>
+        </p:spPr>
+        <p:txBody>
+          <a:bodyPr>
+            <a:noAutofit/>
+          </a:bodyPr>
+          <a:lstStyle/>
+          <a:p>
+            <a:r>
+              <a:rPr lang="pt-BR" sz="2800" dirty="0" smtClean="0"/>
+              <a:t>Um modelo de dados associado</a:t>
+            </a:r>
+          </a:p>
+          <a:p>
+            <a:r>
+              <a:rPr lang="pt-BR" sz="2800" dirty="0" smtClean="0"/>
+              <a:t>Um ou mais gabaritos fonte</a:t>
+            </a:r>
+          </a:p>
+          <a:p>
+            <a:r>
+              <a:rPr lang="pt-BR" sz="2800" dirty="0" smtClean="0"/>
+              <a:t>Um processador ou motor de gabaritos</a:t>
+            </a:r>
+          </a:p>
+          <a:p>
+            <a:r>
+              <a:rPr lang="pt-BR" sz="2800" dirty="0" smtClean="0"/>
+              <a:t>Documento final gerado(WIKIPEDIA.ORG</a:t>
+            </a:r>
+            <a:r>
+              <a:rPr lang="pt-BR" sz="2800" dirty="0"/>
+              <a:t>, 2020). </a:t>
+            </a:r>
+            <a:endParaRPr lang="pt-BR" sz="2800" dirty="0"/>
+          </a:p>
+        </p:txBody>
+      </p:sp>
+      <p:sp>
+        <p:nvSpPr>
+          <p:cNvPr id="4" name="CaixaDeTexto 3"/>
+          <p:cNvSpPr txBox="1"/>
+          <p:nvPr/>
+        </p:nvSpPr>
+        <p:spPr>
+          <a:xfrm>
+            <a:off x="251520" y="1628800"/>
+            <a:ext cx="6702476" cy="523220"/>
+          </a:xfrm>
+          <a:prstGeom prst="rect">
+            <a:avLst/>
+          </a:prstGeom>
+          <a:noFill/>
+        </p:spPr>
+        <p:txBody>
+          <a:bodyPr wrap="none" rtlCol="0">
+            <a:spAutoFit/>
+          </a:bodyPr>
+          <a:lstStyle/>
+          <a:p>
+            <a:r>
+              <a:rPr lang="pt-BR" sz="2800" dirty="0" smtClean="0"/>
+              <a:t>Sistema de processamento de Gabaritos</a:t>
+            </a:r>
+            <a:endParaRPr lang="pt-BR" sz="2800" dirty="0"/>
+          </a:p>
+        </p:txBody>
+      </p:sp>
+    </p:spTree>
+    <p:extLst>
+      <p:ext uri="{BB962C8B-B14F-4D97-AF65-F5344CB8AC3E}">
+        <p14:creationId xmlns:p14="http://schemas.microsoft.com/office/powerpoint/2010/main" val="2848151579"/>
+      </p:ext>
+    </p:extLst>
+  </p:cSld>
+  <p:clrMapOvr>
+    <a:masterClrMapping/>
+  </p:clrMapOvr>
+  <p:timing>
+    <p:tnLst>
+      <p:par>
+        <p:cTn id="1" dur="indefinite" restart="never" nodeType="tmRoot">
+          <p:childTnLst>
+            <p:seq concurrent="1" nextAc="seek">
+              <p:cTn id="2" dur="indefinite" nodeType="mainSeq">
+                <p:childTnLst>
+                  <p:par>
+                    <p:cTn id="3" fill="hold">
+                      <p:stCondLst>
+                        <p:cond delay="indefinite"/>
+                      </p:stCondLst>
+                      <p:childTnLst>
+                        <p:par>
+                          <p:cTn id="4" fill="hold">
+                            <p:stCondLst>
+                              <p:cond delay="0"/>
+                            </p:stCondLst>
+                            <p:childTnLst>
+                              <p:par>
+                                <p:cTn id="5" presetID="10" presetClass="entr" presetSubtype="0" fill="hold" grpId="0" nodeType="clickEffect">
+                                  <p:stCondLst>
+                                    <p:cond delay="0"/>
+                                  </p:stCondLst>
+                                  <p:childTnLst>
+                                    <p:set>
+                                      <p:cBhvr>
+                                        <p:cTn id="6" dur="1" fill="hold">
+                                          <p:stCondLst>
+                                            <p:cond delay="0"/>
+                                          </p:stCondLst>
+                                        </p:cTn>
+                                        <p:tgtEl>
+                                          <p:spTgt spid="3">
+                                            <p:txEl>
+                                              <p:pRg st="0" end="0"/>
+                                            </p:txEl>
+                                          </p:spTgt>
+                                        </p:tgtEl>
+                                        <p:attrNameLst>
+                                          <p:attrName>style.visibility</p:attrName>
+                                        </p:attrNameLst>
+                                      </p:cBhvr>
+                                      <p:to>
+                                        <p:strVal val="visible"/>
+                                      </p:to>
+                                    </p:set>
+                                    <p:animEffect transition="in" filter="fade">
+                                      <p:cBhvr>
+                                        <p:cTn id="7" dur="500"/>
+                                        <p:tgtEl>
+                                          <p:spTgt spid="3">
+                                            <p:txEl>
+                                              <p:pRg st="0" end="0"/>
+                                            </p:txEl>
+                                          </p:spTgt>
+                                        </p:tgtEl>
+                                      </p:cBhvr>
+                                    </p:animEffect>
+                                  </p:childTnLst>
+                                </p:cTn>
+                              </p:par>
+                            </p:childTnLst>
+                          </p:cTn>
+                        </p:par>
+                      </p:childTnLst>
+                    </p:cTn>
+                  </p:par>
+                  <p:par>
+                    <p:cTn id="8" fill="hold">
+                      <p:stCondLst>
+                        <p:cond delay="indefinite"/>
+                      </p:stCondLst>
+                      <p:childTnLst>
+                        <p:par>
+                          <p:cTn id="9" fill="hold">
+                            <p:stCondLst>
+                              <p:cond delay="0"/>
+                            </p:stCondLst>
+                            <p:childTnLst>
+                              <p:par>
+                                <p:cTn id="10" presetID="10" presetClass="entr" presetSubtype="0" fill="hold" grpId="0" nodeType="clickEffect">
+                                  <p:stCondLst>
+                                    <p:cond delay="0"/>
+                                  </p:stCondLst>
+                                  <p:childTnLst>
+                                    <p:set>
+                                      <p:cBhvr>
+                                        <p:cTn id="11" dur="1" fill="hold">
+                                          <p:stCondLst>
+                                            <p:cond delay="0"/>
+                                          </p:stCondLst>
+                                        </p:cTn>
+                                        <p:tgtEl>
+                                          <p:spTgt spid="3">
+                                            <p:txEl>
+                                              <p:pRg st="1" end="1"/>
+                                            </p:txEl>
+                                          </p:spTgt>
+                                        </p:tgtEl>
+                                        <p:attrNameLst>
+                                          <p:attrName>style.visibility</p:attrName>
+                                        </p:attrNameLst>
+                                      </p:cBhvr>
+                                      <p:to>
+                                        <p:strVal val="visible"/>
+                                      </p:to>
+                                    </p:set>
+                                    <p:animEffect transition="in" filter="fade">
+                                      <p:cBhvr>
+                                        <p:cTn id="12" dur="500"/>
+                                        <p:tgtEl>
+                                          <p:spTgt spid="3">
+                                            <p:txEl>
+                                              <p:pRg st="1" end="1"/>
+                                            </p:txEl>
+                                          </p:spTgt>
+                                        </p:tgtEl>
+                                      </p:cBhvr>
+                                    </p:animEffect>
+                                  </p:childTnLst>
+                                </p:cTn>
+                              </p:par>
+                            </p:childTnLst>
+                          </p:cTn>
+                        </p:par>
+                      </p:childTnLst>
+                    </p:cTn>
+                  </p:par>
+                  <p:par>
+                    <p:cTn id="13" fill="hold">
+                      <p:stCondLst>
+                        <p:cond delay="indefinite"/>
+                      </p:stCondLst>
+                      <p:childTnLst>
+                        <p:par>
+                          <p:cTn id="14" fill="hold">
+                            <p:stCondLst>
+                              <p:cond delay="0"/>
+                            </p:stCondLst>
+                            <p:childTnLst>
+                              <p:par>
+                                <p:cTn id="15" presetID="10" presetClass="entr" presetSubtype="0" fill="hold" grpId="0" nodeType="clickEffect">
+                                  <p:stCondLst>
+                                    <p:cond delay="0"/>
+                                  </p:stCondLst>
+                                  <p:childTnLst>
+                                    <p:set>
+                                      <p:cBhvr>
+                                        <p:cTn id="16" dur="1" fill="hold">
+                                          <p:stCondLst>
+                                            <p:cond delay="0"/>
+                                          </p:stCondLst>
+                                        </p:cTn>
+                                        <p:tgtEl>
+                                          <p:spTgt spid="3">
+                                            <p:txEl>
+                                              <p:pRg st="2" end="2"/>
+                                            </p:txEl>
+                                          </p:spTgt>
+                                        </p:tgtEl>
+                                        <p:attrNameLst>
+                                          <p:attrName>style.visibility</p:attrName>
+                                        </p:attrNameLst>
+                                      </p:cBhvr>
+                                      <p:to>
+                                        <p:strVal val="visible"/>
+                                      </p:to>
+                                    </p:set>
+                                    <p:animEffect transition="in" filter="fade">
+                                      <p:cBhvr>
+                                        <p:cTn id="17" dur="500"/>
+                                        <p:tgtEl>
+                                          <p:spTgt spid="3">
+                                            <p:txEl>
+                                              <p:pRg st="2" end="2"/>
+                                            </p:txEl>
+                                          </p:spTgt>
+                                        </p:tgtEl>
+                                      </p:cBhvr>
+                                    </p:animEffect>
+                                  </p:childTnLst>
+                                </p:cTn>
+                              </p:par>
+                            </p:childTnLst>
+                          </p:cTn>
+                        </p:par>
+                      </p:childTnLst>
+                    </p:cTn>
+                  </p:par>
+                  <p:par>
+                    <p:cTn id="18" fill="hold">
+                      <p:stCondLst>
+                        <p:cond delay="indefinite"/>
+                      </p:stCondLst>
+                      <p:childTnLst>
+                        <p:par>
+                          <p:cTn id="19" fill="hold">
+                            <p:stCondLst>
+                              <p:cond delay="0"/>
+                            </p:stCondLst>
+                            <p:childTnLst>
+                              <p:par>
+                                <p:cTn id="20" presetID="10" presetClass="entr" presetSubtype="0" fill="hold" grpId="0" nodeType="clickEffect">
+                                  <p:stCondLst>
+                                    <p:cond delay="0"/>
+                                  </p:stCondLst>
+                                  <p:childTnLst>
+                                    <p:set>
+                                      <p:cBhvr>
+                                        <p:cTn id="21" dur="1" fill="hold">
+                                          <p:stCondLst>
+                                            <p:cond delay="0"/>
+                                          </p:stCondLst>
+                                        </p:cTn>
+                                        <p:tgtEl>
+                                          <p:spTgt spid="3">
+                                            <p:txEl>
+                                              <p:pRg st="3" end="3"/>
+                                            </p:txEl>
+                                          </p:spTgt>
+                                        </p:tgtEl>
+                                        <p:attrNameLst>
+                                          <p:attrName>style.visibility</p:attrName>
+                                        </p:attrNameLst>
+                                      </p:cBhvr>
+                                      <p:to>
+                                        <p:strVal val="visible"/>
+                                      </p:to>
+                                    </p:set>
+                                    <p:animEffect transition="in" filter="fade">
+                                      <p:cBhvr>
+                                        <p:cTn id="22" dur="500"/>
+                                        <p:tgtEl>
+                                          <p:spTgt spid="3">
+                                            <p:txEl>
+                                              <p:pRg st="3" end="3"/>
+                                            </p:txEl>
+                                          </p:spTgt>
+                                        </p:tgtEl>
+                                      </p:cBhvr>
+                                    </p:animEffect>
+                                  </p:childTnLst>
+                                </p:cTn>
+                              </p:par>
+                            </p:childTnLst>
+                          </p:cTn>
+                        </p:par>
+                      </p:childTnLst>
+                    </p:cTn>
+                  </p:par>
+                </p:childTnLst>
+              </p:cTn>
+              <p:prevCondLst>
+                <p:cond evt="onPrev" delay="0">
+                  <p:tgtEl>
+                    <p:sldTgt/>
+                  </p:tgtEl>
+                </p:cond>
+              </p:prevCondLst>
+              <p:nextCondLst>
+                <p:cond evt="onNext" delay="0">
+                  <p:tgtEl>
+                    <p:sldTgt/>
+                  </p:tgtEl>
+                </p:cond>
+              </p:nextCondLst>
+            </p:seq>
+          </p:childTnLst>
+        </p:cTn>
+      </p:par>
+    </p:tnLst>
+    <p:bldLst>
+      <p:bldP spid="3" grpId="0" build="p"/>
+    </p:bldLst>
+  </p:timing>
+</p:sld>
+</file>
+
+<file path=ppt/slides/slide15.xml><?xml version="1.0" encoding="utf-8"?>
+<p:sld xmlns:a="http://schemas.openxmlformats.org/drawingml/2006/main" xmlns:r="http://schemas.openxmlformats.org/officeDocument/2006/relationships" xmlns:p="http://schemas.openxmlformats.org/presentationml/2006/main">
+  <p:cSld>
+    <p:spTree>
+      <p:nvGrpSpPr>
+        <p:cNvPr id="1" name=""/>
+        <p:cNvGrpSpPr/>
+        <p:nvPr/>
+      </p:nvGrpSpPr>
+      <p:grpSpPr>
+        <a:xfrm>
+          <a:off x="0" y="0"/>
+          <a:ext cx="0" cy="0"/>
+          <a:chOff x="0" y="0"/>
+          <a:chExt cx="0" cy="0"/>
+        </a:xfrm>
+      </p:grpSpPr>
+      <p:sp>
+        <p:nvSpPr>
+          <p:cNvPr id="2" name="Título 1"/>
+          <p:cNvSpPr>
+            <a:spLocks noGrp="1"/>
+          </p:cNvSpPr>
+          <p:nvPr>
+            <p:ph type="title"/>
+          </p:nvPr>
+        </p:nvSpPr>
+        <p:spPr/>
+        <p:txBody>
+          <a:bodyPr>
+            <a:normAutofit fontScale="90000"/>
+          </a:bodyPr>
+          <a:lstStyle/>
+          <a:p>
+            <a:r>
+              <a:rPr lang="pt-BR" dirty="0" smtClean="0"/>
+              <a:t>Fundamentação Teórica</a:t>
+            </a:r>
+            <a:br>
+              <a:rPr lang="pt-BR" dirty="0" smtClean="0"/>
+            </a:br>
+            <a:r>
+              <a:rPr lang="pt-BR" sz="3100" dirty="0" smtClean="0"/>
+              <a:t>Motores de Gabaritos</a:t>
+            </a:r>
+            <a:endParaRPr lang="pt-BR" dirty="0"/>
+          </a:p>
+        </p:txBody>
+      </p:sp>
+      <p:sp>
+        <p:nvSpPr>
+          <p:cNvPr id="5" name="CaixaDeTexto 4"/>
+          <p:cNvSpPr txBox="1"/>
+          <p:nvPr/>
+        </p:nvSpPr>
+        <p:spPr>
+          <a:xfrm>
+            <a:off x="467544" y="2622313"/>
+            <a:ext cx="8280920" cy="2800767"/>
+          </a:xfrm>
+          <a:prstGeom prst="rect">
+            <a:avLst/>
+          </a:prstGeom>
+          <a:noFill/>
+        </p:spPr>
+        <p:txBody>
+          <a:bodyPr wrap="square" rtlCol="0">
+            <a:spAutoFit/>
+          </a:bodyPr>
+          <a:lstStyle/>
+          <a:p>
+            <a:r>
+              <a:rPr lang="pt-BR" sz="1600" b="1" dirty="0">
+                <a:latin typeface="Consolas" panose="020B0609020204030204" pitchFamily="49" charset="0"/>
+              </a:rPr>
+              <a:t>&lt;#</a:t>
+            </a:r>
+            <a:r>
+              <a:rPr lang="pt-BR" sz="1600" b="1" dirty="0" err="1">
+                <a:latin typeface="Consolas" panose="020B0609020204030204" pitchFamily="49" charset="0"/>
+              </a:rPr>
+              <a:t>list</a:t>
+            </a:r>
+            <a:r>
+              <a:rPr lang="pt-BR" sz="1600" b="1" dirty="0">
+                <a:latin typeface="Consolas" panose="020B0609020204030204" pitchFamily="49" charset="0"/>
+              </a:rPr>
+              <a:t> </a:t>
+            </a:r>
+            <a:r>
+              <a:rPr lang="pt-BR" sz="1600" b="1" dirty="0" err="1">
+                <a:latin typeface="Consolas" panose="020B0609020204030204" pitchFamily="49" charset="0"/>
+              </a:rPr>
+              <a:t>graficos</a:t>
+            </a:r>
+            <a:r>
+              <a:rPr lang="pt-BR" sz="1600" b="1" dirty="0">
+                <a:latin typeface="Consolas" panose="020B0609020204030204" pitchFamily="49" charset="0"/>
+              </a:rPr>
+              <a:t> as </a:t>
+            </a:r>
+            <a:r>
+              <a:rPr lang="pt-BR" sz="1600" b="1" dirty="0" err="1">
+                <a:latin typeface="Consolas" panose="020B0609020204030204" pitchFamily="49" charset="0"/>
+              </a:rPr>
+              <a:t>grafico</a:t>
+            </a:r>
+            <a:r>
+              <a:rPr lang="pt-BR" sz="1600" b="1" dirty="0">
+                <a:latin typeface="Consolas" panose="020B0609020204030204" pitchFamily="49" charset="0"/>
+              </a:rPr>
+              <a:t>&gt;            </a:t>
+            </a:r>
+            <a:endParaRPr lang="pt-BR" sz="1600" b="1" dirty="0" smtClean="0">
+              <a:latin typeface="Consolas" panose="020B0609020204030204" pitchFamily="49" charset="0"/>
+            </a:endParaRPr>
+          </a:p>
+          <a:p>
+            <a:r>
+              <a:rPr lang="pt-BR" sz="1600" dirty="0" smtClean="0">
+                <a:latin typeface="Consolas" panose="020B0609020204030204" pitchFamily="49" charset="0"/>
+              </a:rPr>
+              <a:t>&lt;</a:t>
+            </a:r>
+            <a:r>
+              <a:rPr lang="pt-BR" sz="1600" dirty="0" err="1">
+                <a:latin typeface="Consolas" panose="020B0609020204030204" pitchFamily="49" charset="0"/>
+              </a:rPr>
+              <a:t>div</a:t>
+            </a:r>
+            <a:r>
+              <a:rPr lang="pt-BR" sz="1600" dirty="0">
+                <a:latin typeface="Consolas" panose="020B0609020204030204" pitchFamily="49" charset="0"/>
+              </a:rPr>
+              <a:t> id="</a:t>
+            </a:r>
+            <a:r>
+              <a:rPr lang="pt-BR" sz="1600" dirty="0" err="1">
+                <a:latin typeface="Consolas" panose="020B0609020204030204" pitchFamily="49" charset="0"/>
+              </a:rPr>
+              <a:t>grafico</a:t>
+            </a:r>
+            <a:r>
+              <a:rPr lang="pt-BR" sz="1600" b="1" dirty="0">
+                <a:latin typeface="Consolas" panose="020B0609020204030204" pitchFamily="49" charset="0"/>
+              </a:rPr>
+              <a:t>${</a:t>
+            </a:r>
+            <a:r>
+              <a:rPr lang="pt-BR" sz="1600" b="1" dirty="0" err="1">
+                <a:latin typeface="Consolas" panose="020B0609020204030204" pitchFamily="49" charset="0"/>
+              </a:rPr>
+              <a:t>grafico_index</a:t>
+            </a:r>
+            <a:r>
+              <a:rPr lang="pt-BR" sz="1600" b="1" dirty="0">
+                <a:latin typeface="Consolas" panose="020B0609020204030204" pitchFamily="49" charset="0"/>
+              </a:rPr>
+              <a:t> +1}</a:t>
+            </a:r>
+            <a:r>
+              <a:rPr lang="pt-BR" sz="1600" dirty="0">
+                <a:latin typeface="Consolas" panose="020B0609020204030204" pitchFamily="49" charset="0"/>
+              </a:rPr>
+              <a:t>"</a:t>
+            </a:r>
+            <a:r>
+              <a:rPr lang="pt-BR" sz="1600" b="1" dirty="0">
+                <a:latin typeface="Consolas" panose="020B0609020204030204" pitchFamily="49" charset="0"/>
+              </a:rPr>
+              <a:t> </a:t>
+            </a:r>
+            <a:r>
+              <a:rPr lang="pt-BR" sz="1600" dirty="0" err="1">
+                <a:latin typeface="Consolas" panose="020B0609020204030204" pitchFamily="49" charset="0"/>
+              </a:rPr>
+              <a:t>class</a:t>
+            </a:r>
+            <a:r>
+              <a:rPr lang="pt-BR" sz="1600" dirty="0">
+                <a:latin typeface="Consolas" panose="020B0609020204030204" pitchFamily="49" charset="0"/>
+              </a:rPr>
+              <a:t>='col-xs-12 col-md-12 col-lg-4</a:t>
+            </a:r>
+            <a:r>
+              <a:rPr lang="pt-BR" sz="1600" dirty="0" smtClean="0">
+                <a:latin typeface="Consolas" panose="020B0609020204030204" pitchFamily="49" charset="0"/>
+              </a:rPr>
+              <a:t>'&gt;</a:t>
+            </a:r>
+          </a:p>
+          <a:p>
+            <a:r>
+              <a:rPr lang="pt-BR" sz="1600" dirty="0">
+                <a:latin typeface="Consolas" panose="020B0609020204030204" pitchFamily="49" charset="0"/>
+              </a:rPr>
+              <a:t> </a:t>
+            </a:r>
+            <a:r>
+              <a:rPr lang="pt-BR" sz="1600" dirty="0" smtClean="0">
+                <a:latin typeface="Consolas" panose="020B0609020204030204" pitchFamily="49" charset="0"/>
+              </a:rPr>
+              <a:t>     &lt;</a:t>
+            </a:r>
+            <a:r>
+              <a:rPr lang="pt-BR" sz="1600" dirty="0" err="1">
+                <a:latin typeface="Consolas" panose="020B0609020204030204" pitchFamily="49" charset="0"/>
+              </a:rPr>
+              <a:t>strong</a:t>
+            </a:r>
+            <a:r>
+              <a:rPr lang="pt-BR" sz="1600" dirty="0">
+                <a:latin typeface="Consolas" panose="020B0609020204030204" pitchFamily="49" charset="0"/>
+              </a:rPr>
+              <a:t>&gt;</a:t>
+            </a:r>
+            <a:r>
+              <a:rPr lang="pt-BR" sz="1600" b="1" dirty="0">
+                <a:latin typeface="Consolas" panose="020B0609020204030204" pitchFamily="49" charset="0"/>
+              </a:rPr>
+              <a:t>${</a:t>
+            </a:r>
+            <a:r>
+              <a:rPr lang="pt-BR" sz="1600" b="1" dirty="0" err="1">
+                <a:latin typeface="Consolas" panose="020B0609020204030204" pitchFamily="49" charset="0"/>
+              </a:rPr>
+              <a:t>grafico.nome</a:t>
+            </a:r>
+            <a:r>
+              <a:rPr lang="pt-BR" sz="1600" b="1" dirty="0">
+                <a:latin typeface="Consolas" panose="020B0609020204030204" pitchFamily="49" charset="0"/>
+              </a:rPr>
+              <a:t>}</a:t>
+            </a:r>
+            <a:r>
+              <a:rPr lang="pt-BR" sz="1600" dirty="0">
+                <a:latin typeface="Consolas" panose="020B0609020204030204" pitchFamily="49" charset="0"/>
+              </a:rPr>
+              <a:t>&lt;/</a:t>
+            </a:r>
+            <a:r>
+              <a:rPr lang="pt-BR" sz="1600" dirty="0" err="1">
+                <a:latin typeface="Consolas" panose="020B0609020204030204" pitchFamily="49" charset="0"/>
+              </a:rPr>
+              <a:t>strong</a:t>
+            </a:r>
+            <a:r>
+              <a:rPr lang="pt-BR" sz="1600" dirty="0" smtClean="0">
+                <a:latin typeface="Consolas" panose="020B0609020204030204" pitchFamily="49" charset="0"/>
+              </a:rPr>
+              <a:t>&gt;</a:t>
+            </a:r>
+          </a:p>
+          <a:p>
+            <a:r>
+              <a:rPr lang="pt-BR" sz="1600" dirty="0" smtClean="0">
+                <a:latin typeface="Consolas" panose="020B0609020204030204" pitchFamily="49" charset="0"/>
+              </a:rPr>
+              <a:t>      &lt;</a:t>
+            </a:r>
+            <a:r>
+              <a:rPr lang="pt-BR" sz="1600" dirty="0" err="1">
+                <a:latin typeface="Consolas" panose="020B0609020204030204" pitchFamily="49" charset="0"/>
+              </a:rPr>
+              <a:t>span</a:t>
+            </a:r>
+            <a:r>
+              <a:rPr lang="pt-BR" sz="1600" dirty="0">
+                <a:latin typeface="Consolas" panose="020B0609020204030204" pitchFamily="49" charset="0"/>
+              </a:rPr>
+              <a:t> </a:t>
+            </a:r>
+            <a:r>
+              <a:rPr lang="pt-BR" sz="1600" dirty="0" err="1">
+                <a:latin typeface="Consolas" panose="020B0609020204030204" pitchFamily="49" charset="0"/>
+              </a:rPr>
+              <a:t>class</a:t>
+            </a:r>
+            <a:r>
+              <a:rPr lang="pt-BR" sz="1600" dirty="0">
+                <a:latin typeface="Consolas" panose="020B0609020204030204" pitchFamily="49" charset="0"/>
+              </a:rPr>
+              <a:t>="reset" </a:t>
+            </a:r>
+            <a:r>
+              <a:rPr lang="pt-BR" sz="1600" dirty="0" err="1">
+                <a:latin typeface="Consolas" panose="020B0609020204030204" pitchFamily="49" charset="0"/>
+              </a:rPr>
+              <a:t>style</a:t>
+            </a:r>
+            <a:r>
+              <a:rPr lang="pt-BR" sz="1600" dirty="0">
+                <a:latin typeface="Consolas" panose="020B0609020204030204" pitchFamily="49" charset="0"/>
+              </a:rPr>
+              <a:t>="display: </a:t>
+            </a:r>
+            <a:r>
+              <a:rPr lang="pt-BR" sz="1600" dirty="0" err="1">
+                <a:latin typeface="Consolas" panose="020B0609020204030204" pitchFamily="49" charset="0"/>
+              </a:rPr>
+              <a:t>none</a:t>
+            </a:r>
+            <a:r>
+              <a:rPr lang="pt-BR" sz="1600" dirty="0">
+                <a:latin typeface="Consolas" panose="020B0609020204030204" pitchFamily="49" charset="0"/>
+              </a:rPr>
+              <a:t>;"&gt;</a:t>
+            </a:r>
+            <a:r>
+              <a:rPr lang="pt-BR" sz="1600" dirty="0" err="1">
+                <a:latin typeface="Consolas" panose="020B0609020204030204" pitchFamily="49" charset="0"/>
+              </a:rPr>
+              <a:t>Selected</a:t>
+            </a:r>
+            <a:r>
+              <a:rPr lang="pt-BR" sz="1600" dirty="0" smtClean="0">
+                <a:latin typeface="Consolas" panose="020B0609020204030204" pitchFamily="49" charset="0"/>
+              </a:rPr>
+              <a:t>:&lt;</a:t>
+            </a:r>
+            <a:r>
+              <a:rPr lang="pt-BR" sz="1600" dirty="0" err="1">
+                <a:latin typeface="Consolas" panose="020B0609020204030204" pitchFamily="49" charset="0"/>
+              </a:rPr>
+              <a:t>span</a:t>
+            </a:r>
+            <a:r>
+              <a:rPr lang="pt-BR" sz="1600" dirty="0">
+                <a:latin typeface="Consolas" panose="020B0609020204030204" pitchFamily="49" charset="0"/>
+              </a:rPr>
+              <a:t> </a:t>
+            </a:r>
+            <a:r>
+              <a:rPr lang="pt-BR" sz="1600" dirty="0" err="1">
+                <a:latin typeface="Consolas" panose="020B0609020204030204" pitchFamily="49" charset="0"/>
+              </a:rPr>
+              <a:t>class</a:t>
+            </a:r>
+            <a:r>
+              <a:rPr lang="pt-BR" sz="1600" dirty="0">
+                <a:latin typeface="Consolas" panose="020B0609020204030204" pitchFamily="49" charset="0"/>
+              </a:rPr>
+              <a:t>="</a:t>
+            </a:r>
+            <a:r>
+              <a:rPr lang="pt-BR" sz="1600" dirty="0" err="1">
+                <a:latin typeface="Consolas" panose="020B0609020204030204" pitchFamily="49" charset="0"/>
+              </a:rPr>
+              <a:t>filter</a:t>
+            </a:r>
+            <a:r>
+              <a:rPr lang="pt-BR" sz="1600" dirty="0">
+                <a:latin typeface="Consolas" panose="020B0609020204030204" pitchFamily="49" charset="0"/>
+              </a:rPr>
+              <a:t>"&gt;&lt;/</a:t>
+            </a:r>
+            <a:r>
+              <a:rPr lang="pt-BR" sz="1600" dirty="0" err="1">
+                <a:latin typeface="Consolas" panose="020B0609020204030204" pitchFamily="49" charset="0"/>
+              </a:rPr>
+              <a:t>span</a:t>
+            </a:r>
+            <a:r>
+              <a:rPr lang="pt-BR" sz="1600" dirty="0">
+                <a:latin typeface="Consolas" panose="020B0609020204030204" pitchFamily="49" charset="0"/>
+              </a:rPr>
+              <a:t>&gt;&lt;/</a:t>
+            </a:r>
+            <a:r>
+              <a:rPr lang="pt-BR" sz="1600" dirty="0" err="1">
+                <a:latin typeface="Consolas" panose="020B0609020204030204" pitchFamily="49" charset="0"/>
+              </a:rPr>
+              <a:t>span</a:t>
+            </a:r>
+            <a:r>
+              <a:rPr lang="pt-BR" sz="1600" dirty="0">
+                <a:latin typeface="Consolas" panose="020B0609020204030204" pitchFamily="49" charset="0"/>
+              </a:rPr>
+              <a:t>&gt;                </a:t>
+            </a:r>
+            <a:endParaRPr lang="pt-BR" sz="1600" dirty="0" smtClean="0">
+              <a:latin typeface="Consolas" panose="020B0609020204030204" pitchFamily="49" charset="0"/>
+            </a:endParaRPr>
+          </a:p>
+          <a:p>
+            <a:r>
+              <a:rPr lang="pt-BR" sz="1600" dirty="0" smtClean="0">
+                <a:latin typeface="Consolas" panose="020B0609020204030204" pitchFamily="49" charset="0"/>
+              </a:rPr>
+              <a:t>      &lt;</a:t>
+            </a:r>
+            <a:r>
+              <a:rPr lang="pt-BR" sz="1600" dirty="0">
+                <a:latin typeface="Consolas" panose="020B0609020204030204" pitchFamily="49" charset="0"/>
+              </a:rPr>
+              <a:t>a </a:t>
+            </a:r>
+            <a:r>
+              <a:rPr lang="pt-BR" sz="1600" dirty="0" err="1">
+                <a:latin typeface="Consolas" panose="020B0609020204030204" pitchFamily="49" charset="0"/>
+              </a:rPr>
+              <a:t>class</a:t>
+            </a:r>
+            <a:r>
+              <a:rPr lang="pt-BR" sz="1600" dirty="0">
+                <a:latin typeface="Consolas" panose="020B0609020204030204" pitchFamily="49" charset="0"/>
+              </a:rPr>
+              <a:t>="reset" </a:t>
+            </a:r>
+            <a:r>
+              <a:rPr lang="pt-BR" sz="1600" dirty="0" err="1">
+                <a:latin typeface="Consolas" panose="020B0609020204030204" pitchFamily="49" charset="0"/>
+              </a:rPr>
+              <a:t>href</a:t>
+            </a:r>
+            <a:r>
+              <a:rPr lang="pt-BR" sz="1600" dirty="0">
+                <a:latin typeface="Consolas" panose="020B0609020204030204" pitchFamily="49" charset="0"/>
+              </a:rPr>
+              <a:t>="</a:t>
+            </a:r>
+            <a:r>
+              <a:rPr lang="pt-BR" sz="1600" dirty="0" err="1">
+                <a:latin typeface="Consolas" panose="020B0609020204030204" pitchFamily="49" charset="0"/>
+              </a:rPr>
+              <a:t>javascript:grafico</a:t>
+            </a:r>
+            <a:r>
+              <a:rPr lang="pt-BR" sz="1600" b="1" dirty="0">
+                <a:latin typeface="Consolas" panose="020B0609020204030204" pitchFamily="49" charset="0"/>
+              </a:rPr>
+              <a:t>${</a:t>
+            </a:r>
+            <a:r>
+              <a:rPr lang="pt-BR" sz="1600" b="1" dirty="0" err="1">
+                <a:latin typeface="Consolas" panose="020B0609020204030204" pitchFamily="49" charset="0"/>
+              </a:rPr>
+              <a:t>grafico_index</a:t>
+            </a:r>
+            <a:r>
+              <a:rPr lang="pt-BR" sz="1600" b="1" dirty="0">
+                <a:latin typeface="Consolas" panose="020B0609020204030204" pitchFamily="49" charset="0"/>
+              </a:rPr>
+              <a:t> </a:t>
+            </a:r>
+            <a:r>
+              <a:rPr lang="pt-BR" sz="1600" b="1" dirty="0" smtClean="0">
+                <a:latin typeface="Consolas" panose="020B0609020204030204" pitchFamily="49" charset="0"/>
+              </a:rPr>
+              <a:t>+1}</a:t>
+            </a:r>
+            <a:r>
+              <a:rPr lang="pt-BR" sz="1600" dirty="0" smtClean="0">
+                <a:latin typeface="Consolas" panose="020B0609020204030204" pitchFamily="49" charset="0"/>
+              </a:rPr>
+              <a:t>.</a:t>
+            </a:r>
+            <a:r>
+              <a:rPr lang="pt-BR" sz="1600" dirty="0" err="1">
+                <a:latin typeface="Consolas" panose="020B0609020204030204" pitchFamily="49" charset="0"/>
+              </a:rPr>
+              <a:t>filterAll</a:t>
+            </a:r>
+            <a:r>
+              <a:rPr lang="pt-BR" sz="1600" dirty="0">
+                <a:latin typeface="Consolas" panose="020B0609020204030204" pitchFamily="49" charset="0"/>
+              </a:rPr>
+              <a:t>();</a:t>
+            </a:r>
+            <a:r>
+              <a:rPr lang="pt-BR" sz="1600" dirty="0" err="1">
+                <a:latin typeface="Consolas" panose="020B0609020204030204" pitchFamily="49" charset="0"/>
+              </a:rPr>
+              <a:t>dc.redrawAll</a:t>
+            </a:r>
+            <a:r>
+              <a:rPr lang="pt-BR" sz="1600" dirty="0">
+                <a:latin typeface="Consolas" panose="020B0609020204030204" pitchFamily="49" charset="0"/>
+              </a:rPr>
+              <a:t>();" </a:t>
+            </a:r>
+            <a:r>
+              <a:rPr lang="pt-BR" sz="1600" dirty="0" smtClean="0">
+                <a:latin typeface="Consolas" panose="020B0609020204030204" pitchFamily="49" charset="0"/>
+              </a:rPr>
+              <a:t> </a:t>
+            </a:r>
+            <a:r>
+              <a:rPr lang="pt-BR" sz="1600" dirty="0" err="1" smtClean="0">
+                <a:latin typeface="Consolas" panose="020B0609020204030204" pitchFamily="49" charset="0"/>
+              </a:rPr>
+              <a:t>style</a:t>
+            </a:r>
+            <a:r>
+              <a:rPr lang="pt-BR" sz="1600" dirty="0">
+                <a:latin typeface="Consolas" panose="020B0609020204030204" pitchFamily="49" charset="0"/>
+              </a:rPr>
+              <a:t>="display: </a:t>
+            </a:r>
+            <a:r>
+              <a:rPr lang="pt-BR" sz="1600" dirty="0" err="1">
+                <a:latin typeface="Consolas" panose="020B0609020204030204" pitchFamily="49" charset="0"/>
+              </a:rPr>
+              <a:t>none</a:t>
+            </a:r>
+            <a:r>
+              <a:rPr lang="pt-BR" sz="1600" dirty="0">
+                <a:latin typeface="Consolas" panose="020B0609020204030204" pitchFamily="49" charset="0"/>
+              </a:rPr>
+              <a:t>;"&gt;reset&lt;/a</a:t>
+            </a:r>
+            <a:r>
+              <a:rPr lang="pt-BR" sz="1600" dirty="0" smtClean="0">
+                <a:latin typeface="Consolas" panose="020B0609020204030204" pitchFamily="49" charset="0"/>
+              </a:rPr>
+              <a:t>&gt;</a:t>
+            </a:r>
+          </a:p>
+          <a:p>
+            <a:r>
+              <a:rPr lang="pt-BR" sz="1600" dirty="0">
+                <a:latin typeface="Consolas" panose="020B0609020204030204" pitchFamily="49" charset="0"/>
+              </a:rPr>
+              <a:t> </a:t>
+            </a:r>
+            <a:r>
+              <a:rPr lang="pt-BR" sz="1600" dirty="0" smtClean="0">
+                <a:latin typeface="Consolas" panose="020B0609020204030204" pitchFamily="49" charset="0"/>
+              </a:rPr>
+              <a:t>     &lt;</a:t>
+            </a:r>
+            <a:r>
+              <a:rPr lang="pt-BR" sz="1600" dirty="0" err="1">
+                <a:latin typeface="Consolas" panose="020B0609020204030204" pitchFamily="49" charset="0"/>
+              </a:rPr>
+              <a:t>div</a:t>
+            </a:r>
+            <a:r>
+              <a:rPr lang="pt-BR" sz="1600" dirty="0">
+                <a:latin typeface="Consolas" panose="020B0609020204030204" pitchFamily="49" charset="0"/>
+              </a:rPr>
+              <a:t> </a:t>
+            </a:r>
+            <a:r>
+              <a:rPr lang="pt-BR" sz="1600" dirty="0" err="1">
+                <a:latin typeface="Consolas" panose="020B0609020204030204" pitchFamily="49" charset="0"/>
+              </a:rPr>
+              <a:t>class</a:t>
+            </a:r>
+            <a:r>
+              <a:rPr lang="pt-BR" sz="1600" dirty="0">
+                <a:latin typeface="Consolas" panose="020B0609020204030204" pitchFamily="49" charset="0"/>
+              </a:rPr>
+              <a:t>="</a:t>
+            </a:r>
+            <a:r>
+              <a:rPr lang="pt-BR" sz="1600" dirty="0" err="1">
+                <a:latin typeface="Consolas" panose="020B0609020204030204" pitchFamily="49" charset="0"/>
+              </a:rPr>
+              <a:t>clearfix</a:t>
+            </a:r>
+            <a:r>
+              <a:rPr lang="pt-BR" sz="1600" dirty="0">
+                <a:latin typeface="Consolas" panose="020B0609020204030204" pitchFamily="49" charset="0"/>
+              </a:rPr>
+              <a:t>"&gt;&lt;/</a:t>
+            </a:r>
+            <a:r>
+              <a:rPr lang="pt-BR" sz="1600" dirty="0" err="1">
+                <a:latin typeface="Consolas" panose="020B0609020204030204" pitchFamily="49" charset="0"/>
+              </a:rPr>
+              <a:t>div</a:t>
+            </a:r>
+            <a:r>
+              <a:rPr lang="pt-BR" sz="1600" dirty="0" smtClean="0">
+                <a:latin typeface="Consolas" panose="020B0609020204030204" pitchFamily="49" charset="0"/>
+              </a:rPr>
+              <a:t>&gt;</a:t>
+            </a:r>
+          </a:p>
+          <a:p>
+            <a:r>
+              <a:rPr lang="pt-BR" sz="1600" dirty="0" smtClean="0">
+                <a:latin typeface="Consolas" panose="020B0609020204030204" pitchFamily="49" charset="0"/>
+              </a:rPr>
+              <a:t>&lt;/</a:t>
+            </a:r>
+            <a:r>
+              <a:rPr lang="pt-BR" sz="1600" dirty="0" err="1">
+                <a:latin typeface="Consolas" panose="020B0609020204030204" pitchFamily="49" charset="0"/>
+              </a:rPr>
+              <a:t>div</a:t>
+            </a:r>
+            <a:r>
+              <a:rPr lang="pt-BR" sz="1600" dirty="0">
+                <a:latin typeface="Consolas" panose="020B0609020204030204" pitchFamily="49" charset="0"/>
+              </a:rPr>
+              <a:t>&gt;        </a:t>
+            </a:r>
+            <a:endParaRPr lang="pt-BR" sz="1600" dirty="0" smtClean="0">
+              <a:latin typeface="Consolas" panose="020B0609020204030204" pitchFamily="49" charset="0"/>
+            </a:endParaRPr>
+          </a:p>
+          <a:p>
+            <a:r>
+              <a:rPr lang="pt-BR" sz="1600" b="1" dirty="0" smtClean="0">
+                <a:latin typeface="Consolas" panose="020B0609020204030204" pitchFamily="49" charset="0"/>
+              </a:rPr>
+              <a:t>&lt;/#</a:t>
+            </a:r>
+            <a:r>
+              <a:rPr lang="pt-BR" sz="1600" b="1" dirty="0" err="1">
+                <a:latin typeface="Consolas" panose="020B0609020204030204" pitchFamily="49" charset="0"/>
+              </a:rPr>
+              <a:t>list</a:t>
+            </a:r>
+            <a:r>
+              <a:rPr lang="pt-BR" sz="1600" b="1" dirty="0">
+                <a:latin typeface="Consolas" panose="020B0609020204030204" pitchFamily="49" charset="0"/>
+              </a:rPr>
+              <a:t>&gt;</a:t>
+            </a:r>
+          </a:p>
+        </p:txBody>
+      </p:sp>
+      <p:sp>
+        <p:nvSpPr>
+          <p:cNvPr id="6" name="CaixaDeTexto 5"/>
+          <p:cNvSpPr txBox="1"/>
+          <p:nvPr/>
+        </p:nvSpPr>
+        <p:spPr>
+          <a:xfrm>
+            <a:off x="539552" y="1700808"/>
+            <a:ext cx="3322961" cy="461665"/>
+          </a:xfrm>
+          <a:prstGeom prst="rect">
+            <a:avLst/>
+          </a:prstGeom>
+          <a:noFill/>
+        </p:spPr>
+        <p:txBody>
+          <a:bodyPr wrap="none" rtlCol="0">
+            <a:spAutoFit/>
+          </a:bodyPr>
+          <a:lstStyle/>
+          <a:p>
+            <a:r>
+              <a:rPr lang="pt-BR" sz="2400" b="1" dirty="0" smtClean="0"/>
+              <a:t>Gabarito ou Template</a:t>
+            </a:r>
+            <a:endParaRPr lang="pt-BR" sz="2400" b="1" dirty="0"/>
+          </a:p>
+        </p:txBody>
+      </p:sp>
+    </p:spTree>
+    <p:extLst>
+      <p:ext uri="{BB962C8B-B14F-4D97-AF65-F5344CB8AC3E}">
+        <p14:creationId xmlns:p14="http://schemas.microsoft.com/office/powerpoint/2010/main" val="2899401314"/>
+      </p:ext>
+    </p:extLst>
+  </p:cSld>
+  <p:clrMapOvr>
+    <a:masterClrMapping/>
+  </p:clrMapOvr>
+  <p:timing>
+    <p:tnLst>
+      <p:par>
+        <p:cTn id="1" dur="indefinite" restart="never" nodeType="tmRoot">
+          <p:childTnLst>
+            <p:seq concurrent="1" nextAc="seek">
+              <p:cTn id="2" dur="indefinite" nodeType="mainSeq">
+                <p:childTnLst>
+                  <p:par>
+                    <p:cTn id="3" fill="hold">
+                      <p:stCondLst>
+                        <p:cond delay="indefinite"/>
+                      </p:stCondLst>
+                      <p:childTnLst>
+                        <p:par>
+                          <p:cTn id="4" fill="hold">
+                            <p:stCondLst>
+                              <p:cond delay="0"/>
+                            </p:stCondLst>
+                            <p:childTnLst>
+                              <p:par>
+                                <p:cTn id="5" presetID="2" presetClass="entr" presetSubtype="4" fill="hold" grpId="0" nodeType="clickEffect">
+                                  <p:stCondLst>
+                                    <p:cond delay="0"/>
+                                  </p:stCondLst>
+                                  <p:childTnLst>
+                                    <p:set>
+                                      <p:cBhvr>
+                                        <p:cTn id="6" dur="1" fill="hold">
+                                          <p:stCondLst>
+                                            <p:cond delay="0"/>
+                                          </p:stCondLst>
+                                        </p:cTn>
+                                        <p:tgtEl>
+                                          <p:spTgt spid="5"/>
+                                        </p:tgtEl>
+                                        <p:attrNameLst>
+                                          <p:attrName>style.visibility</p:attrName>
+                                        </p:attrNameLst>
+                                      </p:cBhvr>
+                                      <p:to>
+                                        <p:strVal val="visible"/>
+                                      </p:to>
+                                    </p:set>
+                                    <p:anim calcmode="lin" valueType="num">
+                                      <p:cBhvr additive="base">
+                                        <p:cTn id="7" dur="500" fill="hold"/>
+                                        <p:tgtEl>
+                                          <p:spTgt spid="5"/>
+                                        </p:tgtEl>
+                                        <p:attrNameLst>
+                                          <p:attrName>ppt_x</p:attrName>
+                                        </p:attrNameLst>
+                                      </p:cBhvr>
+                                      <p:tavLst>
+                                        <p:tav tm="0">
+                                          <p:val>
+                                            <p:strVal val="#ppt_x"/>
+                                          </p:val>
+                                        </p:tav>
+                                        <p:tav tm="100000">
+                                          <p:val>
+                                            <p:strVal val="#ppt_x"/>
+                                          </p:val>
+                                        </p:tav>
+                                      </p:tavLst>
+                                    </p:anim>
+                                    <p:anim calcmode="lin" valueType="num">
+                                      <p:cBhvr additive="base">
+                                        <p:cTn id="8" dur="500" fill="hold"/>
+                                        <p:tgtEl>
+                                          <p:spTgt spid="5"/>
+                                        </p:tgtEl>
+                                        <p:attrNameLst>
+                                          <p:attrName>ppt_y</p:attrName>
+                                        </p:attrNameLst>
+                                      </p:cBhvr>
+                                      <p:tavLst>
+                                        <p:tav tm="0">
+                                          <p:val>
+                                            <p:strVal val="1+#ppt_h/2"/>
+                                          </p:val>
+                                        </p:tav>
+                                        <p:tav tm="100000">
+                                          <p:val>
+                                            <p:strVal val="#ppt_y"/>
+                                          </p:val>
+                                        </p:tav>
+                                      </p:tavLst>
+                                    </p:anim>
+                                  </p:childTnLst>
+                                </p:cTn>
+                              </p:par>
+                            </p:childTnLst>
+                          </p:cTn>
+                        </p:par>
+                      </p:childTnLst>
+                    </p:cTn>
+                  </p:par>
+                </p:childTnLst>
+              </p:cTn>
+              <p:prevCondLst>
+                <p:cond evt="onPrev" delay="0">
+                  <p:tgtEl>
+                    <p:sldTgt/>
+                  </p:tgtEl>
+                </p:cond>
+              </p:prevCondLst>
+              <p:nextCondLst>
+                <p:cond evt="onNext" delay="0">
+                  <p:tgtEl>
+                    <p:sldTgt/>
+                  </p:tgtEl>
+                </p:cond>
+              </p:nextCondLst>
+            </p:seq>
+          </p:childTnLst>
+        </p:cTn>
+      </p:par>
+    </p:tnLst>
+    <p:bldLst>
+      <p:bldP spid="5" grpId="0"/>
+    </p:bldLst>
+  </p:timing>
+</p:sld>
+</file>
+
+<file path=ppt/slides/slide16.xml><?xml version="1.0" encoding="utf-8"?>
+<p:sld xmlns:a="http://schemas.openxmlformats.org/drawingml/2006/main" xmlns:r="http://schemas.openxmlformats.org/officeDocument/2006/relationships" xmlns:p="http://schemas.openxmlformats.org/presentationml/2006/main">
+  <p:cSld>
+    <p:spTree>
+      <p:nvGrpSpPr>
+        <p:cNvPr id="1" name=""/>
+        <p:cNvGrpSpPr/>
+        <p:nvPr/>
+      </p:nvGrpSpPr>
+      <p:grpSpPr>
+        <a:xfrm>
+          <a:off x="0" y="0"/>
+          <a:ext cx="0" cy="0"/>
+          <a:chOff x="0" y="0"/>
+          <a:chExt cx="0" cy="0"/>
+        </a:xfrm>
+      </p:grpSpPr>
+      <p:sp>
+        <p:nvSpPr>
+          <p:cNvPr id="2" name="Título 1"/>
+          <p:cNvSpPr>
+            <a:spLocks noGrp="1"/>
+          </p:cNvSpPr>
+          <p:nvPr>
+            <p:ph type="title"/>
+          </p:nvPr>
+        </p:nvSpPr>
+        <p:spPr/>
+        <p:txBody>
+          <a:bodyPr>
+            <a:normAutofit fontScale="90000"/>
+          </a:bodyPr>
+          <a:lstStyle/>
+          <a:p>
+            <a:r>
+              <a:rPr lang="pt-BR" dirty="0" smtClean="0"/>
+              <a:t>Fundamentação Teórica</a:t>
+            </a:r>
+            <a:br>
+              <a:rPr lang="pt-BR" dirty="0" smtClean="0"/>
+            </a:br>
+            <a:r>
+              <a:rPr lang="pt-BR" sz="3100" dirty="0" smtClean="0"/>
+              <a:t>Motores de Gabaritos</a:t>
+            </a:r>
+            <a:endParaRPr lang="pt-BR" dirty="0"/>
+          </a:p>
+        </p:txBody>
+      </p:sp>
+      <p:sp>
+        <p:nvSpPr>
+          <p:cNvPr id="5" name="CaixaDeTexto 4"/>
+          <p:cNvSpPr txBox="1"/>
+          <p:nvPr/>
+        </p:nvSpPr>
+        <p:spPr>
+          <a:xfrm>
+            <a:off x="251520" y="2276286"/>
+            <a:ext cx="8496944" cy="3600986"/>
+          </a:xfrm>
+          <a:prstGeom prst="rect">
+            <a:avLst/>
+          </a:prstGeom>
+          <a:noFill/>
+        </p:spPr>
+        <p:txBody>
+          <a:bodyPr wrap="square" rtlCol="0">
+            <a:spAutoFit/>
+          </a:bodyPr>
+          <a:lstStyle/>
+          <a:p>
+            <a:r>
+              <a:rPr lang="pt-BR" dirty="0">
+                <a:latin typeface="Consolas" panose="020B0609020204030204" pitchFamily="49" charset="0"/>
+              </a:rPr>
+              <a:t> </a:t>
+            </a:r>
+            <a:r>
+              <a:rPr lang="pt-BR" sz="1400" dirty="0">
+                <a:latin typeface="Consolas" panose="020B0609020204030204" pitchFamily="49" charset="0"/>
+              </a:rPr>
+              <a:t>&lt;</a:t>
+            </a:r>
+            <a:r>
+              <a:rPr lang="pt-BR" sz="1400" dirty="0" err="1">
+                <a:latin typeface="Consolas" panose="020B0609020204030204" pitchFamily="49" charset="0"/>
+              </a:rPr>
+              <a:t>div</a:t>
+            </a:r>
+            <a:r>
+              <a:rPr lang="pt-BR" sz="1400" dirty="0">
+                <a:latin typeface="Consolas" panose="020B0609020204030204" pitchFamily="49" charset="0"/>
+              </a:rPr>
+              <a:t> id="</a:t>
+            </a:r>
+            <a:r>
+              <a:rPr lang="pt-BR" sz="1400" b="1" dirty="0">
+                <a:latin typeface="Consolas" panose="020B0609020204030204" pitchFamily="49" charset="0"/>
+              </a:rPr>
+              <a:t>grafico1</a:t>
+            </a:r>
+            <a:r>
+              <a:rPr lang="pt-BR" sz="1400" dirty="0">
+                <a:latin typeface="Consolas" panose="020B0609020204030204" pitchFamily="49" charset="0"/>
+              </a:rPr>
+              <a:t>" </a:t>
+            </a:r>
+            <a:r>
+              <a:rPr lang="pt-BR" sz="1400" dirty="0" err="1">
+                <a:latin typeface="Consolas" panose="020B0609020204030204" pitchFamily="49" charset="0"/>
+              </a:rPr>
+              <a:t>class</a:t>
+            </a:r>
+            <a:r>
+              <a:rPr lang="pt-BR" sz="1400" dirty="0">
+                <a:latin typeface="Consolas" panose="020B0609020204030204" pitchFamily="49" charset="0"/>
+              </a:rPr>
+              <a:t>='col-xs-12 col-md-12 col-lg-4</a:t>
+            </a:r>
+            <a:r>
+              <a:rPr lang="pt-BR" sz="1400" dirty="0" smtClean="0">
+                <a:latin typeface="Consolas" panose="020B0609020204030204" pitchFamily="49" charset="0"/>
+              </a:rPr>
+              <a:t>'&gt;&lt;</a:t>
+            </a:r>
+            <a:r>
+              <a:rPr lang="pt-BR" sz="1400" dirty="0" err="1">
+                <a:latin typeface="Consolas" panose="020B0609020204030204" pitchFamily="49" charset="0"/>
+              </a:rPr>
+              <a:t>strong</a:t>
+            </a:r>
+            <a:r>
+              <a:rPr lang="pt-BR" sz="1400" dirty="0">
+                <a:latin typeface="Consolas" panose="020B0609020204030204" pitchFamily="49" charset="0"/>
+              </a:rPr>
+              <a:t>&gt;</a:t>
+            </a:r>
+            <a:r>
+              <a:rPr lang="pt-BR" sz="1400" b="1" dirty="0">
+                <a:latin typeface="Consolas" panose="020B0609020204030204" pitchFamily="49" charset="0"/>
+              </a:rPr>
+              <a:t>Sexo</a:t>
+            </a:r>
+            <a:r>
+              <a:rPr lang="pt-BR" sz="1400" dirty="0">
+                <a:latin typeface="Consolas" panose="020B0609020204030204" pitchFamily="49" charset="0"/>
+              </a:rPr>
+              <a:t>&lt;/</a:t>
+            </a:r>
+            <a:r>
+              <a:rPr lang="pt-BR" sz="1400" dirty="0" err="1">
+                <a:latin typeface="Consolas" panose="020B0609020204030204" pitchFamily="49" charset="0"/>
+              </a:rPr>
+              <a:t>strong</a:t>
+            </a:r>
+            <a:r>
+              <a:rPr lang="pt-BR" sz="1400" dirty="0">
+                <a:latin typeface="Consolas" panose="020B0609020204030204" pitchFamily="49" charset="0"/>
+              </a:rPr>
+              <a:t>&gt;                </a:t>
+            </a:r>
+            <a:endParaRPr lang="pt-BR" sz="1400" dirty="0" smtClean="0">
+              <a:latin typeface="Consolas" panose="020B0609020204030204" pitchFamily="49" charset="0"/>
+            </a:endParaRPr>
+          </a:p>
+          <a:p>
+            <a:pPr lvl="1"/>
+            <a:r>
+              <a:rPr lang="pt-BR" sz="1400" dirty="0" smtClean="0">
+                <a:latin typeface="Consolas" panose="020B0609020204030204" pitchFamily="49" charset="0"/>
+              </a:rPr>
+              <a:t>&lt;</a:t>
+            </a:r>
+            <a:r>
+              <a:rPr lang="pt-BR" sz="1400" dirty="0" err="1">
+                <a:latin typeface="Consolas" panose="020B0609020204030204" pitchFamily="49" charset="0"/>
+              </a:rPr>
+              <a:t>span</a:t>
+            </a:r>
+            <a:r>
+              <a:rPr lang="pt-BR" sz="1400" dirty="0">
+                <a:latin typeface="Consolas" panose="020B0609020204030204" pitchFamily="49" charset="0"/>
+              </a:rPr>
+              <a:t> </a:t>
+            </a:r>
+            <a:r>
+              <a:rPr lang="pt-BR" sz="1400" dirty="0" err="1">
+                <a:latin typeface="Consolas" panose="020B0609020204030204" pitchFamily="49" charset="0"/>
+              </a:rPr>
+              <a:t>class</a:t>
+            </a:r>
+            <a:r>
+              <a:rPr lang="pt-BR" sz="1400" dirty="0">
+                <a:latin typeface="Consolas" panose="020B0609020204030204" pitchFamily="49" charset="0"/>
+              </a:rPr>
+              <a:t>="reset" </a:t>
+            </a:r>
+            <a:r>
+              <a:rPr lang="pt-BR" sz="1400" dirty="0" err="1">
+                <a:latin typeface="Consolas" panose="020B0609020204030204" pitchFamily="49" charset="0"/>
+              </a:rPr>
+              <a:t>style</a:t>
+            </a:r>
+            <a:r>
+              <a:rPr lang="pt-BR" sz="1400" dirty="0">
+                <a:latin typeface="Consolas" panose="020B0609020204030204" pitchFamily="49" charset="0"/>
+              </a:rPr>
+              <a:t>="display: </a:t>
+            </a:r>
+            <a:r>
+              <a:rPr lang="pt-BR" sz="1400" dirty="0" err="1">
+                <a:latin typeface="Consolas" panose="020B0609020204030204" pitchFamily="49" charset="0"/>
+              </a:rPr>
+              <a:t>none</a:t>
+            </a:r>
+            <a:r>
+              <a:rPr lang="pt-BR" sz="1400" dirty="0">
+                <a:latin typeface="Consolas" panose="020B0609020204030204" pitchFamily="49" charset="0"/>
+              </a:rPr>
+              <a:t>;"&gt;</a:t>
+            </a:r>
+            <a:r>
+              <a:rPr lang="pt-BR" sz="1400" dirty="0" err="1">
+                <a:latin typeface="Consolas" panose="020B0609020204030204" pitchFamily="49" charset="0"/>
+              </a:rPr>
+              <a:t>Selected</a:t>
+            </a:r>
+            <a:r>
+              <a:rPr lang="pt-BR" sz="1400" dirty="0">
+                <a:latin typeface="Consolas" panose="020B0609020204030204" pitchFamily="49" charset="0"/>
+              </a:rPr>
+              <a:t>: &lt;</a:t>
+            </a:r>
+            <a:r>
+              <a:rPr lang="pt-BR" sz="1400" dirty="0" err="1">
+                <a:latin typeface="Consolas" panose="020B0609020204030204" pitchFamily="49" charset="0"/>
+              </a:rPr>
+              <a:t>span</a:t>
+            </a:r>
+            <a:r>
+              <a:rPr lang="pt-BR" sz="1400" dirty="0">
+                <a:latin typeface="Consolas" panose="020B0609020204030204" pitchFamily="49" charset="0"/>
+              </a:rPr>
+              <a:t> </a:t>
+            </a:r>
+            <a:r>
+              <a:rPr lang="pt-BR" sz="1400" dirty="0" err="1">
+                <a:latin typeface="Consolas" panose="020B0609020204030204" pitchFamily="49" charset="0"/>
+              </a:rPr>
+              <a:t>class</a:t>
+            </a:r>
+            <a:r>
+              <a:rPr lang="pt-BR" sz="1400" dirty="0">
+                <a:latin typeface="Consolas" panose="020B0609020204030204" pitchFamily="49" charset="0"/>
+              </a:rPr>
+              <a:t>="</a:t>
+            </a:r>
+            <a:r>
+              <a:rPr lang="pt-BR" sz="1400" dirty="0" err="1">
+                <a:latin typeface="Consolas" panose="020B0609020204030204" pitchFamily="49" charset="0"/>
+              </a:rPr>
+              <a:t>filter</a:t>
+            </a:r>
+            <a:r>
+              <a:rPr lang="pt-BR" sz="1400" dirty="0">
+                <a:latin typeface="Consolas" panose="020B0609020204030204" pitchFamily="49" charset="0"/>
+              </a:rPr>
+              <a:t>"&gt;&lt;/</a:t>
+            </a:r>
+            <a:r>
+              <a:rPr lang="pt-BR" sz="1400" dirty="0" err="1">
+                <a:latin typeface="Consolas" panose="020B0609020204030204" pitchFamily="49" charset="0"/>
+              </a:rPr>
+              <a:t>span</a:t>
+            </a:r>
+            <a:r>
+              <a:rPr lang="pt-BR" sz="1400" dirty="0">
+                <a:latin typeface="Consolas" panose="020B0609020204030204" pitchFamily="49" charset="0"/>
+              </a:rPr>
+              <a:t>&gt;&lt;/</a:t>
+            </a:r>
+            <a:r>
+              <a:rPr lang="pt-BR" sz="1400" dirty="0" err="1">
+                <a:latin typeface="Consolas" panose="020B0609020204030204" pitchFamily="49" charset="0"/>
+              </a:rPr>
+              <a:t>span</a:t>
+            </a:r>
+            <a:r>
+              <a:rPr lang="pt-BR" sz="1400" dirty="0">
+                <a:latin typeface="Consolas" panose="020B0609020204030204" pitchFamily="49" charset="0"/>
+              </a:rPr>
+              <a:t>&gt;                </a:t>
+            </a:r>
+            <a:endParaRPr lang="pt-BR" sz="1400" dirty="0" smtClean="0">
+              <a:latin typeface="Consolas" panose="020B0609020204030204" pitchFamily="49" charset="0"/>
+            </a:endParaRPr>
+          </a:p>
+          <a:p>
+            <a:pPr lvl="1"/>
+            <a:r>
+              <a:rPr lang="pt-BR" sz="1400" dirty="0" smtClean="0">
+                <a:latin typeface="Consolas" panose="020B0609020204030204" pitchFamily="49" charset="0"/>
+              </a:rPr>
+              <a:t>&lt;</a:t>
+            </a:r>
+            <a:r>
+              <a:rPr lang="pt-BR" sz="1400" dirty="0">
+                <a:latin typeface="Consolas" panose="020B0609020204030204" pitchFamily="49" charset="0"/>
+              </a:rPr>
+              <a:t>a </a:t>
+            </a:r>
+            <a:r>
+              <a:rPr lang="pt-BR" sz="1400" dirty="0" err="1">
+                <a:latin typeface="Consolas" panose="020B0609020204030204" pitchFamily="49" charset="0"/>
+              </a:rPr>
+              <a:t>class</a:t>
+            </a:r>
+            <a:r>
+              <a:rPr lang="pt-BR" sz="1400" dirty="0">
+                <a:latin typeface="Consolas" panose="020B0609020204030204" pitchFamily="49" charset="0"/>
+              </a:rPr>
+              <a:t>="reset" </a:t>
+            </a:r>
+            <a:r>
+              <a:rPr lang="pt-BR" sz="1400" dirty="0" err="1">
+                <a:latin typeface="Consolas" panose="020B0609020204030204" pitchFamily="49" charset="0"/>
+              </a:rPr>
+              <a:t>href</a:t>
+            </a:r>
+            <a:r>
+              <a:rPr lang="pt-BR" sz="1400" dirty="0">
+                <a:latin typeface="Consolas" panose="020B0609020204030204" pitchFamily="49" charset="0"/>
+              </a:rPr>
+              <a:t>="javascript:</a:t>
+            </a:r>
+            <a:r>
+              <a:rPr lang="pt-BR" sz="1400" b="1" dirty="0">
+                <a:latin typeface="Consolas" panose="020B0609020204030204" pitchFamily="49" charset="0"/>
+              </a:rPr>
+              <a:t>grafico1</a:t>
+            </a:r>
+            <a:r>
+              <a:rPr lang="pt-BR" sz="1400" dirty="0">
+                <a:latin typeface="Consolas" panose="020B0609020204030204" pitchFamily="49" charset="0"/>
+              </a:rPr>
+              <a:t>.filterAll();</a:t>
+            </a:r>
+            <a:r>
+              <a:rPr lang="pt-BR" sz="1400" dirty="0" err="1">
+                <a:latin typeface="Consolas" panose="020B0609020204030204" pitchFamily="49" charset="0"/>
+              </a:rPr>
+              <a:t>dc.redrawAll</a:t>
+            </a:r>
+            <a:r>
+              <a:rPr lang="pt-BR" sz="1400" dirty="0">
+                <a:latin typeface="Consolas" panose="020B0609020204030204" pitchFamily="49" charset="0"/>
+              </a:rPr>
+              <a:t>();" </a:t>
+            </a:r>
+            <a:r>
+              <a:rPr lang="pt-BR" sz="1400" dirty="0" err="1" smtClean="0">
+                <a:latin typeface="Consolas" panose="020B0609020204030204" pitchFamily="49" charset="0"/>
+              </a:rPr>
+              <a:t>style</a:t>
+            </a:r>
+            <a:r>
+              <a:rPr lang="pt-BR" sz="1400" dirty="0">
+                <a:latin typeface="Consolas" panose="020B0609020204030204" pitchFamily="49" charset="0"/>
+              </a:rPr>
+              <a:t>="</a:t>
+            </a:r>
+            <a:r>
+              <a:rPr lang="pt-BR" sz="1400" dirty="0" err="1" smtClean="0">
+                <a:latin typeface="Consolas" panose="020B0609020204030204" pitchFamily="49" charset="0"/>
+              </a:rPr>
+              <a:t>display:none</a:t>
+            </a:r>
+            <a:r>
+              <a:rPr lang="pt-BR" sz="1400" dirty="0">
+                <a:latin typeface="Consolas" panose="020B0609020204030204" pitchFamily="49" charset="0"/>
+              </a:rPr>
+              <a:t>;"&gt;reset&lt;/a</a:t>
+            </a:r>
+            <a:r>
+              <a:rPr lang="pt-BR" sz="1400" dirty="0" smtClean="0">
+                <a:latin typeface="Consolas" panose="020B0609020204030204" pitchFamily="49" charset="0"/>
+              </a:rPr>
+              <a:t>&gt;</a:t>
+            </a:r>
+          </a:p>
+          <a:p>
+            <a:pPr lvl="1"/>
+            <a:r>
+              <a:rPr lang="pt-BR" sz="1400" dirty="0" smtClean="0">
+                <a:latin typeface="Consolas" panose="020B0609020204030204" pitchFamily="49" charset="0"/>
+              </a:rPr>
+              <a:t> &lt;</a:t>
+            </a:r>
+            <a:r>
+              <a:rPr lang="pt-BR" sz="1400" dirty="0" err="1">
+                <a:latin typeface="Consolas" panose="020B0609020204030204" pitchFamily="49" charset="0"/>
+              </a:rPr>
+              <a:t>div</a:t>
+            </a:r>
+            <a:r>
+              <a:rPr lang="pt-BR" sz="1400" dirty="0">
+                <a:latin typeface="Consolas" panose="020B0609020204030204" pitchFamily="49" charset="0"/>
+              </a:rPr>
+              <a:t> </a:t>
+            </a:r>
+            <a:r>
+              <a:rPr lang="pt-BR" sz="1400" dirty="0" err="1">
+                <a:latin typeface="Consolas" panose="020B0609020204030204" pitchFamily="49" charset="0"/>
+              </a:rPr>
+              <a:t>class</a:t>
+            </a:r>
+            <a:r>
+              <a:rPr lang="pt-BR" sz="1400" dirty="0">
+                <a:latin typeface="Consolas" panose="020B0609020204030204" pitchFamily="49" charset="0"/>
+              </a:rPr>
+              <a:t>="</a:t>
+            </a:r>
+            <a:r>
+              <a:rPr lang="pt-BR" sz="1400" dirty="0" err="1">
+                <a:latin typeface="Consolas" panose="020B0609020204030204" pitchFamily="49" charset="0"/>
+              </a:rPr>
+              <a:t>clearfix</a:t>
+            </a:r>
+            <a:r>
+              <a:rPr lang="pt-BR" sz="1400" dirty="0">
+                <a:latin typeface="Consolas" panose="020B0609020204030204" pitchFamily="49" charset="0"/>
+              </a:rPr>
+              <a:t>"&gt;&lt;/</a:t>
+            </a:r>
+            <a:r>
+              <a:rPr lang="pt-BR" sz="1400" dirty="0" err="1">
+                <a:latin typeface="Consolas" panose="020B0609020204030204" pitchFamily="49" charset="0"/>
+              </a:rPr>
+              <a:t>div</a:t>
+            </a:r>
+            <a:r>
+              <a:rPr lang="pt-BR" sz="1400" dirty="0" smtClean="0">
+                <a:latin typeface="Consolas" panose="020B0609020204030204" pitchFamily="49" charset="0"/>
+              </a:rPr>
+              <a:t>&gt;</a:t>
+            </a:r>
+          </a:p>
+          <a:p>
+            <a:r>
+              <a:rPr lang="pt-BR" sz="1400" dirty="0" smtClean="0">
+                <a:latin typeface="Consolas" panose="020B0609020204030204" pitchFamily="49" charset="0"/>
+              </a:rPr>
+              <a:t>&lt;/</a:t>
+            </a:r>
+            <a:r>
+              <a:rPr lang="pt-BR" sz="1400" dirty="0" err="1">
+                <a:latin typeface="Consolas" panose="020B0609020204030204" pitchFamily="49" charset="0"/>
+              </a:rPr>
+              <a:t>div</a:t>
+            </a:r>
+            <a:r>
+              <a:rPr lang="pt-BR" sz="1400" dirty="0">
+                <a:latin typeface="Consolas" panose="020B0609020204030204" pitchFamily="49" charset="0"/>
+              </a:rPr>
+              <a:t>&gt;            </a:t>
+            </a:r>
+            <a:endParaRPr lang="pt-BR" sz="1400" dirty="0" smtClean="0">
+              <a:latin typeface="Consolas" panose="020B0609020204030204" pitchFamily="49" charset="0"/>
+            </a:endParaRPr>
+          </a:p>
+          <a:p>
+            <a:endParaRPr lang="pt-BR" sz="1400" dirty="0">
+              <a:latin typeface="Consolas" panose="020B0609020204030204" pitchFamily="49" charset="0"/>
+            </a:endParaRPr>
+          </a:p>
+          <a:p>
+            <a:r>
+              <a:rPr lang="pt-BR" sz="1400" dirty="0" smtClean="0">
+                <a:latin typeface="Consolas" panose="020B0609020204030204" pitchFamily="49" charset="0"/>
+              </a:rPr>
+              <a:t>&lt;</a:t>
+            </a:r>
+            <a:r>
+              <a:rPr lang="pt-BR" sz="1400" dirty="0" err="1">
+                <a:latin typeface="Consolas" panose="020B0609020204030204" pitchFamily="49" charset="0"/>
+              </a:rPr>
+              <a:t>div</a:t>
+            </a:r>
+            <a:r>
+              <a:rPr lang="pt-BR" sz="1400" dirty="0">
+                <a:latin typeface="Consolas" panose="020B0609020204030204" pitchFamily="49" charset="0"/>
+              </a:rPr>
+              <a:t> id="</a:t>
+            </a:r>
+            <a:r>
+              <a:rPr lang="pt-BR" sz="1400" b="1" dirty="0">
+                <a:latin typeface="Consolas" panose="020B0609020204030204" pitchFamily="49" charset="0"/>
+              </a:rPr>
+              <a:t>grafico2</a:t>
+            </a:r>
+            <a:r>
+              <a:rPr lang="pt-BR" sz="1400" dirty="0">
+                <a:latin typeface="Consolas" panose="020B0609020204030204" pitchFamily="49" charset="0"/>
+              </a:rPr>
+              <a:t>" </a:t>
+            </a:r>
+            <a:r>
+              <a:rPr lang="pt-BR" sz="1400" dirty="0" err="1">
+                <a:latin typeface="Consolas" panose="020B0609020204030204" pitchFamily="49" charset="0"/>
+              </a:rPr>
+              <a:t>class</a:t>
+            </a:r>
+            <a:r>
+              <a:rPr lang="pt-BR" sz="1400" dirty="0">
+                <a:latin typeface="Consolas" panose="020B0609020204030204" pitchFamily="49" charset="0"/>
+              </a:rPr>
+              <a:t>='col-xs-12 col-md-12 col-lg-4</a:t>
+            </a:r>
+            <a:r>
+              <a:rPr lang="pt-BR" sz="1400" dirty="0" smtClean="0">
+                <a:latin typeface="Consolas" panose="020B0609020204030204" pitchFamily="49" charset="0"/>
+              </a:rPr>
+              <a:t>'&gt;&lt;</a:t>
+            </a:r>
+            <a:r>
+              <a:rPr lang="pt-BR" sz="1400" dirty="0" err="1">
+                <a:latin typeface="Consolas" panose="020B0609020204030204" pitchFamily="49" charset="0"/>
+              </a:rPr>
+              <a:t>strong</a:t>
+            </a:r>
+            <a:r>
+              <a:rPr lang="pt-BR" sz="1400" dirty="0">
+                <a:latin typeface="Consolas" panose="020B0609020204030204" pitchFamily="49" charset="0"/>
+              </a:rPr>
+              <a:t>&gt;</a:t>
+            </a:r>
+            <a:r>
+              <a:rPr lang="pt-BR" sz="1400" b="1" dirty="0" err="1">
+                <a:latin typeface="Consolas" panose="020B0609020204030204" pitchFamily="49" charset="0"/>
+              </a:rPr>
+              <a:t>Religiao</a:t>
+            </a:r>
+            <a:r>
+              <a:rPr lang="pt-BR" sz="1400" dirty="0">
+                <a:latin typeface="Consolas" panose="020B0609020204030204" pitchFamily="49" charset="0"/>
+              </a:rPr>
+              <a:t>&lt;/</a:t>
+            </a:r>
+            <a:r>
+              <a:rPr lang="pt-BR" sz="1400" dirty="0" err="1">
+                <a:latin typeface="Consolas" panose="020B0609020204030204" pitchFamily="49" charset="0"/>
+              </a:rPr>
+              <a:t>strong</a:t>
+            </a:r>
+            <a:r>
+              <a:rPr lang="pt-BR" sz="1400" dirty="0">
+                <a:latin typeface="Consolas" panose="020B0609020204030204" pitchFamily="49" charset="0"/>
+              </a:rPr>
+              <a:t>&gt;                </a:t>
+            </a:r>
+            <a:endParaRPr lang="pt-BR" sz="1400" dirty="0" smtClean="0">
+              <a:latin typeface="Consolas" panose="020B0609020204030204" pitchFamily="49" charset="0"/>
+            </a:endParaRPr>
+          </a:p>
+          <a:p>
+            <a:pPr lvl="1"/>
+            <a:r>
+              <a:rPr lang="pt-BR" sz="1400" dirty="0" smtClean="0">
+                <a:latin typeface="Consolas" panose="020B0609020204030204" pitchFamily="49" charset="0"/>
+              </a:rPr>
+              <a:t>&lt;</a:t>
+            </a:r>
+            <a:r>
+              <a:rPr lang="pt-BR" sz="1400" dirty="0" err="1">
+                <a:latin typeface="Consolas" panose="020B0609020204030204" pitchFamily="49" charset="0"/>
+              </a:rPr>
+              <a:t>span</a:t>
+            </a:r>
+            <a:r>
+              <a:rPr lang="pt-BR" sz="1400" dirty="0">
+                <a:latin typeface="Consolas" panose="020B0609020204030204" pitchFamily="49" charset="0"/>
+              </a:rPr>
+              <a:t> </a:t>
+            </a:r>
+            <a:r>
+              <a:rPr lang="pt-BR" sz="1400" dirty="0" err="1">
+                <a:latin typeface="Consolas" panose="020B0609020204030204" pitchFamily="49" charset="0"/>
+              </a:rPr>
+              <a:t>class</a:t>
+            </a:r>
+            <a:r>
+              <a:rPr lang="pt-BR" sz="1400" dirty="0">
+                <a:latin typeface="Consolas" panose="020B0609020204030204" pitchFamily="49" charset="0"/>
+              </a:rPr>
+              <a:t>="reset" </a:t>
+            </a:r>
+            <a:r>
+              <a:rPr lang="pt-BR" sz="1400" dirty="0" err="1">
+                <a:latin typeface="Consolas" panose="020B0609020204030204" pitchFamily="49" charset="0"/>
+              </a:rPr>
+              <a:t>style</a:t>
+            </a:r>
+            <a:r>
+              <a:rPr lang="pt-BR" sz="1400" dirty="0">
+                <a:latin typeface="Consolas" panose="020B0609020204030204" pitchFamily="49" charset="0"/>
+              </a:rPr>
+              <a:t>="display: </a:t>
+            </a:r>
+            <a:r>
+              <a:rPr lang="pt-BR" sz="1400" dirty="0" err="1">
+                <a:latin typeface="Consolas" panose="020B0609020204030204" pitchFamily="49" charset="0"/>
+              </a:rPr>
+              <a:t>none</a:t>
+            </a:r>
+            <a:r>
+              <a:rPr lang="pt-BR" sz="1400" dirty="0">
+                <a:latin typeface="Consolas" panose="020B0609020204030204" pitchFamily="49" charset="0"/>
+              </a:rPr>
+              <a:t>;"&gt;</a:t>
+            </a:r>
+            <a:r>
+              <a:rPr lang="pt-BR" sz="1400" dirty="0" err="1">
+                <a:latin typeface="Consolas" panose="020B0609020204030204" pitchFamily="49" charset="0"/>
+              </a:rPr>
+              <a:t>Selected</a:t>
+            </a:r>
+            <a:r>
+              <a:rPr lang="pt-BR" sz="1400" dirty="0">
+                <a:latin typeface="Consolas" panose="020B0609020204030204" pitchFamily="49" charset="0"/>
+              </a:rPr>
+              <a:t>: &lt;</a:t>
+            </a:r>
+            <a:r>
+              <a:rPr lang="pt-BR" sz="1400" dirty="0" err="1">
+                <a:latin typeface="Consolas" panose="020B0609020204030204" pitchFamily="49" charset="0"/>
+              </a:rPr>
+              <a:t>span</a:t>
+            </a:r>
+            <a:r>
+              <a:rPr lang="pt-BR" sz="1400" dirty="0">
+                <a:latin typeface="Consolas" panose="020B0609020204030204" pitchFamily="49" charset="0"/>
+              </a:rPr>
+              <a:t> </a:t>
+            </a:r>
+            <a:r>
+              <a:rPr lang="pt-BR" sz="1400" dirty="0" err="1">
+                <a:latin typeface="Consolas" panose="020B0609020204030204" pitchFamily="49" charset="0"/>
+              </a:rPr>
+              <a:t>class</a:t>
+            </a:r>
+            <a:r>
+              <a:rPr lang="pt-BR" sz="1400" dirty="0">
+                <a:latin typeface="Consolas" panose="020B0609020204030204" pitchFamily="49" charset="0"/>
+              </a:rPr>
+              <a:t>="</a:t>
+            </a:r>
+            <a:r>
+              <a:rPr lang="pt-BR" sz="1400" dirty="0" err="1">
+                <a:latin typeface="Consolas" panose="020B0609020204030204" pitchFamily="49" charset="0"/>
+              </a:rPr>
+              <a:t>filter</a:t>
+            </a:r>
+            <a:r>
+              <a:rPr lang="pt-BR" sz="1400" dirty="0">
+                <a:latin typeface="Consolas" panose="020B0609020204030204" pitchFamily="49" charset="0"/>
+              </a:rPr>
+              <a:t>"&gt;&lt;/</a:t>
+            </a:r>
+            <a:r>
+              <a:rPr lang="pt-BR" sz="1400" dirty="0" err="1">
+                <a:latin typeface="Consolas" panose="020B0609020204030204" pitchFamily="49" charset="0"/>
+              </a:rPr>
+              <a:t>span</a:t>
+            </a:r>
+            <a:r>
+              <a:rPr lang="pt-BR" sz="1400" dirty="0">
+                <a:latin typeface="Consolas" panose="020B0609020204030204" pitchFamily="49" charset="0"/>
+              </a:rPr>
+              <a:t>&gt;&lt;/</a:t>
+            </a:r>
+            <a:r>
+              <a:rPr lang="pt-BR" sz="1400" dirty="0" err="1">
+                <a:latin typeface="Consolas" panose="020B0609020204030204" pitchFamily="49" charset="0"/>
+              </a:rPr>
+              <a:t>span</a:t>
+            </a:r>
+            <a:r>
+              <a:rPr lang="pt-BR" sz="1400" dirty="0">
+                <a:latin typeface="Consolas" panose="020B0609020204030204" pitchFamily="49" charset="0"/>
+              </a:rPr>
+              <a:t>&gt;                </a:t>
+            </a:r>
+            <a:endParaRPr lang="pt-BR" sz="1400" dirty="0" smtClean="0">
+              <a:latin typeface="Consolas" panose="020B0609020204030204" pitchFamily="49" charset="0"/>
+            </a:endParaRPr>
+          </a:p>
+          <a:p>
+            <a:pPr lvl="1"/>
+            <a:r>
+              <a:rPr lang="pt-BR" sz="1400" dirty="0" smtClean="0">
+                <a:latin typeface="Consolas" panose="020B0609020204030204" pitchFamily="49" charset="0"/>
+              </a:rPr>
+              <a:t>&lt;</a:t>
+            </a:r>
+            <a:r>
+              <a:rPr lang="pt-BR" sz="1400" dirty="0">
+                <a:latin typeface="Consolas" panose="020B0609020204030204" pitchFamily="49" charset="0"/>
+              </a:rPr>
+              <a:t>a </a:t>
+            </a:r>
+            <a:r>
+              <a:rPr lang="pt-BR" sz="1400" dirty="0" err="1">
+                <a:latin typeface="Consolas" panose="020B0609020204030204" pitchFamily="49" charset="0"/>
+              </a:rPr>
+              <a:t>class</a:t>
+            </a:r>
+            <a:r>
+              <a:rPr lang="pt-BR" sz="1400" dirty="0">
+                <a:latin typeface="Consolas" panose="020B0609020204030204" pitchFamily="49" charset="0"/>
+              </a:rPr>
+              <a:t>="reset" </a:t>
+            </a:r>
+            <a:r>
+              <a:rPr lang="pt-BR" sz="1400" dirty="0" err="1">
+                <a:latin typeface="Consolas" panose="020B0609020204030204" pitchFamily="49" charset="0"/>
+              </a:rPr>
+              <a:t>href</a:t>
+            </a:r>
+            <a:r>
+              <a:rPr lang="pt-BR" sz="1400" dirty="0">
+                <a:latin typeface="Consolas" panose="020B0609020204030204" pitchFamily="49" charset="0"/>
+              </a:rPr>
+              <a:t>="javascript:</a:t>
+            </a:r>
+            <a:r>
+              <a:rPr lang="pt-BR" sz="1400" b="1" dirty="0">
+                <a:latin typeface="Consolas" panose="020B0609020204030204" pitchFamily="49" charset="0"/>
+              </a:rPr>
+              <a:t>grafico2</a:t>
+            </a:r>
+            <a:r>
+              <a:rPr lang="pt-BR" sz="1400" dirty="0">
+                <a:latin typeface="Consolas" panose="020B0609020204030204" pitchFamily="49" charset="0"/>
+              </a:rPr>
+              <a:t>.filterAll();</a:t>
+            </a:r>
+            <a:r>
+              <a:rPr lang="pt-BR" sz="1400" dirty="0" err="1">
+                <a:latin typeface="Consolas" panose="020B0609020204030204" pitchFamily="49" charset="0"/>
+              </a:rPr>
+              <a:t>dc.redrawAll</a:t>
+            </a:r>
+            <a:r>
+              <a:rPr lang="pt-BR" sz="1400" dirty="0">
+                <a:latin typeface="Consolas" panose="020B0609020204030204" pitchFamily="49" charset="0"/>
+              </a:rPr>
+              <a:t>();" </a:t>
+            </a:r>
+            <a:r>
+              <a:rPr lang="pt-BR" sz="1400" dirty="0" err="1" smtClean="0">
+                <a:latin typeface="Consolas" panose="020B0609020204030204" pitchFamily="49" charset="0"/>
+              </a:rPr>
+              <a:t>style</a:t>
+            </a:r>
+            <a:r>
+              <a:rPr lang="pt-BR" sz="1400" dirty="0">
+                <a:latin typeface="Consolas" panose="020B0609020204030204" pitchFamily="49" charset="0"/>
+              </a:rPr>
+              <a:t>="display: </a:t>
+            </a:r>
+            <a:r>
+              <a:rPr lang="pt-BR" sz="1400" dirty="0" err="1">
+                <a:latin typeface="Consolas" panose="020B0609020204030204" pitchFamily="49" charset="0"/>
+              </a:rPr>
+              <a:t>none</a:t>
+            </a:r>
+            <a:r>
+              <a:rPr lang="pt-BR" sz="1400" dirty="0">
+                <a:latin typeface="Consolas" panose="020B0609020204030204" pitchFamily="49" charset="0"/>
+              </a:rPr>
+              <a:t>;"&gt;reset&lt;/a&gt;                &lt;</a:t>
+            </a:r>
+            <a:r>
+              <a:rPr lang="pt-BR" sz="1400" dirty="0" err="1">
+                <a:latin typeface="Consolas" panose="020B0609020204030204" pitchFamily="49" charset="0"/>
+              </a:rPr>
+              <a:t>div</a:t>
+            </a:r>
+            <a:r>
+              <a:rPr lang="pt-BR" sz="1400" dirty="0">
+                <a:latin typeface="Consolas" panose="020B0609020204030204" pitchFamily="49" charset="0"/>
+              </a:rPr>
+              <a:t> </a:t>
+            </a:r>
+            <a:r>
+              <a:rPr lang="pt-BR" sz="1400" dirty="0" err="1">
+                <a:latin typeface="Consolas" panose="020B0609020204030204" pitchFamily="49" charset="0"/>
+              </a:rPr>
+              <a:t>class</a:t>
+            </a:r>
+            <a:r>
+              <a:rPr lang="pt-BR" sz="1400" dirty="0">
+                <a:latin typeface="Consolas" panose="020B0609020204030204" pitchFamily="49" charset="0"/>
+              </a:rPr>
+              <a:t>="</a:t>
+            </a:r>
+            <a:r>
+              <a:rPr lang="pt-BR" sz="1400" dirty="0" err="1">
+                <a:latin typeface="Consolas" panose="020B0609020204030204" pitchFamily="49" charset="0"/>
+              </a:rPr>
+              <a:t>clearfix</a:t>
+            </a:r>
+            <a:r>
+              <a:rPr lang="pt-BR" sz="1400" dirty="0">
+                <a:latin typeface="Consolas" panose="020B0609020204030204" pitchFamily="49" charset="0"/>
+              </a:rPr>
+              <a:t>"&gt;&lt;/</a:t>
+            </a:r>
+            <a:r>
+              <a:rPr lang="pt-BR" sz="1400" dirty="0" err="1">
+                <a:latin typeface="Consolas" panose="020B0609020204030204" pitchFamily="49" charset="0"/>
+              </a:rPr>
+              <a:t>div</a:t>
+            </a:r>
+            <a:r>
+              <a:rPr lang="pt-BR" sz="1400" dirty="0">
+                <a:latin typeface="Consolas" panose="020B0609020204030204" pitchFamily="49" charset="0"/>
+              </a:rPr>
+              <a:t>&gt; </a:t>
+            </a:r>
+            <a:endParaRPr lang="pt-BR" sz="1400" dirty="0" smtClean="0">
+              <a:latin typeface="Consolas" panose="020B0609020204030204" pitchFamily="49" charset="0"/>
+            </a:endParaRPr>
+          </a:p>
+          <a:p>
+            <a:r>
+              <a:rPr lang="pt-BR" sz="1400" dirty="0" smtClean="0">
+                <a:latin typeface="Consolas" panose="020B0609020204030204" pitchFamily="49" charset="0"/>
+              </a:rPr>
+              <a:t>&lt;/</a:t>
+            </a:r>
+            <a:r>
+              <a:rPr lang="pt-BR" sz="1400" dirty="0" err="1">
+                <a:latin typeface="Consolas" panose="020B0609020204030204" pitchFamily="49" charset="0"/>
+              </a:rPr>
+              <a:t>div</a:t>
+            </a:r>
+            <a:r>
+              <a:rPr lang="pt-BR" sz="1400" dirty="0" smtClean="0">
+                <a:latin typeface="Consolas" panose="020B0609020204030204" pitchFamily="49" charset="0"/>
+              </a:rPr>
+              <a:t>&gt;</a:t>
+            </a:r>
+          </a:p>
+          <a:p>
+            <a:endParaRPr lang="pt-BR" sz="1400" dirty="0">
+              <a:latin typeface="Consolas" panose="020B0609020204030204" pitchFamily="49" charset="0"/>
+            </a:endParaRPr>
+          </a:p>
+          <a:p>
+            <a:r>
+              <a:rPr lang="pt-BR" sz="1400" dirty="0">
+                <a:latin typeface="Consolas" panose="020B0609020204030204" pitchFamily="49" charset="0"/>
+              </a:rPr>
+              <a:t>&lt;</a:t>
+            </a:r>
+            <a:r>
+              <a:rPr lang="pt-BR" sz="1400" dirty="0" err="1">
+                <a:latin typeface="Consolas" panose="020B0609020204030204" pitchFamily="49" charset="0"/>
+              </a:rPr>
+              <a:t>div</a:t>
+            </a:r>
+            <a:r>
+              <a:rPr lang="pt-BR" sz="1400" dirty="0">
+                <a:latin typeface="Consolas" panose="020B0609020204030204" pitchFamily="49" charset="0"/>
+              </a:rPr>
+              <a:t> id="</a:t>
+            </a:r>
+            <a:r>
+              <a:rPr lang="pt-BR" sz="1400" b="1" dirty="0" err="1" smtClean="0">
+                <a:latin typeface="Consolas" panose="020B0609020204030204" pitchFamily="49" charset="0"/>
+              </a:rPr>
+              <a:t>graficoN</a:t>
+            </a:r>
+            <a:r>
+              <a:rPr lang="pt-BR" sz="1400" dirty="0">
+                <a:latin typeface="Consolas" panose="020B0609020204030204" pitchFamily="49" charset="0"/>
+              </a:rPr>
+              <a:t>"</a:t>
+            </a:r>
+            <a:r>
+              <a:rPr lang="pt-BR" sz="1400" dirty="0" smtClean="0">
+                <a:latin typeface="Consolas" panose="020B0609020204030204" pitchFamily="49" charset="0"/>
+              </a:rPr>
+              <a:t>...</a:t>
+            </a:r>
+            <a:endParaRPr lang="pt-BR" sz="1400" dirty="0"/>
+          </a:p>
+        </p:txBody>
+      </p:sp>
+      <p:sp>
+        <p:nvSpPr>
+          <p:cNvPr id="6" name="CaixaDeTexto 5"/>
+          <p:cNvSpPr txBox="1"/>
+          <p:nvPr/>
+        </p:nvSpPr>
+        <p:spPr>
+          <a:xfrm>
+            <a:off x="539552" y="1628800"/>
+            <a:ext cx="1005403" cy="461665"/>
+          </a:xfrm>
+          <a:prstGeom prst="rect">
+            <a:avLst/>
+          </a:prstGeom>
+          <a:noFill/>
+        </p:spPr>
+        <p:txBody>
+          <a:bodyPr wrap="none" rtlCol="0">
+            <a:spAutoFit/>
+          </a:bodyPr>
+          <a:lstStyle/>
+          <a:p>
+            <a:r>
+              <a:rPr lang="pt-BR" sz="2400" b="1" dirty="0" smtClean="0"/>
+              <a:t>Saída</a:t>
+            </a:r>
+            <a:endParaRPr lang="pt-BR" b="1" dirty="0"/>
+          </a:p>
+        </p:txBody>
+      </p:sp>
+    </p:spTree>
+    <p:extLst>
+      <p:ext uri="{BB962C8B-B14F-4D97-AF65-F5344CB8AC3E}">
+        <p14:creationId xmlns:p14="http://schemas.microsoft.com/office/powerpoint/2010/main" val="50472887"/>
+      </p:ext>
+    </p:extLst>
+  </p:cSld>
+  <p:clrMapOvr>
+    <a:masterClrMapping/>
+  </p:clrMapOvr>
+  <p:timing>
+    <p:tnLst>
+      <p:par>
+        <p:cTn id="1" dur="indefinite" restart="never" nodeType="tmRoot">
+          <p:childTnLst>
+            <p:seq concurrent="1" nextAc="seek">
+              <p:cTn id="2" dur="indefinite" nodeType="mainSeq">
+                <p:childTnLst>
+                  <p:par>
+                    <p:cTn id="3" fill="hold">
+                      <p:stCondLst>
+                        <p:cond delay="indefinite"/>
+                      </p:stCondLst>
+                      <p:childTnLst>
+                        <p:par>
+                          <p:cTn id="4" fill="hold">
+                            <p:stCondLst>
+                              <p:cond delay="0"/>
+                            </p:stCondLst>
+                            <p:childTnLst>
+                              <p:par>
+                                <p:cTn id="5" presetID="53" presetClass="entr" presetSubtype="16" fill="hold" grpId="0" nodeType="clickEffect">
+                                  <p:stCondLst>
+                                    <p:cond delay="0"/>
+                                  </p:stCondLst>
+                                  <p:childTnLst>
+                                    <p:set>
+                                      <p:cBhvr>
+                                        <p:cTn id="6" dur="1" fill="hold">
+                                          <p:stCondLst>
+                                            <p:cond delay="0"/>
+                                          </p:stCondLst>
+                                        </p:cTn>
+                                        <p:tgtEl>
+                                          <p:spTgt spid="5"/>
+                                        </p:tgtEl>
+                                        <p:attrNameLst>
+                                          <p:attrName>style.visibility</p:attrName>
+                                        </p:attrNameLst>
+                                      </p:cBhvr>
+                                      <p:to>
+                                        <p:strVal val="visible"/>
+                                      </p:to>
+                                    </p:set>
+                                    <p:anim calcmode="lin" valueType="num">
+                                      <p:cBhvr>
+                                        <p:cTn id="7" dur="500" fill="hold"/>
+                                        <p:tgtEl>
+                                          <p:spTgt spid="5"/>
+                                        </p:tgtEl>
+                                        <p:attrNameLst>
+                                          <p:attrName>ppt_w</p:attrName>
+                                        </p:attrNameLst>
+                                      </p:cBhvr>
+                                      <p:tavLst>
+                                        <p:tav tm="0">
+                                          <p:val>
+                                            <p:fltVal val="0"/>
+                                          </p:val>
+                                        </p:tav>
+                                        <p:tav tm="100000">
+                                          <p:val>
+                                            <p:strVal val="#ppt_w"/>
+                                          </p:val>
+                                        </p:tav>
+                                      </p:tavLst>
+                                    </p:anim>
+                                    <p:anim calcmode="lin" valueType="num">
+                                      <p:cBhvr>
+                                        <p:cTn id="8" dur="500" fill="hold"/>
+                                        <p:tgtEl>
+                                          <p:spTgt spid="5"/>
+                                        </p:tgtEl>
+                                        <p:attrNameLst>
+                                          <p:attrName>ppt_h</p:attrName>
+                                        </p:attrNameLst>
+                                      </p:cBhvr>
+                                      <p:tavLst>
+                                        <p:tav tm="0">
+                                          <p:val>
+                                            <p:fltVal val="0"/>
+                                          </p:val>
+                                        </p:tav>
+                                        <p:tav tm="100000">
+                                          <p:val>
+                                            <p:strVal val="#ppt_h"/>
+                                          </p:val>
+                                        </p:tav>
+                                      </p:tavLst>
+                                    </p:anim>
+                                    <p:animEffect transition="in" filter="fade">
+                                      <p:cBhvr>
+                                        <p:cTn id="9" dur="500"/>
+                                        <p:tgtEl>
+                                          <p:spTgt spid="5"/>
+                                        </p:tgtEl>
+                                      </p:cBhvr>
+                                    </p:animEffect>
+                                  </p:childTnLst>
+                                </p:cTn>
+                              </p:par>
+                            </p:childTnLst>
+                          </p:cTn>
+                        </p:par>
+                      </p:childTnLst>
+                    </p:cTn>
+                  </p:par>
+                </p:childTnLst>
+              </p:cTn>
+              <p:prevCondLst>
+                <p:cond evt="onPrev" delay="0">
+                  <p:tgtEl>
+                    <p:sldTgt/>
+                  </p:tgtEl>
+                </p:cond>
+              </p:prevCondLst>
+              <p:nextCondLst>
+                <p:cond evt="onNext" delay="0">
+                  <p:tgtEl>
+                    <p:sldTgt/>
+                  </p:tgtEl>
+                </p:cond>
+              </p:nextCondLst>
+            </p:seq>
+          </p:childTnLst>
+        </p:cTn>
+      </p:par>
+    </p:tnLst>
+    <p:bldLst>
+      <p:bldP spid="5" grpId="0"/>
+    </p:bldLst>
+  </p:timing>
+</p:sld>
+</file>
+
+<file path=ppt/slides/slide17.xml><?xml version="1.0" encoding="utf-8"?>
+<p:sld xmlns:a="http://schemas.openxmlformats.org/drawingml/2006/main" xmlns:r="http://schemas.openxmlformats.org/officeDocument/2006/relationships" xmlns:p="http://schemas.openxmlformats.org/presentationml/2006/main">
+  <p:cSld>
+    <p:spTree>
+      <p:nvGrpSpPr>
+        <p:cNvPr id="1" name=""/>
+        <p:cNvGrpSpPr/>
+        <p:nvPr/>
+      </p:nvGrpSpPr>
+      <p:grpSpPr>
+        <a:xfrm>
+          <a:off x="0" y="0"/>
+          <a:ext cx="0" cy="0"/>
+          <a:chOff x="0" y="0"/>
+          <a:chExt cx="0" cy="0"/>
+        </a:xfrm>
+      </p:grpSpPr>
+      <p:sp>
+        <p:nvSpPr>
+          <p:cNvPr id="2" name="Título 1"/>
+          <p:cNvSpPr>
+            <a:spLocks noGrp="1"/>
+          </p:cNvSpPr>
+          <p:nvPr>
+            <p:ph type="title"/>
+          </p:nvPr>
+        </p:nvSpPr>
+        <p:spPr/>
+        <p:txBody>
+          <a:bodyPr>
+            <a:normAutofit fontScale="90000"/>
+          </a:bodyPr>
+          <a:lstStyle/>
+          <a:p>
+            <a:r>
+              <a:rPr lang="pt-BR" dirty="0" smtClean="0"/>
+              <a:t>Fundamentação Teórica</a:t>
+            </a:r>
+            <a:br>
+              <a:rPr lang="pt-BR" dirty="0" smtClean="0"/>
+            </a:br>
+            <a:r>
+              <a:rPr lang="pt-BR" sz="3100" dirty="0" smtClean="0"/>
+              <a:t>Motores de Gabaritos</a:t>
+            </a:r>
+            <a:endParaRPr lang="pt-BR" dirty="0"/>
+          </a:p>
+        </p:txBody>
+      </p:sp>
+      <p:pic>
+        <p:nvPicPr>
+          <p:cNvPr id="4" name="Imagem 3"/>
+          <p:cNvPicPr/>
+          <p:nvPr/>
+        </p:nvPicPr>
+        <p:blipFill>
+          <a:blip r:embed="rId2" cstate="print">
+            <a:extLst>
+              <a:ext uri="{28A0092B-C50C-407E-A947-70E740481C1C}">
+                <a14:useLocalDpi xmlns:a14="http://schemas.microsoft.com/office/drawing/2010/main" val="0"/>
+              </a:ext>
+            </a:extLst>
+          </a:blip>
+          <a:stretch>
+            <a:fillRect/>
+          </a:stretch>
+        </p:blipFill>
+        <p:spPr>
+          <a:xfrm>
+            <a:off x="2483768" y="1772816"/>
+            <a:ext cx="4320480" cy="4320480"/>
+          </a:xfrm>
+          <a:prstGeom prst="rect">
+            <a:avLst/>
+          </a:prstGeom>
+        </p:spPr>
+      </p:pic>
+    </p:spTree>
+    <p:extLst>
+      <p:ext uri="{BB962C8B-B14F-4D97-AF65-F5344CB8AC3E}">
+        <p14:creationId xmlns:p14="http://schemas.microsoft.com/office/powerpoint/2010/main" val="966469963"/>
+      </p:ext>
+    </p:extLst>
+  </p:cSld>
+  <p:clrMapOvr>
+    <a:masterClrMapping/>
+  </p:clrMapOvr>
+  <p:timing>
+    <p:tnLst>
+      <p:par>
+        <p:cTn id="1" dur="indefinite" restart="never" nodeType="tmRoot">
+          <p:childTnLst>
+            <p:seq concurrent="1" nextAc="seek">
+              <p:cTn id="2" dur="indefinite" nodeType="mainSeq">
+                <p:childTnLst>
+                  <p:par>
+                    <p:cTn id="3" fill="hold">
+                      <p:stCondLst>
+                        <p:cond delay="indefinite"/>
+                      </p:stCondLst>
+                      <p:childTnLst>
+                        <p:par>
+                          <p:cTn id="4" fill="hold">
+                            <p:stCondLst>
+                              <p:cond delay="0"/>
+                            </p:stCondLst>
+                            <p:childTnLst>
+                              <p:par>
+                                <p:cTn id="5" presetID="53" presetClass="entr" presetSubtype="16" fill="hold" nodeType="clickEffect">
+                                  <p:stCondLst>
+                                    <p:cond delay="0"/>
+                                  </p:stCondLst>
+                                  <p:childTnLst>
+                                    <p:set>
+                                      <p:cBhvr>
+                                        <p:cTn id="6" dur="1" fill="hold">
+                                          <p:stCondLst>
+                                            <p:cond delay="0"/>
+                                          </p:stCondLst>
+                                        </p:cTn>
+                                        <p:tgtEl>
+                                          <p:spTgt spid="4"/>
+                                        </p:tgtEl>
+                                        <p:attrNameLst>
+                                          <p:attrName>style.visibility</p:attrName>
+                                        </p:attrNameLst>
+                                      </p:cBhvr>
+                                      <p:to>
+                                        <p:strVal val="visible"/>
+                                      </p:to>
+                                    </p:set>
+                                    <p:anim calcmode="lin" valueType="num">
+                                      <p:cBhvr>
+                                        <p:cTn id="7" dur="500" fill="hold"/>
+                                        <p:tgtEl>
+                                          <p:spTgt spid="4"/>
+                                        </p:tgtEl>
+                                        <p:attrNameLst>
+                                          <p:attrName>ppt_w</p:attrName>
+                                        </p:attrNameLst>
+                                      </p:cBhvr>
+                                      <p:tavLst>
+                                        <p:tav tm="0">
+                                          <p:val>
+                                            <p:fltVal val="0"/>
+                                          </p:val>
+                                        </p:tav>
+                                        <p:tav tm="100000">
+                                          <p:val>
+                                            <p:strVal val="#ppt_w"/>
+                                          </p:val>
+                                        </p:tav>
+                                      </p:tavLst>
+                                    </p:anim>
+                                    <p:anim calcmode="lin" valueType="num">
+                                      <p:cBhvr>
+                                        <p:cTn id="8" dur="500" fill="hold"/>
+                                        <p:tgtEl>
+                                          <p:spTgt spid="4"/>
+                                        </p:tgtEl>
+                                        <p:attrNameLst>
+                                          <p:attrName>ppt_h</p:attrName>
+                                        </p:attrNameLst>
+                                      </p:cBhvr>
+                                      <p:tavLst>
+                                        <p:tav tm="0">
+                                          <p:val>
+                                            <p:fltVal val="0"/>
+                                          </p:val>
+                                        </p:tav>
+                                        <p:tav tm="100000">
+                                          <p:val>
+                                            <p:strVal val="#ppt_h"/>
+                                          </p:val>
+                                        </p:tav>
+                                      </p:tavLst>
+                                    </p:anim>
+                                    <p:animEffect transition="in" filter="fade">
+                                      <p:cBhvr>
+                                        <p:cTn id="9" dur="500"/>
+                                        <p:tgtEl>
+                                          <p:spTgt spid="4"/>
+                                        </p:tgtEl>
+                                      </p:cBhvr>
+                                    </p:animEffect>
+                                  </p:childTnLst>
+                                </p:cTn>
+                              </p:par>
+                            </p:childTnLst>
+                          </p:cTn>
+                        </p:par>
+                      </p:childTnLst>
+                    </p:cTn>
+                  </p:par>
+                </p:childTnLst>
+              </p:cTn>
+              <p:prevCondLst>
+                <p:cond evt="onPrev" delay="0">
+                  <p:tgtEl>
+                    <p:sldTgt/>
+                  </p:tgtEl>
+                </p:cond>
+              </p:prevCondLst>
+              <p:nextCondLst>
+                <p:cond evt="onNext" delay="0">
+                  <p:tgtEl>
+                    <p:sldTgt/>
+                  </p:tgtEl>
+                </p:cond>
+              </p:nextCondLst>
+            </p:seq>
+          </p:childTnLst>
+        </p:cTn>
+      </p:par>
+    </p:tnLst>
+  </p:timing>
+</p:sld>
+</file>
+
+<file path=ppt/slides/slide18.xml><?xml version="1.0" encoding="utf-8"?>
+<p:sld xmlns:a="http://schemas.openxmlformats.org/drawingml/2006/main" xmlns:r="http://schemas.openxmlformats.org/officeDocument/2006/relationships" xmlns:p="http://schemas.openxmlformats.org/presentationml/2006/main">
+  <p:cSld>
+    <p:spTree>
+      <p:nvGrpSpPr>
+        <p:cNvPr id="1" name=""/>
+        <p:cNvGrpSpPr/>
+        <p:nvPr/>
+      </p:nvGrpSpPr>
+      <p:grpSpPr>
+        <a:xfrm>
+          <a:off x="0" y="0"/>
+          <a:ext cx="0" cy="0"/>
+          <a:chOff x="0" y="0"/>
+          <a:chExt cx="0" cy="0"/>
+        </a:xfrm>
+      </p:grpSpPr>
+      <p:sp>
+        <p:nvSpPr>
+          <p:cNvPr id="2" name="Título 1"/>
+          <p:cNvSpPr>
+            <a:spLocks noGrp="1"/>
+          </p:cNvSpPr>
+          <p:nvPr>
+            <p:ph type="title"/>
+          </p:nvPr>
+        </p:nvSpPr>
+        <p:spPr/>
+        <p:txBody>
+          <a:bodyPr>
+            <a:normAutofit fontScale="90000"/>
+          </a:bodyPr>
+          <a:lstStyle/>
+          <a:p>
+            <a:r>
+              <a:rPr lang="pt-BR" dirty="0" smtClean="0"/>
+              <a:t>Fundamentação Teórica</a:t>
+            </a:r>
+            <a:br>
+              <a:rPr lang="pt-BR" dirty="0" smtClean="0"/>
+            </a:br>
+            <a:r>
+              <a:rPr lang="pt-BR" dirty="0" smtClean="0"/>
+              <a:t>Motores de Gabaritos</a:t>
+            </a:r>
+            <a:endParaRPr lang="pt-BR" dirty="0"/>
+          </a:p>
+        </p:txBody>
+      </p:sp>
+      <p:sp>
+        <p:nvSpPr>
+          <p:cNvPr id="3" name="Espaço Reservado para Conteúdo 2"/>
+          <p:cNvSpPr>
+            <a:spLocks noGrp="1"/>
+          </p:cNvSpPr>
+          <p:nvPr>
+            <p:ph idx="1"/>
+          </p:nvPr>
+        </p:nvSpPr>
+        <p:spPr>
+          <a:xfrm>
+            <a:off x="467544" y="1916832"/>
+            <a:ext cx="8229600" cy="4344144"/>
+          </a:xfrm>
+        </p:spPr>
+        <p:txBody>
+          <a:bodyPr>
+            <a:normAutofit/>
+          </a:bodyPr>
+          <a:lstStyle/>
+          <a:p>
+            <a:pPr algn="just">
+              <a:lnSpc>
+                <a:spcPct val="150000"/>
+              </a:lnSpc>
+            </a:pPr>
+            <a:r>
+              <a:rPr lang="pt-BR" dirty="0" smtClean="0"/>
+              <a:t>Várias linguagens de programação possuem motores de gabaritos desenvolvidos para facilitar a implementação de aplicações com padrão arquitetural MVC</a:t>
+            </a:r>
+          </a:p>
+          <a:p>
+            <a:pPr marL="0" indent="0" algn="just">
+              <a:lnSpc>
+                <a:spcPct val="150000"/>
+              </a:lnSpc>
+              <a:buNone/>
+            </a:pPr>
+            <a:r>
+              <a:rPr lang="pt-BR" dirty="0" smtClean="0"/>
+              <a:t>Entre várias soluções Java, foram pesquisados:</a:t>
+            </a:r>
+          </a:p>
+          <a:p>
+            <a:pPr algn="just">
+              <a:lnSpc>
+                <a:spcPct val="150000"/>
+              </a:lnSpc>
+            </a:pPr>
+            <a:r>
+              <a:rPr lang="pt-BR" dirty="0" smtClean="0"/>
+              <a:t>Apache Velocity </a:t>
+            </a:r>
+          </a:p>
+          <a:p>
+            <a:pPr algn="just">
+              <a:lnSpc>
+                <a:spcPct val="150000"/>
+              </a:lnSpc>
+            </a:pPr>
+            <a:r>
+              <a:rPr lang="pt-BR" sz="4000" b="1" dirty="0" smtClean="0"/>
+              <a:t>Apache Freemarker</a:t>
+            </a:r>
+            <a:endParaRPr lang="pt-BR" sz="4000" b="1" dirty="0" smtClean="0"/>
+          </a:p>
+          <a:p>
+            <a:endParaRPr lang="pt-BR" dirty="0"/>
+          </a:p>
+        </p:txBody>
+      </p:sp>
+    </p:spTree>
+    <p:extLst>
+      <p:ext uri="{BB962C8B-B14F-4D97-AF65-F5344CB8AC3E}">
+        <p14:creationId xmlns:p14="http://schemas.microsoft.com/office/powerpoint/2010/main" val="1162597756"/>
+      </p:ext>
+    </p:extLst>
+  </p:cSld>
+  <p:clrMapOvr>
+    <a:masterClrMapping/>
+  </p:clrMapOvr>
+  <p:timing>
+    <p:tnLst>
+      <p:par>
+        <p:cTn id="1" dur="indefinite" restart="never" nodeType="tmRoot">
+          <p:childTnLst>
+            <p:seq concurrent="1" nextAc="seek">
+              <p:cTn id="2" dur="indefinite" nodeType="mainSeq">
+                <p:childTnLst>
+                  <p:par>
+                    <p:cTn id="3" fill="hold">
+                      <p:stCondLst>
+                        <p:cond delay="indefinite"/>
+                      </p:stCondLst>
+                      <p:childTnLst>
+                        <p:par>
+                          <p:cTn id="4" fill="hold">
+                            <p:stCondLst>
+                              <p:cond delay="0"/>
+                            </p:stCondLst>
+                            <p:childTnLst>
+                              <p:par>
+                                <p:cTn id="5" presetID="10" presetClass="entr" presetSubtype="0" fill="hold" grpId="0" nodeType="clickEffect">
+                                  <p:stCondLst>
+                                    <p:cond delay="0"/>
+                                  </p:stCondLst>
+                                  <p:childTnLst>
+                                    <p:set>
+                                      <p:cBhvr>
+                                        <p:cTn id="6" dur="1" fill="hold">
+                                          <p:stCondLst>
+                                            <p:cond delay="0"/>
+                                          </p:stCondLst>
+                                        </p:cTn>
+                                        <p:tgtEl>
+                                          <p:spTgt spid="3">
+                                            <p:txEl>
+                                              <p:pRg st="0" end="0"/>
+                                            </p:txEl>
+                                          </p:spTgt>
+                                        </p:tgtEl>
+                                        <p:attrNameLst>
+                                          <p:attrName>style.visibility</p:attrName>
+                                        </p:attrNameLst>
+                                      </p:cBhvr>
+                                      <p:to>
+                                        <p:strVal val="visible"/>
+                                      </p:to>
+                                    </p:set>
+                                    <p:animEffect transition="in" filter="fade">
+                                      <p:cBhvr>
+                                        <p:cTn id="7" dur="500"/>
+                                        <p:tgtEl>
+                                          <p:spTgt spid="3">
+                                            <p:txEl>
+                                              <p:pRg st="0" end="0"/>
+                                            </p:txEl>
+                                          </p:spTgt>
+                                        </p:tgtEl>
+                                      </p:cBhvr>
+                                    </p:animEffect>
+                                  </p:childTnLst>
+                                </p:cTn>
+                              </p:par>
+                            </p:childTnLst>
+                          </p:cTn>
+                        </p:par>
+                      </p:childTnLst>
+                    </p:cTn>
+                  </p:par>
+                  <p:par>
+                    <p:cTn id="8" fill="hold">
+                      <p:stCondLst>
+                        <p:cond delay="indefinite"/>
+                      </p:stCondLst>
+                      <p:childTnLst>
+                        <p:par>
+                          <p:cTn id="9" fill="hold">
+                            <p:stCondLst>
+                              <p:cond delay="0"/>
+                            </p:stCondLst>
+                            <p:childTnLst>
+                              <p:par>
+                                <p:cTn id="10" presetID="10" presetClass="entr" presetSubtype="0" fill="hold" grpId="0" nodeType="clickEffect">
+                                  <p:stCondLst>
+                                    <p:cond delay="0"/>
+                                  </p:stCondLst>
+                                  <p:childTnLst>
+                                    <p:set>
+                                      <p:cBhvr>
+                                        <p:cTn id="11" dur="1" fill="hold">
+                                          <p:stCondLst>
+                                            <p:cond delay="0"/>
+                                          </p:stCondLst>
+                                        </p:cTn>
+                                        <p:tgtEl>
+                                          <p:spTgt spid="3">
+                                            <p:txEl>
+                                              <p:pRg st="1" end="1"/>
+                                            </p:txEl>
+                                          </p:spTgt>
+                                        </p:tgtEl>
+                                        <p:attrNameLst>
+                                          <p:attrName>style.visibility</p:attrName>
+                                        </p:attrNameLst>
+                                      </p:cBhvr>
+                                      <p:to>
+                                        <p:strVal val="visible"/>
+                                      </p:to>
+                                    </p:set>
+                                    <p:animEffect transition="in" filter="fade">
+                                      <p:cBhvr>
+                                        <p:cTn id="12" dur="500"/>
+                                        <p:tgtEl>
+                                          <p:spTgt spid="3">
+                                            <p:txEl>
+                                              <p:pRg st="1" end="1"/>
+                                            </p:txEl>
+                                          </p:spTgt>
+                                        </p:tgtEl>
+                                      </p:cBhvr>
+                                    </p:animEffect>
+                                  </p:childTnLst>
+                                </p:cTn>
+                              </p:par>
+                            </p:childTnLst>
+                          </p:cTn>
+                        </p:par>
+                      </p:childTnLst>
+                    </p:cTn>
+                  </p:par>
+                  <p:par>
+                    <p:cTn id="13" fill="hold">
+                      <p:stCondLst>
+                        <p:cond delay="indefinite"/>
+                      </p:stCondLst>
+                      <p:childTnLst>
+                        <p:par>
+                          <p:cTn id="14" fill="hold">
+                            <p:stCondLst>
+                              <p:cond delay="0"/>
+                            </p:stCondLst>
+                            <p:childTnLst>
+                              <p:par>
+                                <p:cTn id="15" presetID="10" presetClass="entr" presetSubtype="0" fill="hold" grpId="0" nodeType="clickEffect">
+                                  <p:stCondLst>
+                                    <p:cond delay="0"/>
+                                  </p:stCondLst>
+                                  <p:childTnLst>
+                                    <p:set>
+                                      <p:cBhvr>
+                                        <p:cTn id="16" dur="1" fill="hold">
+                                          <p:stCondLst>
+                                            <p:cond delay="0"/>
+                                          </p:stCondLst>
+                                        </p:cTn>
+                                        <p:tgtEl>
+                                          <p:spTgt spid="3">
+                                            <p:txEl>
+                                              <p:pRg st="2" end="2"/>
+                                            </p:txEl>
+                                          </p:spTgt>
+                                        </p:tgtEl>
+                                        <p:attrNameLst>
+                                          <p:attrName>style.visibility</p:attrName>
+                                        </p:attrNameLst>
+                                      </p:cBhvr>
+                                      <p:to>
+                                        <p:strVal val="visible"/>
+                                      </p:to>
+                                    </p:set>
+                                    <p:animEffect transition="in" filter="fade">
+                                      <p:cBhvr>
+                                        <p:cTn id="17" dur="500"/>
+                                        <p:tgtEl>
+                                          <p:spTgt spid="3">
+                                            <p:txEl>
+                                              <p:pRg st="2" end="2"/>
+                                            </p:txEl>
+                                          </p:spTgt>
+                                        </p:tgtEl>
+                                      </p:cBhvr>
+                                    </p:animEffect>
+                                  </p:childTnLst>
+                                </p:cTn>
+                              </p:par>
+                            </p:childTnLst>
+                          </p:cTn>
+                        </p:par>
+                      </p:childTnLst>
+                    </p:cTn>
+                  </p:par>
+                  <p:par>
+                    <p:cTn id="18" fill="hold">
+                      <p:stCondLst>
+                        <p:cond delay="indefinite"/>
+                      </p:stCondLst>
+                      <p:childTnLst>
+                        <p:par>
+                          <p:cTn id="19" fill="hold">
+                            <p:stCondLst>
+                              <p:cond delay="0"/>
+                            </p:stCondLst>
+                            <p:childTnLst>
+                              <p:par>
+                                <p:cTn id="20" presetID="10" presetClass="entr" presetSubtype="0" fill="hold" grpId="0" nodeType="clickEffect">
+                                  <p:stCondLst>
+                                    <p:cond delay="0"/>
+                                  </p:stCondLst>
+                                  <p:childTnLst>
+                                    <p:set>
+                                      <p:cBhvr>
+                                        <p:cTn id="21" dur="1" fill="hold">
+                                          <p:stCondLst>
+                                            <p:cond delay="0"/>
+                                          </p:stCondLst>
+                                        </p:cTn>
+                                        <p:tgtEl>
+                                          <p:spTgt spid="3">
+                                            <p:txEl>
+                                              <p:pRg st="3" end="3"/>
+                                            </p:txEl>
+                                          </p:spTgt>
+                                        </p:tgtEl>
+                                        <p:attrNameLst>
+                                          <p:attrName>style.visibility</p:attrName>
+                                        </p:attrNameLst>
+                                      </p:cBhvr>
+                                      <p:to>
+                                        <p:strVal val="visible"/>
+                                      </p:to>
+                                    </p:set>
+                                    <p:animEffect transition="in" filter="fade">
+                                      <p:cBhvr>
+                                        <p:cTn id="22" dur="500"/>
+                                        <p:tgtEl>
+                                          <p:spTgt spid="3">
+                                            <p:txEl>
+                                              <p:pRg st="3" end="3"/>
+                                            </p:txEl>
+                                          </p:spTgt>
+                                        </p:tgtEl>
+                                      </p:cBhvr>
+                                    </p:animEffect>
+                                  </p:childTnLst>
+                                </p:cTn>
+                              </p:par>
+                            </p:childTnLst>
+                          </p:cTn>
+                        </p:par>
+                      </p:childTnLst>
+                    </p:cTn>
+                  </p:par>
+                </p:childTnLst>
+              </p:cTn>
+              <p:prevCondLst>
+                <p:cond evt="onPrev" delay="0">
+                  <p:tgtEl>
+                    <p:sldTgt/>
+                  </p:tgtEl>
+                </p:cond>
+              </p:prevCondLst>
+              <p:nextCondLst>
+                <p:cond evt="onNext" delay="0">
+                  <p:tgtEl>
+                    <p:sldTgt/>
+                  </p:tgtEl>
+                </p:cond>
+              </p:nextCondLst>
+            </p:seq>
+          </p:childTnLst>
+        </p:cTn>
+      </p:par>
+    </p:tnLst>
+    <p:bldLst>
+      <p:bldP spid="3" grpId="0" build="p"/>
+    </p:bldLst>
+  </p:timing>
+</p:sld>
+</file>
+
+<file path=ppt/slides/slide19.xml><?xml version="1.0" encoding="utf-8"?>
+<p:sld xmlns:a="http://schemas.openxmlformats.org/drawingml/2006/main" xmlns:r="http://schemas.openxmlformats.org/officeDocument/2006/relationships" xmlns:p="http://schemas.openxmlformats.org/presentationml/2006/main">
+  <p:cSld>
+    <p:spTree>
+      <p:nvGrpSpPr>
+        <p:cNvPr id="1" name=""/>
+        <p:cNvGrpSpPr/>
+        <p:nvPr/>
+      </p:nvGrpSpPr>
+      <p:grpSpPr>
+        <a:xfrm>
+          <a:off x="0" y="0"/>
+          <a:ext cx="0" cy="0"/>
+          <a:chOff x="0" y="0"/>
+          <a:chExt cx="0" cy="0"/>
+        </a:xfrm>
+      </p:grpSpPr>
+      <p:sp>
+        <p:nvSpPr>
+          <p:cNvPr id="2" name="Título 1"/>
+          <p:cNvSpPr>
+            <a:spLocks noGrp="1"/>
+          </p:cNvSpPr>
+          <p:nvPr>
+            <p:ph type="title"/>
+          </p:nvPr>
+        </p:nvSpPr>
+        <p:spPr/>
+        <p:txBody>
+          <a:bodyPr>
+            <a:normAutofit fontScale="90000"/>
+          </a:bodyPr>
+          <a:lstStyle/>
+          <a:p>
+            <a:r>
+              <a:rPr lang="pt-BR" dirty="0" smtClean="0"/>
+              <a:t>Fundamentação Teórica</a:t>
+            </a:r>
+            <a:br>
+              <a:rPr lang="pt-BR" dirty="0" smtClean="0"/>
+            </a:br>
+            <a:r>
+              <a:rPr lang="pt-BR" dirty="0" smtClean="0"/>
+              <a:t>Apache Freemarker</a:t>
+            </a:r>
+            <a:endParaRPr lang="pt-BR" dirty="0"/>
+          </a:p>
+        </p:txBody>
+      </p:sp>
+      <p:sp>
+        <p:nvSpPr>
+          <p:cNvPr id="3" name="Espaço Reservado para Conteúdo 2"/>
+          <p:cNvSpPr>
+            <a:spLocks noGrp="1"/>
+          </p:cNvSpPr>
+          <p:nvPr>
+            <p:ph idx="1"/>
+          </p:nvPr>
+        </p:nvSpPr>
+        <p:spPr>
+          <a:xfrm>
+            <a:off x="467544" y="1916832"/>
+            <a:ext cx="8229600" cy="4344144"/>
+          </a:xfrm>
+        </p:spPr>
+        <p:txBody>
+          <a:bodyPr>
+            <a:normAutofit lnSpcReduction="10000"/>
+          </a:bodyPr>
+          <a:lstStyle/>
+          <a:p>
+            <a:pPr algn="just">
+              <a:lnSpc>
+                <a:spcPct val="150000"/>
+              </a:lnSpc>
+            </a:pPr>
+            <a:r>
+              <a:rPr lang="pt-BR" dirty="0" smtClean="0"/>
+              <a:t>(KRUEGGER,1992) Reuso de software é o processo de se criar software a partir de software existente;</a:t>
+            </a:r>
+          </a:p>
+          <a:p>
+            <a:pPr algn="just">
+              <a:lnSpc>
+                <a:spcPct val="150000"/>
+              </a:lnSpc>
+            </a:pPr>
+            <a:r>
+              <a:rPr lang="pt-BR" dirty="0"/>
+              <a:t>(SHIMABUKURO JUNIOR, 2006</a:t>
+            </a:r>
+            <a:r>
+              <a:rPr lang="pt-BR" dirty="0" smtClean="0"/>
+              <a:t>) Código fonte, diagramas, documentação e qualquer outro artefato pode e deve ser utilizado para acelerar o processo de desenvolvimento de novas soluções;</a:t>
+            </a:r>
+          </a:p>
+          <a:p>
+            <a:pPr algn="just">
+              <a:lnSpc>
+                <a:spcPct val="150000"/>
+              </a:lnSpc>
+            </a:pPr>
+            <a:r>
+              <a:rPr lang="pt-BR" dirty="0"/>
+              <a:t>(SOMMERVILLE, 2013</a:t>
+            </a:r>
+            <a:r>
+              <a:rPr lang="pt-BR" dirty="0" smtClean="0"/>
+              <a:t>) O movimento de software livre tem impulsionado o reuso;</a:t>
+            </a:r>
+          </a:p>
+          <a:p>
+            <a:endParaRPr lang="pt-BR" dirty="0"/>
+          </a:p>
+        </p:txBody>
+      </p:sp>
+    </p:spTree>
+    <p:extLst>
+      <p:ext uri="{BB962C8B-B14F-4D97-AF65-F5344CB8AC3E}">
+        <p14:creationId xmlns:p14="http://schemas.microsoft.com/office/powerpoint/2010/main" val="3771295850"/>
       </p:ext>
     </p:extLst>
   </p:cSld>
@@ -6675,7 +10736,7 @@
                             </p:stCondLst>
                             <p:childTnLst>
                               <p:par>
-                                <p:cTn id="10" presetID="10" presetClass="entr" presetSubtype="0" fill="hold" nodeType="clickEffect">
+                                <p:cTn id="10" presetID="10" presetClass="entr" presetSubtype="0" fill="hold" grpId="0" nodeType="clickEffect">
                                   <p:stCondLst>
                                     <p:cond delay="0"/>
                                   </p:stCondLst>
@@ -6717,15 +10778,33 @@
                                   </p:childTnLst>
                                 </p:cTn>
                               </p:par>
+                            </p:childTnLst>
+                          </p:cTn>
+                        </p:par>
+                      </p:childTnLst>
+                    </p:cTn>
+                  </p:par>
+                  <p:par>
+                    <p:cTn id="13" fill="hold">
+                      <p:stCondLst>
+                        <p:cond delay="indefinite"/>
+                      </p:stCondLst>
+                      <p:childTnLst>
+                        <p:par>
+                          <p:cTn id="14" fill="hold">
+                            <p:stCondLst>
+                              <p:cond delay="0"/>
+                            </p:stCondLst>
+                            <p:childTnLst>
                               <p:par>
-                                <p:cTn id="13" presetID="10" presetClass="entr" presetSubtype="0" fill="hold" nodeType="withEffect">
+                                <p:cTn id="15" presetID="10" presetClass="entr" presetSubtype="0" fill="hold" grpId="0" nodeType="clickEffect">
                                   <p:stCondLst>
                                     <p:cond delay="0"/>
                                   </p:stCondLst>
                                   <p:childTnLst>
                                     <p:set>
                                       <p:cBhvr>
-                                        <p:cTn id="14" dur="1" fill="hold">
+                                        <p:cTn id="16" dur="1" fill="hold">
                                           <p:stCondLst>
                                             <p:cond delay="0"/>
                                           </p:stCondLst>
@@ -6747,7 +10826,7 @@
                                     </p:set>
                                     <p:animEffect transition="in" filter="fade">
                                       <p:cBhvr>
-                                        <p:cTn id="15" dur="500"/>
+                                        <p:cTn id="17" dur="500"/>
                                         <p:tgtEl>
                                           <p:spTgt spid="3">
                                             <p:txEl>
@@ -6760,15 +10839,33 @@
                                   </p:childTnLst>
                                 </p:cTn>
                               </p:par>
+                            </p:childTnLst>
+                          </p:cTn>
+                        </p:par>
+                      </p:childTnLst>
+                    </p:cTn>
+                  </p:par>
+                  <p:par>
+                    <p:cTn id="18" fill="hold">
+                      <p:stCondLst>
+                        <p:cond delay="indefinite"/>
+                      </p:stCondLst>
+                      <p:childTnLst>
+                        <p:par>
+                          <p:cTn id="19" fill="hold">
+                            <p:stCondLst>
+                              <p:cond delay="0"/>
+                            </p:stCondLst>
+                            <p:childTnLst>
                               <p:par>
-                                <p:cTn id="16" presetID="10" presetClass="entr" presetSubtype="0" fill="hold" nodeType="withEffect">
+                                <p:cTn id="20" presetID="10" presetClass="entr" presetSubtype="0" fill="hold" grpId="0" nodeType="clickEffect">
                                   <p:stCondLst>
                                     <p:cond delay="0"/>
                                   </p:stCondLst>
                                   <p:childTnLst>
                                     <p:set>
                                       <p:cBhvr>
-                                        <p:cTn id="17" dur="1" fill="hold">
+                                        <p:cTn id="21" dur="1" fill="hold">
                                           <p:stCondLst>
                                             <p:cond delay="0"/>
                                           </p:stCondLst>
@@ -6790,7 +10887,7 @@
                                     </p:set>
                                     <p:animEffect transition="in" filter="fade">
                                       <p:cBhvr>
-                                        <p:cTn id="18" dur="500"/>
+                                        <p:cTn id="22" dur="500"/>
                                         <p:tgtEl>
                                           <p:spTgt spid="3">
                                             <p:txEl>
